--- a/记录.pptx
+++ b/记录.pptx
@@ -5,18 +5,19 @@
     <p:sldMasterId id="2147483648" r:id="rId1"/>
   </p:sldMasterIdLst>
   <p:notesMasterIdLst>
-    <p:notesMasterId r:id="rId6"/>
+    <p:notesMasterId r:id="rId7"/>
   </p:notesMasterIdLst>
   <p:sldIdLst>
     <p:sldId id="357" r:id="rId2"/>
     <p:sldId id="358" r:id="rId3"/>
     <p:sldId id="359" r:id="rId4"/>
     <p:sldId id="360" r:id="rId5"/>
+    <p:sldId id="361" r:id="rId6"/>
   </p:sldIdLst>
   <p:sldSz cx="12192000" cy="6858000"/>
   <p:notesSz cx="6858000" cy="9144000"/>
   <p:custDataLst>
-    <p:tags r:id="rId7"/>
+    <p:tags r:id="rId8"/>
   </p:custDataLst>
   <p:defaultTextStyle>
     <a:defPPr>
@@ -211,7 +212,7 @@
           <a:p>
             <a:fld id="{5D13BBE5-0BEA-4494-9BEF-C8C2F48C9E2D}" type="datetimeFigureOut">
               <a:rPr lang="zh-CN" altLang="en-US" smtClean="0"/>
-              <a:t>2024/8/15</a:t>
+              <a:t>2024/8/19</a:t>
             </a:fld>
             <a:endParaRPr lang="zh-CN" altLang="en-US"/>
           </a:p>
@@ -800,6 +801,90 @@
     <p:extLst>
       <p:ext uri="{BB962C8B-B14F-4D97-AF65-F5344CB8AC3E}">
         <p14:creationId xmlns:p14="http://schemas.microsoft.com/office/powerpoint/2010/main" val="3249268534"/>
+      </p:ext>
+    </p:extLst>
+  </p:cSld>
+  <p:clrMapOvr>
+    <a:masterClrMapping/>
+  </p:clrMapOvr>
+</p:notes>
+</file>
+
+<file path=ppt/notesSlides/notesSlide5.xml><?xml version="1.0" encoding="utf-8"?>
+<p:notes xmlns:a="http://schemas.openxmlformats.org/drawingml/2006/main" xmlns:r="http://schemas.openxmlformats.org/officeDocument/2006/relationships" xmlns:p="http://schemas.openxmlformats.org/presentationml/2006/main">
+  <p:cSld>
+    <p:spTree>
+      <p:nvGrpSpPr>
+        <p:cNvPr id="1" name=""/>
+        <p:cNvGrpSpPr/>
+        <p:nvPr/>
+      </p:nvGrpSpPr>
+      <p:grpSpPr>
+        <a:xfrm>
+          <a:off x="0" y="0"/>
+          <a:ext cx="0" cy="0"/>
+          <a:chOff x="0" y="0"/>
+          <a:chExt cx="0" cy="0"/>
+        </a:xfrm>
+      </p:grpSpPr>
+      <p:sp>
+        <p:nvSpPr>
+          <p:cNvPr id="2" name="幻灯片图像占位符 1"/>
+          <p:cNvSpPr>
+            <a:spLocks noGrp="1" noRot="1" noChangeAspect="1"/>
+          </p:cNvSpPr>
+          <p:nvPr>
+            <p:ph type="sldImg"/>
+          </p:nvPr>
+        </p:nvSpPr>
+        <p:spPr/>
+      </p:sp>
+      <p:sp>
+        <p:nvSpPr>
+          <p:cNvPr id="3" name="备注占位符 2"/>
+          <p:cNvSpPr>
+            <a:spLocks noGrp="1"/>
+          </p:cNvSpPr>
+          <p:nvPr>
+            <p:ph type="body" idx="1"/>
+          </p:nvPr>
+        </p:nvSpPr>
+        <p:spPr/>
+        <p:txBody>
+          <a:bodyPr/>
+          <a:lstStyle/>
+          <a:p>
+            <a:endParaRPr lang="zh-CN" altLang="en-US" dirty="0"/>
+          </a:p>
+        </p:txBody>
+      </p:sp>
+      <p:sp>
+        <p:nvSpPr>
+          <p:cNvPr id="4" name="灯片编号占位符 3"/>
+          <p:cNvSpPr>
+            <a:spLocks noGrp="1"/>
+          </p:cNvSpPr>
+          <p:nvPr>
+            <p:ph type="sldNum" sz="quarter" idx="5"/>
+          </p:nvPr>
+        </p:nvSpPr>
+        <p:spPr/>
+        <p:txBody>
+          <a:bodyPr/>
+          <a:lstStyle/>
+          <a:p>
+            <a:fld id="{F1CB8912-F0BA-4AD8-8415-DA1F26BCB09F}" type="slidenum">
+              <a:rPr lang="zh-CN" altLang="en-US" smtClean="0"/>
+              <a:t>5</a:t>
+            </a:fld>
+            <a:endParaRPr lang="zh-CN" altLang="en-US"/>
+          </a:p>
+        </p:txBody>
+      </p:sp>
+    </p:spTree>
+    <p:extLst>
+      <p:ext uri="{BB962C8B-B14F-4D97-AF65-F5344CB8AC3E}">
+        <p14:creationId xmlns:p14="http://schemas.microsoft.com/office/powerpoint/2010/main" val="2680182320"/>
       </p:ext>
     </p:extLst>
   </p:cSld>
@@ -4811,16 +4896,6 @@
               <a:defRPr/>
             </a:pPr>
             <a:r>
-              <a:rPr lang="en-US" altLang="zh-CN" sz="1400" b="1" dirty="0" err="1">
-                <a:solidFill>
-                  <a:srgbClr val="7F12B6"/>
-                </a:solidFill>
-                <a:latin typeface="时尚中黑简体" panose="01010104010101010101" pitchFamily="2" charset="-122"/>
-                <a:ea typeface="时尚中黑简体" panose="01010104010101010101" pitchFamily="2" charset="-122"/>
-              </a:rPr>
-              <a:t>PocketNavigator</a:t>
-            </a:r>
-            <a:r>
               <a:rPr lang="en-US" altLang="zh-CN" sz="1400" b="1" dirty="0">
                 <a:solidFill>
                   <a:srgbClr val="7F12B6"/>
@@ -4828,17 +4903,688 @@
                 <a:latin typeface="时尚中黑简体" panose="01010104010101010101" pitchFamily="2" charset="-122"/>
                 <a:ea typeface="时尚中黑简体" panose="01010104010101010101" pitchFamily="2" charset="-122"/>
               </a:rPr>
-              <a:t>: Studying Tactile Navigation Systems In-Situ                                                                       --CHI 2012</a:t>
+              <a:t>Glow the Buzz: a VR Puzzle Adventure Game Mainly Played Through Haptic Feedback           --CHI 2023</a:t>
             </a:r>
+          </a:p>
+        </p:txBody>
+      </p:sp>
+    </p:spTree>
+    <p:extLst>
+      <p:ext uri="{BB962C8B-B14F-4D97-AF65-F5344CB8AC3E}">
+        <p14:creationId xmlns:p14="http://schemas.microsoft.com/office/powerpoint/2010/main" val="3200862828"/>
+      </p:ext>
+    </p:extLst>
+  </p:cSld>
+  <p:clrMapOvr>
+    <a:masterClrMapping/>
+  </p:clrMapOvr>
+  <mc:AlternateContent xmlns:mc="http://schemas.openxmlformats.org/markup-compatibility/2006" xmlns:p14="http://schemas.microsoft.com/office/powerpoint/2010/main">
+    <mc:Choice Requires="p14">
+      <p:transition spd="slow" p14:dur="1500" advTm="0">
+        <p:random/>
+      </p:transition>
+    </mc:Choice>
+    <mc:Fallback xmlns="">
+      <p:transition spd="slow" advTm="0">
+        <p:random/>
+      </p:transition>
+    </mc:Fallback>
+  </mc:AlternateContent>
+</p:sld>
+</file>
+
+<file path=ppt/slides/slide5.xml><?xml version="1.0" encoding="utf-8"?>
+<p:sld xmlns:a="http://schemas.openxmlformats.org/drawingml/2006/main" xmlns:r="http://schemas.openxmlformats.org/officeDocument/2006/relationships" xmlns:p="http://schemas.openxmlformats.org/presentationml/2006/main">
+  <p:cSld>
+    <p:spTree>
+      <p:nvGrpSpPr>
+        <p:cNvPr id="1" name=""/>
+        <p:cNvGrpSpPr/>
+        <p:nvPr/>
+      </p:nvGrpSpPr>
+      <p:grpSpPr>
+        <a:xfrm>
+          <a:off x="0" y="0"/>
+          <a:ext cx="0" cy="0"/>
+          <a:chOff x="0" y="0"/>
+          <a:chExt cx="0" cy="0"/>
+        </a:xfrm>
+      </p:grpSpPr>
+      <p:grpSp>
+        <p:nvGrpSpPr>
+          <p:cNvPr id="21" name="组合 20"/>
+          <p:cNvGrpSpPr/>
+          <p:nvPr/>
+        </p:nvGrpSpPr>
+        <p:grpSpPr>
+          <a:xfrm>
+            <a:off x="5270500" y="510493"/>
+            <a:ext cx="7561033" cy="380555"/>
+            <a:chOff x="6997699" y="510493"/>
+            <a:chExt cx="5794625" cy="380555"/>
+          </a:xfrm>
+        </p:grpSpPr>
+        <p:sp>
+          <p:nvSpPr>
+            <p:cNvPr id="22" name="任意多边形: 形状 21"/>
+            <p:cNvSpPr/>
+            <p:nvPr userDrawn="1"/>
+          </p:nvSpPr>
+          <p:spPr>
+            <a:xfrm flipH="1">
+              <a:off x="6997699" y="764493"/>
+              <a:ext cx="5376633" cy="126555"/>
+            </a:xfrm>
+            <a:custGeom>
+              <a:avLst/>
+              <a:gdLst>
+                <a:gd name="connsiteX0" fmla="*/ 7367523 w 7367523"/>
+                <a:gd name="connsiteY0" fmla="*/ 0 h 173416"/>
+                <a:gd name="connsiteX1" fmla="*/ 6374783 w 7367523"/>
+                <a:gd name="connsiteY1" fmla="*/ 0 h 173416"/>
+                <a:gd name="connsiteX2" fmla="*/ 6240349 w 7367523"/>
+                <a:gd name="connsiteY2" fmla="*/ 0 h 173416"/>
+                <a:gd name="connsiteX3" fmla="*/ 5540227 w 7367523"/>
+                <a:gd name="connsiteY3" fmla="*/ 0 h 173416"/>
+                <a:gd name="connsiteX4" fmla="*/ 5247612 w 7367523"/>
+                <a:gd name="connsiteY4" fmla="*/ 0 h 173416"/>
+                <a:gd name="connsiteX5" fmla="*/ 4707193 w 7367523"/>
+                <a:gd name="connsiteY5" fmla="*/ 0 h 173416"/>
+                <a:gd name="connsiteX6" fmla="*/ 4413053 w 7367523"/>
+                <a:gd name="connsiteY6" fmla="*/ 0 h 173416"/>
+                <a:gd name="connsiteX7" fmla="*/ 3865356 w 7367523"/>
+                <a:gd name="connsiteY7" fmla="*/ 0 h 173416"/>
+                <a:gd name="connsiteX8" fmla="*/ 3580019 w 7367523"/>
+                <a:gd name="connsiteY8" fmla="*/ 0 h 173416"/>
+                <a:gd name="connsiteX9" fmla="*/ 2872616 w 7367523"/>
+                <a:gd name="connsiteY9" fmla="*/ 0 h 173416"/>
+                <a:gd name="connsiteX10" fmla="*/ 2738183 w 7367523"/>
+                <a:gd name="connsiteY10" fmla="*/ 0 h 173416"/>
+                <a:gd name="connsiteX11" fmla="*/ 2038060 w 7367523"/>
+                <a:gd name="connsiteY11" fmla="*/ 0 h 173416"/>
+                <a:gd name="connsiteX12" fmla="*/ 1745445 w 7367523"/>
+                <a:gd name="connsiteY12" fmla="*/ 0 h 173416"/>
+                <a:gd name="connsiteX13" fmla="*/ 1205026 w 7367523"/>
+                <a:gd name="connsiteY13" fmla="*/ 0 h 173416"/>
+                <a:gd name="connsiteX14" fmla="*/ 910887 w 7367523"/>
+                <a:gd name="connsiteY14" fmla="*/ 0 h 173416"/>
+                <a:gd name="connsiteX15" fmla="*/ 77853 w 7367523"/>
+                <a:gd name="connsiteY15" fmla="*/ 0 h 173416"/>
+                <a:gd name="connsiteX16" fmla="*/ 0 w 7367523"/>
+                <a:gd name="connsiteY16" fmla="*/ 173416 h 173416"/>
+                <a:gd name="connsiteX17" fmla="*/ 7289670 w 7367523"/>
+                <a:gd name="connsiteY17" fmla="*/ 173416 h 173416"/>
+              </a:gdLst>
+              <a:ahLst/>
+              <a:cxnLst>
+                <a:cxn ang="0">
+                  <a:pos x="connsiteX0" y="connsiteY0"/>
+                </a:cxn>
+                <a:cxn ang="0">
+                  <a:pos x="connsiteX1" y="connsiteY1"/>
+                </a:cxn>
+                <a:cxn ang="0">
+                  <a:pos x="connsiteX2" y="connsiteY2"/>
+                </a:cxn>
+                <a:cxn ang="0">
+                  <a:pos x="connsiteX3" y="connsiteY3"/>
+                </a:cxn>
+                <a:cxn ang="0">
+                  <a:pos x="connsiteX4" y="connsiteY4"/>
+                </a:cxn>
+                <a:cxn ang="0">
+                  <a:pos x="connsiteX5" y="connsiteY5"/>
+                </a:cxn>
+                <a:cxn ang="0">
+                  <a:pos x="connsiteX6" y="connsiteY6"/>
+                </a:cxn>
+                <a:cxn ang="0">
+                  <a:pos x="connsiteX7" y="connsiteY7"/>
+                </a:cxn>
+                <a:cxn ang="0">
+                  <a:pos x="connsiteX8" y="connsiteY8"/>
+                </a:cxn>
+                <a:cxn ang="0">
+                  <a:pos x="connsiteX9" y="connsiteY9"/>
+                </a:cxn>
+                <a:cxn ang="0">
+                  <a:pos x="connsiteX10" y="connsiteY10"/>
+                </a:cxn>
+                <a:cxn ang="0">
+                  <a:pos x="connsiteX11" y="connsiteY11"/>
+                </a:cxn>
+                <a:cxn ang="0">
+                  <a:pos x="connsiteX12" y="connsiteY12"/>
+                </a:cxn>
+                <a:cxn ang="0">
+                  <a:pos x="connsiteX13" y="connsiteY13"/>
+                </a:cxn>
+                <a:cxn ang="0">
+                  <a:pos x="connsiteX14" y="connsiteY14"/>
+                </a:cxn>
+                <a:cxn ang="0">
+                  <a:pos x="connsiteX15" y="connsiteY15"/>
+                </a:cxn>
+                <a:cxn ang="0">
+                  <a:pos x="connsiteX16" y="connsiteY16"/>
+                </a:cxn>
+                <a:cxn ang="0">
+                  <a:pos x="connsiteX17" y="connsiteY17"/>
+                </a:cxn>
+              </a:cxnLst>
+              <a:rect l="l" t="t" r="r" b="b"/>
+              <a:pathLst>
+                <a:path w="7367523" h="173416">
+                  <a:moveTo>
+                    <a:pt x="7367523" y="0"/>
+                  </a:moveTo>
+                  <a:lnTo>
+                    <a:pt x="6374783" y="0"/>
+                  </a:lnTo>
+                  <a:lnTo>
+                    <a:pt x="6240349" y="0"/>
+                  </a:lnTo>
+                  <a:lnTo>
+                    <a:pt x="5540227" y="0"/>
+                  </a:lnTo>
+                  <a:lnTo>
+                    <a:pt x="5247612" y="0"/>
+                  </a:lnTo>
+                  <a:lnTo>
+                    <a:pt x="4707193" y="0"/>
+                  </a:lnTo>
+                  <a:lnTo>
+                    <a:pt x="4413053" y="0"/>
+                  </a:lnTo>
+                  <a:lnTo>
+                    <a:pt x="3865356" y="0"/>
+                  </a:lnTo>
+                  <a:lnTo>
+                    <a:pt x="3580019" y="0"/>
+                  </a:lnTo>
+                  <a:lnTo>
+                    <a:pt x="2872616" y="0"/>
+                  </a:lnTo>
+                  <a:lnTo>
+                    <a:pt x="2738183" y="0"/>
+                  </a:lnTo>
+                  <a:lnTo>
+                    <a:pt x="2038060" y="0"/>
+                  </a:lnTo>
+                  <a:lnTo>
+                    <a:pt x="1745445" y="0"/>
+                  </a:lnTo>
+                  <a:lnTo>
+                    <a:pt x="1205026" y="0"/>
+                  </a:lnTo>
+                  <a:lnTo>
+                    <a:pt x="910887" y="0"/>
+                  </a:lnTo>
+                  <a:lnTo>
+                    <a:pt x="77853" y="0"/>
+                  </a:lnTo>
+                  <a:lnTo>
+                    <a:pt x="0" y="173416"/>
+                  </a:lnTo>
+                  <a:lnTo>
+                    <a:pt x="7289670" y="173416"/>
+                  </a:lnTo>
+                  <a:close/>
+                </a:path>
+              </a:pathLst>
+            </a:custGeom>
+            <a:gradFill flip="none" rotWithShape="0">
+              <a:gsLst>
+                <a:gs pos="0">
+                  <a:srgbClr val="228AF2"/>
+                </a:gs>
+                <a:gs pos="94000">
+                  <a:srgbClr val="7F12B6"/>
+                </a:gs>
+              </a:gsLst>
+              <a:lin ang="2700000" scaled="1"/>
+              <a:tileRect/>
+            </a:gradFill>
+            <a:ln>
+              <a:noFill/>
+            </a:ln>
+          </p:spPr>
+          <p:style>
+            <a:lnRef idx="2">
+              <a:schemeClr val="accent1">
+                <a:shade val="50000"/>
+              </a:schemeClr>
+            </a:lnRef>
+            <a:fillRef idx="1">
+              <a:schemeClr val="accent1"/>
+            </a:fillRef>
+            <a:effectRef idx="0">
+              <a:schemeClr val="accent1"/>
+            </a:effectRef>
+            <a:fontRef idx="minor">
+              <a:schemeClr val="lt1"/>
+            </a:fontRef>
+          </p:style>
+          <p:txBody>
+            <a:bodyPr rot="0" spcFirstLastPara="0" vertOverflow="overflow" horzOverflow="overflow" vert="horz" wrap="square" lIns="91440" tIns="45720" rIns="91440" bIns="45720" numCol="1" spcCol="0" rtlCol="0" fromWordArt="0" anchor="ctr" anchorCtr="0" forceAA="0" compatLnSpc="1">
+              <a:noAutofit/>
+            </a:bodyPr>
+            <a:lstStyle/>
+            <a:p>
+              <a:pPr algn="ctr"/>
+              <a:endParaRPr lang="zh-CN" altLang="en-US"/>
+            </a:p>
+          </p:txBody>
+        </p:sp>
+        <p:sp>
+          <p:nvSpPr>
+            <p:cNvPr id="23" name="任意多边形: 形状 22"/>
+            <p:cNvSpPr/>
+            <p:nvPr userDrawn="1"/>
+          </p:nvSpPr>
+          <p:spPr>
+            <a:xfrm flipH="1">
+              <a:off x="7415691" y="510493"/>
+              <a:ext cx="5376633" cy="126555"/>
+            </a:xfrm>
+            <a:custGeom>
+              <a:avLst/>
+              <a:gdLst>
+                <a:gd name="connsiteX0" fmla="*/ 7367523 w 7367523"/>
+                <a:gd name="connsiteY0" fmla="*/ 0 h 173416"/>
+                <a:gd name="connsiteX1" fmla="*/ 6374783 w 7367523"/>
+                <a:gd name="connsiteY1" fmla="*/ 0 h 173416"/>
+                <a:gd name="connsiteX2" fmla="*/ 6240349 w 7367523"/>
+                <a:gd name="connsiteY2" fmla="*/ 0 h 173416"/>
+                <a:gd name="connsiteX3" fmla="*/ 5540227 w 7367523"/>
+                <a:gd name="connsiteY3" fmla="*/ 0 h 173416"/>
+                <a:gd name="connsiteX4" fmla="*/ 5247612 w 7367523"/>
+                <a:gd name="connsiteY4" fmla="*/ 0 h 173416"/>
+                <a:gd name="connsiteX5" fmla="*/ 4707193 w 7367523"/>
+                <a:gd name="connsiteY5" fmla="*/ 0 h 173416"/>
+                <a:gd name="connsiteX6" fmla="*/ 4413053 w 7367523"/>
+                <a:gd name="connsiteY6" fmla="*/ 0 h 173416"/>
+                <a:gd name="connsiteX7" fmla="*/ 3865356 w 7367523"/>
+                <a:gd name="connsiteY7" fmla="*/ 0 h 173416"/>
+                <a:gd name="connsiteX8" fmla="*/ 3580019 w 7367523"/>
+                <a:gd name="connsiteY8" fmla="*/ 0 h 173416"/>
+                <a:gd name="connsiteX9" fmla="*/ 2872616 w 7367523"/>
+                <a:gd name="connsiteY9" fmla="*/ 0 h 173416"/>
+                <a:gd name="connsiteX10" fmla="*/ 2738183 w 7367523"/>
+                <a:gd name="connsiteY10" fmla="*/ 0 h 173416"/>
+                <a:gd name="connsiteX11" fmla="*/ 2038060 w 7367523"/>
+                <a:gd name="connsiteY11" fmla="*/ 0 h 173416"/>
+                <a:gd name="connsiteX12" fmla="*/ 1745445 w 7367523"/>
+                <a:gd name="connsiteY12" fmla="*/ 0 h 173416"/>
+                <a:gd name="connsiteX13" fmla="*/ 1205026 w 7367523"/>
+                <a:gd name="connsiteY13" fmla="*/ 0 h 173416"/>
+                <a:gd name="connsiteX14" fmla="*/ 910887 w 7367523"/>
+                <a:gd name="connsiteY14" fmla="*/ 0 h 173416"/>
+                <a:gd name="connsiteX15" fmla="*/ 77853 w 7367523"/>
+                <a:gd name="connsiteY15" fmla="*/ 0 h 173416"/>
+                <a:gd name="connsiteX16" fmla="*/ 0 w 7367523"/>
+                <a:gd name="connsiteY16" fmla="*/ 173416 h 173416"/>
+                <a:gd name="connsiteX17" fmla="*/ 7289670 w 7367523"/>
+                <a:gd name="connsiteY17" fmla="*/ 173416 h 173416"/>
+              </a:gdLst>
+              <a:ahLst/>
+              <a:cxnLst>
+                <a:cxn ang="0">
+                  <a:pos x="connsiteX0" y="connsiteY0"/>
+                </a:cxn>
+                <a:cxn ang="0">
+                  <a:pos x="connsiteX1" y="connsiteY1"/>
+                </a:cxn>
+                <a:cxn ang="0">
+                  <a:pos x="connsiteX2" y="connsiteY2"/>
+                </a:cxn>
+                <a:cxn ang="0">
+                  <a:pos x="connsiteX3" y="connsiteY3"/>
+                </a:cxn>
+                <a:cxn ang="0">
+                  <a:pos x="connsiteX4" y="connsiteY4"/>
+                </a:cxn>
+                <a:cxn ang="0">
+                  <a:pos x="connsiteX5" y="connsiteY5"/>
+                </a:cxn>
+                <a:cxn ang="0">
+                  <a:pos x="connsiteX6" y="connsiteY6"/>
+                </a:cxn>
+                <a:cxn ang="0">
+                  <a:pos x="connsiteX7" y="connsiteY7"/>
+                </a:cxn>
+                <a:cxn ang="0">
+                  <a:pos x="connsiteX8" y="connsiteY8"/>
+                </a:cxn>
+                <a:cxn ang="0">
+                  <a:pos x="connsiteX9" y="connsiteY9"/>
+                </a:cxn>
+                <a:cxn ang="0">
+                  <a:pos x="connsiteX10" y="connsiteY10"/>
+                </a:cxn>
+                <a:cxn ang="0">
+                  <a:pos x="connsiteX11" y="connsiteY11"/>
+                </a:cxn>
+                <a:cxn ang="0">
+                  <a:pos x="connsiteX12" y="connsiteY12"/>
+                </a:cxn>
+                <a:cxn ang="0">
+                  <a:pos x="connsiteX13" y="connsiteY13"/>
+                </a:cxn>
+                <a:cxn ang="0">
+                  <a:pos x="connsiteX14" y="connsiteY14"/>
+                </a:cxn>
+                <a:cxn ang="0">
+                  <a:pos x="connsiteX15" y="connsiteY15"/>
+                </a:cxn>
+                <a:cxn ang="0">
+                  <a:pos x="connsiteX16" y="connsiteY16"/>
+                </a:cxn>
+                <a:cxn ang="0">
+                  <a:pos x="connsiteX17" y="connsiteY17"/>
+                </a:cxn>
+              </a:cxnLst>
+              <a:rect l="l" t="t" r="r" b="b"/>
+              <a:pathLst>
+                <a:path w="7367523" h="173416">
+                  <a:moveTo>
+                    <a:pt x="7367523" y="0"/>
+                  </a:moveTo>
+                  <a:lnTo>
+                    <a:pt x="6374783" y="0"/>
+                  </a:lnTo>
+                  <a:lnTo>
+                    <a:pt x="6240349" y="0"/>
+                  </a:lnTo>
+                  <a:lnTo>
+                    <a:pt x="5540227" y="0"/>
+                  </a:lnTo>
+                  <a:lnTo>
+                    <a:pt x="5247612" y="0"/>
+                  </a:lnTo>
+                  <a:lnTo>
+                    <a:pt x="4707193" y="0"/>
+                  </a:lnTo>
+                  <a:lnTo>
+                    <a:pt x="4413053" y="0"/>
+                  </a:lnTo>
+                  <a:lnTo>
+                    <a:pt x="3865356" y="0"/>
+                  </a:lnTo>
+                  <a:lnTo>
+                    <a:pt x="3580019" y="0"/>
+                  </a:lnTo>
+                  <a:lnTo>
+                    <a:pt x="2872616" y="0"/>
+                  </a:lnTo>
+                  <a:lnTo>
+                    <a:pt x="2738183" y="0"/>
+                  </a:lnTo>
+                  <a:lnTo>
+                    <a:pt x="2038060" y="0"/>
+                  </a:lnTo>
+                  <a:lnTo>
+                    <a:pt x="1745445" y="0"/>
+                  </a:lnTo>
+                  <a:lnTo>
+                    <a:pt x="1205026" y="0"/>
+                  </a:lnTo>
+                  <a:lnTo>
+                    <a:pt x="910887" y="0"/>
+                  </a:lnTo>
+                  <a:lnTo>
+                    <a:pt x="77853" y="0"/>
+                  </a:lnTo>
+                  <a:lnTo>
+                    <a:pt x="0" y="173416"/>
+                  </a:lnTo>
+                  <a:lnTo>
+                    <a:pt x="7289670" y="173416"/>
+                  </a:lnTo>
+                  <a:close/>
+                </a:path>
+              </a:pathLst>
+            </a:custGeom>
+            <a:solidFill>
+              <a:schemeClr val="bg2"/>
+            </a:solidFill>
+            <a:ln>
+              <a:noFill/>
+            </a:ln>
+          </p:spPr>
+          <p:style>
+            <a:lnRef idx="2">
+              <a:schemeClr val="accent1">
+                <a:shade val="50000"/>
+              </a:schemeClr>
+            </a:lnRef>
+            <a:fillRef idx="1">
+              <a:schemeClr val="accent1"/>
+            </a:fillRef>
+            <a:effectRef idx="0">
+              <a:schemeClr val="accent1"/>
+            </a:effectRef>
+            <a:fontRef idx="minor">
+              <a:schemeClr val="lt1"/>
+            </a:fontRef>
+          </p:style>
+          <p:txBody>
+            <a:bodyPr rot="0" spcFirstLastPara="0" vertOverflow="overflow" horzOverflow="overflow" vert="horz" wrap="square" lIns="91440" tIns="45720" rIns="91440" bIns="45720" numCol="1" spcCol="0" rtlCol="0" fromWordArt="0" anchor="ctr" anchorCtr="0" forceAA="0" compatLnSpc="1">
+              <a:noAutofit/>
+            </a:bodyPr>
+            <a:lstStyle/>
+            <a:p>
+              <a:pPr algn="ctr"/>
+              <a:endParaRPr lang="zh-CN" altLang="en-US"/>
+            </a:p>
+          </p:txBody>
+        </p:sp>
+      </p:grpSp>
+      <p:sp>
+        <p:nvSpPr>
+          <p:cNvPr id="24" name="任意多边形: 形状 23"/>
+          <p:cNvSpPr/>
+          <p:nvPr/>
+        </p:nvSpPr>
+        <p:spPr>
+          <a:xfrm flipH="1">
+            <a:off x="129621" y="0"/>
+            <a:ext cx="586522" cy="1047087"/>
+          </a:xfrm>
+          <a:custGeom>
+            <a:avLst/>
+            <a:gdLst>
+              <a:gd name="connsiteX0" fmla="*/ 586522 w 586522"/>
+              <a:gd name="connsiteY0" fmla="*/ 0 h 1047087"/>
+              <a:gd name="connsiteX1" fmla="*/ 470079 w 586522"/>
+              <a:gd name="connsiteY1" fmla="*/ 0 h 1047087"/>
+              <a:gd name="connsiteX2" fmla="*/ 0 w 586522"/>
+              <a:gd name="connsiteY2" fmla="*/ 1047087 h 1047087"/>
+              <a:gd name="connsiteX3" fmla="*/ 116443 w 586522"/>
+              <a:gd name="connsiteY3" fmla="*/ 1047087 h 1047087"/>
+            </a:gdLst>
+            <a:ahLst/>
+            <a:cxnLst>
+              <a:cxn ang="0">
+                <a:pos x="connsiteX0" y="connsiteY0"/>
+              </a:cxn>
+              <a:cxn ang="0">
+                <a:pos x="connsiteX1" y="connsiteY1"/>
+              </a:cxn>
+              <a:cxn ang="0">
+                <a:pos x="connsiteX2" y="connsiteY2"/>
+              </a:cxn>
+              <a:cxn ang="0">
+                <a:pos x="connsiteX3" y="connsiteY3"/>
+              </a:cxn>
+            </a:cxnLst>
+            <a:rect l="l" t="t" r="r" b="b"/>
+            <a:pathLst>
+              <a:path w="586522" h="1047087">
+                <a:moveTo>
+                  <a:pt x="586522" y="0"/>
+                </a:moveTo>
+                <a:lnTo>
+                  <a:pt x="470079" y="0"/>
+                </a:lnTo>
+                <a:lnTo>
+                  <a:pt x="0" y="1047087"/>
+                </a:lnTo>
+                <a:lnTo>
+                  <a:pt x="116443" y="1047087"/>
+                </a:lnTo>
+                <a:close/>
+              </a:path>
+            </a:pathLst>
+          </a:custGeom>
+          <a:gradFill flip="none" rotWithShape="0">
+            <a:gsLst>
+              <a:gs pos="0">
+                <a:srgbClr val="53A5F5">
+                  <a:lumMod val="73000"/>
+                  <a:lumOff val="27000"/>
+                </a:srgbClr>
+              </a:gs>
+              <a:gs pos="94000">
+                <a:srgbClr val="9214CF">
+                  <a:lumMod val="73000"/>
+                  <a:lumOff val="27000"/>
+                </a:srgbClr>
+              </a:gs>
+            </a:gsLst>
+            <a:lin ang="2700000" scaled="1"/>
+            <a:tileRect/>
+          </a:gradFill>
+          <a:ln>
+            <a:noFill/>
+          </a:ln>
+        </p:spPr>
+        <p:style>
+          <a:lnRef idx="2">
+            <a:schemeClr val="accent1">
+              <a:shade val="50000"/>
+            </a:schemeClr>
+          </a:lnRef>
+          <a:fillRef idx="1">
+            <a:schemeClr val="accent1"/>
+          </a:fillRef>
+          <a:effectRef idx="0">
+            <a:schemeClr val="accent1"/>
+          </a:effectRef>
+          <a:fontRef idx="minor">
+            <a:schemeClr val="lt1"/>
+          </a:fontRef>
+        </p:style>
+        <p:txBody>
+          <a:bodyPr rot="0" spcFirstLastPara="0" vertOverflow="overflow" horzOverflow="overflow" vert="horz" wrap="square" lIns="91440" tIns="45720" rIns="91440" bIns="45720" numCol="1" spcCol="0" rtlCol="0" fromWordArt="0" anchor="ctr" anchorCtr="0" forceAA="0" compatLnSpc="1">
+            <a:noAutofit/>
+          </a:bodyPr>
+          <a:lstStyle/>
+          <a:p>
+            <a:pPr algn="ctr"/>
+            <a:endParaRPr lang="zh-CN" altLang="en-US"/>
           </a:p>
         </p:txBody>
       </p:sp>
       <p:sp>
         <p:nvSpPr>
-          <p:cNvPr id="3" name="文本框 2">
+          <p:cNvPr id="25" name="任意多边形: 形状 24"/>
+          <p:cNvSpPr/>
+          <p:nvPr/>
+        </p:nvSpPr>
+        <p:spPr>
+          <a:xfrm flipH="1">
+            <a:off x="581108" y="202981"/>
+            <a:ext cx="344503" cy="615023"/>
+          </a:xfrm>
+          <a:custGeom>
+            <a:avLst/>
+            <a:gdLst>
+              <a:gd name="connsiteX0" fmla="*/ 586522 w 586522"/>
+              <a:gd name="connsiteY0" fmla="*/ 0 h 1047087"/>
+              <a:gd name="connsiteX1" fmla="*/ 470079 w 586522"/>
+              <a:gd name="connsiteY1" fmla="*/ 0 h 1047087"/>
+              <a:gd name="connsiteX2" fmla="*/ 0 w 586522"/>
+              <a:gd name="connsiteY2" fmla="*/ 1047087 h 1047087"/>
+              <a:gd name="connsiteX3" fmla="*/ 116443 w 586522"/>
+              <a:gd name="connsiteY3" fmla="*/ 1047087 h 1047087"/>
+            </a:gdLst>
+            <a:ahLst/>
+            <a:cxnLst>
+              <a:cxn ang="0">
+                <a:pos x="connsiteX0" y="connsiteY0"/>
+              </a:cxn>
+              <a:cxn ang="0">
+                <a:pos x="connsiteX1" y="connsiteY1"/>
+              </a:cxn>
+              <a:cxn ang="0">
+                <a:pos x="connsiteX2" y="connsiteY2"/>
+              </a:cxn>
+              <a:cxn ang="0">
+                <a:pos x="connsiteX3" y="connsiteY3"/>
+              </a:cxn>
+            </a:cxnLst>
+            <a:rect l="l" t="t" r="r" b="b"/>
+            <a:pathLst>
+              <a:path w="586522" h="1047087">
+                <a:moveTo>
+                  <a:pt x="586522" y="0"/>
+                </a:moveTo>
+                <a:lnTo>
+                  <a:pt x="470079" y="0"/>
+                </a:lnTo>
+                <a:lnTo>
+                  <a:pt x="0" y="1047087"/>
+                </a:lnTo>
+                <a:lnTo>
+                  <a:pt x="116443" y="1047087"/>
+                </a:lnTo>
+                <a:close/>
+              </a:path>
+            </a:pathLst>
+          </a:custGeom>
+          <a:solidFill>
+            <a:schemeClr val="bg1">
+              <a:lumMod val="95000"/>
+            </a:schemeClr>
+          </a:solidFill>
+          <a:ln>
+            <a:noFill/>
+          </a:ln>
+        </p:spPr>
+        <p:style>
+          <a:lnRef idx="2">
+            <a:schemeClr val="accent1">
+              <a:shade val="50000"/>
+            </a:schemeClr>
+          </a:lnRef>
+          <a:fillRef idx="1">
+            <a:schemeClr val="accent1"/>
+          </a:fillRef>
+          <a:effectRef idx="0">
+            <a:schemeClr val="accent1"/>
+          </a:effectRef>
+          <a:fontRef idx="minor">
+            <a:schemeClr val="lt1"/>
+          </a:fontRef>
+        </p:style>
+        <p:txBody>
+          <a:bodyPr rot="0" spcFirstLastPara="0" vertOverflow="overflow" horzOverflow="overflow" vert="horz" wrap="square" lIns="91440" tIns="45720" rIns="91440" bIns="45720" numCol="1" spcCol="0" rtlCol="0" fromWordArt="0" anchor="ctr" anchorCtr="0" forceAA="0" compatLnSpc="1">
+            <a:noAutofit/>
+          </a:bodyPr>
+          <a:lstStyle/>
+          <a:p>
+            <a:pPr algn="ctr"/>
+            <a:endParaRPr lang="zh-CN" altLang="en-US"/>
+          </a:p>
+        </p:txBody>
+      </p:sp>
+      <p:sp>
+        <p:nvSpPr>
+          <p:cNvPr id="2" name="文本框 1">
             <a:extLst>
               <a:ext uri="{FF2B5EF4-FFF2-40B4-BE49-F238E27FC236}">
-                <a16:creationId xmlns:a16="http://schemas.microsoft.com/office/drawing/2014/main" id="{51FD6ECE-A7FC-FABE-E670-32535B2F0B34}"/>
+                <a16:creationId xmlns:a16="http://schemas.microsoft.com/office/drawing/2014/main" id="{F2A4914D-6F1A-B39C-504F-A70AC426C7FC}"/>
               </a:ext>
             </a:extLst>
           </p:cNvPr>
@@ -4847,8 +5593,8 @@
         </p:nvSpPr>
         <p:spPr bwMode="auto">
           <a:xfrm>
-            <a:off x="322925" y="1506620"/>
-            <a:ext cx="10675471" cy="2031325"/>
+            <a:off x="322925" y="1121890"/>
+            <a:ext cx="10675471" cy="307777"/>
           </a:xfrm>
           <a:prstGeom prst="rect">
             <a:avLst/>
@@ -4866,178 +5612,53 @@
           </a:bodyPr>
           <a:lstStyle/>
           <a:p>
-            <a:pPr marL="342900" indent="-342900">
-              <a:buAutoNum type="arabicPeriod"/>
-              <a:defRPr/>
-            </a:pPr>
-            <a:r>
-              <a:rPr lang="zh-CN" altLang="en-US" b="0" i="0" dirty="0">
-                <a:effectLst/>
-                <a:highlight>
-                  <a:srgbClr val="FFFFFF"/>
-                </a:highlight>
-                <a:latin typeface="-apple-system"/>
-              </a:rPr>
-              <a:t>手机的振动警报来提供导航支持。两种主要的解决方案：指魔杖和第六感。指魔杖</a:t>
-            </a:r>
-            <a:r>
-              <a:rPr lang="en-US" altLang="zh-CN" b="0" i="0" dirty="0">
-                <a:effectLst/>
-                <a:highlight>
-                  <a:srgbClr val="FFFFFF"/>
-                </a:highlight>
-                <a:latin typeface="-apple-system"/>
-              </a:rPr>
-              <a:t>——</a:t>
-            </a:r>
-            <a:r>
-              <a:rPr lang="zh-CN" altLang="en-US" b="0" i="0" dirty="0">
-                <a:effectLst/>
-                <a:highlight>
-                  <a:srgbClr val="FFFFFF"/>
-                </a:highlight>
-                <a:latin typeface="-apple-system"/>
-              </a:rPr>
-              <a:t>用户扫描空间信息； 指向方向上实体（例如航路点）的存在通过振动来指示。第六感</a:t>
-            </a:r>
-            <a:r>
-              <a:rPr lang="en-US" altLang="zh-CN" b="0" i="0" dirty="0">
-                <a:effectLst/>
-                <a:highlight>
-                  <a:srgbClr val="FFFFFF"/>
-                </a:highlight>
-                <a:latin typeface="-apple-system"/>
-              </a:rPr>
-              <a:t>——</a:t>
-            </a:r>
-            <a:r>
-              <a:rPr lang="zh-CN" altLang="en-US" b="0" i="0" dirty="0">
-                <a:effectLst/>
-                <a:highlight>
-                  <a:srgbClr val="FFFFFF"/>
-                </a:highlight>
-                <a:latin typeface="-apple-system"/>
-              </a:rPr>
-              <a:t>空间实体的方向，例如路径点，被编码在振动反馈本身中，例如 通过对不同的方向使用不同的编码。</a:t>
-            </a:r>
-            <a:endParaRPr lang="en-US" altLang="zh-CN" b="0" i="0" dirty="0">
-              <a:effectLst/>
-              <a:highlight>
-                <a:srgbClr val="FFFFFF"/>
-              </a:highlight>
-              <a:latin typeface="-apple-system"/>
-            </a:endParaRPr>
-          </a:p>
-          <a:p>
-            <a:pPr marL="342900" indent="-342900">
-              <a:buAutoNum type="arabicPeriod"/>
-              <a:defRPr/>
-            </a:pPr>
-            <a:r>
-              <a:rPr lang="zh-CN" altLang="en-US" b="0" i="0" dirty="0">
-                <a:effectLst/>
-                <a:highlight>
-                  <a:srgbClr val="FFFFFF"/>
-                </a:highlight>
-                <a:latin typeface="-apple-system"/>
-              </a:rPr>
-              <a:t>子文章：</a:t>
-            </a:r>
-            <a:endParaRPr lang="en-US" altLang="zh-CN" b="0" i="0" dirty="0">
-              <a:effectLst/>
-              <a:highlight>
-                <a:srgbClr val="FFFFFF"/>
-              </a:highlight>
-              <a:latin typeface="-apple-system"/>
-            </a:endParaRPr>
-          </a:p>
-          <a:p>
             <a:pPr>
               <a:defRPr/>
             </a:pPr>
             <a:r>
-              <a:rPr lang="en-US" altLang="zh-CN" dirty="0">
-                <a:highlight>
-                  <a:srgbClr val="FFFFFF"/>
-                </a:highlight>
-                <a:latin typeface="-apple-system"/>
+              <a:rPr lang="en-US" altLang="zh-CN" sz="1400" b="1" dirty="0" err="1">
+                <a:solidFill>
+                  <a:srgbClr val="7F12B6"/>
+                </a:solidFill>
+                <a:latin typeface="时尚中黑简体" panose="01010104010101010101" pitchFamily="2" charset="-122"/>
+                <a:ea typeface="时尚中黑简体" panose="01010104010101010101" pitchFamily="2" charset="-122"/>
               </a:rPr>
-              <a:t>	</a:t>
+              <a:t>LineChaser</a:t>
             </a:r>
             <a:r>
-              <a:rPr lang="en-US" altLang="zh-CN" b="0" i="0" dirty="0" err="1">
-                <a:effectLst/>
-                <a:highlight>
-                  <a:srgbClr val="FFFFFF"/>
-                </a:highlight>
-                <a:latin typeface="-apple-system"/>
+              <a:rPr lang="en-US" altLang="zh-CN" sz="1400" b="1" dirty="0">
+                <a:solidFill>
+                  <a:srgbClr val="7F12B6"/>
+                </a:solidFill>
+                <a:latin typeface="时尚中黑简体" panose="01010104010101010101" pitchFamily="2" charset="-122"/>
+                <a:ea typeface="时尚中黑简体" panose="01010104010101010101" pitchFamily="2" charset="-122"/>
               </a:rPr>
-              <a:t>PocketNavigator</a:t>
+              <a:t>: A Smartphone-Based Navigation System for Blind People to Stand in Lines                    --</a:t>
             </a:r>
             <a:r>
-              <a:rPr lang="en-US" altLang="zh-CN" b="0" i="0" dirty="0">
-                <a:effectLst/>
-                <a:highlight>
-                  <a:srgbClr val="FFFFFF"/>
-                </a:highlight>
-                <a:latin typeface="-apple-system"/>
+              <a:rPr lang="en-US" altLang="zh-CN" sz="1400" b="1">
+                <a:solidFill>
+                  <a:srgbClr val="7F12B6"/>
+                </a:solidFill>
+                <a:latin typeface="时尚中黑简体" panose="01010104010101010101" pitchFamily="2" charset="-122"/>
+                <a:ea typeface="时尚中黑简体" panose="01010104010101010101" pitchFamily="2" charset="-122"/>
               </a:rPr>
-              <a:t>: Vibro-Tactile Waypoint Navigation for Everyday Mobile Devices             --</a:t>
+              <a:t>CHI 2021</a:t>
             </a:r>
-            <a:r>
-              <a:rPr lang="en-US" altLang="zh-CN" b="0" i="0" dirty="0" err="1">
-                <a:effectLst/>
-                <a:highlight>
-                  <a:srgbClr val="FFFFFF"/>
-                </a:highlight>
-                <a:latin typeface="-apple-system"/>
-              </a:rPr>
-              <a:t>MobileHCI</a:t>
-            </a:r>
-            <a:r>
-              <a:rPr lang="en-US" altLang="zh-CN" b="0" i="0" dirty="0">
-                <a:effectLst/>
-                <a:highlight>
-                  <a:srgbClr val="FFFFFF"/>
-                </a:highlight>
-                <a:latin typeface="-apple-system"/>
-              </a:rPr>
-              <a:t> 2010</a:t>
-            </a:r>
-          </a:p>
-          <a:p>
-            <a:pPr>
-              <a:defRPr/>
-            </a:pPr>
-            <a:r>
-              <a:rPr lang="en-US" altLang="zh-CN" dirty="0">
-                <a:highlight>
-                  <a:srgbClr val="FFFFFF"/>
-                </a:highlight>
-                <a:latin typeface="-apple-system"/>
-              </a:rPr>
-              <a:t>	6th Senses for Everyone! The Value of Multimodal Feedback in Handheld Navigation Aids  --ICMI 2011</a:t>
-            </a:r>
-            <a:endParaRPr lang="en-US" altLang="zh-CN" b="0" i="0" dirty="0">
-              <a:effectLst/>
-              <a:highlight>
-                <a:srgbClr val="FFFFFF"/>
-              </a:highlight>
-              <a:latin typeface="-apple-system"/>
+            <a:endParaRPr lang="en-US" altLang="zh-CN" sz="1400" b="1" dirty="0">
+              <a:solidFill>
+                <a:srgbClr val="7F12B6"/>
+              </a:solidFill>
+              <a:latin typeface="时尚中黑简体" panose="01010104010101010101" pitchFamily="2" charset="-122"/>
+              <a:ea typeface="时尚中黑简体" panose="01010104010101010101" pitchFamily="2" charset="-122"/>
             </a:endParaRPr>
-          </a:p>
-          <a:p>
-            <a:pPr>
-              <a:defRPr/>
-            </a:pPr>
-            <a:endParaRPr lang="en-US" altLang="zh-CN" dirty="0"/>
           </a:p>
         </p:txBody>
       </p:sp>
     </p:spTree>
     <p:extLst>
       <p:ext uri="{BB962C8B-B14F-4D97-AF65-F5344CB8AC3E}">
-        <p14:creationId xmlns:p14="http://schemas.microsoft.com/office/powerpoint/2010/main" val="3200862828"/>
+        <p14:creationId xmlns:p14="http://schemas.microsoft.com/office/powerpoint/2010/main" val="4086763247"/>
       </p:ext>
     </p:extLst>
   </p:cSld>

--- a/记录.pptx
+++ b/记录.pptx
@@ -5,7 +5,7 @@
     <p:sldMasterId id="2147483648" r:id="rId1"/>
   </p:sldMasterIdLst>
   <p:notesMasterIdLst>
-    <p:notesMasterId r:id="rId7"/>
+    <p:notesMasterId r:id="rId8"/>
   </p:notesMasterIdLst>
   <p:sldIdLst>
     <p:sldId id="357" r:id="rId2"/>
@@ -13,11 +13,12 @@
     <p:sldId id="359" r:id="rId4"/>
     <p:sldId id="360" r:id="rId5"/>
     <p:sldId id="361" r:id="rId6"/>
+    <p:sldId id="362" r:id="rId7"/>
   </p:sldIdLst>
   <p:sldSz cx="12192000" cy="6858000"/>
   <p:notesSz cx="6858000" cy="9144000"/>
   <p:custDataLst>
-    <p:tags r:id="rId8"/>
+    <p:tags r:id="rId9"/>
   </p:custDataLst>
   <p:defaultTextStyle>
     <a:defPPr>
@@ -212,7 +213,7 @@
           <a:p>
             <a:fld id="{5D13BBE5-0BEA-4494-9BEF-C8C2F48C9E2D}" type="datetimeFigureOut">
               <a:rPr lang="zh-CN" altLang="en-US" smtClean="0"/>
-              <a:t>2024/8/19</a:t>
+              <a:t>2024/8/20</a:t>
             </a:fld>
             <a:endParaRPr lang="zh-CN" altLang="en-US"/>
           </a:p>
@@ -894,6 +895,90 @@
 </p:notes>
 </file>
 
+<file path=ppt/notesSlides/notesSlide6.xml><?xml version="1.0" encoding="utf-8"?>
+<p:notes xmlns:a="http://schemas.openxmlformats.org/drawingml/2006/main" xmlns:r="http://schemas.openxmlformats.org/officeDocument/2006/relationships" xmlns:p="http://schemas.openxmlformats.org/presentationml/2006/main">
+  <p:cSld>
+    <p:spTree>
+      <p:nvGrpSpPr>
+        <p:cNvPr id="1" name=""/>
+        <p:cNvGrpSpPr/>
+        <p:nvPr/>
+      </p:nvGrpSpPr>
+      <p:grpSpPr>
+        <a:xfrm>
+          <a:off x="0" y="0"/>
+          <a:ext cx="0" cy="0"/>
+          <a:chOff x="0" y="0"/>
+          <a:chExt cx="0" cy="0"/>
+        </a:xfrm>
+      </p:grpSpPr>
+      <p:sp>
+        <p:nvSpPr>
+          <p:cNvPr id="2" name="幻灯片图像占位符 1"/>
+          <p:cNvSpPr>
+            <a:spLocks noGrp="1" noRot="1" noChangeAspect="1"/>
+          </p:cNvSpPr>
+          <p:nvPr>
+            <p:ph type="sldImg"/>
+          </p:nvPr>
+        </p:nvSpPr>
+        <p:spPr/>
+      </p:sp>
+      <p:sp>
+        <p:nvSpPr>
+          <p:cNvPr id="3" name="备注占位符 2"/>
+          <p:cNvSpPr>
+            <a:spLocks noGrp="1"/>
+          </p:cNvSpPr>
+          <p:nvPr>
+            <p:ph type="body" idx="1"/>
+          </p:nvPr>
+        </p:nvSpPr>
+        <p:spPr/>
+        <p:txBody>
+          <a:bodyPr/>
+          <a:lstStyle/>
+          <a:p>
+            <a:endParaRPr lang="zh-CN" altLang="en-US" dirty="0"/>
+          </a:p>
+        </p:txBody>
+      </p:sp>
+      <p:sp>
+        <p:nvSpPr>
+          <p:cNvPr id="4" name="灯片编号占位符 3"/>
+          <p:cNvSpPr>
+            <a:spLocks noGrp="1"/>
+          </p:cNvSpPr>
+          <p:nvPr>
+            <p:ph type="sldNum" sz="quarter" idx="5"/>
+          </p:nvPr>
+        </p:nvSpPr>
+        <p:spPr/>
+        <p:txBody>
+          <a:bodyPr/>
+          <a:lstStyle/>
+          <a:p>
+            <a:fld id="{F1CB8912-F0BA-4AD8-8415-DA1F26BCB09F}" type="slidenum">
+              <a:rPr lang="zh-CN" altLang="en-US" smtClean="0"/>
+              <a:t>6</a:t>
+            </a:fld>
+            <a:endParaRPr lang="zh-CN" altLang="en-US"/>
+          </a:p>
+        </p:txBody>
+      </p:sp>
+    </p:spTree>
+    <p:extLst>
+      <p:ext uri="{BB962C8B-B14F-4D97-AF65-F5344CB8AC3E}">
+        <p14:creationId xmlns:p14="http://schemas.microsoft.com/office/powerpoint/2010/main" val="1137605698"/>
+      </p:ext>
+    </p:extLst>
+  </p:cSld>
+  <p:clrMapOvr>
+    <a:masterClrMapping/>
+  </p:clrMapOvr>
+</p:notes>
+</file>
+
 <file path=ppt/slideLayouts/slideLayout1.xml><?xml version="1.0" encoding="utf-8"?>
 <p:sldLayout xmlns:a="http://schemas.openxmlformats.org/drawingml/2006/main" xmlns:r="http://schemas.openxmlformats.org/officeDocument/2006/relationships" xmlns:p="http://schemas.openxmlformats.org/presentationml/2006/main" showMasterSp="0" preserve="1">
   <p:cSld name="仅标题">
@@ -5680,6 +5765,992 @@
 </p:sld>
 </file>
 
+<file path=ppt/slides/slide6.xml><?xml version="1.0" encoding="utf-8"?>
+<p:sld xmlns:a="http://schemas.openxmlformats.org/drawingml/2006/main" xmlns:r="http://schemas.openxmlformats.org/officeDocument/2006/relationships" xmlns:p="http://schemas.openxmlformats.org/presentationml/2006/main">
+  <p:cSld>
+    <p:spTree>
+      <p:nvGrpSpPr>
+        <p:cNvPr id="1" name=""/>
+        <p:cNvGrpSpPr/>
+        <p:nvPr/>
+      </p:nvGrpSpPr>
+      <p:grpSpPr>
+        <a:xfrm>
+          <a:off x="0" y="0"/>
+          <a:ext cx="0" cy="0"/>
+          <a:chOff x="0" y="0"/>
+          <a:chExt cx="0" cy="0"/>
+        </a:xfrm>
+      </p:grpSpPr>
+      <p:grpSp>
+        <p:nvGrpSpPr>
+          <p:cNvPr id="21" name="组合 20"/>
+          <p:cNvGrpSpPr/>
+          <p:nvPr/>
+        </p:nvGrpSpPr>
+        <p:grpSpPr>
+          <a:xfrm>
+            <a:off x="5270500" y="510493"/>
+            <a:ext cx="7561033" cy="380555"/>
+            <a:chOff x="6997699" y="510493"/>
+            <a:chExt cx="5794625" cy="380555"/>
+          </a:xfrm>
+        </p:grpSpPr>
+        <p:sp>
+          <p:nvSpPr>
+            <p:cNvPr id="22" name="任意多边形: 形状 21"/>
+            <p:cNvSpPr/>
+            <p:nvPr userDrawn="1"/>
+          </p:nvSpPr>
+          <p:spPr>
+            <a:xfrm flipH="1">
+              <a:off x="6997699" y="764493"/>
+              <a:ext cx="5376633" cy="126555"/>
+            </a:xfrm>
+            <a:custGeom>
+              <a:avLst/>
+              <a:gdLst>
+                <a:gd name="connsiteX0" fmla="*/ 7367523 w 7367523"/>
+                <a:gd name="connsiteY0" fmla="*/ 0 h 173416"/>
+                <a:gd name="connsiteX1" fmla="*/ 6374783 w 7367523"/>
+                <a:gd name="connsiteY1" fmla="*/ 0 h 173416"/>
+                <a:gd name="connsiteX2" fmla="*/ 6240349 w 7367523"/>
+                <a:gd name="connsiteY2" fmla="*/ 0 h 173416"/>
+                <a:gd name="connsiteX3" fmla="*/ 5540227 w 7367523"/>
+                <a:gd name="connsiteY3" fmla="*/ 0 h 173416"/>
+                <a:gd name="connsiteX4" fmla="*/ 5247612 w 7367523"/>
+                <a:gd name="connsiteY4" fmla="*/ 0 h 173416"/>
+                <a:gd name="connsiteX5" fmla="*/ 4707193 w 7367523"/>
+                <a:gd name="connsiteY5" fmla="*/ 0 h 173416"/>
+                <a:gd name="connsiteX6" fmla="*/ 4413053 w 7367523"/>
+                <a:gd name="connsiteY6" fmla="*/ 0 h 173416"/>
+                <a:gd name="connsiteX7" fmla="*/ 3865356 w 7367523"/>
+                <a:gd name="connsiteY7" fmla="*/ 0 h 173416"/>
+                <a:gd name="connsiteX8" fmla="*/ 3580019 w 7367523"/>
+                <a:gd name="connsiteY8" fmla="*/ 0 h 173416"/>
+                <a:gd name="connsiteX9" fmla="*/ 2872616 w 7367523"/>
+                <a:gd name="connsiteY9" fmla="*/ 0 h 173416"/>
+                <a:gd name="connsiteX10" fmla="*/ 2738183 w 7367523"/>
+                <a:gd name="connsiteY10" fmla="*/ 0 h 173416"/>
+                <a:gd name="connsiteX11" fmla="*/ 2038060 w 7367523"/>
+                <a:gd name="connsiteY11" fmla="*/ 0 h 173416"/>
+                <a:gd name="connsiteX12" fmla="*/ 1745445 w 7367523"/>
+                <a:gd name="connsiteY12" fmla="*/ 0 h 173416"/>
+                <a:gd name="connsiteX13" fmla="*/ 1205026 w 7367523"/>
+                <a:gd name="connsiteY13" fmla="*/ 0 h 173416"/>
+                <a:gd name="connsiteX14" fmla="*/ 910887 w 7367523"/>
+                <a:gd name="connsiteY14" fmla="*/ 0 h 173416"/>
+                <a:gd name="connsiteX15" fmla="*/ 77853 w 7367523"/>
+                <a:gd name="connsiteY15" fmla="*/ 0 h 173416"/>
+                <a:gd name="connsiteX16" fmla="*/ 0 w 7367523"/>
+                <a:gd name="connsiteY16" fmla="*/ 173416 h 173416"/>
+                <a:gd name="connsiteX17" fmla="*/ 7289670 w 7367523"/>
+                <a:gd name="connsiteY17" fmla="*/ 173416 h 173416"/>
+              </a:gdLst>
+              <a:ahLst/>
+              <a:cxnLst>
+                <a:cxn ang="0">
+                  <a:pos x="connsiteX0" y="connsiteY0"/>
+                </a:cxn>
+                <a:cxn ang="0">
+                  <a:pos x="connsiteX1" y="connsiteY1"/>
+                </a:cxn>
+                <a:cxn ang="0">
+                  <a:pos x="connsiteX2" y="connsiteY2"/>
+                </a:cxn>
+                <a:cxn ang="0">
+                  <a:pos x="connsiteX3" y="connsiteY3"/>
+                </a:cxn>
+                <a:cxn ang="0">
+                  <a:pos x="connsiteX4" y="connsiteY4"/>
+                </a:cxn>
+                <a:cxn ang="0">
+                  <a:pos x="connsiteX5" y="connsiteY5"/>
+                </a:cxn>
+                <a:cxn ang="0">
+                  <a:pos x="connsiteX6" y="connsiteY6"/>
+                </a:cxn>
+                <a:cxn ang="0">
+                  <a:pos x="connsiteX7" y="connsiteY7"/>
+                </a:cxn>
+                <a:cxn ang="0">
+                  <a:pos x="connsiteX8" y="connsiteY8"/>
+                </a:cxn>
+                <a:cxn ang="0">
+                  <a:pos x="connsiteX9" y="connsiteY9"/>
+                </a:cxn>
+                <a:cxn ang="0">
+                  <a:pos x="connsiteX10" y="connsiteY10"/>
+                </a:cxn>
+                <a:cxn ang="0">
+                  <a:pos x="connsiteX11" y="connsiteY11"/>
+                </a:cxn>
+                <a:cxn ang="0">
+                  <a:pos x="connsiteX12" y="connsiteY12"/>
+                </a:cxn>
+                <a:cxn ang="0">
+                  <a:pos x="connsiteX13" y="connsiteY13"/>
+                </a:cxn>
+                <a:cxn ang="0">
+                  <a:pos x="connsiteX14" y="connsiteY14"/>
+                </a:cxn>
+                <a:cxn ang="0">
+                  <a:pos x="connsiteX15" y="connsiteY15"/>
+                </a:cxn>
+                <a:cxn ang="0">
+                  <a:pos x="connsiteX16" y="connsiteY16"/>
+                </a:cxn>
+                <a:cxn ang="0">
+                  <a:pos x="connsiteX17" y="connsiteY17"/>
+                </a:cxn>
+              </a:cxnLst>
+              <a:rect l="l" t="t" r="r" b="b"/>
+              <a:pathLst>
+                <a:path w="7367523" h="173416">
+                  <a:moveTo>
+                    <a:pt x="7367523" y="0"/>
+                  </a:moveTo>
+                  <a:lnTo>
+                    <a:pt x="6374783" y="0"/>
+                  </a:lnTo>
+                  <a:lnTo>
+                    <a:pt x="6240349" y="0"/>
+                  </a:lnTo>
+                  <a:lnTo>
+                    <a:pt x="5540227" y="0"/>
+                  </a:lnTo>
+                  <a:lnTo>
+                    <a:pt x="5247612" y="0"/>
+                  </a:lnTo>
+                  <a:lnTo>
+                    <a:pt x="4707193" y="0"/>
+                  </a:lnTo>
+                  <a:lnTo>
+                    <a:pt x="4413053" y="0"/>
+                  </a:lnTo>
+                  <a:lnTo>
+                    <a:pt x="3865356" y="0"/>
+                  </a:lnTo>
+                  <a:lnTo>
+                    <a:pt x="3580019" y="0"/>
+                  </a:lnTo>
+                  <a:lnTo>
+                    <a:pt x="2872616" y="0"/>
+                  </a:lnTo>
+                  <a:lnTo>
+                    <a:pt x="2738183" y="0"/>
+                  </a:lnTo>
+                  <a:lnTo>
+                    <a:pt x="2038060" y="0"/>
+                  </a:lnTo>
+                  <a:lnTo>
+                    <a:pt x="1745445" y="0"/>
+                  </a:lnTo>
+                  <a:lnTo>
+                    <a:pt x="1205026" y="0"/>
+                  </a:lnTo>
+                  <a:lnTo>
+                    <a:pt x="910887" y="0"/>
+                  </a:lnTo>
+                  <a:lnTo>
+                    <a:pt x="77853" y="0"/>
+                  </a:lnTo>
+                  <a:lnTo>
+                    <a:pt x="0" y="173416"/>
+                  </a:lnTo>
+                  <a:lnTo>
+                    <a:pt x="7289670" y="173416"/>
+                  </a:lnTo>
+                  <a:close/>
+                </a:path>
+              </a:pathLst>
+            </a:custGeom>
+            <a:gradFill flip="none" rotWithShape="0">
+              <a:gsLst>
+                <a:gs pos="0">
+                  <a:srgbClr val="228AF2"/>
+                </a:gs>
+                <a:gs pos="94000">
+                  <a:srgbClr val="7F12B6"/>
+                </a:gs>
+              </a:gsLst>
+              <a:lin ang="2700000" scaled="1"/>
+              <a:tileRect/>
+            </a:gradFill>
+            <a:ln>
+              <a:noFill/>
+            </a:ln>
+          </p:spPr>
+          <p:style>
+            <a:lnRef idx="2">
+              <a:schemeClr val="accent1">
+                <a:shade val="50000"/>
+              </a:schemeClr>
+            </a:lnRef>
+            <a:fillRef idx="1">
+              <a:schemeClr val="accent1"/>
+            </a:fillRef>
+            <a:effectRef idx="0">
+              <a:schemeClr val="accent1"/>
+            </a:effectRef>
+            <a:fontRef idx="minor">
+              <a:schemeClr val="lt1"/>
+            </a:fontRef>
+          </p:style>
+          <p:txBody>
+            <a:bodyPr rot="0" spcFirstLastPara="0" vertOverflow="overflow" horzOverflow="overflow" vert="horz" wrap="square" lIns="91440" tIns="45720" rIns="91440" bIns="45720" numCol="1" spcCol="0" rtlCol="0" fromWordArt="0" anchor="ctr" anchorCtr="0" forceAA="0" compatLnSpc="1">
+              <a:noAutofit/>
+            </a:bodyPr>
+            <a:lstStyle/>
+            <a:p>
+              <a:pPr algn="ctr"/>
+              <a:endParaRPr lang="zh-CN" altLang="en-US"/>
+            </a:p>
+          </p:txBody>
+        </p:sp>
+        <p:sp>
+          <p:nvSpPr>
+            <p:cNvPr id="23" name="任意多边形: 形状 22"/>
+            <p:cNvSpPr/>
+            <p:nvPr userDrawn="1"/>
+          </p:nvSpPr>
+          <p:spPr>
+            <a:xfrm flipH="1">
+              <a:off x="7415691" y="510493"/>
+              <a:ext cx="5376633" cy="126555"/>
+            </a:xfrm>
+            <a:custGeom>
+              <a:avLst/>
+              <a:gdLst>
+                <a:gd name="connsiteX0" fmla="*/ 7367523 w 7367523"/>
+                <a:gd name="connsiteY0" fmla="*/ 0 h 173416"/>
+                <a:gd name="connsiteX1" fmla="*/ 6374783 w 7367523"/>
+                <a:gd name="connsiteY1" fmla="*/ 0 h 173416"/>
+                <a:gd name="connsiteX2" fmla="*/ 6240349 w 7367523"/>
+                <a:gd name="connsiteY2" fmla="*/ 0 h 173416"/>
+                <a:gd name="connsiteX3" fmla="*/ 5540227 w 7367523"/>
+                <a:gd name="connsiteY3" fmla="*/ 0 h 173416"/>
+                <a:gd name="connsiteX4" fmla="*/ 5247612 w 7367523"/>
+                <a:gd name="connsiteY4" fmla="*/ 0 h 173416"/>
+                <a:gd name="connsiteX5" fmla="*/ 4707193 w 7367523"/>
+                <a:gd name="connsiteY5" fmla="*/ 0 h 173416"/>
+                <a:gd name="connsiteX6" fmla="*/ 4413053 w 7367523"/>
+                <a:gd name="connsiteY6" fmla="*/ 0 h 173416"/>
+                <a:gd name="connsiteX7" fmla="*/ 3865356 w 7367523"/>
+                <a:gd name="connsiteY7" fmla="*/ 0 h 173416"/>
+                <a:gd name="connsiteX8" fmla="*/ 3580019 w 7367523"/>
+                <a:gd name="connsiteY8" fmla="*/ 0 h 173416"/>
+                <a:gd name="connsiteX9" fmla="*/ 2872616 w 7367523"/>
+                <a:gd name="connsiteY9" fmla="*/ 0 h 173416"/>
+                <a:gd name="connsiteX10" fmla="*/ 2738183 w 7367523"/>
+                <a:gd name="connsiteY10" fmla="*/ 0 h 173416"/>
+                <a:gd name="connsiteX11" fmla="*/ 2038060 w 7367523"/>
+                <a:gd name="connsiteY11" fmla="*/ 0 h 173416"/>
+                <a:gd name="connsiteX12" fmla="*/ 1745445 w 7367523"/>
+                <a:gd name="connsiteY12" fmla="*/ 0 h 173416"/>
+                <a:gd name="connsiteX13" fmla="*/ 1205026 w 7367523"/>
+                <a:gd name="connsiteY13" fmla="*/ 0 h 173416"/>
+                <a:gd name="connsiteX14" fmla="*/ 910887 w 7367523"/>
+                <a:gd name="connsiteY14" fmla="*/ 0 h 173416"/>
+                <a:gd name="connsiteX15" fmla="*/ 77853 w 7367523"/>
+                <a:gd name="connsiteY15" fmla="*/ 0 h 173416"/>
+                <a:gd name="connsiteX16" fmla="*/ 0 w 7367523"/>
+                <a:gd name="connsiteY16" fmla="*/ 173416 h 173416"/>
+                <a:gd name="connsiteX17" fmla="*/ 7289670 w 7367523"/>
+                <a:gd name="connsiteY17" fmla="*/ 173416 h 173416"/>
+              </a:gdLst>
+              <a:ahLst/>
+              <a:cxnLst>
+                <a:cxn ang="0">
+                  <a:pos x="connsiteX0" y="connsiteY0"/>
+                </a:cxn>
+                <a:cxn ang="0">
+                  <a:pos x="connsiteX1" y="connsiteY1"/>
+                </a:cxn>
+                <a:cxn ang="0">
+                  <a:pos x="connsiteX2" y="connsiteY2"/>
+                </a:cxn>
+                <a:cxn ang="0">
+                  <a:pos x="connsiteX3" y="connsiteY3"/>
+                </a:cxn>
+                <a:cxn ang="0">
+                  <a:pos x="connsiteX4" y="connsiteY4"/>
+                </a:cxn>
+                <a:cxn ang="0">
+                  <a:pos x="connsiteX5" y="connsiteY5"/>
+                </a:cxn>
+                <a:cxn ang="0">
+                  <a:pos x="connsiteX6" y="connsiteY6"/>
+                </a:cxn>
+                <a:cxn ang="0">
+                  <a:pos x="connsiteX7" y="connsiteY7"/>
+                </a:cxn>
+                <a:cxn ang="0">
+                  <a:pos x="connsiteX8" y="connsiteY8"/>
+                </a:cxn>
+                <a:cxn ang="0">
+                  <a:pos x="connsiteX9" y="connsiteY9"/>
+                </a:cxn>
+                <a:cxn ang="0">
+                  <a:pos x="connsiteX10" y="connsiteY10"/>
+                </a:cxn>
+                <a:cxn ang="0">
+                  <a:pos x="connsiteX11" y="connsiteY11"/>
+                </a:cxn>
+                <a:cxn ang="0">
+                  <a:pos x="connsiteX12" y="connsiteY12"/>
+                </a:cxn>
+                <a:cxn ang="0">
+                  <a:pos x="connsiteX13" y="connsiteY13"/>
+                </a:cxn>
+                <a:cxn ang="0">
+                  <a:pos x="connsiteX14" y="connsiteY14"/>
+                </a:cxn>
+                <a:cxn ang="0">
+                  <a:pos x="connsiteX15" y="connsiteY15"/>
+                </a:cxn>
+                <a:cxn ang="0">
+                  <a:pos x="connsiteX16" y="connsiteY16"/>
+                </a:cxn>
+                <a:cxn ang="0">
+                  <a:pos x="connsiteX17" y="connsiteY17"/>
+                </a:cxn>
+              </a:cxnLst>
+              <a:rect l="l" t="t" r="r" b="b"/>
+              <a:pathLst>
+                <a:path w="7367523" h="173416">
+                  <a:moveTo>
+                    <a:pt x="7367523" y="0"/>
+                  </a:moveTo>
+                  <a:lnTo>
+                    <a:pt x="6374783" y="0"/>
+                  </a:lnTo>
+                  <a:lnTo>
+                    <a:pt x="6240349" y="0"/>
+                  </a:lnTo>
+                  <a:lnTo>
+                    <a:pt x="5540227" y="0"/>
+                  </a:lnTo>
+                  <a:lnTo>
+                    <a:pt x="5247612" y="0"/>
+                  </a:lnTo>
+                  <a:lnTo>
+                    <a:pt x="4707193" y="0"/>
+                  </a:lnTo>
+                  <a:lnTo>
+                    <a:pt x="4413053" y="0"/>
+                  </a:lnTo>
+                  <a:lnTo>
+                    <a:pt x="3865356" y="0"/>
+                  </a:lnTo>
+                  <a:lnTo>
+                    <a:pt x="3580019" y="0"/>
+                  </a:lnTo>
+                  <a:lnTo>
+                    <a:pt x="2872616" y="0"/>
+                  </a:lnTo>
+                  <a:lnTo>
+                    <a:pt x="2738183" y="0"/>
+                  </a:lnTo>
+                  <a:lnTo>
+                    <a:pt x="2038060" y="0"/>
+                  </a:lnTo>
+                  <a:lnTo>
+                    <a:pt x="1745445" y="0"/>
+                  </a:lnTo>
+                  <a:lnTo>
+                    <a:pt x="1205026" y="0"/>
+                  </a:lnTo>
+                  <a:lnTo>
+                    <a:pt x="910887" y="0"/>
+                  </a:lnTo>
+                  <a:lnTo>
+                    <a:pt x="77853" y="0"/>
+                  </a:lnTo>
+                  <a:lnTo>
+                    <a:pt x="0" y="173416"/>
+                  </a:lnTo>
+                  <a:lnTo>
+                    <a:pt x="7289670" y="173416"/>
+                  </a:lnTo>
+                  <a:close/>
+                </a:path>
+              </a:pathLst>
+            </a:custGeom>
+            <a:solidFill>
+              <a:schemeClr val="bg2"/>
+            </a:solidFill>
+            <a:ln>
+              <a:noFill/>
+            </a:ln>
+          </p:spPr>
+          <p:style>
+            <a:lnRef idx="2">
+              <a:schemeClr val="accent1">
+                <a:shade val="50000"/>
+              </a:schemeClr>
+            </a:lnRef>
+            <a:fillRef idx="1">
+              <a:schemeClr val="accent1"/>
+            </a:fillRef>
+            <a:effectRef idx="0">
+              <a:schemeClr val="accent1"/>
+            </a:effectRef>
+            <a:fontRef idx="minor">
+              <a:schemeClr val="lt1"/>
+            </a:fontRef>
+          </p:style>
+          <p:txBody>
+            <a:bodyPr rot="0" spcFirstLastPara="0" vertOverflow="overflow" horzOverflow="overflow" vert="horz" wrap="square" lIns="91440" tIns="45720" rIns="91440" bIns="45720" numCol="1" spcCol="0" rtlCol="0" fromWordArt="0" anchor="ctr" anchorCtr="0" forceAA="0" compatLnSpc="1">
+              <a:noAutofit/>
+            </a:bodyPr>
+            <a:lstStyle/>
+            <a:p>
+              <a:pPr algn="ctr"/>
+              <a:endParaRPr lang="zh-CN" altLang="en-US"/>
+            </a:p>
+          </p:txBody>
+        </p:sp>
+      </p:grpSp>
+      <p:sp>
+        <p:nvSpPr>
+          <p:cNvPr id="24" name="任意多边形: 形状 23"/>
+          <p:cNvSpPr/>
+          <p:nvPr/>
+        </p:nvSpPr>
+        <p:spPr>
+          <a:xfrm flipH="1">
+            <a:off x="129621" y="0"/>
+            <a:ext cx="586522" cy="1047087"/>
+          </a:xfrm>
+          <a:custGeom>
+            <a:avLst/>
+            <a:gdLst>
+              <a:gd name="connsiteX0" fmla="*/ 586522 w 586522"/>
+              <a:gd name="connsiteY0" fmla="*/ 0 h 1047087"/>
+              <a:gd name="connsiteX1" fmla="*/ 470079 w 586522"/>
+              <a:gd name="connsiteY1" fmla="*/ 0 h 1047087"/>
+              <a:gd name="connsiteX2" fmla="*/ 0 w 586522"/>
+              <a:gd name="connsiteY2" fmla="*/ 1047087 h 1047087"/>
+              <a:gd name="connsiteX3" fmla="*/ 116443 w 586522"/>
+              <a:gd name="connsiteY3" fmla="*/ 1047087 h 1047087"/>
+            </a:gdLst>
+            <a:ahLst/>
+            <a:cxnLst>
+              <a:cxn ang="0">
+                <a:pos x="connsiteX0" y="connsiteY0"/>
+              </a:cxn>
+              <a:cxn ang="0">
+                <a:pos x="connsiteX1" y="connsiteY1"/>
+              </a:cxn>
+              <a:cxn ang="0">
+                <a:pos x="connsiteX2" y="connsiteY2"/>
+              </a:cxn>
+              <a:cxn ang="0">
+                <a:pos x="connsiteX3" y="connsiteY3"/>
+              </a:cxn>
+            </a:cxnLst>
+            <a:rect l="l" t="t" r="r" b="b"/>
+            <a:pathLst>
+              <a:path w="586522" h="1047087">
+                <a:moveTo>
+                  <a:pt x="586522" y="0"/>
+                </a:moveTo>
+                <a:lnTo>
+                  <a:pt x="470079" y="0"/>
+                </a:lnTo>
+                <a:lnTo>
+                  <a:pt x="0" y="1047087"/>
+                </a:lnTo>
+                <a:lnTo>
+                  <a:pt x="116443" y="1047087"/>
+                </a:lnTo>
+                <a:close/>
+              </a:path>
+            </a:pathLst>
+          </a:custGeom>
+          <a:gradFill flip="none" rotWithShape="0">
+            <a:gsLst>
+              <a:gs pos="0">
+                <a:srgbClr val="53A5F5">
+                  <a:lumMod val="73000"/>
+                  <a:lumOff val="27000"/>
+                </a:srgbClr>
+              </a:gs>
+              <a:gs pos="94000">
+                <a:srgbClr val="9214CF">
+                  <a:lumMod val="73000"/>
+                  <a:lumOff val="27000"/>
+                </a:srgbClr>
+              </a:gs>
+            </a:gsLst>
+            <a:lin ang="2700000" scaled="1"/>
+            <a:tileRect/>
+          </a:gradFill>
+          <a:ln>
+            <a:noFill/>
+          </a:ln>
+        </p:spPr>
+        <p:style>
+          <a:lnRef idx="2">
+            <a:schemeClr val="accent1">
+              <a:shade val="50000"/>
+            </a:schemeClr>
+          </a:lnRef>
+          <a:fillRef idx="1">
+            <a:schemeClr val="accent1"/>
+          </a:fillRef>
+          <a:effectRef idx="0">
+            <a:schemeClr val="accent1"/>
+          </a:effectRef>
+          <a:fontRef idx="minor">
+            <a:schemeClr val="lt1"/>
+          </a:fontRef>
+        </p:style>
+        <p:txBody>
+          <a:bodyPr rot="0" spcFirstLastPara="0" vertOverflow="overflow" horzOverflow="overflow" vert="horz" wrap="square" lIns="91440" tIns="45720" rIns="91440" bIns="45720" numCol="1" spcCol="0" rtlCol="0" fromWordArt="0" anchor="ctr" anchorCtr="0" forceAA="0" compatLnSpc="1">
+            <a:noAutofit/>
+          </a:bodyPr>
+          <a:lstStyle/>
+          <a:p>
+            <a:pPr algn="ctr"/>
+            <a:endParaRPr lang="zh-CN" altLang="en-US"/>
+          </a:p>
+        </p:txBody>
+      </p:sp>
+      <p:sp>
+        <p:nvSpPr>
+          <p:cNvPr id="25" name="任意多边形: 形状 24"/>
+          <p:cNvSpPr/>
+          <p:nvPr/>
+        </p:nvSpPr>
+        <p:spPr>
+          <a:xfrm flipH="1">
+            <a:off x="581108" y="202981"/>
+            <a:ext cx="344503" cy="615023"/>
+          </a:xfrm>
+          <a:custGeom>
+            <a:avLst/>
+            <a:gdLst>
+              <a:gd name="connsiteX0" fmla="*/ 586522 w 586522"/>
+              <a:gd name="connsiteY0" fmla="*/ 0 h 1047087"/>
+              <a:gd name="connsiteX1" fmla="*/ 470079 w 586522"/>
+              <a:gd name="connsiteY1" fmla="*/ 0 h 1047087"/>
+              <a:gd name="connsiteX2" fmla="*/ 0 w 586522"/>
+              <a:gd name="connsiteY2" fmla="*/ 1047087 h 1047087"/>
+              <a:gd name="connsiteX3" fmla="*/ 116443 w 586522"/>
+              <a:gd name="connsiteY3" fmla="*/ 1047087 h 1047087"/>
+            </a:gdLst>
+            <a:ahLst/>
+            <a:cxnLst>
+              <a:cxn ang="0">
+                <a:pos x="connsiteX0" y="connsiteY0"/>
+              </a:cxn>
+              <a:cxn ang="0">
+                <a:pos x="connsiteX1" y="connsiteY1"/>
+              </a:cxn>
+              <a:cxn ang="0">
+                <a:pos x="connsiteX2" y="connsiteY2"/>
+              </a:cxn>
+              <a:cxn ang="0">
+                <a:pos x="connsiteX3" y="connsiteY3"/>
+              </a:cxn>
+            </a:cxnLst>
+            <a:rect l="l" t="t" r="r" b="b"/>
+            <a:pathLst>
+              <a:path w="586522" h="1047087">
+                <a:moveTo>
+                  <a:pt x="586522" y="0"/>
+                </a:moveTo>
+                <a:lnTo>
+                  <a:pt x="470079" y="0"/>
+                </a:lnTo>
+                <a:lnTo>
+                  <a:pt x="0" y="1047087"/>
+                </a:lnTo>
+                <a:lnTo>
+                  <a:pt x="116443" y="1047087"/>
+                </a:lnTo>
+                <a:close/>
+              </a:path>
+            </a:pathLst>
+          </a:custGeom>
+          <a:solidFill>
+            <a:schemeClr val="bg1">
+              <a:lumMod val="95000"/>
+            </a:schemeClr>
+          </a:solidFill>
+          <a:ln>
+            <a:noFill/>
+          </a:ln>
+        </p:spPr>
+        <p:style>
+          <a:lnRef idx="2">
+            <a:schemeClr val="accent1">
+              <a:shade val="50000"/>
+            </a:schemeClr>
+          </a:lnRef>
+          <a:fillRef idx="1">
+            <a:schemeClr val="accent1"/>
+          </a:fillRef>
+          <a:effectRef idx="0">
+            <a:schemeClr val="accent1"/>
+          </a:effectRef>
+          <a:fontRef idx="minor">
+            <a:schemeClr val="lt1"/>
+          </a:fontRef>
+        </p:style>
+        <p:txBody>
+          <a:bodyPr rot="0" spcFirstLastPara="0" vertOverflow="overflow" horzOverflow="overflow" vert="horz" wrap="square" lIns="91440" tIns="45720" rIns="91440" bIns="45720" numCol="1" spcCol="0" rtlCol="0" fromWordArt="0" anchor="ctr" anchorCtr="0" forceAA="0" compatLnSpc="1">
+            <a:noAutofit/>
+          </a:bodyPr>
+          <a:lstStyle/>
+          <a:p>
+            <a:pPr algn="ctr"/>
+            <a:endParaRPr lang="zh-CN" altLang="en-US"/>
+          </a:p>
+        </p:txBody>
+      </p:sp>
+      <p:sp>
+        <p:nvSpPr>
+          <p:cNvPr id="2" name="文本框 1">
+            <a:extLst>
+              <a:ext uri="{FF2B5EF4-FFF2-40B4-BE49-F238E27FC236}">
+                <a16:creationId xmlns:a16="http://schemas.microsoft.com/office/drawing/2014/main" id="{F2A4914D-6F1A-B39C-504F-A70AC426C7FC}"/>
+              </a:ext>
+            </a:extLst>
+          </p:cNvPr>
+          <p:cNvSpPr txBox="1"/>
+          <p:nvPr/>
+        </p:nvSpPr>
+        <p:spPr bwMode="auto">
+          <a:xfrm>
+            <a:off x="322925" y="1121890"/>
+            <a:ext cx="11187757" cy="307777"/>
+          </a:xfrm>
+          <a:prstGeom prst="rect">
+            <a:avLst/>
+          </a:prstGeom>
+          <a:noFill/>
+        </p:spPr>
+        <p:txBody>
+          <a:bodyPr wrap="square">
+            <a:spAutoFit/>
+            <a:scene3d>
+              <a:camera prst="orthographicFront"/>
+              <a:lightRig rig="threePt" dir="t"/>
+            </a:scene3d>
+            <a:sp3d contourW="12700"/>
+          </a:bodyPr>
+          <a:lstStyle/>
+          <a:p>
+            <a:pPr>
+              <a:defRPr/>
+            </a:pPr>
+            <a:r>
+              <a:rPr lang="en-US" altLang="zh-CN" sz="1400" b="1" dirty="0">
+                <a:solidFill>
+                  <a:srgbClr val="7F12B6"/>
+                </a:solidFill>
+                <a:latin typeface="时尚中黑简体" panose="01010104010101010101" pitchFamily="2" charset="-122"/>
+                <a:ea typeface="时尚中黑简体" panose="01010104010101010101" pitchFamily="2" charset="-122"/>
+              </a:rPr>
+              <a:t>Tactile Compass: Enabling Visually Impaired People to Follow a Path with Continuous Directional Feedback  --CHI 2021</a:t>
+            </a:r>
+          </a:p>
+        </p:txBody>
+      </p:sp>
+      <p:sp>
+        <p:nvSpPr>
+          <p:cNvPr id="4" name="文本框 3">
+            <a:extLst>
+              <a:ext uri="{FF2B5EF4-FFF2-40B4-BE49-F238E27FC236}">
+                <a16:creationId xmlns:a16="http://schemas.microsoft.com/office/drawing/2014/main" id="{2D44835F-431E-6B89-A3BA-435E847F1483}"/>
+              </a:ext>
+            </a:extLst>
+          </p:cNvPr>
+          <p:cNvSpPr txBox="1"/>
+          <p:nvPr/>
+        </p:nvSpPr>
+        <p:spPr bwMode="auto">
+          <a:xfrm>
+            <a:off x="422882" y="1660509"/>
+            <a:ext cx="10675471" cy="2585323"/>
+          </a:xfrm>
+          <a:prstGeom prst="rect">
+            <a:avLst/>
+          </a:prstGeom>
+          <a:noFill/>
+        </p:spPr>
+        <p:txBody>
+          <a:bodyPr wrap="square">
+            <a:spAutoFit/>
+            <a:scene3d>
+              <a:camera prst="orthographicFront"/>
+              <a:lightRig rig="threePt" dir="t"/>
+            </a:scene3d>
+            <a:sp3d contourW="12700"/>
+          </a:bodyPr>
+          <a:lstStyle/>
+          <a:p>
+            <a:pPr marL="342900" indent="-342900">
+              <a:buFont typeface="+mj-lt"/>
+              <a:buAutoNum type="arabicPeriod"/>
+              <a:defRPr/>
+            </a:pPr>
+            <a:r>
+              <a:rPr lang="zh-CN" altLang="en-US" b="0" i="0" dirty="0">
+                <a:effectLst/>
+                <a:highlight>
+                  <a:srgbClr val="FFFFFF"/>
+                </a:highlight>
+                <a:latin typeface="-apple-system"/>
+              </a:rPr>
+              <a:t>视障人士跟随道路的指引系统：为了支持路径跟踪任务，引导系统应该提供路径规划和导航反馈。 路径规划的目标是建立一个安全有效的路径从一个地方到另一个地方。</a:t>
+            </a:r>
+            <a:endParaRPr lang="en-US" altLang="zh-CN" b="0" i="0" dirty="0">
+              <a:effectLst/>
+              <a:highlight>
+                <a:srgbClr val="FFFFFF"/>
+              </a:highlight>
+              <a:latin typeface="-apple-system"/>
+            </a:endParaRPr>
+          </a:p>
+          <a:p>
+            <a:pPr marL="342900" indent="-342900">
+              <a:buFont typeface="+mj-lt"/>
+              <a:buAutoNum type="arabicPeriod"/>
+              <a:defRPr/>
+            </a:pPr>
+            <a:r>
+              <a:rPr lang="zh-CN" altLang="en-US" b="0" i="0" dirty="0">
+                <a:effectLst/>
+                <a:highlight>
+                  <a:srgbClr val="FFFFFF"/>
+                </a:highlight>
+                <a:latin typeface="-apple-system"/>
+              </a:rPr>
+              <a:t>在振动与方向的关系中，有间接映射和直接映射。 对于间接映射，研究人员使用振动模式来指示方向。 例如，</a:t>
+            </a:r>
+            <a:r>
+              <a:rPr lang="en-US" altLang="zh-CN" b="0" i="0" dirty="0" err="1">
+                <a:effectLst/>
+                <a:highlight>
+                  <a:srgbClr val="FFFFFF"/>
+                </a:highlight>
+                <a:latin typeface="-apple-system"/>
+              </a:rPr>
+              <a:t>PocketNavigator</a:t>
+            </a:r>
+            <a:r>
+              <a:rPr lang="zh-CN" altLang="en-US" b="0" i="0" dirty="0">
+                <a:effectLst/>
+                <a:highlight>
+                  <a:srgbClr val="FFFFFF"/>
+                </a:highlight>
+                <a:latin typeface="-apple-system"/>
+              </a:rPr>
+              <a:t>使用两个短脉冲来指示前进。 直接映射是指振动位置与目标方向之间存在直接的空间映射关系。 例如，在</a:t>
+            </a:r>
+            <a:r>
+              <a:rPr lang="en-US" altLang="zh-CN" b="0" i="0" dirty="0" err="1">
+                <a:effectLst/>
+                <a:highlight>
+                  <a:srgbClr val="FFFFFF"/>
+                </a:highlight>
+                <a:latin typeface="-apple-system"/>
+              </a:rPr>
+              <a:t>ActiveBelt</a:t>
+            </a:r>
+            <a:r>
+              <a:rPr lang="zh-CN" altLang="en-US" b="0" i="0" dirty="0">
+                <a:effectLst/>
+                <a:highlight>
+                  <a:srgbClr val="FFFFFF"/>
+                </a:highlight>
+                <a:latin typeface="-apple-system"/>
+              </a:rPr>
+              <a:t>上均匀分布着</a:t>
+            </a:r>
+            <a:r>
+              <a:rPr lang="en-US" altLang="zh-CN" b="0" i="0" dirty="0">
+                <a:effectLst/>
+                <a:highlight>
+                  <a:srgbClr val="FFFFFF"/>
+                </a:highlight>
+                <a:latin typeface="-apple-system"/>
+              </a:rPr>
+              <a:t>8</a:t>
+            </a:r>
+            <a:r>
+              <a:rPr lang="zh-CN" altLang="en-US" b="0" i="0" dirty="0">
+                <a:effectLst/>
+                <a:highlight>
+                  <a:srgbClr val="FFFFFF"/>
+                </a:highlight>
+                <a:latin typeface="-apple-system"/>
+              </a:rPr>
+              <a:t>台振动电机，可以以</a:t>
+            </a:r>
+            <a:r>
+              <a:rPr lang="en-US" altLang="zh-CN" b="0" i="0" dirty="0">
+                <a:effectLst/>
+                <a:highlight>
+                  <a:srgbClr val="FFFFFF"/>
+                </a:highlight>
+                <a:latin typeface="-apple-system"/>
+              </a:rPr>
+              <a:t>45°</a:t>
+            </a:r>
+            <a:r>
+              <a:rPr lang="zh-CN" altLang="en-US" b="0" i="0" dirty="0">
+                <a:effectLst/>
+                <a:highlight>
+                  <a:srgbClr val="FFFFFF"/>
+                </a:highlight>
+                <a:latin typeface="-apple-system"/>
+              </a:rPr>
+              <a:t>为单位指示方向。</a:t>
+            </a:r>
+            <a:endParaRPr lang="en-US" altLang="zh-CN" b="0" i="0" dirty="0">
+              <a:effectLst/>
+              <a:highlight>
+                <a:srgbClr val="FFFFFF"/>
+              </a:highlight>
+              <a:latin typeface="-apple-system"/>
+            </a:endParaRPr>
+          </a:p>
+          <a:p>
+            <a:pPr marL="342900" indent="-342900">
+              <a:buFont typeface="+mj-lt"/>
+              <a:buAutoNum type="arabicPeriod"/>
+              <a:defRPr/>
+            </a:pPr>
+            <a:r>
+              <a:rPr lang="zh-CN" altLang="en-US" b="0" i="0" dirty="0">
+                <a:effectLst/>
+                <a:highlight>
+                  <a:srgbClr val="FFFFFF"/>
+                </a:highlight>
+                <a:latin typeface="-apple-system"/>
+              </a:rPr>
+              <a:t>使用触觉罗盘时，被试能够以</a:t>
+            </a:r>
+            <a:r>
+              <a:rPr lang="en-US" altLang="zh-CN" b="0" i="0" dirty="0">
+                <a:effectLst/>
+                <a:highlight>
+                  <a:srgbClr val="FFFFFF"/>
+                </a:highlight>
+                <a:latin typeface="-apple-system"/>
+              </a:rPr>
+              <a:t>3.03°</a:t>
+            </a:r>
+            <a:r>
+              <a:rPr lang="zh-CN" altLang="en-US" b="0" i="0" dirty="0">
+                <a:effectLst/>
+                <a:highlight>
+                  <a:srgbClr val="FFFFFF"/>
+                </a:highlight>
+                <a:latin typeface="-apple-system"/>
+              </a:rPr>
+              <a:t>的平均偏差到达目标方向，并能在</a:t>
+            </a:r>
+            <a:r>
+              <a:rPr lang="en-US" altLang="zh-CN" b="0" i="0" dirty="0">
+                <a:effectLst/>
+                <a:highlight>
+                  <a:srgbClr val="FFFFFF"/>
+                </a:highlight>
+                <a:latin typeface="-apple-system"/>
+              </a:rPr>
+              <a:t>60cm</a:t>
+            </a:r>
+            <a:r>
+              <a:rPr lang="zh-CN" altLang="en-US" b="0" i="0" dirty="0">
+                <a:effectLst/>
+                <a:highlight>
+                  <a:srgbClr val="FFFFFF"/>
+                </a:highlight>
+                <a:latin typeface="-apple-system"/>
+              </a:rPr>
+              <a:t>宽的路径上平稳地导航。</a:t>
+            </a:r>
+            <a:endParaRPr lang="en-US" altLang="zh-CN" b="0" i="0" dirty="0">
+              <a:effectLst/>
+              <a:highlight>
+                <a:srgbClr val="FFFFFF"/>
+              </a:highlight>
+              <a:latin typeface="-apple-system"/>
+            </a:endParaRPr>
+          </a:p>
+          <a:p>
+            <a:pPr marL="342900" indent="-342900">
+              <a:buFont typeface="+mj-lt"/>
+              <a:buAutoNum type="arabicPeriod"/>
+              <a:defRPr/>
+            </a:pPr>
+            <a:r>
+              <a:rPr lang="en-US" altLang="zh-CN" b="0" i="0" dirty="0">
+                <a:effectLst/>
+                <a:highlight>
+                  <a:srgbClr val="FFFFFF"/>
+                </a:highlight>
+                <a:latin typeface="-apple-system"/>
+              </a:rPr>
+              <a:t>Tactus+</a:t>
+            </a:r>
+            <a:r>
+              <a:rPr lang="zh-CN" altLang="en-US" b="0" i="0">
+                <a:effectLst/>
+                <a:highlight>
+                  <a:srgbClr val="FFFFFF"/>
+                </a:highlight>
+                <a:latin typeface="-apple-system"/>
+              </a:rPr>
+              <a:t>音频反馈可以帮助参与者更准确地遵循路径。 然而，当参与者遭受由触觉针和音频不一致的线索引起的困惑时，他们更愿意使用触觉反馈。</a:t>
+            </a:r>
+            <a:endParaRPr lang="en-US" altLang="zh-CN" b="0" i="0" dirty="0">
+              <a:effectLst/>
+              <a:highlight>
+                <a:srgbClr val="FFFFFF"/>
+              </a:highlight>
+              <a:latin typeface="-apple-system"/>
+            </a:endParaRPr>
+          </a:p>
+          <a:p>
+            <a:pPr>
+              <a:defRPr/>
+            </a:pPr>
+            <a:endParaRPr lang="en-US" altLang="zh-CN" dirty="0"/>
+          </a:p>
+        </p:txBody>
+      </p:sp>
+    </p:spTree>
+    <p:extLst>
+      <p:ext uri="{BB962C8B-B14F-4D97-AF65-F5344CB8AC3E}">
+        <p14:creationId xmlns:p14="http://schemas.microsoft.com/office/powerpoint/2010/main" val="222949553"/>
+      </p:ext>
+    </p:extLst>
+  </p:cSld>
+  <p:clrMapOvr>
+    <a:masterClrMapping/>
+  </p:clrMapOvr>
+  <mc:AlternateContent xmlns:mc="http://schemas.openxmlformats.org/markup-compatibility/2006" xmlns:p14="http://schemas.microsoft.com/office/powerpoint/2010/main">
+    <mc:Choice Requires="p14">
+      <p:transition spd="slow" p14:dur="1500" advTm="0">
+        <p:random/>
+      </p:transition>
+    </mc:Choice>
+    <mc:Fallback xmlns="">
+      <p:transition spd="slow" advTm="0">
+        <p:random/>
+      </p:transition>
+    </mc:Fallback>
+  </mc:AlternateContent>
+</p:sld>
+</file>
+
 <file path=ppt/tags/tag1.xml><?xml version="1.0" encoding="utf-8"?>
 <p:tagLst xmlns:a="http://schemas.openxmlformats.org/drawingml/2006/main" xmlns:r="http://schemas.openxmlformats.org/officeDocument/2006/relationships" xmlns:p="http://schemas.openxmlformats.org/presentationml/2006/main">
   <p:tag name="ISPRING_PRESENTATION_TITLE" val="PowerPoint 演示文稿"/>

--- a/记录.pptx
+++ b/记录.pptx
@@ -5,7 +5,7 @@
     <p:sldMasterId id="2147483648" r:id="rId1"/>
   </p:sldMasterIdLst>
   <p:notesMasterIdLst>
-    <p:notesMasterId r:id="rId8"/>
+    <p:notesMasterId r:id="rId9"/>
   </p:notesMasterIdLst>
   <p:sldIdLst>
     <p:sldId id="357" r:id="rId2"/>
@@ -14,11 +14,12 @@
     <p:sldId id="360" r:id="rId5"/>
     <p:sldId id="361" r:id="rId6"/>
     <p:sldId id="362" r:id="rId7"/>
+    <p:sldId id="363" r:id="rId8"/>
   </p:sldIdLst>
   <p:sldSz cx="12192000" cy="6858000"/>
   <p:notesSz cx="6858000" cy="9144000"/>
   <p:custDataLst>
-    <p:tags r:id="rId9"/>
+    <p:tags r:id="rId10"/>
   </p:custDataLst>
   <p:defaultTextStyle>
     <a:defPPr>
@@ -213,7 +214,7 @@
           <a:p>
             <a:fld id="{5D13BBE5-0BEA-4494-9BEF-C8C2F48C9E2D}" type="datetimeFigureOut">
               <a:rPr lang="zh-CN" altLang="en-US" smtClean="0"/>
-              <a:t>2024/8/20</a:t>
+              <a:t>2024/8/26</a:t>
             </a:fld>
             <a:endParaRPr lang="zh-CN" altLang="en-US"/>
           </a:p>
@@ -979,6 +980,90 @@
 </p:notes>
 </file>
 
+<file path=ppt/notesSlides/notesSlide7.xml><?xml version="1.0" encoding="utf-8"?>
+<p:notes xmlns:a="http://schemas.openxmlformats.org/drawingml/2006/main" xmlns:r="http://schemas.openxmlformats.org/officeDocument/2006/relationships" xmlns:p="http://schemas.openxmlformats.org/presentationml/2006/main">
+  <p:cSld>
+    <p:spTree>
+      <p:nvGrpSpPr>
+        <p:cNvPr id="1" name=""/>
+        <p:cNvGrpSpPr/>
+        <p:nvPr/>
+      </p:nvGrpSpPr>
+      <p:grpSpPr>
+        <a:xfrm>
+          <a:off x="0" y="0"/>
+          <a:ext cx="0" cy="0"/>
+          <a:chOff x="0" y="0"/>
+          <a:chExt cx="0" cy="0"/>
+        </a:xfrm>
+      </p:grpSpPr>
+      <p:sp>
+        <p:nvSpPr>
+          <p:cNvPr id="2" name="幻灯片图像占位符 1"/>
+          <p:cNvSpPr>
+            <a:spLocks noGrp="1" noRot="1" noChangeAspect="1"/>
+          </p:cNvSpPr>
+          <p:nvPr>
+            <p:ph type="sldImg"/>
+          </p:nvPr>
+        </p:nvSpPr>
+        <p:spPr/>
+      </p:sp>
+      <p:sp>
+        <p:nvSpPr>
+          <p:cNvPr id="3" name="备注占位符 2"/>
+          <p:cNvSpPr>
+            <a:spLocks noGrp="1"/>
+          </p:cNvSpPr>
+          <p:nvPr>
+            <p:ph type="body" idx="1"/>
+          </p:nvPr>
+        </p:nvSpPr>
+        <p:spPr/>
+        <p:txBody>
+          <a:bodyPr/>
+          <a:lstStyle/>
+          <a:p>
+            <a:endParaRPr lang="zh-CN" altLang="en-US" dirty="0"/>
+          </a:p>
+        </p:txBody>
+      </p:sp>
+      <p:sp>
+        <p:nvSpPr>
+          <p:cNvPr id="4" name="灯片编号占位符 3"/>
+          <p:cNvSpPr>
+            <a:spLocks noGrp="1"/>
+          </p:cNvSpPr>
+          <p:nvPr>
+            <p:ph type="sldNum" sz="quarter" idx="5"/>
+          </p:nvPr>
+        </p:nvSpPr>
+        <p:spPr/>
+        <p:txBody>
+          <a:bodyPr/>
+          <a:lstStyle/>
+          <a:p>
+            <a:fld id="{F1CB8912-F0BA-4AD8-8415-DA1F26BCB09F}" type="slidenum">
+              <a:rPr lang="zh-CN" altLang="en-US" smtClean="0"/>
+              <a:t>7</a:t>
+            </a:fld>
+            <a:endParaRPr lang="zh-CN" altLang="en-US"/>
+          </a:p>
+        </p:txBody>
+      </p:sp>
+    </p:spTree>
+    <p:extLst>
+      <p:ext uri="{BB962C8B-B14F-4D97-AF65-F5344CB8AC3E}">
+        <p14:creationId xmlns:p14="http://schemas.microsoft.com/office/powerpoint/2010/main" val="3651318642"/>
+      </p:ext>
+    </p:extLst>
+  </p:cSld>
+  <p:clrMapOvr>
+    <a:masterClrMapping/>
+  </p:clrMapOvr>
+</p:notes>
+</file>
+
 <file path=ppt/slideLayouts/slideLayout1.xml><?xml version="1.0" encoding="utf-8"?>
 <p:sldLayout xmlns:a="http://schemas.openxmlformats.org/drawingml/2006/main" xmlns:r="http://schemas.openxmlformats.org/officeDocument/2006/relationships" xmlns:p="http://schemas.openxmlformats.org/presentationml/2006/main" showMasterSp="0" preserve="1">
   <p:cSld name="仅标题">
@@ -6751,6 +6836,1022 @@
 </p:sld>
 </file>
 
+<file path=ppt/slides/slide7.xml><?xml version="1.0" encoding="utf-8"?>
+<p:sld xmlns:a="http://schemas.openxmlformats.org/drawingml/2006/main" xmlns:r="http://schemas.openxmlformats.org/officeDocument/2006/relationships" xmlns:p="http://schemas.openxmlformats.org/presentationml/2006/main">
+  <p:cSld>
+    <p:spTree>
+      <p:nvGrpSpPr>
+        <p:cNvPr id="1" name=""/>
+        <p:cNvGrpSpPr/>
+        <p:nvPr/>
+      </p:nvGrpSpPr>
+      <p:grpSpPr>
+        <a:xfrm>
+          <a:off x="0" y="0"/>
+          <a:ext cx="0" cy="0"/>
+          <a:chOff x="0" y="0"/>
+          <a:chExt cx="0" cy="0"/>
+        </a:xfrm>
+      </p:grpSpPr>
+      <p:grpSp>
+        <p:nvGrpSpPr>
+          <p:cNvPr id="21" name="组合 20"/>
+          <p:cNvGrpSpPr/>
+          <p:nvPr/>
+        </p:nvGrpSpPr>
+        <p:grpSpPr>
+          <a:xfrm>
+            <a:off x="5270500" y="510493"/>
+            <a:ext cx="7561033" cy="380555"/>
+            <a:chOff x="6997699" y="510493"/>
+            <a:chExt cx="5794625" cy="380555"/>
+          </a:xfrm>
+        </p:grpSpPr>
+        <p:sp>
+          <p:nvSpPr>
+            <p:cNvPr id="22" name="任意多边形: 形状 21"/>
+            <p:cNvSpPr/>
+            <p:nvPr userDrawn="1"/>
+          </p:nvSpPr>
+          <p:spPr>
+            <a:xfrm flipH="1">
+              <a:off x="6997699" y="764493"/>
+              <a:ext cx="5376633" cy="126555"/>
+            </a:xfrm>
+            <a:custGeom>
+              <a:avLst/>
+              <a:gdLst>
+                <a:gd name="connsiteX0" fmla="*/ 7367523 w 7367523"/>
+                <a:gd name="connsiteY0" fmla="*/ 0 h 173416"/>
+                <a:gd name="connsiteX1" fmla="*/ 6374783 w 7367523"/>
+                <a:gd name="connsiteY1" fmla="*/ 0 h 173416"/>
+                <a:gd name="connsiteX2" fmla="*/ 6240349 w 7367523"/>
+                <a:gd name="connsiteY2" fmla="*/ 0 h 173416"/>
+                <a:gd name="connsiteX3" fmla="*/ 5540227 w 7367523"/>
+                <a:gd name="connsiteY3" fmla="*/ 0 h 173416"/>
+                <a:gd name="connsiteX4" fmla="*/ 5247612 w 7367523"/>
+                <a:gd name="connsiteY4" fmla="*/ 0 h 173416"/>
+                <a:gd name="connsiteX5" fmla="*/ 4707193 w 7367523"/>
+                <a:gd name="connsiteY5" fmla="*/ 0 h 173416"/>
+                <a:gd name="connsiteX6" fmla="*/ 4413053 w 7367523"/>
+                <a:gd name="connsiteY6" fmla="*/ 0 h 173416"/>
+                <a:gd name="connsiteX7" fmla="*/ 3865356 w 7367523"/>
+                <a:gd name="connsiteY7" fmla="*/ 0 h 173416"/>
+                <a:gd name="connsiteX8" fmla="*/ 3580019 w 7367523"/>
+                <a:gd name="connsiteY8" fmla="*/ 0 h 173416"/>
+                <a:gd name="connsiteX9" fmla="*/ 2872616 w 7367523"/>
+                <a:gd name="connsiteY9" fmla="*/ 0 h 173416"/>
+                <a:gd name="connsiteX10" fmla="*/ 2738183 w 7367523"/>
+                <a:gd name="connsiteY10" fmla="*/ 0 h 173416"/>
+                <a:gd name="connsiteX11" fmla="*/ 2038060 w 7367523"/>
+                <a:gd name="connsiteY11" fmla="*/ 0 h 173416"/>
+                <a:gd name="connsiteX12" fmla="*/ 1745445 w 7367523"/>
+                <a:gd name="connsiteY12" fmla="*/ 0 h 173416"/>
+                <a:gd name="connsiteX13" fmla="*/ 1205026 w 7367523"/>
+                <a:gd name="connsiteY13" fmla="*/ 0 h 173416"/>
+                <a:gd name="connsiteX14" fmla="*/ 910887 w 7367523"/>
+                <a:gd name="connsiteY14" fmla="*/ 0 h 173416"/>
+                <a:gd name="connsiteX15" fmla="*/ 77853 w 7367523"/>
+                <a:gd name="connsiteY15" fmla="*/ 0 h 173416"/>
+                <a:gd name="connsiteX16" fmla="*/ 0 w 7367523"/>
+                <a:gd name="connsiteY16" fmla="*/ 173416 h 173416"/>
+                <a:gd name="connsiteX17" fmla="*/ 7289670 w 7367523"/>
+                <a:gd name="connsiteY17" fmla="*/ 173416 h 173416"/>
+              </a:gdLst>
+              <a:ahLst/>
+              <a:cxnLst>
+                <a:cxn ang="0">
+                  <a:pos x="connsiteX0" y="connsiteY0"/>
+                </a:cxn>
+                <a:cxn ang="0">
+                  <a:pos x="connsiteX1" y="connsiteY1"/>
+                </a:cxn>
+                <a:cxn ang="0">
+                  <a:pos x="connsiteX2" y="connsiteY2"/>
+                </a:cxn>
+                <a:cxn ang="0">
+                  <a:pos x="connsiteX3" y="connsiteY3"/>
+                </a:cxn>
+                <a:cxn ang="0">
+                  <a:pos x="connsiteX4" y="connsiteY4"/>
+                </a:cxn>
+                <a:cxn ang="0">
+                  <a:pos x="connsiteX5" y="connsiteY5"/>
+                </a:cxn>
+                <a:cxn ang="0">
+                  <a:pos x="connsiteX6" y="connsiteY6"/>
+                </a:cxn>
+                <a:cxn ang="0">
+                  <a:pos x="connsiteX7" y="connsiteY7"/>
+                </a:cxn>
+                <a:cxn ang="0">
+                  <a:pos x="connsiteX8" y="connsiteY8"/>
+                </a:cxn>
+                <a:cxn ang="0">
+                  <a:pos x="connsiteX9" y="connsiteY9"/>
+                </a:cxn>
+                <a:cxn ang="0">
+                  <a:pos x="connsiteX10" y="connsiteY10"/>
+                </a:cxn>
+                <a:cxn ang="0">
+                  <a:pos x="connsiteX11" y="connsiteY11"/>
+                </a:cxn>
+                <a:cxn ang="0">
+                  <a:pos x="connsiteX12" y="connsiteY12"/>
+                </a:cxn>
+                <a:cxn ang="0">
+                  <a:pos x="connsiteX13" y="connsiteY13"/>
+                </a:cxn>
+                <a:cxn ang="0">
+                  <a:pos x="connsiteX14" y="connsiteY14"/>
+                </a:cxn>
+                <a:cxn ang="0">
+                  <a:pos x="connsiteX15" y="connsiteY15"/>
+                </a:cxn>
+                <a:cxn ang="0">
+                  <a:pos x="connsiteX16" y="connsiteY16"/>
+                </a:cxn>
+                <a:cxn ang="0">
+                  <a:pos x="connsiteX17" y="connsiteY17"/>
+                </a:cxn>
+              </a:cxnLst>
+              <a:rect l="l" t="t" r="r" b="b"/>
+              <a:pathLst>
+                <a:path w="7367523" h="173416">
+                  <a:moveTo>
+                    <a:pt x="7367523" y="0"/>
+                  </a:moveTo>
+                  <a:lnTo>
+                    <a:pt x="6374783" y="0"/>
+                  </a:lnTo>
+                  <a:lnTo>
+                    <a:pt x="6240349" y="0"/>
+                  </a:lnTo>
+                  <a:lnTo>
+                    <a:pt x="5540227" y="0"/>
+                  </a:lnTo>
+                  <a:lnTo>
+                    <a:pt x="5247612" y="0"/>
+                  </a:lnTo>
+                  <a:lnTo>
+                    <a:pt x="4707193" y="0"/>
+                  </a:lnTo>
+                  <a:lnTo>
+                    <a:pt x="4413053" y="0"/>
+                  </a:lnTo>
+                  <a:lnTo>
+                    <a:pt x="3865356" y="0"/>
+                  </a:lnTo>
+                  <a:lnTo>
+                    <a:pt x="3580019" y="0"/>
+                  </a:lnTo>
+                  <a:lnTo>
+                    <a:pt x="2872616" y="0"/>
+                  </a:lnTo>
+                  <a:lnTo>
+                    <a:pt x="2738183" y="0"/>
+                  </a:lnTo>
+                  <a:lnTo>
+                    <a:pt x="2038060" y="0"/>
+                  </a:lnTo>
+                  <a:lnTo>
+                    <a:pt x="1745445" y="0"/>
+                  </a:lnTo>
+                  <a:lnTo>
+                    <a:pt x="1205026" y="0"/>
+                  </a:lnTo>
+                  <a:lnTo>
+                    <a:pt x="910887" y="0"/>
+                  </a:lnTo>
+                  <a:lnTo>
+                    <a:pt x="77853" y="0"/>
+                  </a:lnTo>
+                  <a:lnTo>
+                    <a:pt x="0" y="173416"/>
+                  </a:lnTo>
+                  <a:lnTo>
+                    <a:pt x="7289670" y="173416"/>
+                  </a:lnTo>
+                  <a:close/>
+                </a:path>
+              </a:pathLst>
+            </a:custGeom>
+            <a:gradFill flip="none" rotWithShape="0">
+              <a:gsLst>
+                <a:gs pos="0">
+                  <a:srgbClr val="228AF2"/>
+                </a:gs>
+                <a:gs pos="94000">
+                  <a:srgbClr val="7F12B6"/>
+                </a:gs>
+              </a:gsLst>
+              <a:lin ang="2700000" scaled="1"/>
+              <a:tileRect/>
+            </a:gradFill>
+            <a:ln>
+              <a:noFill/>
+            </a:ln>
+          </p:spPr>
+          <p:style>
+            <a:lnRef idx="2">
+              <a:schemeClr val="accent1">
+                <a:shade val="50000"/>
+              </a:schemeClr>
+            </a:lnRef>
+            <a:fillRef idx="1">
+              <a:schemeClr val="accent1"/>
+            </a:fillRef>
+            <a:effectRef idx="0">
+              <a:schemeClr val="accent1"/>
+            </a:effectRef>
+            <a:fontRef idx="minor">
+              <a:schemeClr val="lt1"/>
+            </a:fontRef>
+          </p:style>
+          <p:txBody>
+            <a:bodyPr rot="0" spcFirstLastPara="0" vertOverflow="overflow" horzOverflow="overflow" vert="horz" wrap="square" lIns="91440" tIns="45720" rIns="91440" bIns="45720" numCol="1" spcCol="0" rtlCol="0" fromWordArt="0" anchor="ctr" anchorCtr="0" forceAA="0" compatLnSpc="1">
+              <a:noAutofit/>
+            </a:bodyPr>
+            <a:lstStyle/>
+            <a:p>
+              <a:pPr algn="ctr"/>
+              <a:endParaRPr lang="zh-CN" altLang="en-US"/>
+            </a:p>
+          </p:txBody>
+        </p:sp>
+        <p:sp>
+          <p:nvSpPr>
+            <p:cNvPr id="23" name="任意多边形: 形状 22"/>
+            <p:cNvSpPr/>
+            <p:nvPr userDrawn="1"/>
+          </p:nvSpPr>
+          <p:spPr>
+            <a:xfrm flipH="1">
+              <a:off x="7415691" y="510493"/>
+              <a:ext cx="5376633" cy="126555"/>
+            </a:xfrm>
+            <a:custGeom>
+              <a:avLst/>
+              <a:gdLst>
+                <a:gd name="connsiteX0" fmla="*/ 7367523 w 7367523"/>
+                <a:gd name="connsiteY0" fmla="*/ 0 h 173416"/>
+                <a:gd name="connsiteX1" fmla="*/ 6374783 w 7367523"/>
+                <a:gd name="connsiteY1" fmla="*/ 0 h 173416"/>
+                <a:gd name="connsiteX2" fmla="*/ 6240349 w 7367523"/>
+                <a:gd name="connsiteY2" fmla="*/ 0 h 173416"/>
+                <a:gd name="connsiteX3" fmla="*/ 5540227 w 7367523"/>
+                <a:gd name="connsiteY3" fmla="*/ 0 h 173416"/>
+                <a:gd name="connsiteX4" fmla="*/ 5247612 w 7367523"/>
+                <a:gd name="connsiteY4" fmla="*/ 0 h 173416"/>
+                <a:gd name="connsiteX5" fmla="*/ 4707193 w 7367523"/>
+                <a:gd name="connsiteY5" fmla="*/ 0 h 173416"/>
+                <a:gd name="connsiteX6" fmla="*/ 4413053 w 7367523"/>
+                <a:gd name="connsiteY6" fmla="*/ 0 h 173416"/>
+                <a:gd name="connsiteX7" fmla="*/ 3865356 w 7367523"/>
+                <a:gd name="connsiteY7" fmla="*/ 0 h 173416"/>
+                <a:gd name="connsiteX8" fmla="*/ 3580019 w 7367523"/>
+                <a:gd name="connsiteY8" fmla="*/ 0 h 173416"/>
+                <a:gd name="connsiteX9" fmla="*/ 2872616 w 7367523"/>
+                <a:gd name="connsiteY9" fmla="*/ 0 h 173416"/>
+                <a:gd name="connsiteX10" fmla="*/ 2738183 w 7367523"/>
+                <a:gd name="connsiteY10" fmla="*/ 0 h 173416"/>
+                <a:gd name="connsiteX11" fmla="*/ 2038060 w 7367523"/>
+                <a:gd name="connsiteY11" fmla="*/ 0 h 173416"/>
+                <a:gd name="connsiteX12" fmla="*/ 1745445 w 7367523"/>
+                <a:gd name="connsiteY12" fmla="*/ 0 h 173416"/>
+                <a:gd name="connsiteX13" fmla="*/ 1205026 w 7367523"/>
+                <a:gd name="connsiteY13" fmla="*/ 0 h 173416"/>
+                <a:gd name="connsiteX14" fmla="*/ 910887 w 7367523"/>
+                <a:gd name="connsiteY14" fmla="*/ 0 h 173416"/>
+                <a:gd name="connsiteX15" fmla="*/ 77853 w 7367523"/>
+                <a:gd name="connsiteY15" fmla="*/ 0 h 173416"/>
+                <a:gd name="connsiteX16" fmla="*/ 0 w 7367523"/>
+                <a:gd name="connsiteY16" fmla="*/ 173416 h 173416"/>
+                <a:gd name="connsiteX17" fmla="*/ 7289670 w 7367523"/>
+                <a:gd name="connsiteY17" fmla="*/ 173416 h 173416"/>
+              </a:gdLst>
+              <a:ahLst/>
+              <a:cxnLst>
+                <a:cxn ang="0">
+                  <a:pos x="connsiteX0" y="connsiteY0"/>
+                </a:cxn>
+                <a:cxn ang="0">
+                  <a:pos x="connsiteX1" y="connsiteY1"/>
+                </a:cxn>
+                <a:cxn ang="0">
+                  <a:pos x="connsiteX2" y="connsiteY2"/>
+                </a:cxn>
+                <a:cxn ang="0">
+                  <a:pos x="connsiteX3" y="connsiteY3"/>
+                </a:cxn>
+                <a:cxn ang="0">
+                  <a:pos x="connsiteX4" y="connsiteY4"/>
+                </a:cxn>
+                <a:cxn ang="0">
+                  <a:pos x="connsiteX5" y="connsiteY5"/>
+                </a:cxn>
+                <a:cxn ang="0">
+                  <a:pos x="connsiteX6" y="connsiteY6"/>
+                </a:cxn>
+                <a:cxn ang="0">
+                  <a:pos x="connsiteX7" y="connsiteY7"/>
+                </a:cxn>
+                <a:cxn ang="0">
+                  <a:pos x="connsiteX8" y="connsiteY8"/>
+                </a:cxn>
+                <a:cxn ang="0">
+                  <a:pos x="connsiteX9" y="connsiteY9"/>
+                </a:cxn>
+                <a:cxn ang="0">
+                  <a:pos x="connsiteX10" y="connsiteY10"/>
+                </a:cxn>
+                <a:cxn ang="0">
+                  <a:pos x="connsiteX11" y="connsiteY11"/>
+                </a:cxn>
+                <a:cxn ang="0">
+                  <a:pos x="connsiteX12" y="connsiteY12"/>
+                </a:cxn>
+                <a:cxn ang="0">
+                  <a:pos x="connsiteX13" y="connsiteY13"/>
+                </a:cxn>
+                <a:cxn ang="0">
+                  <a:pos x="connsiteX14" y="connsiteY14"/>
+                </a:cxn>
+                <a:cxn ang="0">
+                  <a:pos x="connsiteX15" y="connsiteY15"/>
+                </a:cxn>
+                <a:cxn ang="0">
+                  <a:pos x="connsiteX16" y="connsiteY16"/>
+                </a:cxn>
+                <a:cxn ang="0">
+                  <a:pos x="connsiteX17" y="connsiteY17"/>
+                </a:cxn>
+              </a:cxnLst>
+              <a:rect l="l" t="t" r="r" b="b"/>
+              <a:pathLst>
+                <a:path w="7367523" h="173416">
+                  <a:moveTo>
+                    <a:pt x="7367523" y="0"/>
+                  </a:moveTo>
+                  <a:lnTo>
+                    <a:pt x="6374783" y="0"/>
+                  </a:lnTo>
+                  <a:lnTo>
+                    <a:pt x="6240349" y="0"/>
+                  </a:lnTo>
+                  <a:lnTo>
+                    <a:pt x="5540227" y="0"/>
+                  </a:lnTo>
+                  <a:lnTo>
+                    <a:pt x="5247612" y="0"/>
+                  </a:lnTo>
+                  <a:lnTo>
+                    <a:pt x="4707193" y="0"/>
+                  </a:lnTo>
+                  <a:lnTo>
+                    <a:pt x="4413053" y="0"/>
+                  </a:lnTo>
+                  <a:lnTo>
+                    <a:pt x="3865356" y="0"/>
+                  </a:lnTo>
+                  <a:lnTo>
+                    <a:pt x="3580019" y="0"/>
+                  </a:lnTo>
+                  <a:lnTo>
+                    <a:pt x="2872616" y="0"/>
+                  </a:lnTo>
+                  <a:lnTo>
+                    <a:pt x="2738183" y="0"/>
+                  </a:lnTo>
+                  <a:lnTo>
+                    <a:pt x="2038060" y="0"/>
+                  </a:lnTo>
+                  <a:lnTo>
+                    <a:pt x="1745445" y="0"/>
+                  </a:lnTo>
+                  <a:lnTo>
+                    <a:pt x="1205026" y="0"/>
+                  </a:lnTo>
+                  <a:lnTo>
+                    <a:pt x="910887" y="0"/>
+                  </a:lnTo>
+                  <a:lnTo>
+                    <a:pt x="77853" y="0"/>
+                  </a:lnTo>
+                  <a:lnTo>
+                    <a:pt x="0" y="173416"/>
+                  </a:lnTo>
+                  <a:lnTo>
+                    <a:pt x="7289670" y="173416"/>
+                  </a:lnTo>
+                  <a:close/>
+                </a:path>
+              </a:pathLst>
+            </a:custGeom>
+            <a:solidFill>
+              <a:schemeClr val="bg2"/>
+            </a:solidFill>
+            <a:ln>
+              <a:noFill/>
+            </a:ln>
+          </p:spPr>
+          <p:style>
+            <a:lnRef idx="2">
+              <a:schemeClr val="accent1">
+                <a:shade val="50000"/>
+              </a:schemeClr>
+            </a:lnRef>
+            <a:fillRef idx="1">
+              <a:schemeClr val="accent1"/>
+            </a:fillRef>
+            <a:effectRef idx="0">
+              <a:schemeClr val="accent1"/>
+            </a:effectRef>
+            <a:fontRef idx="minor">
+              <a:schemeClr val="lt1"/>
+            </a:fontRef>
+          </p:style>
+          <p:txBody>
+            <a:bodyPr rot="0" spcFirstLastPara="0" vertOverflow="overflow" horzOverflow="overflow" vert="horz" wrap="square" lIns="91440" tIns="45720" rIns="91440" bIns="45720" numCol="1" spcCol="0" rtlCol="0" fromWordArt="0" anchor="ctr" anchorCtr="0" forceAA="0" compatLnSpc="1">
+              <a:noAutofit/>
+            </a:bodyPr>
+            <a:lstStyle/>
+            <a:p>
+              <a:pPr algn="ctr"/>
+              <a:endParaRPr lang="zh-CN" altLang="en-US"/>
+            </a:p>
+          </p:txBody>
+        </p:sp>
+      </p:grpSp>
+      <p:sp>
+        <p:nvSpPr>
+          <p:cNvPr id="24" name="任意多边形: 形状 23"/>
+          <p:cNvSpPr/>
+          <p:nvPr/>
+        </p:nvSpPr>
+        <p:spPr>
+          <a:xfrm flipH="1">
+            <a:off x="129621" y="0"/>
+            <a:ext cx="586522" cy="1047087"/>
+          </a:xfrm>
+          <a:custGeom>
+            <a:avLst/>
+            <a:gdLst>
+              <a:gd name="connsiteX0" fmla="*/ 586522 w 586522"/>
+              <a:gd name="connsiteY0" fmla="*/ 0 h 1047087"/>
+              <a:gd name="connsiteX1" fmla="*/ 470079 w 586522"/>
+              <a:gd name="connsiteY1" fmla="*/ 0 h 1047087"/>
+              <a:gd name="connsiteX2" fmla="*/ 0 w 586522"/>
+              <a:gd name="connsiteY2" fmla="*/ 1047087 h 1047087"/>
+              <a:gd name="connsiteX3" fmla="*/ 116443 w 586522"/>
+              <a:gd name="connsiteY3" fmla="*/ 1047087 h 1047087"/>
+            </a:gdLst>
+            <a:ahLst/>
+            <a:cxnLst>
+              <a:cxn ang="0">
+                <a:pos x="connsiteX0" y="connsiteY0"/>
+              </a:cxn>
+              <a:cxn ang="0">
+                <a:pos x="connsiteX1" y="connsiteY1"/>
+              </a:cxn>
+              <a:cxn ang="0">
+                <a:pos x="connsiteX2" y="connsiteY2"/>
+              </a:cxn>
+              <a:cxn ang="0">
+                <a:pos x="connsiteX3" y="connsiteY3"/>
+              </a:cxn>
+            </a:cxnLst>
+            <a:rect l="l" t="t" r="r" b="b"/>
+            <a:pathLst>
+              <a:path w="586522" h="1047087">
+                <a:moveTo>
+                  <a:pt x="586522" y="0"/>
+                </a:moveTo>
+                <a:lnTo>
+                  <a:pt x="470079" y="0"/>
+                </a:lnTo>
+                <a:lnTo>
+                  <a:pt x="0" y="1047087"/>
+                </a:lnTo>
+                <a:lnTo>
+                  <a:pt x="116443" y="1047087"/>
+                </a:lnTo>
+                <a:close/>
+              </a:path>
+            </a:pathLst>
+          </a:custGeom>
+          <a:gradFill flip="none" rotWithShape="0">
+            <a:gsLst>
+              <a:gs pos="0">
+                <a:srgbClr val="53A5F5">
+                  <a:lumMod val="73000"/>
+                  <a:lumOff val="27000"/>
+                </a:srgbClr>
+              </a:gs>
+              <a:gs pos="94000">
+                <a:srgbClr val="9214CF">
+                  <a:lumMod val="73000"/>
+                  <a:lumOff val="27000"/>
+                </a:srgbClr>
+              </a:gs>
+            </a:gsLst>
+            <a:lin ang="2700000" scaled="1"/>
+            <a:tileRect/>
+          </a:gradFill>
+          <a:ln>
+            <a:noFill/>
+          </a:ln>
+        </p:spPr>
+        <p:style>
+          <a:lnRef idx="2">
+            <a:schemeClr val="accent1">
+              <a:shade val="50000"/>
+            </a:schemeClr>
+          </a:lnRef>
+          <a:fillRef idx="1">
+            <a:schemeClr val="accent1"/>
+          </a:fillRef>
+          <a:effectRef idx="0">
+            <a:schemeClr val="accent1"/>
+          </a:effectRef>
+          <a:fontRef idx="minor">
+            <a:schemeClr val="lt1"/>
+          </a:fontRef>
+        </p:style>
+        <p:txBody>
+          <a:bodyPr rot="0" spcFirstLastPara="0" vertOverflow="overflow" horzOverflow="overflow" vert="horz" wrap="square" lIns="91440" tIns="45720" rIns="91440" bIns="45720" numCol="1" spcCol="0" rtlCol="0" fromWordArt="0" anchor="ctr" anchorCtr="0" forceAA="0" compatLnSpc="1">
+            <a:noAutofit/>
+          </a:bodyPr>
+          <a:lstStyle/>
+          <a:p>
+            <a:pPr algn="ctr"/>
+            <a:endParaRPr lang="zh-CN" altLang="en-US"/>
+          </a:p>
+        </p:txBody>
+      </p:sp>
+      <p:sp>
+        <p:nvSpPr>
+          <p:cNvPr id="25" name="任意多边形: 形状 24"/>
+          <p:cNvSpPr/>
+          <p:nvPr/>
+        </p:nvSpPr>
+        <p:spPr>
+          <a:xfrm flipH="1">
+            <a:off x="581108" y="202981"/>
+            <a:ext cx="344503" cy="615023"/>
+          </a:xfrm>
+          <a:custGeom>
+            <a:avLst/>
+            <a:gdLst>
+              <a:gd name="connsiteX0" fmla="*/ 586522 w 586522"/>
+              <a:gd name="connsiteY0" fmla="*/ 0 h 1047087"/>
+              <a:gd name="connsiteX1" fmla="*/ 470079 w 586522"/>
+              <a:gd name="connsiteY1" fmla="*/ 0 h 1047087"/>
+              <a:gd name="connsiteX2" fmla="*/ 0 w 586522"/>
+              <a:gd name="connsiteY2" fmla="*/ 1047087 h 1047087"/>
+              <a:gd name="connsiteX3" fmla="*/ 116443 w 586522"/>
+              <a:gd name="connsiteY3" fmla="*/ 1047087 h 1047087"/>
+            </a:gdLst>
+            <a:ahLst/>
+            <a:cxnLst>
+              <a:cxn ang="0">
+                <a:pos x="connsiteX0" y="connsiteY0"/>
+              </a:cxn>
+              <a:cxn ang="0">
+                <a:pos x="connsiteX1" y="connsiteY1"/>
+              </a:cxn>
+              <a:cxn ang="0">
+                <a:pos x="connsiteX2" y="connsiteY2"/>
+              </a:cxn>
+              <a:cxn ang="0">
+                <a:pos x="connsiteX3" y="connsiteY3"/>
+              </a:cxn>
+            </a:cxnLst>
+            <a:rect l="l" t="t" r="r" b="b"/>
+            <a:pathLst>
+              <a:path w="586522" h="1047087">
+                <a:moveTo>
+                  <a:pt x="586522" y="0"/>
+                </a:moveTo>
+                <a:lnTo>
+                  <a:pt x="470079" y="0"/>
+                </a:lnTo>
+                <a:lnTo>
+                  <a:pt x="0" y="1047087"/>
+                </a:lnTo>
+                <a:lnTo>
+                  <a:pt x="116443" y="1047087"/>
+                </a:lnTo>
+                <a:close/>
+              </a:path>
+            </a:pathLst>
+          </a:custGeom>
+          <a:solidFill>
+            <a:schemeClr val="bg1">
+              <a:lumMod val="95000"/>
+            </a:schemeClr>
+          </a:solidFill>
+          <a:ln>
+            <a:noFill/>
+          </a:ln>
+        </p:spPr>
+        <p:style>
+          <a:lnRef idx="2">
+            <a:schemeClr val="accent1">
+              <a:shade val="50000"/>
+            </a:schemeClr>
+          </a:lnRef>
+          <a:fillRef idx="1">
+            <a:schemeClr val="accent1"/>
+          </a:fillRef>
+          <a:effectRef idx="0">
+            <a:schemeClr val="accent1"/>
+          </a:effectRef>
+          <a:fontRef idx="minor">
+            <a:schemeClr val="lt1"/>
+          </a:fontRef>
+        </p:style>
+        <p:txBody>
+          <a:bodyPr rot="0" spcFirstLastPara="0" vertOverflow="overflow" horzOverflow="overflow" vert="horz" wrap="square" lIns="91440" tIns="45720" rIns="91440" bIns="45720" numCol="1" spcCol="0" rtlCol="0" fromWordArt="0" anchor="ctr" anchorCtr="0" forceAA="0" compatLnSpc="1">
+            <a:noAutofit/>
+          </a:bodyPr>
+          <a:lstStyle/>
+          <a:p>
+            <a:pPr algn="ctr"/>
+            <a:endParaRPr lang="zh-CN" altLang="en-US"/>
+          </a:p>
+        </p:txBody>
+      </p:sp>
+      <p:sp>
+        <p:nvSpPr>
+          <p:cNvPr id="2" name="文本框 1">
+            <a:extLst>
+              <a:ext uri="{FF2B5EF4-FFF2-40B4-BE49-F238E27FC236}">
+                <a16:creationId xmlns:a16="http://schemas.microsoft.com/office/drawing/2014/main" id="{F2A4914D-6F1A-B39C-504F-A70AC426C7FC}"/>
+              </a:ext>
+            </a:extLst>
+          </p:cNvPr>
+          <p:cNvSpPr txBox="1"/>
+          <p:nvPr/>
+        </p:nvSpPr>
+        <p:spPr bwMode="auto">
+          <a:xfrm>
+            <a:off x="322925" y="1121890"/>
+            <a:ext cx="11187757" cy="307777"/>
+          </a:xfrm>
+          <a:prstGeom prst="rect">
+            <a:avLst/>
+          </a:prstGeom>
+          <a:noFill/>
+        </p:spPr>
+        <p:txBody>
+          <a:bodyPr wrap="square">
+            <a:spAutoFit/>
+            <a:scene3d>
+              <a:camera prst="orthographicFront"/>
+              <a:lightRig rig="threePt" dir="t"/>
+            </a:scene3d>
+            <a:sp3d contourW="12700"/>
+          </a:bodyPr>
+          <a:lstStyle/>
+          <a:p>
+            <a:pPr>
+              <a:defRPr/>
+            </a:pPr>
+            <a:r>
+              <a:rPr lang="en-US" altLang="zh-CN" sz="1400" b="1" dirty="0" err="1">
+                <a:solidFill>
+                  <a:srgbClr val="7F12B6"/>
+                </a:solidFill>
+                <a:latin typeface="时尚中黑简体" panose="01010104010101010101" pitchFamily="2" charset="-122"/>
+                <a:ea typeface="时尚中黑简体" panose="01010104010101010101" pitchFamily="2" charset="-122"/>
+              </a:rPr>
+              <a:t>DesignandEvaluation</a:t>
+            </a:r>
+            <a:r>
+              <a:rPr lang="en-US" altLang="zh-CN" sz="1400" b="1" dirty="0">
+                <a:solidFill>
+                  <a:srgbClr val="7F12B6"/>
+                </a:solidFill>
+                <a:latin typeface="时尚中黑简体" panose="01010104010101010101" pitchFamily="2" charset="-122"/>
+                <a:ea typeface="时尚中黑简体" panose="01010104010101010101" pitchFamily="2" charset="-122"/>
+              </a:rPr>
+              <a:t> </a:t>
+            </a:r>
+            <a:r>
+              <a:rPr lang="en-US" altLang="zh-CN" sz="1400" b="1" dirty="0" err="1">
+                <a:solidFill>
+                  <a:srgbClr val="7F12B6"/>
+                </a:solidFill>
+                <a:latin typeface="时尚中黑简体" panose="01010104010101010101" pitchFamily="2" charset="-122"/>
+                <a:ea typeface="时尚中黑简体" panose="01010104010101010101" pitchFamily="2" charset="-122"/>
+              </a:rPr>
+              <a:t>ofEncodedHaptic</a:t>
+            </a:r>
+            <a:r>
+              <a:rPr lang="en-US" altLang="zh-CN" sz="1400" b="1" dirty="0">
+                <a:solidFill>
+                  <a:srgbClr val="7F12B6"/>
+                </a:solidFill>
+                <a:latin typeface="时尚中黑简体" panose="01010104010101010101" pitchFamily="2" charset="-122"/>
+                <a:ea typeface="时尚中黑简体" panose="01010104010101010101" pitchFamily="2" charset="-122"/>
+              </a:rPr>
+              <a:t> Pulses for Smartwatches   --Mobile Information Systems 2019</a:t>
+            </a:r>
+          </a:p>
+        </p:txBody>
+      </p:sp>
+      <p:sp>
+        <p:nvSpPr>
+          <p:cNvPr id="4" name="文本框 3">
+            <a:extLst>
+              <a:ext uri="{FF2B5EF4-FFF2-40B4-BE49-F238E27FC236}">
+                <a16:creationId xmlns:a16="http://schemas.microsoft.com/office/drawing/2014/main" id="{2D44835F-431E-6B89-A3BA-435E847F1483}"/>
+              </a:ext>
+            </a:extLst>
+          </p:cNvPr>
+          <p:cNvSpPr txBox="1"/>
+          <p:nvPr/>
+        </p:nvSpPr>
+        <p:spPr bwMode="auto">
+          <a:xfrm>
+            <a:off x="422882" y="1660509"/>
+            <a:ext cx="10675471" cy="2585323"/>
+          </a:xfrm>
+          <a:prstGeom prst="rect">
+            <a:avLst/>
+          </a:prstGeom>
+          <a:noFill/>
+        </p:spPr>
+        <p:txBody>
+          <a:bodyPr wrap="square">
+            <a:spAutoFit/>
+            <a:scene3d>
+              <a:camera prst="orthographicFront"/>
+              <a:lightRig rig="threePt" dir="t"/>
+            </a:scene3d>
+            <a:sp3d contourW="12700"/>
+          </a:bodyPr>
+          <a:lstStyle/>
+          <a:p>
+            <a:pPr marL="342900" indent="-342900">
+              <a:buFont typeface="+mj-lt"/>
+              <a:buAutoNum type="arabicPeriod"/>
+              <a:defRPr/>
+            </a:pPr>
+            <a:r>
+              <a:rPr lang="zh-CN" altLang="en-US" b="0" i="0" dirty="0">
+                <a:effectLst/>
+                <a:highlight>
+                  <a:srgbClr val="FFFFFF"/>
+                </a:highlight>
+                <a:latin typeface="-apple-system"/>
+              </a:rPr>
+              <a:t>视障人士跟随道路的指引系统：为了支持路径跟踪任务，引导系统应该提供路径规划和导航反馈。 路径规划的目标是建立一个安全有效的路径从一个地方到另一个地方。</a:t>
+            </a:r>
+            <a:endParaRPr lang="en-US" altLang="zh-CN" b="0" i="0" dirty="0">
+              <a:effectLst/>
+              <a:highlight>
+                <a:srgbClr val="FFFFFF"/>
+              </a:highlight>
+              <a:latin typeface="-apple-system"/>
+            </a:endParaRPr>
+          </a:p>
+          <a:p>
+            <a:pPr marL="342900" indent="-342900">
+              <a:buFont typeface="+mj-lt"/>
+              <a:buAutoNum type="arabicPeriod"/>
+              <a:defRPr/>
+            </a:pPr>
+            <a:r>
+              <a:rPr lang="zh-CN" altLang="en-US" b="0" i="0" dirty="0">
+                <a:effectLst/>
+                <a:highlight>
+                  <a:srgbClr val="FFFFFF"/>
+                </a:highlight>
+                <a:latin typeface="-apple-system"/>
+              </a:rPr>
+              <a:t>在振动与方向的关系中，有间接映射和直接映射。 对于间接映射，研究人员使用振动模式来指示方向。 例如，</a:t>
+            </a:r>
+            <a:r>
+              <a:rPr lang="en-US" altLang="zh-CN" b="0" i="0" dirty="0" err="1">
+                <a:effectLst/>
+                <a:highlight>
+                  <a:srgbClr val="FFFFFF"/>
+                </a:highlight>
+                <a:latin typeface="-apple-system"/>
+              </a:rPr>
+              <a:t>PocketNavigator</a:t>
+            </a:r>
+            <a:r>
+              <a:rPr lang="zh-CN" altLang="en-US" b="0" i="0" dirty="0">
+                <a:effectLst/>
+                <a:highlight>
+                  <a:srgbClr val="FFFFFF"/>
+                </a:highlight>
+                <a:latin typeface="-apple-system"/>
+              </a:rPr>
+              <a:t>使用两个短脉冲来指示前进。 直接映射是指振动位置与目标方向之间存在直接的空间映射关系。 例如，在</a:t>
+            </a:r>
+            <a:r>
+              <a:rPr lang="en-US" altLang="zh-CN" b="0" i="0" dirty="0" err="1">
+                <a:effectLst/>
+                <a:highlight>
+                  <a:srgbClr val="FFFFFF"/>
+                </a:highlight>
+                <a:latin typeface="-apple-system"/>
+              </a:rPr>
+              <a:t>ActiveBelt</a:t>
+            </a:r>
+            <a:r>
+              <a:rPr lang="zh-CN" altLang="en-US" b="0" i="0" dirty="0">
+                <a:effectLst/>
+                <a:highlight>
+                  <a:srgbClr val="FFFFFF"/>
+                </a:highlight>
+                <a:latin typeface="-apple-system"/>
+              </a:rPr>
+              <a:t>上均匀分布着</a:t>
+            </a:r>
+            <a:r>
+              <a:rPr lang="en-US" altLang="zh-CN" b="0" i="0" dirty="0">
+                <a:effectLst/>
+                <a:highlight>
+                  <a:srgbClr val="FFFFFF"/>
+                </a:highlight>
+                <a:latin typeface="-apple-system"/>
+              </a:rPr>
+              <a:t>8</a:t>
+            </a:r>
+            <a:r>
+              <a:rPr lang="zh-CN" altLang="en-US" b="0" i="0" dirty="0">
+                <a:effectLst/>
+                <a:highlight>
+                  <a:srgbClr val="FFFFFF"/>
+                </a:highlight>
+                <a:latin typeface="-apple-system"/>
+              </a:rPr>
+              <a:t>台振动电机，可以以</a:t>
+            </a:r>
+            <a:r>
+              <a:rPr lang="en-US" altLang="zh-CN" b="0" i="0" dirty="0">
+                <a:effectLst/>
+                <a:highlight>
+                  <a:srgbClr val="FFFFFF"/>
+                </a:highlight>
+                <a:latin typeface="-apple-system"/>
+              </a:rPr>
+              <a:t>45°</a:t>
+            </a:r>
+            <a:r>
+              <a:rPr lang="zh-CN" altLang="en-US" b="0" i="0" dirty="0">
+                <a:effectLst/>
+                <a:highlight>
+                  <a:srgbClr val="FFFFFF"/>
+                </a:highlight>
+                <a:latin typeface="-apple-system"/>
+              </a:rPr>
+              <a:t>为单位指示方向。</a:t>
+            </a:r>
+            <a:endParaRPr lang="en-US" altLang="zh-CN" b="0" i="0" dirty="0">
+              <a:effectLst/>
+              <a:highlight>
+                <a:srgbClr val="FFFFFF"/>
+              </a:highlight>
+              <a:latin typeface="-apple-system"/>
+            </a:endParaRPr>
+          </a:p>
+          <a:p>
+            <a:pPr marL="342900" indent="-342900">
+              <a:buFont typeface="+mj-lt"/>
+              <a:buAutoNum type="arabicPeriod"/>
+              <a:defRPr/>
+            </a:pPr>
+            <a:r>
+              <a:rPr lang="zh-CN" altLang="en-US" b="0" i="0" dirty="0">
+                <a:effectLst/>
+                <a:highlight>
+                  <a:srgbClr val="FFFFFF"/>
+                </a:highlight>
+                <a:latin typeface="-apple-system"/>
+              </a:rPr>
+              <a:t>使用触觉罗盘时，被试能够以</a:t>
+            </a:r>
+            <a:r>
+              <a:rPr lang="en-US" altLang="zh-CN" b="0" i="0" dirty="0">
+                <a:effectLst/>
+                <a:highlight>
+                  <a:srgbClr val="FFFFFF"/>
+                </a:highlight>
+                <a:latin typeface="-apple-system"/>
+              </a:rPr>
+              <a:t>3.03°</a:t>
+            </a:r>
+            <a:r>
+              <a:rPr lang="zh-CN" altLang="en-US" b="0" i="0" dirty="0">
+                <a:effectLst/>
+                <a:highlight>
+                  <a:srgbClr val="FFFFFF"/>
+                </a:highlight>
+                <a:latin typeface="-apple-system"/>
+              </a:rPr>
+              <a:t>的平均偏差到达目标方向，并能在</a:t>
+            </a:r>
+            <a:r>
+              <a:rPr lang="en-US" altLang="zh-CN" b="0" i="0" dirty="0">
+                <a:effectLst/>
+                <a:highlight>
+                  <a:srgbClr val="FFFFFF"/>
+                </a:highlight>
+                <a:latin typeface="-apple-system"/>
+              </a:rPr>
+              <a:t>60cm</a:t>
+            </a:r>
+            <a:r>
+              <a:rPr lang="zh-CN" altLang="en-US" b="0" i="0" dirty="0">
+                <a:effectLst/>
+                <a:highlight>
+                  <a:srgbClr val="FFFFFF"/>
+                </a:highlight>
+                <a:latin typeface="-apple-system"/>
+              </a:rPr>
+              <a:t>宽的路径上平稳地导航。</a:t>
+            </a:r>
+            <a:endParaRPr lang="en-US" altLang="zh-CN" b="0" i="0" dirty="0">
+              <a:effectLst/>
+              <a:highlight>
+                <a:srgbClr val="FFFFFF"/>
+              </a:highlight>
+              <a:latin typeface="-apple-system"/>
+            </a:endParaRPr>
+          </a:p>
+          <a:p>
+            <a:pPr marL="342900" indent="-342900">
+              <a:buFont typeface="+mj-lt"/>
+              <a:buAutoNum type="arabicPeriod"/>
+              <a:defRPr/>
+            </a:pPr>
+            <a:r>
+              <a:rPr lang="en-US" altLang="zh-CN" b="0" i="0" dirty="0">
+                <a:effectLst/>
+                <a:highlight>
+                  <a:srgbClr val="FFFFFF"/>
+                </a:highlight>
+                <a:latin typeface="-apple-system"/>
+              </a:rPr>
+              <a:t>Tactus+</a:t>
+            </a:r>
+            <a:r>
+              <a:rPr lang="zh-CN" altLang="en-US" b="0" i="0" dirty="0">
+                <a:effectLst/>
+                <a:highlight>
+                  <a:srgbClr val="FFFFFF"/>
+                </a:highlight>
+                <a:latin typeface="-apple-system"/>
+              </a:rPr>
+              <a:t>音频反馈可以帮助参与者更准确地遵循路径。 然而，当参与者遭受由触觉针和音频不一致的线索引起的困惑时，他们更愿意使用触觉反馈。</a:t>
+            </a:r>
+            <a:endParaRPr lang="en-US" altLang="zh-CN" b="0" i="0" dirty="0">
+              <a:effectLst/>
+              <a:highlight>
+                <a:srgbClr val="FFFFFF"/>
+              </a:highlight>
+              <a:latin typeface="-apple-system"/>
+            </a:endParaRPr>
+          </a:p>
+          <a:p>
+            <a:pPr>
+              <a:defRPr/>
+            </a:pPr>
+            <a:endParaRPr lang="en-US" altLang="zh-CN" dirty="0"/>
+          </a:p>
+        </p:txBody>
+      </p:sp>
+    </p:spTree>
+    <p:extLst>
+      <p:ext uri="{BB962C8B-B14F-4D97-AF65-F5344CB8AC3E}">
+        <p14:creationId xmlns:p14="http://schemas.microsoft.com/office/powerpoint/2010/main" val="4132362298"/>
+      </p:ext>
+    </p:extLst>
+  </p:cSld>
+  <p:clrMapOvr>
+    <a:masterClrMapping/>
+  </p:clrMapOvr>
+  <mc:AlternateContent xmlns:mc="http://schemas.openxmlformats.org/markup-compatibility/2006" xmlns:p14="http://schemas.microsoft.com/office/powerpoint/2010/main">
+    <mc:Choice Requires="p14">
+      <p:transition spd="slow" p14:dur="1500" advTm="0">
+        <p:random/>
+      </p:transition>
+    </mc:Choice>
+    <mc:Fallback xmlns="">
+      <p:transition spd="slow" advTm="0">
+        <p:random/>
+      </p:transition>
+    </mc:Fallback>
+  </mc:AlternateContent>
+</p:sld>
+</file>
+
 <file path=ppt/tags/tag1.xml><?xml version="1.0" encoding="utf-8"?>
 <p:tagLst xmlns:a="http://schemas.openxmlformats.org/drawingml/2006/main" xmlns:r="http://schemas.openxmlformats.org/officeDocument/2006/relationships" xmlns:p="http://schemas.openxmlformats.org/presentationml/2006/main">
   <p:tag name="ISPRING_PRESENTATION_TITLE" val="PowerPoint 演示文稿"/>

--- a/记录.pptx
+++ b/记录.pptx
@@ -5,7 +5,7 @@
     <p:sldMasterId id="2147483648" r:id="rId1"/>
   </p:sldMasterIdLst>
   <p:notesMasterIdLst>
-    <p:notesMasterId r:id="rId9"/>
+    <p:notesMasterId r:id="rId16"/>
   </p:notesMasterIdLst>
   <p:sldIdLst>
     <p:sldId id="357" r:id="rId2"/>
@@ -15,11 +15,18 @@
     <p:sldId id="361" r:id="rId6"/>
     <p:sldId id="362" r:id="rId7"/>
     <p:sldId id="363" r:id="rId8"/>
+    <p:sldId id="364" r:id="rId9"/>
+    <p:sldId id="366" r:id="rId10"/>
+    <p:sldId id="367" r:id="rId11"/>
+    <p:sldId id="368" r:id="rId12"/>
+    <p:sldId id="365" r:id="rId13"/>
+    <p:sldId id="369" r:id="rId14"/>
+    <p:sldId id="370" r:id="rId15"/>
   </p:sldIdLst>
   <p:sldSz cx="12192000" cy="6858000"/>
   <p:notesSz cx="6858000" cy="9144000"/>
   <p:custDataLst>
-    <p:tags r:id="rId10"/>
+    <p:tags r:id="rId17"/>
   </p:custDataLst>
   <p:defaultTextStyle>
     <a:defPPr>
@@ -214,7 +221,7 @@
           <a:p>
             <a:fld id="{5D13BBE5-0BEA-4494-9BEF-C8C2F48C9E2D}" type="datetimeFigureOut">
               <a:rPr lang="zh-CN" altLang="en-US" smtClean="0"/>
-              <a:t>2024/8/26</a:t>
+              <a:t>2024/10/10</a:t>
             </a:fld>
             <a:endParaRPr lang="zh-CN" altLang="en-US"/>
           </a:p>
@@ -520,7 +527,7 @@
           <a:bodyPr/>
           <a:lstStyle/>
           <a:p>
-            <a:endParaRPr lang="zh-CN" altLang="en-US" dirty="0"/>
+            <a:endParaRPr lang="zh-CN" altLang="en-US"/>
           </a:p>
         </p:txBody>
       </p:sp>
@@ -551,6 +558,426 @@
     <p:extLst>
       <p:ext uri="{BB962C8B-B14F-4D97-AF65-F5344CB8AC3E}">
         <p14:creationId xmlns:p14="http://schemas.microsoft.com/office/powerpoint/2010/main" val="378721377"/>
+      </p:ext>
+    </p:extLst>
+  </p:cSld>
+  <p:clrMapOvr>
+    <a:masterClrMapping/>
+  </p:clrMapOvr>
+</p:notes>
+</file>
+
+<file path=ppt/notesSlides/notesSlide10.xml><?xml version="1.0" encoding="utf-8"?>
+<p:notes xmlns:a="http://schemas.openxmlformats.org/drawingml/2006/main" xmlns:r="http://schemas.openxmlformats.org/officeDocument/2006/relationships" xmlns:p="http://schemas.openxmlformats.org/presentationml/2006/main">
+  <p:cSld>
+    <p:spTree>
+      <p:nvGrpSpPr>
+        <p:cNvPr id="1" name=""/>
+        <p:cNvGrpSpPr/>
+        <p:nvPr/>
+      </p:nvGrpSpPr>
+      <p:grpSpPr>
+        <a:xfrm>
+          <a:off x="0" y="0"/>
+          <a:ext cx="0" cy="0"/>
+          <a:chOff x="0" y="0"/>
+          <a:chExt cx="0" cy="0"/>
+        </a:xfrm>
+      </p:grpSpPr>
+      <p:sp>
+        <p:nvSpPr>
+          <p:cNvPr id="2" name="幻灯片图像占位符 1"/>
+          <p:cNvSpPr>
+            <a:spLocks noGrp="1" noRot="1" noChangeAspect="1"/>
+          </p:cNvSpPr>
+          <p:nvPr>
+            <p:ph type="sldImg"/>
+          </p:nvPr>
+        </p:nvSpPr>
+        <p:spPr/>
+      </p:sp>
+      <p:sp>
+        <p:nvSpPr>
+          <p:cNvPr id="3" name="备注占位符 2"/>
+          <p:cNvSpPr>
+            <a:spLocks noGrp="1"/>
+          </p:cNvSpPr>
+          <p:nvPr>
+            <p:ph type="body" idx="1"/>
+          </p:nvPr>
+        </p:nvSpPr>
+        <p:spPr/>
+        <p:txBody>
+          <a:bodyPr/>
+          <a:lstStyle/>
+          <a:p>
+            <a:endParaRPr lang="zh-CN" altLang="en-US"/>
+          </a:p>
+        </p:txBody>
+      </p:sp>
+      <p:sp>
+        <p:nvSpPr>
+          <p:cNvPr id="4" name="灯片编号占位符 3"/>
+          <p:cNvSpPr>
+            <a:spLocks noGrp="1"/>
+          </p:cNvSpPr>
+          <p:nvPr>
+            <p:ph type="sldNum" sz="quarter" idx="5"/>
+          </p:nvPr>
+        </p:nvSpPr>
+        <p:spPr/>
+        <p:txBody>
+          <a:bodyPr/>
+          <a:lstStyle/>
+          <a:p>
+            <a:fld id="{F1CB8912-F0BA-4AD8-8415-DA1F26BCB09F}" type="slidenum">
+              <a:rPr lang="zh-CN" altLang="en-US" smtClean="0"/>
+              <a:t>10</a:t>
+            </a:fld>
+            <a:endParaRPr lang="zh-CN" altLang="en-US"/>
+          </a:p>
+        </p:txBody>
+      </p:sp>
+    </p:spTree>
+    <p:extLst>
+      <p:ext uri="{BB962C8B-B14F-4D97-AF65-F5344CB8AC3E}">
+        <p14:creationId xmlns:p14="http://schemas.microsoft.com/office/powerpoint/2010/main" val="1529014272"/>
+      </p:ext>
+    </p:extLst>
+  </p:cSld>
+  <p:clrMapOvr>
+    <a:masterClrMapping/>
+  </p:clrMapOvr>
+</p:notes>
+</file>
+
+<file path=ppt/notesSlides/notesSlide11.xml><?xml version="1.0" encoding="utf-8"?>
+<p:notes xmlns:a="http://schemas.openxmlformats.org/drawingml/2006/main" xmlns:r="http://schemas.openxmlformats.org/officeDocument/2006/relationships" xmlns:p="http://schemas.openxmlformats.org/presentationml/2006/main">
+  <p:cSld>
+    <p:spTree>
+      <p:nvGrpSpPr>
+        <p:cNvPr id="1" name=""/>
+        <p:cNvGrpSpPr/>
+        <p:nvPr/>
+      </p:nvGrpSpPr>
+      <p:grpSpPr>
+        <a:xfrm>
+          <a:off x="0" y="0"/>
+          <a:ext cx="0" cy="0"/>
+          <a:chOff x="0" y="0"/>
+          <a:chExt cx="0" cy="0"/>
+        </a:xfrm>
+      </p:grpSpPr>
+      <p:sp>
+        <p:nvSpPr>
+          <p:cNvPr id="2" name="幻灯片图像占位符 1"/>
+          <p:cNvSpPr>
+            <a:spLocks noGrp="1" noRot="1" noChangeAspect="1"/>
+          </p:cNvSpPr>
+          <p:nvPr>
+            <p:ph type="sldImg"/>
+          </p:nvPr>
+        </p:nvSpPr>
+        <p:spPr/>
+      </p:sp>
+      <p:sp>
+        <p:nvSpPr>
+          <p:cNvPr id="3" name="备注占位符 2"/>
+          <p:cNvSpPr>
+            <a:spLocks noGrp="1"/>
+          </p:cNvSpPr>
+          <p:nvPr>
+            <p:ph type="body" idx="1"/>
+          </p:nvPr>
+        </p:nvSpPr>
+        <p:spPr/>
+        <p:txBody>
+          <a:bodyPr/>
+          <a:lstStyle/>
+          <a:p>
+            <a:endParaRPr lang="zh-CN" altLang="en-US"/>
+          </a:p>
+        </p:txBody>
+      </p:sp>
+      <p:sp>
+        <p:nvSpPr>
+          <p:cNvPr id="4" name="灯片编号占位符 3"/>
+          <p:cNvSpPr>
+            <a:spLocks noGrp="1"/>
+          </p:cNvSpPr>
+          <p:nvPr>
+            <p:ph type="sldNum" sz="quarter" idx="5"/>
+          </p:nvPr>
+        </p:nvSpPr>
+        <p:spPr/>
+        <p:txBody>
+          <a:bodyPr/>
+          <a:lstStyle/>
+          <a:p>
+            <a:fld id="{F1CB8912-F0BA-4AD8-8415-DA1F26BCB09F}" type="slidenum">
+              <a:rPr lang="zh-CN" altLang="en-US" smtClean="0"/>
+              <a:t>11</a:t>
+            </a:fld>
+            <a:endParaRPr lang="zh-CN" altLang="en-US"/>
+          </a:p>
+        </p:txBody>
+      </p:sp>
+    </p:spTree>
+    <p:extLst>
+      <p:ext uri="{BB962C8B-B14F-4D97-AF65-F5344CB8AC3E}">
+        <p14:creationId xmlns:p14="http://schemas.microsoft.com/office/powerpoint/2010/main" val="51748477"/>
+      </p:ext>
+    </p:extLst>
+  </p:cSld>
+  <p:clrMapOvr>
+    <a:masterClrMapping/>
+  </p:clrMapOvr>
+</p:notes>
+</file>
+
+<file path=ppt/notesSlides/notesSlide12.xml><?xml version="1.0" encoding="utf-8"?>
+<p:notes xmlns:a="http://schemas.openxmlformats.org/drawingml/2006/main" xmlns:r="http://schemas.openxmlformats.org/officeDocument/2006/relationships" xmlns:p="http://schemas.openxmlformats.org/presentationml/2006/main">
+  <p:cSld>
+    <p:spTree>
+      <p:nvGrpSpPr>
+        <p:cNvPr id="1" name=""/>
+        <p:cNvGrpSpPr/>
+        <p:nvPr/>
+      </p:nvGrpSpPr>
+      <p:grpSpPr>
+        <a:xfrm>
+          <a:off x="0" y="0"/>
+          <a:ext cx="0" cy="0"/>
+          <a:chOff x="0" y="0"/>
+          <a:chExt cx="0" cy="0"/>
+        </a:xfrm>
+      </p:grpSpPr>
+      <p:sp>
+        <p:nvSpPr>
+          <p:cNvPr id="2" name="幻灯片图像占位符 1"/>
+          <p:cNvSpPr>
+            <a:spLocks noGrp="1" noRot="1" noChangeAspect="1"/>
+          </p:cNvSpPr>
+          <p:nvPr>
+            <p:ph type="sldImg"/>
+          </p:nvPr>
+        </p:nvSpPr>
+        <p:spPr/>
+      </p:sp>
+      <p:sp>
+        <p:nvSpPr>
+          <p:cNvPr id="3" name="备注占位符 2"/>
+          <p:cNvSpPr>
+            <a:spLocks noGrp="1"/>
+          </p:cNvSpPr>
+          <p:nvPr>
+            <p:ph type="body" idx="1"/>
+          </p:nvPr>
+        </p:nvSpPr>
+        <p:spPr/>
+        <p:txBody>
+          <a:bodyPr/>
+          <a:lstStyle/>
+          <a:p>
+            <a:endParaRPr lang="zh-CN" altLang="en-US"/>
+          </a:p>
+        </p:txBody>
+      </p:sp>
+      <p:sp>
+        <p:nvSpPr>
+          <p:cNvPr id="4" name="灯片编号占位符 3"/>
+          <p:cNvSpPr>
+            <a:spLocks noGrp="1"/>
+          </p:cNvSpPr>
+          <p:nvPr>
+            <p:ph type="sldNum" sz="quarter" idx="5"/>
+          </p:nvPr>
+        </p:nvSpPr>
+        <p:spPr/>
+        <p:txBody>
+          <a:bodyPr/>
+          <a:lstStyle/>
+          <a:p>
+            <a:fld id="{F1CB8912-F0BA-4AD8-8415-DA1F26BCB09F}" type="slidenum">
+              <a:rPr lang="zh-CN" altLang="en-US" smtClean="0"/>
+              <a:t>12</a:t>
+            </a:fld>
+            <a:endParaRPr lang="zh-CN" altLang="en-US"/>
+          </a:p>
+        </p:txBody>
+      </p:sp>
+    </p:spTree>
+    <p:extLst>
+      <p:ext uri="{BB962C8B-B14F-4D97-AF65-F5344CB8AC3E}">
+        <p14:creationId xmlns:p14="http://schemas.microsoft.com/office/powerpoint/2010/main" val="1957561214"/>
+      </p:ext>
+    </p:extLst>
+  </p:cSld>
+  <p:clrMapOvr>
+    <a:masterClrMapping/>
+  </p:clrMapOvr>
+</p:notes>
+</file>
+
+<file path=ppt/notesSlides/notesSlide13.xml><?xml version="1.0" encoding="utf-8"?>
+<p:notes xmlns:a="http://schemas.openxmlformats.org/drawingml/2006/main" xmlns:r="http://schemas.openxmlformats.org/officeDocument/2006/relationships" xmlns:p="http://schemas.openxmlformats.org/presentationml/2006/main">
+  <p:cSld>
+    <p:spTree>
+      <p:nvGrpSpPr>
+        <p:cNvPr id="1" name=""/>
+        <p:cNvGrpSpPr/>
+        <p:nvPr/>
+      </p:nvGrpSpPr>
+      <p:grpSpPr>
+        <a:xfrm>
+          <a:off x="0" y="0"/>
+          <a:ext cx="0" cy="0"/>
+          <a:chOff x="0" y="0"/>
+          <a:chExt cx="0" cy="0"/>
+        </a:xfrm>
+      </p:grpSpPr>
+      <p:sp>
+        <p:nvSpPr>
+          <p:cNvPr id="2" name="幻灯片图像占位符 1"/>
+          <p:cNvSpPr>
+            <a:spLocks noGrp="1" noRot="1" noChangeAspect="1"/>
+          </p:cNvSpPr>
+          <p:nvPr>
+            <p:ph type="sldImg"/>
+          </p:nvPr>
+        </p:nvSpPr>
+        <p:spPr/>
+      </p:sp>
+      <p:sp>
+        <p:nvSpPr>
+          <p:cNvPr id="3" name="备注占位符 2"/>
+          <p:cNvSpPr>
+            <a:spLocks noGrp="1"/>
+          </p:cNvSpPr>
+          <p:nvPr>
+            <p:ph type="body" idx="1"/>
+          </p:nvPr>
+        </p:nvSpPr>
+        <p:spPr/>
+        <p:txBody>
+          <a:bodyPr/>
+          <a:lstStyle/>
+          <a:p>
+            <a:endParaRPr lang="zh-CN" altLang="en-US"/>
+          </a:p>
+        </p:txBody>
+      </p:sp>
+      <p:sp>
+        <p:nvSpPr>
+          <p:cNvPr id="4" name="灯片编号占位符 3"/>
+          <p:cNvSpPr>
+            <a:spLocks noGrp="1"/>
+          </p:cNvSpPr>
+          <p:nvPr>
+            <p:ph type="sldNum" sz="quarter" idx="5"/>
+          </p:nvPr>
+        </p:nvSpPr>
+        <p:spPr/>
+        <p:txBody>
+          <a:bodyPr/>
+          <a:lstStyle/>
+          <a:p>
+            <a:fld id="{F1CB8912-F0BA-4AD8-8415-DA1F26BCB09F}" type="slidenum">
+              <a:rPr lang="zh-CN" altLang="en-US" smtClean="0"/>
+              <a:t>13</a:t>
+            </a:fld>
+            <a:endParaRPr lang="zh-CN" altLang="en-US"/>
+          </a:p>
+        </p:txBody>
+      </p:sp>
+    </p:spTree>
+    <p:extLst>
+      <p:ext uri="{BB962C8B-B14F-4D97-AF65-F5344CB8AC3E}">
+        <p14:creationId xmlns:p14="http://schemas.microsoft.com/office/powerpoint/2010/main" val="522327172"/>
+      </p:ext>
+    </p:extLst>
+  </p:cSld>
+  <p:clrMapOvr>
+    <a:masterClrMapping/>
+  </p:clrMapOvr>
+</p:notes>
+</file>
+
+<file path=ppt/notesSlides/notesSlide14.xml><?xml version="1.0" encoding="utf-8"?>
+<p:notes xmlns:a="http://schemas.openxmlformats.org/drawingml/2006/main" xmlns:r="http://schemas.openxmlformats.org/officeDocument/2006/relationships" xmlns:p="http://schemas.openxmlformats.org/presentationml/2006/main">
+  <p:cSld>
+    <p:spTree>
+      <p:nvGrpSpPr>
+        <p:cNvPr id="1" name=""/>
+        <p:cNvGrpSpPr/>
+        <p:nvPr/>
+      </p:nvGrpSpPr>
+      <p:grpSpPr>
+        <a:xfrm>
+          <a:off x="0" y="0"/>
+          <a:ext cx="0" cy="0"/>
+          <a:chOff x="0" y="0"/>
+          <a:chExt cx="0" cy="0"/>
+        </a:xfrm>
+      </p:grpSpPr>
+      <p:sp>
+        <p:nvSpPr>
+          <p:cNvPr id="2" name="幻灯片图像占位符 1"/>
+          <p:cNvSpPr>
+            <a:spLocks noGrp="1" noRot="1" noChangeAspect="1"/>
+          </p:cNvSpPr>
+          <p:nvPr>
+            <p:ph type="sldImg"/>
+          </p:nvPr>
+        </p:nvSpPr>
+        <p:spPr/>
+      </p:sp>
+      <p:sp>
+        <p:nvSpPr>
+          <p:cNvPr id="3" name="备注占位符 2"/>
+          <p:cNvSpPr>
+            <a:spLocks noGrp="1"/>
+          </p:cNvSpPr>
+          <p:nvPr>
+            <p:ph type="body" idx="1"/>
+          </p:nvPr>
+        </p:nvSpPr>
+        <p:spPr/>
+        <p:txBody>
+          <a:bodyPr/>
+          <a:lstStyle/>
+          <a:p>
+            <a:endParaRPr lang="zh-CN" altLang="en-US"/>
+          </a:p>
+        </p:txBody>
+      </p:sp>
+      <p:sp>
+        <p:nvSpPr>
+          <p:cNvPr id="4" name="灯片编号占位符 3"/>
+          <p:cNvSpPr>
+            <a:spLocks noGrp="1"/>
+          </p:cNvSpPr>
+          <p:nvPr>
+            <p:ph type="sldNum" sz="quarter" idx="5"/>
+          </p:nvPr>
+        </p:nvSpPr>
+        <p:spPr/>
+        <p:txBody>
+          <a:bodyPr/>
+          <a:lstStyle/>
+          <a:p>
+            <a:fld id="{F1CB8912-F0BA-4AD8-8415-DA1F26BCB09F}" type="slidenum">
+              <a:rPr lang="zh-CN" altLang="en-US" smtClean="0"/>
+              <a:t>14</a:t>
+            </a:fld>
+            <a:endParaRPr lang="zh-CN" altLang="en-US"/>
+          </a:p>
+        </p:txBody>
+      </p:sp>
+    </p:spTree>
+    <p:extLst>
+      <p:ext uri="{BB962C8B-B14F-4D97-AF65-F5344CB8AC3E}">
+        <p14:creationId xmlns:p14="http://schemas.microsoft.com/office/powerpoint/2010/main" val="175315910"/>
       </p:ext>
     </p:extLst>
   </p:cSld>
@@ -604,7 +1031,7 @@
           <a:bodyPr/>
           <a:lstStyle/>
           <a:p>
-            <a:endParaRPr lang="zh-CN" altLang="en-US" dirty="0"/>
+            <a:endParaRPr lang="zh-CN" altLang="en-US"/>
           </a:p>
         </p:txBody>
       </p:sp>
@@ -688,7 +1115,7 @@
           <a:bodyPr/>
           <a:lstStyle/>
           <a:p>
-            <a:endParaRPr lang="zh-CN" altLang="en-US" dirty="0"/>
+            <a:endParaRPr lang="zh-CN" altLang="en-US"/>
           </a:p>
         </p:txBody>
       </p:sp>
@@ -772,7 +1199,7 @@
           <a:bodyPr/>
           <a:lstStyle/>
           <a:p>
-            <a:endParaRPr lang="zh-CN" altLang="en-US" dirty="0"/>
+            <a:endParaRPr lang="zh-CN" altLang="en-US"/>
           </a:p>
         </p:txBody>
       </p:sp>
@@ -856,7 +1283,7 @@
           <a:bodyPr/>
           <a:lstStyle/>
           <a:p>
-            <a:endParaRPr lang="zh-CN" altLang="en-US" dirty="0"/>
+            <a:endParaRPr lang="zh-CN" altLang="en-US"/>
           </a:p>
         </p:txBody>
       </p:sp>
@@ -940,7 +1367,7 @@
           <a:bodyPr/>
           <a:lstStyle/>
           <a:p>
-            <a:endParaRPr lang="zh-CN" altLang="en-US" dirty="0"/>
+            <a:endParaRPr lang="zh-CN" altLang="en-US"/>
           </a:p>
         </p:txBody>
       </p:sp>
@@ -1024,7 +1451,7 @@
           <a:bodyPr/>
           <a:lstStyle/>
           <a:p>
-            <a:endParaRPr lang="zh-CN" altLang="en-US" dirty="0"/>
+            <a:endParaRPr lang="zh-CN" altLang="en-US"/>
           </a:p>
         </p:txBody>
       </p:sp>
@@ -1055,6 +1482,174 @@
     <p:extLst>
       <p:ext uri="{BB962C8B-B14F-4D97-AF65-F5344CB8AC3E}">
         <p14:creationId xmlns:p14="http://schemas.microsoft.com/office/powerpoint/2010/main" val="3651318642"/>
+      </p:ext>
+    </p:extLst>
+  </p:cSld>
+  <p:clrMapOvr>
+    <a:masterClrMapping/>
+  </p:clrMapOvr>
+</p:notes>
+</file>
+
+<file path=ppt/notesSlides/notesSlide8.xml><?xml version="1.0" encoding="utf-8"?>
+<p:notes xmlns:a="http://schemas.openxmlformats.org/drawingml/2006/main" xmlns:r="http://schemas.openxmlformats.org/officeDocument/2006/relationships" xmlns:p="http://schemas.openxmlformats.org/presentationml/2006/main">
+  <p:cSld>
+    <p:spTree>
+      <p:nvGrpSpPr>
+        <p:cNvPr id="1" name=""/>
+        <p:cNvGrpSpPr/>
+        <p:nvPr/>
+      </p:nvGrpSpPr>
+      <p:grpSpPr>
+        <a:xfrm>
+          <a:off x="0" y="0"/>
+          <a:ext cx="0" cy="0"/>
+          <a:chOff x="0" y="0"/>
+          <a:chExt cx="0" cy="0"/>
+        </a:xfrm>
+      </p:grpSpPr>
+      <p:sp>
+        <p:nvSpPr>
+          <p:cNvPr id="2" name="幻灯片图像占位符 1"/>
+          <p:cNvSpPr>
+            <a:spLocks noGrp="1" noRot="1" noChangeAspect="1"/>
+          </p:cNvSpPr>
+          <p:nvPr>
+            <p:ph type="sldImg"/>
+          </p:nvPr>
+        </p:nvSpPr>
+        <p:spPr/>
+      </p:sp>
+      <p:sp>
+        <p:nvSpPr>
+          <p:cNvPr id="3" name="备注占位符 2"/>
+          <p:cNvSpPr>
+            <a:spLocks noGrp="1"/>
+          </p:cNvSpPr>
+          <p:nvPr>
+            <p:ph type="body" idx="1"/>
+          </p:nvPr>
+        </p:nvSpPr>
+        <p:spPr/>
+        <p:txBody>
+          <a:bodyPr/>
+          <a:lstStyle/>
+          <a:p>
+            <a:endParaRPr lang="zh-CN" altLang="en-US"/>
+          </a:p>
+        </p:txBody>
+      </p:sp>
+      <p:sp>
+        <p:nvSpPr>
+          <p:cNvPr id="4" name="灯片编号占位符 3"/>
+          <p:cNvSpPr>
+            <a:spLocks noGrp="1"/>
+          </p:cNvSpPr>
+          <p:nvPr>
+            <p:ph type="sldNum" sz="quarter" idx="5"/>
+          </p:nvPr>
+        </p:nvSpPr>
+        <p:spPr/>
+        <p:txBody>
+          <a:bodyPr/>
+          <a:lstStyle/>
+          <a:p>
+            <a:fld id="{F1CB8912-F0BA-4AD8-8415-DA1F26BCB09F}" type="slidenum">
+              <a:rPr lang="zh-CN" altLang="en-US" smtClean="0"/>
+              <a:t>8</a:t>
+            </a:fld>
+            <a:endParaRPr lang="zh-CN" altLang="en-US"/>
+          </a:p>
+        </p:txBody>
+      </p:sp>
+    </p:spTree>
+    <p:extLst>
+      <p:ext uri="{BB962C8B-B14F-4D97-AF65-F5344CB8AC3E}">
+        <p14:creationId xmlns:p14="http://schemas.microsoft.com/office/powerpoint/2010/main" val="149801731"/>
+      </p:ext>
+    </p:extLst>
+  </p:cSld>
+  <p:clrMapOvr>
+    <a:masterClrMapping/>
+  </p:clrMapOvr>
+</p:notes>
+</file>
+
+<file path=ppt/notesSlides/notesSlide9.xml><?xml version="1.0" encoding="utf-8"?>
+<p:notes xmlns:a="http://schemas.openxmlformats.org/drawingml/2006/main" xmlns:r="http://schemas.openxmlformats.org/officeDocument/2006/relationships" xmlns:p="http://schemas.openxmlformats.org/presentationml/2006/main">
+  <p:cSld>
+    <p:spTree>
+      <p:nvGrpSpPr>
+        <p:cNvPr id="1" name=""/>
+        <p:cNvGrpSpPr/>
+        <p:nvPr/>
+      </p:nvGrpSpPr>
+      <p:grpSpPr>
+        <a:xfrm>
+          <a:off x="0" y="0"/>
+          <a:ext cx="0" cy="0"/>
+          <a:chOff x="0" y="0"/>
+          <a:chExt cx="0" cy="0"/>
+        </a:xfrm>
+      </p:grpSpPr>
+      <p:sp>
+        <p:nvSpPr>
+          <p:cNvPr id="2" name="幻灯片图像占位符 1"/>
+          <p:cNvSpPr>
+            <a:spLocks noGrp="1" noRot="1" noChangeAspect="1"/>
+          </p:cNvSpPr>
+          <p:nvPr>
+            <p:ph type="sldImg"/>
+          </p:nvPr>
+        </p:nvSpPr>
+        <p:spPr/>
+      </p:sp>
+      <p:sp>
+        <p:nvSpPr>
+          <p:cNvPr id="3" name="备注占位符 2"/>
+          <p:cNvSpPr>
+            <a:spLocks noGrp="1"/>
+          </p:cNvSpPr>
+          <p:nvPr>
+            <p:ph type="body" idx="1"/>
+          </p:nvPr>
+        </p:nvSpPr>
+        <p:spPr/>
+        <p:txBody>
+          <a:bodyPr/>
+          <a:lstStyle/>
+          <a:p>
+            <a:endParaRPr lang="zh-CN" altLang="en-US"/>
+          </a:p>
+        </p:txBody>
+      </p:sp>
+      <p:sp>
+        <p:nvSpPr>
+          <p:cNvPr id="4" name="灯片编号占位符 3"/>
+          <p:cNvSpPr>
+            <a:spLocks noGrp="1"/>
+          </p:cNvSpPr>
+          <p:nvPr>
+            <p:ph type="sldNum" sz="quarter" idx="5"/>
+          </p:nvPr>
+        </p:nvSpPr>
+        <p:spPr/>
+        <p:txBody>
+          <a:bodyPr/>
+          <a:lstStyle/>
+          <a:p>
+            <a:fld id="{F1CB8912-F0BA-4AD8-8415-DA1F26BCB09F}" type="slidenum">
+              <a:rPr lang="zh-CN" altLang="en-US" smtClean="0"/>
+              <a:t>9</a:t>
+            </a:fld>
+            <a:endParaRPr lang="zh-CN" altLang="en-US"/>
+          </a:p>
+        </p:txBody>
+      </p:sp>
+    </p:spTree>
+    <p:extLst>
+      <p:ext uri="{BB962C8B-B14F-4D97-AF65-F5344CB8AC3E}">
+        <p14:creationId xmlns:p14="http://schemas.microsoft.com/office/powerpoint/2010/main" val="2161276973"/>
       </p:ext>
     </p:extLst>
   </p:cSld>
@@ -2161,7 +2756,7 @@
               <a:defRPr/>
             </a:pPr>
             <a:r>
-              <a:rPr lang="en-US" altLang="zh-CN" sz="1400" b="1" dirty="0">
+              <a:rPr lang="en-US" altLang="zh-CN" sz="1400" b="1">
                 <a:solidFill>
                   <a:srgbClr val="7F12B6"/>
                 </a:solidFill>
@@ -2211,10 +2806,10 @@
               <a:defRPr/>
             </a:pPr>
             <a:r>
-              <a:rPr lang="zh-CN" altLang="en-US" dirty="0"/>
+              <a:rPr lang="zh-CN" altLang="en-US"/>
               <a:t>振动提示被优先考虑成本效益、便携性和低功率使用。</a:t>
             </a:r>
-            <a:endParaRPr lang="en-US" altLang="zh-CN" dirty="0"/>
+            <a:endParaRPr lang="en-US" altLang="zh-CN"/>
           </a:p>
           <a:p>
             <a:pPr marL="342900" indent="-342900">
@@ -2222,22 +2817,22 @@
               <a:defRPr/>
             </a:pPr>
             <a:r>
-              <a:rPr lang="zh-CN" altLang="en-US" dirty="0"/>
+              <a:rPr lang="zh-CN" altLang="en-US"/>
               <a:t>振动线索可以大致分为两类：一类是编码和传达振动频率和强度的模式，另一类是依赖于振动位置的。</a:t>
             </a:r>
-            <a:endParaRPr lang="en-US" altLang="zh-CN" dirty="0"/>
+            <a:endParaRPr lang="en-US" altLang="zh-CN"/>
           </a:p>
           <a:p>
             <a:pPr>
               <a:defRPr/>
             </a:pPr>
-            <a:endParaRPr lang="en-US" altLang="zh-CN" dirty="0"/>
+            <a:endParaRPr lang="en-US" altLang="zh-CN"/>
           </a:p>
           <a:p>
             <a:pPr>
               <a:defRPr/>
             </a:pPr>
-            <a:endParaRPr lang="en-US" altLang="zh-CN" dirty="0"/>
+            <a:endParaRPr lang="en-US" altLang="zh-CN"/>
           </a:p>
         </p:txBody>
       </p:sp>
@@ -2245,6 +2840,4431 @@
     <p:extLst>
       <p:ext uri="{BB962C8B-B14F-4D97-AF65-F5344CB8AC3E}">
         <p14:creationId xmlns:p14="http://schemas.microsoft.com/office/powerpoint/2010/main" val="4282085062"/>
+      </p:ext>
+    </p:extLst>
+  </p:cSld>
+  <p:clrMapOvr>
+    <a:masterClrMapping/>
+  </p:clrMapOvr>
+  <mc:AlternateContent xmlns:mc="http://schemas.openxmlformats.org/markup-compatibility/2006" xmlns:p14="http://schemas.microsoft.com/office/powerpoint/2010/main">
+    <mc:Choice Requires="p14">
+      <p:transition spd="slow" p14:dur="1500" advTm="0">
+        <p:random/>
+      </p:transition>
+    </mc:Choice>
+    <mc:Fallback xmlns="">
+      <p:transition spd="slow" advTm="0">
+        <p:random/>
+      </p:transition>
+    </mc:Fallback>
+  </mc:AlternateContent>
+</p:sld>
+</file>
+
+<file path=ppt/slides/slide10.xml><?xml version="1.0" encoding="utf-8"?>
+<p:sld xmlns:a="http://schemas.openxmlformats.org/drawingml/2006/main" xmlns:r="http://schemas.openxmlformats.org/officeDocument/2006/relationships" xmlns:p="http://schemas.openxmlformats.org/presentationml/2006/main">
+  <p:cSld>
+    <p:spTree>
+      <p:nvGrpSpPr>
+        <p:cNvPr id="1" name=""/>
+        <p:cNvGrpSpPr/>
+        <p:nvPr/>
+      </p:nvGrpSpPr>
+      <p:grpSpPr>
+        <a:xfrm>
+          <a:off x="0" y="0"/>
+          <a:ext cx="0" cy="0"/>
+          <a:chOff x="0" y="0"/>
+          <a:chExt cx="0" cy="0"/>
+        </a:xfrm>
+      </p:grpSpPr>
+      <p:grpSp>
+        <p:nvGrpSpPr>
+          <p:cNvPr id="21" name="组合 20"/>
+          <p:cNvGrpSpPr/>
+          <p:nvPr/>
+        </p:nvGrpSpPr>
+        <p:grpSpPr>
+          <a:xfrm>
+            <a:off x="5270500" y="510493"/>
+            <a:ext cx="7561033" cy="380555"/>
+            <a:chOff x="6997699" y="510493"/>
+            <a:chExt cx="5794625" cy="380555"/>
+          </a:xfrm>
+        </p:grpSpPr>
+        <p:sp>
+          <p:nvSpPr>
+            <p:cNvPr id="22" name="任意多边形: 形状 21"/>
+            <p:cNvSpPr/>
+            <p:nvPr userDrawn="1"/>
+          </p:nvSpPr>
+          <p:spPr>
+            <a:xfrm flipH="1">
+              <a:off x="6997699" y="764493"/>
+              <a:ext cx="5376633" cy="126555"/>
+            </a:xfrm>
+            <a:custGeom>
+              <a:avLst/>
+              <a:gdLst>
+                <a:gd name="connsiteX0" fmla="*/ 7367523 w 7367523"/>
+                <a:gd name="connsiteY0" fmla="*/ 0 h 173416"/>
+                <a:gd name="connsiteX1" fmla="*/ 6374783 w 7367523"/>
+                <a:gd name="connsiteY1" fmla="*/ 0 h 173416"/>
+                <a:gd name="connsiteX2" fmla="*/ 6240349 w 7367523"/>
+                <a:gd name="connsiteY2" fmla="*/ 0 h 173416"/>
+                <a:gd name="connsiteX3" fmla="*/ 5540227 w 7367523"/>
+                <a:gd name="connsiteY3" fmla="*/ 0 h 173416"/>
+                <a:gd name="connsiteX4" fmla="*/ 5247612 w 7367523"/>
+                <a:gd name="connsiteY4" fmla="*/ 0 h 173416"/>
+                <a:gd name="connsiteX5" fmla="*/ 4707193 w 7367523"/>
+                <a:gd name="connsiteY5" fmla="*/ 0 h 173416"/>
+                <a:gd name="connsiteX6" fmla="*/ 4413053 w 7367523"/>
+                <a:gd name="connsiteY6" fmla="*/ 0 h 173416"/>
+                <a:gd name="connsiteX7" fmla="*/ 3865356 w 7367523"/>
+                <a:gd name="connsiteY7" fmla="*/ 0 h 173416"/>
+                <a:gd name="connsiteX8" fmla="*/ 3580019 w 7367523"/>
+                <a:gd name="connsiteY8" fmla="*/ 0 h 173416"/>
+                <a:gd name="connsiteX9" fmla="*/ 2872616 w 7367523"/>
+                <a:gd name="connsiteY9" fmla="*/ 0 h 173416"/>
+                <a:gd name="connsiteX10" fmla="*/ 2738183 w 7367523"/>
+                <a:gd name="connsiteY10" fmla="*/ 0 h 173416"/>
+                <a:gd name="connsiteX11" fmla="*/ 2038060 w 7367523"/>
+                <a:gd name="connsiteY11" fmla="*/ 0 h 173416"/>
+                <a:gd name="connsiteX12" fmla="*/ 1745445 w 7367523"/>
+                <a:gd name="connsiteY12" fmla="*/ 0 h 173416"/>
+                <a:gd name="connsiteX13" fmla="*/ 1205026 w 7367523"/>
+                <a:gd name="connsiteY13" fmla="*/ 0 h 173416"/>
+                <a:gd name="connsiteX14" fmla="*/ 910887 w 7367523"/>
+                <a:gd name="connsiteY14" fmla="*/ 0 h 173416"/>
+                <a:gd name="connsiteX15" fmla="*/ 77853 w 7367523"/>
+                <a:gd name="connsiteY15" fmla="*/ 0 h 173416"/>
+                <a:gd name="connsiteX16" fmla="*/ 0 w 7367523"/>
+                <a:gd name="connsiteY16" fmla="*/ 173416 h 173416"/>
+                <a:gd name="connsiteX17" fmla="*/ 7289670 w 7367523"/>
+                <a:gd name="connsiteY17" fmla="*/ 173416 h 173416"/>
+              </a:gdLst>
+              <a:ahLst/>
+              <a:cxnLst>
+                <a:cxn ang="0">
+                  <a:pos x="connsiteX0" y="connsiteY0"/>
+                </a:cxn>
+                <a:cxn ang="0">
+                  <a:pos x="connsiteX1" y="connsiteY1"/>
+                </a:cxn>
+                <a:cxn ang="0">
+                  <a:pos x="connsiteX2" y="connsiteY2"/>
+                </a:cxn>
+                <a:cxn ang="0">
+                  <a:pos x="connsiteX3" y="connsiteY3"/>
+                </a:cxn>
+                <a:cxn ang="0">
+                  <a:pos x="connsiteX4" y="connsiteY4"/>
+                </a:cxn>
+                <a:cxn ang="0">
+                  <a:pos x="connsiteX5" y="connsiteY5"/>
+                </a:cxn>
+                <a:cxn ang="0">
+                  <a:pos x="connsiteX6" y="connsiteY6"/>
+                </a:cxn>
+                <a:cxn ang="0">
+                  <a:pos x="connsiteX7" y="connsiteY7"/>
+                </a:cxn>
+                <a:cxn ang="0">
+                  <a:pos x="connsiteX8" y="connsiteY8"/>
+                </a:cxn>
+                <a:cxn ang="0">
+                  <a:pos x="connsiteX9" y="connsiteY9"/>
+                </a:cxn>
+                <a:cxn ang="0">
+                  <a:pos x="connsiteX10" y="connsiteY10"/>
+                </a:cxn>
+                <a:cxn ang="0">
+                  <a:pos x="connsiteX11" y="connsiteY11"/>
+                </a:cxn>
+                <a:cxn ang="0">
+                  <a:pos x="connsiteX12" y="connsiteY12"/>
+                </a:cxn>
+                <a:cxn ang="0">
+                  <a:pos x="connsiteX13" y="connsiteY13"/>
+                </a:cxn>
+                <a:cxn ang="0">
+                  <a:pos x="connsiteX14" y="connsiteY14"/>
+                </a:cxn>
+                <a:cxn ang="0">
+                  <a:pos x="connsiteX15" y="connsiteY15"/>
+                </a:cxn>
+                <a:cxn ang="0">
+                  <a:pos x="connsiteX16" y="connsiteY16"/>
+                </a:cxn>
+                <a:cxn ang="0">
+                  <a:pos x="connsiteX17" y="connsiteY17"/>
+                </a:cxn>
+              </a:cxnLst>
+              <a:rect l="l" t="t" r="r" b="b"/>
+              <a:pathLst>
+                <a:path w="7367523" h="173416">
+                  <a:moveTo>
+                    <a:pt x="7367523" y="0"/>
+                  </a:moveTo>
+                  <a:lnTo>
+                    <a:pt x="6374783" y="0"/>
+                  </a:lnTo>
+                  <a:lnTo>
+                    <a:pt x="6240349" y="0"/>
+                  </a:lnTo>
+                  <a:lnTo>
+                    <a:pt x="5540227" y="0"/>
+                  </a:lnTo>
+                  <a:lnTo>
+                    <a:pt x="5247612" y="0"/>
+                  </a:lnTo>
+                  <a:lnTo>
+                    <a:pt x="4707193" y="0"/>
+                  </a:lnTo>
+                  <a:lnTo>
+                    <a:pt x="4413053" y="0"/>
+                  </a:lnTo>
+                  <a:lnTo>
+                    <a:pt x="3865356" y="0"/>
+                  </a:lnTo>
+                  <a:lnTo>
+                    <a:pt x="3580019" y="0"/>
+                  </a:lnTo>
+                  <a:lnTo>
+                    <a:pt x="2872616" y="0"/>
+                  </a:lnTo>
+                  <a:lnTo>
+                    <a:pt x="2738183" y="0"/>
+                  </a:lnTo>
+                  <a:lnTo>
+                    <a:pt x="2038060" y="0"/>
+                  </a:lnTo>
+                  <a:lnTo>
+                    <a:pt x="1745445" y="0"/>
+                  </a:lnTo>
+                  <a:lnTo>
+                    <a:pt x="1205026" y="0"/>
+                  </a:lnTo>
+                  <a:lnTo>
+                    <a:pt x="910887" y="0"/>
+                  </a:lnTo>
+                  <a:lnTo>
+                    <a:pt x="77853" y="0"/>
+                  </a:lnTo>
+                  <a:lnTo>
+                    <a:pt x="0" y="173416"/>
+                  </a:lnTo>
+                  <a:lnTo>
+                    <a:pt x="7289670" y="173416"/>
+                  </a:lnTo>
+                  <a:close/>
+                </a:path>
+              </a:pathLst>
+            </a:custGeom>
+            <a:gradFill flip="none" rotWithShape="0">
+              <a:gsLst>
+                <a:gs pos="0">
+                  <a:srgbClr val="228AF2"/>
+                </a:gs>
+                <a:gs pos="94000">
+                  <a:srgbClr val="7F12B6"/>
+                </a:gs>
+              </a:gsLst>
+              <a:lin ang="2700000" scaled="1"/>
+              <a:tileRect/>
+            </a:gradFill>
+            <a:ln>
+              <a:noFill/>
+            </a:ln>
+          </p:spPr>
+          <p:style>
+            <a:lnRef idx="2">
+              <a:schemeClr val="accent1">
+                <a:shade val="50000"/>
+              </a:schemeClr>
+            </a:lnRef>
+            <a:fillRef idx="1">
+              <a:schemeClr val="accent1"/>
+            </a:fillRef>
+            <a:effectRef idx="0">
+              <a:schemeClr val="accent1"/>
+            </a:effectRef>
+            <a:fontRef idx="minor">
+              <a:schemeClr val="lt1"/>
+            </a:fontRef>
+          </p:style>
+          <p:txBody>
+            <a:bodyPr rot="0" spcFirstLastPara="0" vertOverflow="overflow" horzOverflow="overflow" vert="horz" wrap="square" lIns="91440" tIns="45720" rIns="91440" bIns="45720" numCol="1" spcCol="0" rtlCol="0" fromWordArt="0" anchor="ctr" anchorCtr="0" forceAA="0" compatLnSpc="1">
+              <a:noAutofit/>
+            </a:bodyPr>
+            <a:lstStyle/>
+            <a:p>
+              <a:pPr algn="ctr"/>
+              <a:endParaRPr lang="zh-CN" altLang="en-US"/>
+            </a:p>
+          </p:txBody>
+        </p:sp>
+        <p:sp>
+          <p:nvSpPr>
+            <p:cNvPr id="23" name="任意多边形: 形状 22"/>
+            <p:cNvSpPr/>
+            <p:nvPr userDrawn="1"/>
+          </p:nvSpPr>
+          <p:spPr>
+            <a:xfrm flipH="1">
+              <a:off x="7415691" y="510493"/>
+              <a:ext cx="5376633" cy="126555"/>
+            </a:xfrm>
+            <a:custGeom>
+              <a:avLst/>
+              <a:gdLst>
+                <a:gd name="connsiteX0" fmla="*/ 7367523 w 7367523"/>
+                <a:gd name="connsiteY0" fmla="*/ 0 h 173416"/>
+                <a:gd name="connsiteX1" fmla="*/ 6374783 w 7367523"/>
+                <a:gd name="connsiteY1" fmla="*/ 0 h 173416"/>
+                <a:gd name="connsiteX2" fmla="*/ 6240349 w 7367523"/>
+                <a:gd name="connsiteY2" fmla="*/ 0 h 173416"/>
+                <a:gd name="connsiteX3" fmla="*/ 5540227 w 7367523"/>
+                <a:gd name="connsiteY3" fmla="*/ 0 h 173416"/>
+                <a:gd name="connsiteX4" fmla="*/ 5247612 w 7367523"/>
+                <a:gd name="connsiteY4" fmla="*/ 0 h 173416"/>
+                <a:gd name="connsiteX5" fmla="*/ 4707193 w 7367523"/>
+                <a:gd name="connsiteY5" fmla="*/ 0 h 173416"/>
+                <a:gd name="connsiteX6" fmla="*/ 4413053 w 7367523"/>
+                <a:gd name="connsiteY6" fmla="*/ 0 h 173416"/>
+                <a:gd name="connsiteX7" fmla="*/ 3865356 w 7367523"/>
+                <a:gd name="connsiteY7" fmla="*/ 0 h 173416"/>
+                <a:gd name="connsiteX8" fmla="*/ 3580019 w 7367523"/>
+                <a:gd name="connsiteY8" fmla="*/ 0 h 173416"/>
+                <a:gd name="connsiteX9" fmla="*/ 2872616 w 7367523"/>
+                <a:gd name="connsiteY9" fmla="*/ 0 h 173416"/>
+                <a:gd name="connsiteX10" fmla="*/ 2738183 w 7367523"/>
+                <a:gd name="connsiteY10" fmla="*/ 0 h 173416"/>
+                <a:gd name="connsiteX11" fmla="*/ 2038060 w 7367523"/>
+                <a:gd name="connsiteY11" fmla="*/ 0 h 173416"/>
+                <a:gd name="connsiteX12" fmla="*/ 1745445 w 7367523"/>
+                <a:gd name="connsiteY12" fmla="*/ 0 h 173416"/>
+                <a:gd name="connsiteX13" fmla="*/ 1205026 w 7367523"/>
+                <a:gd name="connsiteY13" fmla="*/ 0 h 173416"/>
+                <a:gd name="connsiteX14" fmla="*/ 910887 w 7367523"/>
+                <a:gd name="connsiteY14" fmla="*/ 0 h 173416"/>
+                <a:gd name="connsiteX15" fmla="*/ 77853 w 7367523"/>
+                <a:gd name="connsiteY15" fmla="*/ 0 h 173416"/>
+                <a:gd name="connsiteX16" fmla="*/ 0 w 7367523"/>
+                <a:gd name="connsiteY16" fmla="*/ 173416 h 173416"/>
+                <a:gd name="connsiteX17" fmla="*/ 7289670 w 7367523"/>
+                <a:gd name="connsiteY17" fmla="*/ 173416 h 173416"/>
+              </a:gdLst>
+              <a:ahLst/>
+              <a:cxnLst>
+                <a:cxn ang="0">
+                  <a:pos x="connsiteX0" y="connsiteY0"/>
+                </a:cxn>
+                <a:cxn ang="0">
+                  <a:pos x="connsiteX1" y="connsiteY1"/>
+                </a:cxn>
+                <a:cxn ang="0">
+                  <a:pos x="connsiteX2" y="connsiteY2"/>
+                </a:cxn>
+                <a:cxn ang="0">
+                  <a:pos x="connsiteX3" y="connsiteY3"/>
+                </a:cxn>
+                <a:cxn ang="0">
+                  <a:pos x="connsiteX4" y="connsiteY4"/>
+                </a:cxn>
+                <a:cxn ang="0">
+                  <a:pos x="connsiteX5" y="connsiteY5"/>
+                </a:cxn>
+                <a:cxn ang="0">
+                  <a:pos x="connsiteX6" y="connsiteY6"/>
+                </a:cxn>
+                <a:cxn ang="0">
+                  <a:pos x="connsiteX7" y="connsiteY7"/>
+                </a:cxn>
+                <a:cxn ang="0">
+                  <a:pos x="connsiteX8" y="connsiteY8"/>
+                </a:cxn>
+                <a:cxn ang="0">
+                  <a:pos x="connsiteX9" y="connsiteY9"/>
+                </a:cxn>
+                <a:cxn ang="0">
+                  <a:pos x="connsiteX10" y="connsiteY10"/>
+                </a:cxn>
+                <a:cxn ang="0">
+                  <a:pos x="connsiteX11" y="connsiteY11"/>
+                </a:cxn>
+                <a:cxn ang="0">
+                  <a:pos x="connsiteX12" y="connsiteY12"/>
+                </a:cxn>
+                <a:cxn ang="0">
+                  <a:pos x="connsiteX13" y="connsiteY13"/>
+                </a:cxn>
+                <a:cxn ang="0">
+                  <a:pos x="connsiteX14" y="connsiteY14"/>
+                </a:cxn>
+                <a:cxn ang="0">
+                  <a:pos x="connsiteX15" y="connsiteY15"/>
+                </a:cxn>
+                <a:cxn ang="0">
+                  <a:pos x="connsiteX16" y="connsiteY16"/>
+                </a:cxn>
+                <a:cxn ang="0">
+                  <a:pos x="connsiteX17" y="connsiteY17"/>
+                </a:cxn>
+              </a:cxnLst>
+              <a:rect l="l" t="t" r="r" b="b"/>
+              <a:pathLst>
+                <a:path w="7367523" h="173416">
+                  <a:moveTo>
+                    <a:pt x="7367523" y="0"/>
+                  </a:moveTo>
+                  <a:lnTo>
+                    <a:pt x="6374783" y="0"/>
+                  </a:lnTo>
+                  <a:lnTo>
+                    <a:pt x="6240349" y="0"/>
+                  </a:lnTo>
+                  <a:lnTo>
+                    <a:pt x="5540227" y="0"/>
+                  </a:lnTo>
+                  <a:lnTo>
+                    <a:pt x="5247612" y="0"/>
+                  </a:lnTo>
+                  <a:lnTo>
+                    <a:pt x="4707193" y="0"/>
+                  </a:lnTo>
+                  <a:lnTo>
+                    <a:pt x="4413053" y="0"/>
+                  </a:lnTo>
+                  <a:lnTo>
+                    <a:pt x="3865356" y="0"/>
+                  </a:lnTo>
+                  <a:lnTo>
+                    <a:pt x="3580019" y="0"/>
+                  </a:lnTo>
+                  <a:lnTo>
+                    <a:pt x="2872616" y="0"/>
+                  </a:lnTo>
+                  <a:lnTo>
+                    <a:pt x="2738183" y="0"/>
+                  </a:lnTo>
+                  <a:lnTo>
+                    <a:pt x="2038060" y="0"/>
+                  </a:lnTo>
+                  <a:lnTo>
+                    <a:pt x="1745445" y="0"/>
+                  </a:lnTo>
+                  <a:lnTo>
+                    <a:pt x="1205026" y="0"/>
+                  </a:lnTo>
+                  <a:lnTo>
+                    <a:pt x="910887" y="0"/>
+                  </a:lnTo>
+                  <a:lnTo>
+                    <a:pt x="77853" y="0"/>
+                  </a:lnTo>
+                  <a:lnTo>
+                    <a:pt x="0" y="173416"/>
+                  </a:lnTo>
+                  <a:lnTo>
+                    <a:pt x="7289670" y="173416"/>
+                  </a:lnTo>
+                  <a:close/>
+                </a:path>
+              </a:pathLst>
+            </a:custGeom>
+            <a:solidFill>
+              <a:schemeClr val="bg2"/>
+            </a:solidFill>
+            <a:ln>
+              <a:noFill/>
+            </a:ln>
+          </p:spPr>
+          <p:style>
+            <a:lnRef idx="2">
+              <a:schemeClr val="accent1">
+                <a:shade val="50000"/>
+              </a:schemeClr>
+            </a:lnRef>
+            <a:fillRef idx="1">
+              <a:schemeClr val="accent1"/>
+            </a:fillRef>
+            <a:effectRef idx="0">
+              <a:schemeClr val="accent1"/>
+            </a:effectRef>
+            <a:fontRef idx="minor">
+              <a:schemeClr val="lt1"/>
+            </a:fontRef>
+          </p:style>
+          <p:txBody>
+            <a:bodyPr rot="0" spcFirstLastPara="0" vertOverflow="overflow" horzOverflow="overflow" vert="horz" wrap="square" lIns="91440" tIns="45720" rIns="91440" bIns="45720" numCol="1" spcCol="0" rtlCol="0" fromWordArt="0" anchor="ctr" anchorCtr="0" forceAA="0" compatLnSpc="1">
+              <a:noAutofit/>
+            </a:bodyPr>
+            <a:lstStyle/>
+            <a:p>
+              <a:pPr algn="ctr"/>
+              <a:endParaRPr lang="zh-CN" altLang="en-US"/>
+            </a:p>
+          </p:txBody>
+        </p:sp>
+      </p:grpSp>
+      <p:sp>
+        <p:nvSpPr>
+          <p:cNvPr id="24" name="任意多边形: 形状 23"/>
+          <p:cNvSpPr/>
+          <p:nvPr/>
+        </p:nvSpPr>
+        <p:spPr>
+          <a:xfrm flipH="1">
+            <a:off x="129621" y="0"/>
+            <a:ext cx="586522" cy="1047087"/>
+          </a:xfrm>
+          <a:custGeom>
+            <a:avLst/>
+            <a:gdLst>
+              <a:gd name="connsiteX0" fmla="*/ 586522 w 586522"/>
+              <a:gd name="connsiteY0" fmla="*/ 0 h 1047087"/>
+              <a:gd name="connsiteX1" fmla="*/ 470079 w 586522"/>
+              <a:gd name="connsiteY1" fmla="*/ 0 h 1047087"/>
+              <a:gd name="connsiteX2" fmla="*/ 0 w 586522"/>
+              <a:gd name="connsiteY2" fmla="*/ 1047087 h 1047087"/>
+              <a:gd name="connsiteX3" fmla="*/ 116443 w 586522"/>
+              <a:gd name="connsiteY3" fmla="*/ 1047087 h 1047087"/>
+            </a:gdLst>
+            <a:ahLst/>
+            <a:cxnLst>
+              <a:cxn ang="0">
+                <a:pos x="connsiteX0" y="connsiteY0"/>
+              </a:cxn>
+              <a:cxn ang="0">
+                <a:pos x="connsiteX1" y="connsiteY1"/>
+              </a:cxn>
+              <a:cxn ang="0">
+                <a:pos x="connsiteX2" y="connsiteY2"/>
+              </a:cxn>
+              <a:cxn ang="0">
+                <a:pos x="connsiteX3" y="connsiteY3"/>
+              </a:cxn>
+            </a:cxnLst>
+            <a:rect l="l" t="t" r="r" b="b"/>
+            <a:pathLst>
+              <a:path w="586522" h="1047087">
+                <a:moveTo>
+                  <a:pt x="586522" y="0"/>
+                </a:moveTo>
+                <a:lnTo>
+                  <a:pt x="470079" y="0"/>
+                </a:lnTo>
+                <a:lnTo>
+                  <a:pt x="0" y="1047087"/>
+                </a:lnTo>
+                <a:lnTo>
+                  <a:pt x="116443" y="1047087"/>
+                </a:lnTo>
+                <a:close/>
+              </a:path>
+            </a:pathLst>
+          </a:custGeom>
+          <a:gradFill flip="none" rotWithShape="0">
+            <a:gsLst>
+              <a:gs pos="0">
+                <a:srgbClr val="53A5F5">
+                  <a:lumMod val="73000"/>
+                  <a:lumOff val="27000"/>
+                </a:srgbClr>
+              </a:gs>
+              <a:gs pos="94000">
+                <a:srgbClr val="9214CF">
+                  <a:lumMod val="73000"/>
+                  <a:lumOff val="27000"/>
+                </a:srgbClr>
+              </a:gs>
+            </a:gsLst>
+            <a:lin ang="2700000" scaled="1"/>
+            <a:tileRect/>
+          </a:gradFill>
+          <a:ln>
+            <a:noFill/>
+          </a:ln>
+        </p:spPr>
+        <p:style>
+          <a:lnRef idx="2">
+            <a:schemeClr val="accent1">
+              <a:shade val="50000"/>
+            </a:schemeClr>
+          </a:lnRef>
+          <a:fillRef idx="1">
+            <a:schemeClr val="accent1"/>
+          </a:fillRef>
+          <a:effectRef idx="0">
+            <a:schemeClr val="accent1"/>
+          </a:effectRef>
+          <a:fontRef idx="minor">
+            <a:schemeClr val="lt1"/>
+          </a:fontRef>
+        </p:style>
+        <p:txBody>
+          <a:bodyPr rot="0" spcFirstLastPara="0" vertOverflow="overflow" horzOverflow="overflow" vert="horz" wrap="square" lIns="91440" tIns="45720" rIns="91440" bIns="45720" numCol="1" spcCol="0" rtlCol="0" fromWordArt="0" anchor="ctr" anchorCtr="0" forceAA="0" compatLnSpc="1">
+            <a:noAutofit/>
+          </a:bodyPr>
+          <a:lstStyle/>
+          <a:p>
+            <a:pPr algn="ctr"/>
+            <a:endParaRPr lang="zh-CN" altLang="en-US"/>
+          </a:p>
+        </p:txBody>
+      </p:sp>
+      <p:sp>
+        <p:nvSpPr>
+          <p:cNvPr id="25" name="任意多边形: 形状 24"/>
+          <p:cNvSpPr/>
+          <p:nvPr/>
+        </p:nvSpPr>
+        <p:spPr>
+          <a:xfrm flipH="1">
+            <a:off x="581108" y="202981"/>
+            <a:ext cx="344503" cy="615023"/>
+          </a:xfrm>
+          <a:custGeom>
+            <a:avLst/>
+            <a:gdLst>
+              <a:gd name="connsiteX0" fmla="*/ 586522 w 586522"/>
+              <a:gd name="connsiteY0" fmla="*/ 0 h 1047087"/>
+              <a:gd name="connsiteX1" fmla="*/ 470079 w 586522"/>
+              <a:gd name="connsiteY1" fmla="*/ 0 h 1047087"/>
+              <a:gd name="connsiteX2" fmla="*/ 0 w 586522"/>
+              <a:gd name="connsiteY2" fmla="*/ 1047087 h 1047087"/>
+              <a:gd name="connsiteX3" fmla="*/ 116443 w 586522"/>
+              <a:gd name="connsiteY3" fmla="*/ 1047087 h 1047087"/>
+            </a:gdLst>
+            <a:ahLst/>
+            <a:cxnLst>
+              <a:cxn ang="0">
+                <a:pos x="connsiteX0" y="connsiteY0"/>
+              </a:cxn>
+              <a:cxn ang="0">
+                <a:pos x="connsiteX1" y="connsiteY1"/>
+              </a:cxn>
+              <a:cxn ang="0">
+                <a:pos x="connsiteX2" y="connsiteY2"/>
+              </a:cxn>
+              <a:cxn ang="0">
+                <a:pos x="connsiteX3" y="connsiteY3"/>
+              </a:cxn>
+            </a:cxnLst>
+            <a:rect l="l" t="t" r="r" b="b"/>
+            <a:pathLst>
+              <a:path w="586522" h="1047087">
+                <a:moveTo>
+                  <a:pt x="586522" y="0"/>
+                </a:moveTo>
+                <a:lnTo>
+                  <a:pt x="470079" y="0"/>
+                </a:lnTo>
+                <a:lnTo>
+                  <a:pt x="0" y="1047087"/>
+                </a:lnTo>
+                <a:lnTo>
+                  <a:pt x="116443" y="1047087"/>
+                </a:lnTo>
+                <a:close/>
+              </a:path>
+            </a:pathLst>
+          </a:custGeom>
+          <a:solidFill>
+            <a:schemeClr val="bg1">
+              <a:lumMod val="95000"/>
+            </a:schemeClr>
+          </a:solidFill>
+          <a:ln>
+            <a:noFill/>
+          </a:ln>
+        </p:spPr>
+        <p:style>
+          <a:lnRef idx="2">
+            <a:schemeClr val="accent1">
+              <a:shade val="50000"/>
+            </a:schemeClr>
+          </a:lnRef>
+          <a:fillRef idx="1">
+            <a:schemeClr val="accent1"/>
+          </a:fillRef>
+          <a:effectRef idx="0">
+            <a:schemeClr val="accent1"/>
+          </a:effectRef>
+          <a:fontRef idx="minor">
+            <a:schemeClr val="lt1"/>
+          </a:fontRef>
+        </p:style>
+        <p:txBody>
+          <a:bodyPr rot="0" spcFirstLastPara="0" vertOverflow="overflow" horzOverflow="overflow" vert="horz" wrap="square" lIns="91440" tIns="45720" rIns="91440" bIns="45720" numCol="1" spcCol="0" rtlCol="0" fromWordArt="0" anchor="ctr" anchorCtr="0" forceAA="0" compatLnSpc="1">
+            <a:noAutofit/>
+          </a:bodyPr>
+          <a:lstStyle/>
+          <a:p>
+            <a:pPr algn="ctr"/>
+            <a:endParaRPr lang="zh-CN" altLang="en-US"/>
+          </a:p>
+        </p:txBody>
+      </p:sp>
+      <p:sp>
+        <p:nvSpPr>
+          <p:cNvPr id="2" name="文本框 1">
+            <a:extLst>
+              <a:ext uri="{FF2B5EF4-FFF2-40B4-BE49-F238E27FC236}">
+                <a16:creationId xmlns:a16="http://schemas.microsoft.com/office/drawing/2014/main" id="{F2A4914D-6F1A-B39C-504F-A70AC426C7FC}"/>
+              </a:ext>
+            </a:extLst>
+          </p:cNvPr>
+          <p:cNvSpPr txBox="1"/>
+          <p:nvPr/>
+        </p:nvSpPr>
+        <p:spPr bwMode="auto">
+          <a:xfrm>
+            <a:off x="322925" y="1121890"/>
+            <a:ext cx="11187757" cy="307777"/>
+          </a:xfrm>
+          <a:prstGeom prst="rect">
+            <a:avLst/>
+          </a:prstGeom>
+          <a:noFill/>
+        </p:spPr>
+        <p:txBody>
+          <a:bodyPr wrap="square">
+            <a:spAutoFit/>
+            <a:scene3d>
+              <a:camera prst="orthographicFront"/>
+              <a:lightRig rig="threePt" dir="t"/>
+            </a:scene3d>
+            <a:sp3d contourW="12700"/>
+          </a:bodyPr>
+          <a:lstStyle/>
+          <a:p>
+            <a:pPr>
+              <a:defRPr/>
+            </a:pPr>
+            <a:r>
+              <a:rPr lang="en-US" altLang="zh-CN" sz="1400" b="1">
+                <a:solidFill>
+                  <a:srgbClr val="7F12B6"/>
+                </a:solidFill>
+                <a:latin typeface="时尚中黑简体" panose="01010104010101010101" pitchFamily="2" charset="-122"/>
+                <a:ea typeface="时尚中黑简体" panose="01010104010101010101" pitchFamily="2" charset="-122"/>
+              </a:rPr>
+              <a:t>Requirements of indoor navigation system from blind users		--USAB 2011</a:t>
+            </a:r>
+          </a:p>
+        </p:txBody>
+      </p:sp>
+      <p:sp>
+        <p:nvSpPr>
+          <p:cNvPr id="4" name="文本框 3">
+            <a:extLst>
+              <a:ext uri="{FF2B5EF4-FFF2-40B4-BE49-F238E27FC236}">
+                <a16:creationId xmlns:a16="http://schemas.microsoft.com/office/drawing/2014/main" id="{2D44835F-431E-6B89-A3BA-435E847F1483}"/>
+              </a:ext>
+            </a:extLst>
+          </p:cNvPr>
+          <p:cNvSpPr txBox="1"/>
+          <p:nvPr/>
+        </p:nvSpPr>
+        <p:spPr bwMode="auto">
+          <a:xfrm>
+            <a:off x="422882" y="1660509"/>
+            <a:ext cx="10675471" cy="1477328"/>
+          </a:xfrm>
+          <a:prstGeom prst="rect">
+            <a:avLst/>
+          </a:prstGeom>
+          <a:noFill/>
+        </p:spPr>
+        <p:txBody>
+          <a:bodyPr wrap="square">
+            <a:spAutoFit/>
+            <a:scene3d>
+              <a:camera prst="orthographicFront"/>
+              <a:lightRig rig="threePt" dir="t"/>
+            </a:scene3d>
+            <a:sp3d contourW="12700"/>
+          </a:bodyPr>
+          <a:lstStyle/>
+          <a:p>
+            <a:pPr>
+              <a:defRPr/>
+            </a:pPr>
+            <a:r>
+              <a:rPr lang="en-US" altLang="zh-CN" sz="1800" b="0" i="0" u="none" strike="noStrike" baseline="0">
+                <a:solidFill>
+                  <a:srgbClr val="000000"/>
+                </a:solidFill>
+                <a:latin typeface="Microsoft YaHei UI" panose="020B0503020204020204" pitchFamily="34" charset="-122"/>
+              </a:rPr>
+              <a:t>1.</a:t>
+            </a:r>
+            <a:r>
+              <a:rPr lang="zh-CN" altLang="en-US" sz="1800" b="0" i="0" u="none" strike="noStrike" baseline="0">
+                <a:solidFill>
+                  <a:srgbClr val="000000"/>
+                </a:solidFill>
+                <a:latin typeface="Microsoft YaHei UI" panose="020B0503020204020204" pitchFamily="34" charset="-122"/>
+              </a:rPr>
+              <a:t>以用户为中心设计（</a:t>
+            </a:r>
+            <a:r>
+              <a:rPr lang="en-US" altLang="zh-CN" sz="1800" b="0" i="0" u="none" strike="noStrike" baseline="0">
+                <a:solidFill>
+                  <a:srgbClr val="000000"/>
+                </a:solidFill>
+                <a:latin typeface="Microsoft YaHei UI" panose="020B0503020204020204" pitchFamily="34" charset="-122"/>
+              </a:rPr>
+              <a:t>UCD</a:t>
+            </a:r>
+            <a:r>
+              <a:rPr lang="zh-CN" altLang="en-US" sz="1800" b="0" i="0" u="none" strike="noStrike" baseline="0">
+                <a:solidFill>
+                  <a:srgbClr val="000000"/>
+                </a:solidFill>
+                <a:latin typeface="Microsoft YaHei UI" panose="020B0503020204020204" pitchFamily="34" charset="-122"/>
+              </a:rPr>
+              <a:t>）</a:t>
+            </a:r>
+            <a:endParaRPr lang="en-US" altLang="zh-CN" sz="1800" b="0" i="0" u="none" strike="noStrike" baseline="0">
+              <a:solidFill>
+                <a:srgbClr val="000000"/>
+              </a:solidFill>
+              <a:latin typeface="Microsoft YaHei UI" panose="020B0503020204020204" pitchFamily="34" charset="-122"/>
+            </a:endParaRPr>
+          </a:p>
+          <a:p>
+            <a:pPr>
+              <a:defRPr/>
+            </a:pPr>
+            <a:r>
+              <a:rPr lang="en-US" altLang="zh-CN"/>
+              <a:t>2.</a:t>
+            </a:r>
+            <a:r>
+              <a:rPr lang="zh-CN" altLang="en-US"/>
+              <a:t>导航设计和方向映射应尽可能容易学习和记忆</a:t>
+            </a:r>
+            <a:endParaRPr lang="en-US" altLang="zh-CN"/>
+          </a:p>
+          <a:p>
+            <a:pPr>
+              <a:defRPr/>
+            </a:pPr>
+            <a:r>
+              <a:rPr lang="en-US" altLang="zh-CN"/>
+              <a:t>3.</a:t>
+            </a:r>
+            <a:r>
+              <a:rPr lang="zh-CN" altLang="en-US"/>
+              <a:t>左右前后被所有人盲人接受，但是东南西北和时钟方向系统不被大多数盲人接受</a:t>
+            </a:r>
+            <a:endParaRPr lang="en-US" altLang="zh-CN"/>
+          </a:p>
+          <a:p>
+            <a:pPr>
+              <a:defRPr/>
+            </a:pPr>
+            <a:r>
+              <a:rPr lang="en-US" altLang="zh-CN"/>
+              <a:t>4.</a:t>
+            </a:r>
+            <a:r>
+              <a:rPr lang="zh-CN" altLang="en-US"/>
+              <a:t>描述距离的单位用米是合适的</a:t>
+            </a:r>
+            <a:endParaRPr lang="en-US" altLang="zh-CN"/>
+          </a:p>
+          <a:p>
+            <a:pPr>
+              <a:defRPr/>
+            </a:pPr>
+            <a:endParaRPr lang="en-US" altLang="zh-CN"/>
+          </a:p>
+        </p:txBody>
+      </p:sp>
+    </p:spTree>
+    <p:extLst>
+      <p:ext uri="{BB962C8B-B14F-4D97-AF65-F5344CB8AC3E}">
+        <p14:creationId xmlns:p14="http://schemas.microsoft.com/office/powerpoint/2010/main" val="3365974686"/>
+      </p:ext>
+    </p:extLst>
+  </p:cSld>
+  <p:clrMapOvr>
+    <a:masterClrMapping/>
+  </p:clrMapOvr>
+  <mc:AlternateContent xmlns:mc="http://schemas.openxmlformats.org/markup-compatibility/2006" xmlns:p14="http://schemas.microsoft.com/office/powerpoint/2010/main">
+    <mc:Choice Requires="p14">
+      <p:transition spd="slow" p14:dur="1500" advTm="0">
+        <p:random/>
+      </p:transition>
+    </mc:Choice>
+    <mc:Fallback xmlns="">
+      <p:transition spd="slow" advTm="0">
+        <p:random/>
+      </p:transition>
+    </mc:Fallback>
+  </mc:AlternateContent>
+</p:sld>
+</file>
+
+<file path=ppt/slides/slide11.xml><?xml version="1.0" encoding="utf-8"?>
+<p:sld xmlns:a="http://schemas.openxmlformats.org/drawingml/2006/main" xmlns:r="http://schemas.openxmlformats.org/officeDocument/2006/relationships" xmlns:p="http://schemas.openxmlformats.org/presentationml/2006/main">
+  <p:cSld>
+    <p:spTree>
+      <p:nvGrpSpPr>
+        <p:cNvPr id="1" name=""/>
+        <p:cNvGrpSpPr/>
+        <p:nvPr/>
+      </p:nvGrpSpPr>
+      <p:grpSpPr>
+        <a:xfrm>
+          <a:off x="0" y="0"/>
+          <a:ext cx="0" cy="0"/>
+          <a:chOff x="0" y="0"/>
+          <a:chExt cx="0" cy="0"/>
+        </a:xfrm>
+      </p:grpSpPr>
+      <p:grpSp>
+        <p:nvGrpSpPr>
+          <p:cNvPr id="21" name="组合 20"/>
+          <p:cNvGrpSpPr/>
+          <p:nvPr/>
+        </p:nvGrpSpPr>
+        <p:grpSpPr>
+          <a:xfrm>
+            <a:off x="5270500" y="510493"/>
+            <a:ext cx="7561033" cy="380555"/>
+            <a:chOff x="6997699" y="510493"/>
+            <a:chExt cx="5794625" cy="380555"/>
+          </a:xfrm>
+        </p:grpSpPr>
+        <p:sp>
+          <p:nvSpPr>
+            <p:cNvPr id="22" name="任意多边形: 形状 21"/>
+            <p:cNvSpPr/>
+            <p:nvPr userDrawn="1"/>
+          </p:nvSpPr>
+          <p:spPr>
+            <a:xfrm flipH="1">
+              <a:off x="6997699" y="764493"/>
+              <a:ext cx="5376633" cy="126555"/>
+            </a:xfrm>
+            <a:custGeom>
+              <a:avLst/>
+              <a:gdLst>
+                <a:gd name="connsiteX0" fmla="*/ 7367523 w 7367523"/>
+                <a:gd name="connsiteY0" fmla="*/ 0 h 173416"/>
+                <a:gd name="connsiteX1" fmla="*/ 6374783 w 7367523"/>
+                <a:gd name="connsiteY1" fmla="*/ 0 h 173416"/>
+                <a:gd name="connsiteX2" fmla="*/ 6240349 w 7367523"/>
+                <a:gd name="connsiteY2" fmla="*/ 0 h 173416"/>
+                <a:gd name="connsiteX3" fmla="*/ 5540227 w 7367523"/>
+                <a:gd name="connsiteY3" fmla="*/ 0 h 173416"/>
+                <a:gd name="connsiteX4" fmla="*/ 5247612 w 7367523"/>
+                <a:gd name="connsiteY4" fmla="*/ 0 h 173416"/>
+                <a:gd name="connsiteX5" fmla="*/ 4707193 w 7367523"/>
+                <a:gd name="connsiteY5" fmla="*/ 0 h 173416"/>
+                <a:gd name="connsiteX6" fmla="*/ 4413053 w 7367523"/>
+                <a:gd name="connsiteY6" fmla="*/ 0 h 173416"/>
+                <a:gd name="connsiteX7" fmla="*/ 3865356 w 7367523"/>
+                <a:gd name="connsiteY7" fmla="*/ 0 h 173416"/>
+                <a:gd name="connsiteX8" fmla="*/ 3580019 w 7367523"/>
+                <a:gd name="connsiteY8" fmla="*/ 0 h 173416"/>
+                <a:gd name="connsiteX9" fmla="*/ 2872616 w 7367523"/>
+                <a:gd name="connsiteY9" fmla="*/ 0 h 173416"/>
+                <a:gd name="connsiteX10" fmla="*/ 2738183 w 7367523"/>
+                <a:gd name="connsiteY10" fmla="*/ 0 h 173416"/>
+                <a:gd name="connsiteX11" fmla="*/ 2038060 w 7367523"/>
+                <a:gd name="connsiteY11" fmla="*/ 0 h 173416"/>
+                <a:gd name="connsiteX12" fmla="*/ 1745445 w 7367523"/>
+                <a:gd name="connsiteY12" fmla="*/ 0 h 173416"/>
+                <a:gd name="connsiteX13" fmla="*/ 1205026 w 7367523"/>
+                <a:gd name="connsiteY13" fmla="*/ 0 h 173416"/>
+                <a:gd name="connsiteX14" fmla="*/ 910887 w 7367523"/>
+                <a:gd name="connsiteY14" fmla="*/ 0 h 173416"/>
+                <a:gd name="connsiteX15" fmla="*/ 77853 w 7367523"/>
+                <a:gd name="connsiteY15" fmla="*/ 0 h 173416"/>
+                <a:gd name="connsiteX16" fmla="*/ 0 w 7367523"/>
+                <a:gd name="connsiteY16" fmla="*/ 173416 h 173416"/>
+                <a:gd name="connsiteX17" fmla="*/ 7289670 w 7367523"/>
+                <a:gd name="connsiteY17" fmla="*/ 173416 h 173416"/>
+              </a:gdLst>
+              <a:ahLst/>
+              <a:cxnLst>
+                <a:cxn ang="0">
+                  <a:pos x="connsiteX0" y="connsiteY0"/>
+                </a:cxn>
+                <a:cxn ang="0">
+                  <a:pos x="connsiteX1" y="connsiteY1"/>
+                </a:cxn>
+                <a:cxn ang="0">
+                  <a:pos x="connsiteX2" y="connsiteY2"/>
+                </a:cxn>
+                <a:cxn ang="0">
+                  <a:pos x="connsiteX3" y="connsiteY3"/>
+                </a:cxn>
+                <a:cxn ang="0">
+                  <a:pos x="connsiteX4" y="connsiteY4"/>
+                </a:cxn>
+                <a:cxn ang="0">
+                  <a:pos x="connsiteX5" y="connsiteY5"/>
+                </a:cxn>
+                <a:cxn ang="0">
+                  <a:pos x="connsiteX6" y="connsiteY6"/>
+                </a:cxn>
+                <a:cxn ang="0">
+                  <a:pos x="connsiteX7" y="connsiteY7"/>
+                </a:cxn>
+                <a:cxn ang="0">
+                  <a:pos x="connsiteX8" y="connsiteY8"/>
+                </a:cxn>
+                <a:cxn ang="0">
+                  <a:pos x="connsiteX9" y="connsiteY9"/>
+                </a:cxn>
+                <a:cxn ang="0">
+                  <a:pos x="connsiteX10" y="connsiteY10"/>
+                </a:cxn>
+                <a:cxn ang="0">
+                  <a:pos x="connsiteX11" y="connsiteY11"/>
+                </a:cxn>
+                <a:cxn ang="0">
+                  <a:pos x="connsiteX12" y="connsiteY12"/>
+                </a:cxn>
+                <a:cxn ang="0">
+                  <a:pos x="connsiteX13" y="connsiteY13"/>
+                </a:cxn>
+                <a:cxn ang="0">
+                  <a:pos x="connsiteX14" y="connsiteY14"/>
+                </a:cxn>
+                <a:cxn ang="0">
+                  <a:pos x="connsiteX15" y="connsiteY15"/>
+                </a:cxn>
+                <a:cxn ang="0">
+                  <a:pos x="connsiteX16" y="connsiteY16"/>
+                </a:cxn>
+                <a:cxn ang="0">
+                  <a:pos x="connsiteX17" y="connsiteY17"/>
+                </a:cxn>
+              </a:cxnLst>
+              <a:rect l="l" t="t" r="r" b="b"/>
+              <a:pathLst>
+                <a:path w="7367523" h="173416">
+                  <a:moveTo>
+                    <a:pt x="7367523" y="0"/>
+                  </a:moveTo>
+                  <a:lnTo>
+                    <a:pt x="6374783" y="0"/>
+                  </a:lnTo>
+                  <a:lnTo>
+                    <a:pt x="6240349" y="0"/>
+                  </a:lnTo>
+                  <a:lnTo>
+                    <a:pt x="5540227" y="0"/>
+                  </a:lnTo>
+                  <a:lnTo>
+                    <a:pt x="5247612" y="0"/>
+                  </a:lnTo>
+                  <a:lnTo>
+                    <a:pt x="4707193" y="0"/>
+                  </a:lnTo>
+                  <a:lnTo>
+                    <a:pt x="4413053" y="0"/>
+                  </a:lnTo>
+                  <a:lnTo>
+                    <a:pt x="3865356" y="0"/>
+                  </a:lnTo>
+                  <a:lnTo>
+                    <a:pt x="3580019" y="0"/>
+                  </a:lnTo>
+                  <a:lnTo>
+                    <a:pt x="2872616" y="0"/>
+                  </a:lnTo>
+                  <a:lnTo>
+                    <a:pt x="2738183" y="0"/>
+                  </a:lnTo>
+                  <a:lnTo>
+                    <a:pt x="2038060" y="0"/>
+                  </a:lnTo>
+                  <a:lnTo>
+                    <a:pt x="1745445" y="0"/>
+                  </a:lnTo>
+                  <a:lnTo>
+                    <a:pt x="1205026" y="0"/>
+                  </a:lnTo>
+                  <a:lnTo>
+                    <a:pt x="910887" y="0"/>
+                  </a:lnTo>
+                  <a:lnTo>
+                    <a:pt x="77853" y="0"/>
+                  </a:lnTo>
+                  <a:lnTo>
+                    <a:pt x="0" y="173416"/>
+                  </a:lnTo>
+                  <a:lnTo>
+                    <a:pt x="7289670" y="173416"/>
+                  </a:lnTo>
+                  <a:close/>
+                </a:path>
+              </a:pathLst>
+            </a:custGeom>
+            <a:gradFill flip="none" rotWithShape="0">
+              <a:gsLst>
+                <a:gs pos="0">
+                  <a:srgbClr val="228AF2"/>
+                </a:gs>
+                <a:gs pos="94000">
+                  <a:srgbClr val="7F12B6"/>
+                </a:gs>
+              </a:gsLst>
+              <a:lin ang="2700000" scaled="1"/>
+              <a:tileRect/>
+            </a:gradFill>
+            <a:ln>
+              <a:noFill/>
+            </a:ln>
+          </p:spPr>
+          <p:style>
+            <a:lnRef idx="2">
+              <a:schemeClr val="accent1">
+                <a:shade val="50000"/>
+              </a:schemeClr>
+            </a:lnRef>
+            <a:fillRef idx="1">
+              <a:schemeClr val="accent1"/>
+            </a:fillRef>
+            <a:effectRef idx="0">
+              <a:schemeClr val="accent1"/>
+            </a:effectRef>
+            <a:fontRef idx="minor">
+              <a:schemeClr val="lt1"/>
+            </a:fontRef>
+          </p:style>
+          <p:txBody>
+            <a:bodyPr rot="0" spcFirstLastPara="0" vertOverflow="overflow" horzOverflow="overflow" vert="horz" wrap="square" lIns="91440" tIns="45720" rIns="91440" bIns="45720" numCol="1" spcCol="0" rtlCol="0" fromWordArt="0" anchor="ctr" anchorCtr="0" forceAA="0" compatLnSpc="1">
+              <a:noAutofit/>
+            </a:bodyPr>
+            <a:lstStyle/>
+            <a:p>
+              <a:pPr algn="ctr"/>
+              <a:endParaRPr lang="zh-CN" altLang="en-US"/>
+            </a:p>
+          </p:txBody>
+        </p:sp>
+        <p:sp>
+          <p:nvSpPr>
+            <p:cNvPr id="23" name="任意多边形: 形状 22"/>
+            <p:cNvSpPr/>
+            <p:nvPr userDrawn="1"/>
+          </p:nvSpPr>
+          <p:spPr>
+            <a:xfrm flipH="1">
+              <a:off x="7415691" y="510493"/>
+              <a:ext cx="5376633" cy="126555"/>
+            </a:xfrm>
+            <a:custGeom>
+              <a:avLst/>
+              <a:gdLst>
+                <a:gd name="connsiteX0" fmla="*/ 7367523 w 7367523"/>
+                <a:gd name="connsiteY0" fmla="*/ 0 h 173416"/>
+                <a:gd name="connsiteX1" fmla="*/ 6374783 w 7367523"/>
+                <a:gd name="connsiteY1" fmla="*/ 0 h 173416"/>
+                <a:gd name="connsiteX2" fmla="*/ 6240349 w 7367523"/>
+                <a:gd name="connsiteY2" fmla="*/ 0 h 173416"/>
+                <a:gd name="connsiteX3" fmla="*/ 5540227 w 7367523"/>
+                <a:gd name="connsiteY3" fmla="*/ 0 h 173416"/>
+                <a:gd name="connsiteX4" fmla="*/ 5247612 w 7367523"/>
+                <a:gd name="connsiteY4" fmla="*/ 0 h 173416"/>
+                <a:gd name="connsiteX5" fmla="*/ 4707193 w 7367523"/>
+                <a:gd name="connsiteY5" fmla="*/ 0 h 173416"/>
+                <a:gd name="connsiteX6" fmla="*/ 4413053 w 7367523"/>
+                <a:gd name="connsiteY6" fmla="*/ 0 h 173416"/>
+                <a:gd name="connsiteX7" fmla="*/ 3865356 w 7367523"/>
+                <a:gd name="connsiteY7" fmla="*/ 0 h 173416"/>
+                <a:gd name="connsiteX8" fmla="*/ 3580019 w 7367523"/>
+                <a:gd name="connsiteY8" fmla="*/ 0 h 173416"/>
+                <a:gd name="connsiteX9" fmla="*/ 2872616 w 7367523"/>
+                <a:gd name="connsiteY9" fmla="*/ 0 h 173416"/>
+                <a:gd name="connsiteX10" fmla="*/ 2738183 w 7367523"/>
+                <a:gd name="connsiteY10" fmla="*/ 0 h 173416"/>
+                <a:gd name="connsiteX11" fmla="*/ 2038060 w 7367523"/>
+                <a:gd name="connsiteY11" fmla="*/ 0 h 173416"/>
+                <a:gd name="connsiteX12" fmla="*/ 1745445 w 7367523"/>
+                <a:gd name="connsiteY12" fmla="*/ 0 h 173416"/>
+                <a:gd name="connsiteX13" fmla="*/ 1205026 w 7367523"/>
+                <a:gd name="connsiteY13" fmla="*/ 0 h 173416"/>
+                <a:gd name="connsiteX14" fmla="*/ 910887 w 7367523"/>
+                <a:gd name="connsiteY14" fmla="*/ 0 h 173416"/>
+                <a:gd name="connsiteX15" fmla="*/ 77853 w 7367523"/>
+                <a:gd name="connsiteY15" fmla="*/ 0 h 173416"/>
+                <a:gd name="connsiteX16" fmla="*/ 0 w 7367523"/>
+                <a:gd name="connsiteY16" fmla="*/ 173416 h 173416"/>
+                <a:gd name="connsiteX17" fmla="*/ 7289670 w 7367523"/>
+                <a:gd name="connsiteY17" fmla="*/ 173416 h 173416"/>
+              </a:gdLst>
+              <a:ahLst/>
+              <a:cxnLst>
+                <a:cxn ang="0">
+                  <a:pos x="connsiteX0" y="connsiteY0"/>
+                </a:cxn>
+                <a:cxn ang="0">
+                  <a:pos x="connsiteX1" y="connsiteY1"/>
+                </a:cxn>
+                <a:cxn ang="0">
+                  <a:pos x="connsiteX2" y="connsiteY2"/>
+                </a:cxn>
+                <a:cxn ang="0">
+                  <a:pos x="connsiteX3" y="connsiteY3"/>
+                </a:cxn>
+                <a:cxn ang="0">
+                  <a:pos x="connsiteX4" y="connsiteY4"/>
+                </a:cxn>
+                <a:cxn ang="0">
+                  <a:pos x="connsiteX5" y="connsiteY5"/>
+                </a:cxn>
+                <a:cxn ang="0">
+                  <a:pos x="connsiteX6" y="connsiteY6"/>
+                </a:cxn>
+                <a:cxn ang="0">
+                  <a:pos x="connsiteX7" y="connsiteY7"/>
+                </a:cxn>
+                <a:cxn ang="0">
+                  <a:pos x="connsiteX8" y="connsiteY8"/>
+                </a:cxn>
+                <a:cxn ang="0">
+                  <a:pos x="connsiteX9" y="connsiteY9"/>
+                </a:cxn>
+                <a:cxn ang="0">
+                  <a:pos x="connsiteX10" y="connsiteY10"/>
+                </a:cxn>
+                <a:cxn ang="0">
+                  <a:pos x="connsiteX11" y="connsiteY11"/>
+                </a:cxn>
+                <a:cxn ang="0">
+                  <a:pos x="connsiteX12" y="connsiteY12"/>
+                </a:cxn>
+                <a:cxn ang="0">
+                  <a:pos x="connsiteX13" y="connsiteY13"/>
+                </a:cxn>
+                <a:cxn ang="0">
+                  <a:pos x="connsiteX14" y="connsiteY14"/>
+                </a:cxn>
+                <a:cxn ang="0">
+                  <a:pos x="connsiteX15" y="connsiteY15"/>
+                </a:cxn>
+                <a:cxn ang="0">
+                  <a:pos x="connsiteX16" y="connsiteY16"/>
+                </a:cxn>
+                <a:cxn ang="0">
+                  <a:pos x="connsiteX17" y="connsiteY17"/>
+                </a:cxn>
+              </a:cxnLst>
+              <a:rect l="l" t="t" r="r" b="b"/>
+              <a:pathLst>
+                <a:path w="7367523" h="173416">
+                  <a:moveTo>
+                    <a:pt x="7367523" y="0"/>
+                  </a:moveTo>
+                  <a:lnTo>
+                    <a:pt x="6374783" y="0"/>
+                  </a:lnTo>
+                  <a:lnTo>
+                    <a:pt x="6240349" y="0"/>
+                  </a:lnTo>
+                  <a:lnTo>
+                    <a:pt x="5540227" y="0"/>
+                  </a:lnTo>
+                  <a:lnTo>
+                    <a:pt x="5247612" y="0"/>
+                  </a:lnTo>
+                  <a:lnTo>
+                    <a:pt x="4707193" y="0"/>
+                  </a:lnTo>
+                  <a:lnTo>
+                    <a:pt x="4413053" y="0"/>
+                  </a:lnTo>
+                  <a:lnTo>
+                    <a:pt x="3865356" y="0"/>
+                  </a:lnTo>
+                  <a:lnTo>
+                    <a:pt x="3580019" y="0"/>
+                  </a:lnTo>
+                  <a:lnTo>
+                    <a:pt x="2872616" y="0"/>
+                  </a:lnTo>
+                  <a:lnTo>
+                    <a:pt x="2738183" y="0"/>
+                  </a:lnTo>
+                  <a:lnTo>
+                    <a:pt x="2038060" y="0"/>
+                  </a:lnTo>
+                  <a:lnTo>
+                    <a:pt x="1745445" y="0"/>
+                  </a:lnTo>
+                  <a:lnTo>
+                    <a:pt x="1205026" y="0"/>
+                  </a:lnTo>
+                  <a:lnTo>
+                    <a:pt x="910887" y="0"/>
+                  </a:lnTo>
+                  <a:lnTo>
+                    <a:pt x="77853" y="0"/>
+                  </a:lnTo>
+                  <a:lnTo>
+                    <a:pt x="0" y="173416"/>
+                  </a:lnTo>
+                  <a:lnTo>
+                    <a:pt x="7289670" y="173416"/>
+                  </a:lnTo>
+                  <a:close/>
+                </a:path>
+              </a:pathLst>
+            </a:custGeom>
+            <a:solidFill>
+              <a:schemeClr val="bg2"/>
+            </a:solidFill>
+            <a:ln>
+              <a:noFill/>
+            </a:ln>
+          </p:spPr>
+          <p:style>
+            <a:lnRef idx="2">
+              <a:schemeClr val="accent1">
+                <a:shade val="50000"/>
+              </a:schemeClr>
+            </a:lnRef>
+            <a:fillRef idx="1">
+              <a:schemeClr val="accent1"/>
+            </a:fillRef>
+            <a:effectRef idx="0">
+              <a:schemeClr val="accent1"/>
+            </a:effectRef>
+            <a:fontRef idx="minor">
+              <a:schemeClr val="lt1"/>
+            </a:fontRef>
+          </p:style>
+          <p:txBody>
+            <a:bodyPr rot="0" spcFirstLastPara="0" vertOverflow="overflow" horzOverflow="overflow" vert="horz" wrap="square" lIns="91440" tIns="45720" rIns="91440" bIns="45720" numCol="1" spcCol="0" rtlCol="0" fromWordArt="0" anchor="ctr" anchorCtr="0" forceAA="0" compatLnSpc="1">
+              <a:noAutofit/>
+            </a:bodyPr>
+            <a:lstStyle/>
+            <a:p>
+              <a:pPr algn="ctr"/>
+              <a:endParaRPr lang="zh-CN" altLang="en-US"/>
+            </a:p>
+          </p:txBody>
+        </p:sp>
+      </p:grpSp>
+      <p:sp>
+        <p:nvSpPr>
+          <p:cNvPr id="24" name="任意多边形: 形状 23"/>
+          <p:cNvSpPr/>
+          <p:nvPr/>
+        </p:nvSpPr>
+        <p:spPr>
+          <a:xfrm flipH="1">
+            <a:off x="129621" y="0"/>
+            <a:ext cx="586522" cy="1047087"/>
+          </a:xfrm>
+          <a:custGeom>
+            <a:avLst/>
+            <a:gdLst>
+              <a:gd name="connsiteX0" fmla="*/ 586522 w 586522"/>
+              <a:gd name="connsiteY0" fmla="*/ 0 h 1047087"/>
+              <a:gd name="connsiteX1" fmla="*/ 470079 w 586522"/>
+              <a:gd name="connsiteY1" fmla="*/ 0 h 1047087"/>
+              <a:gd name="connsiteX2" fmla="*/ 0 w 586522"/>
+              <a:gd name="connsiteY2" fmla="*/ 1047087 h 1047087"/>
+              <a:gd name="connsiteX3" fmla="*/ 116443 w 586522"/>
+              <a:gd name="connsiteY3" fmla="*/ 1047087 h 1047087"/>
+            </a:gdLst>
+            <a:ahLst/>
+            <a:cxnLst>
+              <a:cxn ang="0">
+                <a:pos x="connsiteX0" y="connsiteY0"/>
+              </a:cxn>
+              <a:cxn ang="0">
+                <a:pos x="connsiteX1" y="connsiteY1"/>
+              </a:cxn>
+              <a:cxn ang="0">
+                <a:pos x="connsiteX2" y="connsiteY2"/>
+              </a:cxn>
+              <a:cxn ang="0">
+                <a:pos x="connsiteX3" y="connsiteY3"/>
+              </a:cxn>
+            </a:cxnLst>
+            <a:rect l="l" t="t" r="r" b="b"/>
+            <a:pathLst>
+              <a:path w="586522" h="1047087">
+                <a:moveTo>
+                  <a:pt x="586522" y="0"/>
+                </a:moveTo>
+                <a:lnTo>
+                  <a:pt x="470079" y="0"/>
+                </a:lnTo>
+                <a:lnTo>
+                  <a:pt x="0" y="1047087"/>
+                </a:lnTo>
+                <a:lnTo>
+                  <a:pt x="116443" y="1047087"/>
+                </a:lnTo>
+                <a:close/>
+              </a:path>
+            </a:pathLst>
+          </a:custGeom>
+          <a:gradFill flip="none" rotWithShape="0">
+            <a:gsLst>
+              <a:gs pos="0">
+                <a:srgbClr val="53A5F5">
+                  <a:lumMod val="73000"/>
+                  <a:lumOff val="27000"/>
+                </a:srgbClr>
+              </a:gs>
+              <a:gs pos="94000">
+                <a:srgbClr val="9214CF">
+                  <a:lumMod val="73000"/>
+                  <a:lumOff val="27000"/>
+                </a:srgbClr>
+              </a:gs>
+            </a:gsLst>
+            <a:lin ang="2700000" scaled="1"/>
+            <a:tileRect/>
+          </a:gradFill>
+          <a:ln>
+            <a:noFill/>
+          </a:ln>
+        </p:spPr>
+        <p:style>
+          <a:lnRef idx="2">
+            <a:schemeClr val="accent1">
+              <a:shade val="50000"/>
+            </a:schemeClr>
+          </a:lnRef>
+          <a:fillRef idx="1">
+            <a:schemeClr val="accent1"/>
+          </a:fillRef>
+          <a:effectRef idx="0">
+            <a:schemeClr val="accent1"/>
+          </a:effectRef>
+          <a:fontRef idx="minor">
+            <a:schemeClr val="lt1"/>
+          </a:fontRef>
+        </p:style>
+        <p:txBody>
+          <a:bodyPr rot="0" spcFirstLastPara="0" vertOverflow="overflow" horzOverflow="overflow" vert="horz" wrap="square" lIns="91440" tIns="45720" rIns="91440" bIns="45720" numCol="1" spcCol="0" rtlCol="0" fromWordArt="0" anchor="ctr" anchorCtr="0" forceAA="0" compatLnSpc="1">
+            <a:noAutofit/>
+          </a:bodyPr>
+          <a:lstStyle/>
+          <a:p>
+            <a:pPr algn="ctr"/>
+            <a:endParaRPr lang="zh-CN" altLang="en-US"/>
+          </a:p>
+        </p:txBody>
+      </p:sp>
+      <p:sp>
+        <p:nvSpPr>
+          <p:cNvPr id="25" name="任意多边形: 形状 24"/>
+          <p:cNvSpPr/>
+          <p:nvPr/>
+        </p:nvSpPr>
+        <p:spPr>
+          <a:xfrm flipH="1">
+            <a:off x="581108" y="202981"/>
+            <a:ext cx="344503" cy="615023"/>
+          </a:xfrm>
+          <a:custGeom>
+            <a:avLst/>
+            <a:gdLst>
+              <a:gd name="connsiteX0" fmla="*/ 586522 w 586522"/>
+              <a:gd name="connsiteY0" fmla="*/ 0 h 1047087"/>
+              <a:gd name="connsiteX1" fmla="*/ 470079 w 586522"/>
+              <a:gd name="connsiteY1" fmla="*/ 0 h 1047087"/>
+              <a:gd name="connsiteX2" fmla="*/ 0 w 586522"/>
+              <a:gd name="connsiteY2" fmla="*/ 1047087 h 1047087"/>
+              <a:gd name="connsiteX3" fmla="*/ 116443 w 586522"/>
+              <a:gd name="connsiteY3" fmla="*/ 1047087 h 1047087"/>
+            </a:gdLst>
+            <a:ahLst/>
+            <a:cxnLst>
+              <a:cxn ang="0">
+                <a:pos x="connsiteX0" y="connsiteY0"/>
+              </a:cxn>
+              <a:cxn ang="0">
+                <a:pos x="connsiteX1" y="connsiteY1"/>
+              </a:cxn>
+              <a:cxn ang="0">
+                <a:pos x="connsiteX2" y="connsiteY2"/>
+              </a:cxn>
+              <a:cxn ang="0">
+                <a:pos x="connsiteX3" y="connsiteY3"/>
+              </a:cxn>
+            </a:cxnLst>
+            <a:rect l="l" t="t" r="r" b="b"/>
+            <a:pathLst>
+              <a:path w="586522" h="1047087">
+                <a:moveTo>
+                  <a:pt x="586522" y="0"/>
+                </a:moveTo>
+                <a:lnTo>
+                  <a:pt x="470079" y="0"/>
+                </a:lnTo>
+                <a:lnTo>
+                  <a:pt x="0" y="1047087"/>
+                </a:lnTo>
+                <a:lnTo>
+                  <a:pt x="116443" y="1047087"/>
+                </a:lnTo>
+                <a:close/>
+              </a:path>
+            </a:pathLst>
+          </a:custGeom>
+          <a:solidFill>
+            <a:schemeClr val="bg1">
+              <a:lumMod val="95000"/>
+            </a:schemeClr>
+          </a:solidFill>
+          <a:ln>
+            <a:noFill/>
+          </a:ln>
+        </p:spPr>
+        <p:style>
+          <a:lnRef idx="2">
+            <a:schemeClr val="accent1">
+              <a:shade val="50000"/>
+            </a:schemeClr>
+          </a:lnRef>
+          <a:fillRef idx="1">
+            <a:schemeClr val="accent1"/>
+          </a:fillRef>
+          <a:effectRef idx="0">
+            <a:schemeClr val="accent1"/>
+          </a:effectRef>
+          <a:fontRef idx="minor">
+            <a:schemeClr val="lt1"/>
+          </a:fontRef>
+        </p:style>
+        <p:txBody>
+          <a:bodyPr rot="0" spcFirstLastPara="0" vertOverflow="overflow" horzOverflow="overflow" vert="horz" wrap="square" lIns="91440" tIns="45720" rIns="91440" bIns="45720" numCol="1" spcCol="0" rtlCol="0" fromWordArt="0" anchor="ctr" anchorCtr="0" forceAA="0" compatLnSpc="1">
+            <a:noAutofit/>
+          </a:bodyPr>
+          <a:lstStyle/>
+          <a:p>
+            <a:pPr algn="ctr"/>
+            <a:endParaRPr lang="zh-CN" altLang="en-US"/>
+          </a:p>
+        </p:txBody>
+      </p:sp>
+      <p:sp>
+        <p:nvSpPr>
+          <p:cNvPr id="2" name="文本框 1">
+            <a:extLst>
+              <a:ext uri="{FF2B5EF4-FFF2-40B4-BE49-F238E27FC236}">
+                <a16:creationId xmlns:a16="http://schemas.microsoft.com/office/drawing/2014/main" id="{F2A4914D-6F1A-B39C-504F-A70AC426C7FC}"/>
+              </a:ext>
+            </a:extLst>
+          </p:cNvPr>
+          <p:cNvSpPr txBox="1"/>
+          <p:nvPr/>
+        </p:nvSpPr>
+        <p:spPr bwMode="auto">
+          <a:xfrm>
+            <a:off x="322925" y="1121890"/>
+            <a:ext cx="11187757" cy="523220"/>
+          </a:xfrm>
+          <a:prstGeom prst="rect">
+            <a:avLst/>
+          </a:prstGeom>
+          <a:noFill/>
+        </p:spPr>
+        <p:txBody>
+          <a:bodyPr wrap="square">
+            <a:spAutoFit/>
+            <a:scene3d>
+              <a:camera prst="orthographicFront"/>
+              <a:lightRig rig="threePt" dir="t"/>
+            </a:scene3d>
+            <a:sp3d contourW="12700"/>
+          </a:bodyPr>
+          <a:lstStyle/>
+          <a:p>
+            <a:pPr>
+              <a:defRPr/>
+            </a:pPr>
+            <a:r>
+              <a:rPr lang="en-US" altLang="zh-CN" sz="1400" b="1">
+                <a:solidFill>
+                  <a:srgbClr val="7F12B6"/>
+                </a:solidFill>
+                <a:latin typeface="时尚中黑简体" panose="01010104010101010101" pitchFamily="2" charset="-122"/>
+                <a:ea typeface="时尚中黑简体" panose="01010104010101010101" pitchFamily="2" charset="-122"/>
+              </a:rPr>
+              <a:t>New indoor navigation system for visually impaired people using visible light communication		--EURASIP Journal on Wireless Communications and Networking volume 2013</a:t>
+            </a:r>
+          </a:p>
+        </p:txBody>
+      </p:sp>
+      <p:sp>
+        <p:nvSpPr>
+          <p:cNvPr id="4" name="文本框 3">
+            <a:extLst>
+              <a:ext uri="{FF2B5EF4-FFF2-40B4-BE49-F238E27FC236}">
+                <a16:creationId xmlns:a16="http://schemas.microsoft.com/office/drawing/2014/main" id="{2D44835F-431E-6B89-A3BA-435E847F1483}"/>
+              </a:ext>
+            </a:extLst>
+          </p:cNvPr>
+          <p:cNvSpPr txBox="1"/>
+          <p:nvPr/>
+        </p:nvSpPr>
+        <p:spPr bwMode="auto">
+          <a:xfrm>
+            <a:off x="422882" y="1660509"/>
+            <a:ext cx="10675471" cy="923330"/>
+          </a:xfrm>
+          <a:prstGeom prst="rect">
+            <a:avLst/>
+          </a:prstGeom>
+          <a:noFill/>
+        </p:spPr>
+        <p:txBody>
+          <a:bodyPr wrap="square">
+            <a:spAutoFit/>
+            <a:scene3d>
+              <a:camera prst="orthographicFront"/>
+              <a:lightRig rig="threePt" dir="t"/>
+            </a:scene3d>
+            <a:sp3d contourW="12700"/>
+          </a:bodyPr>
+          <a:lstStyle/>
+          <a:p>
+            <a:pPr>
+              <a:defRPr/>
+            </a:pPr>
+            <a:r>
+              <a:rPr lang="en-US" altLang="zh-CN" sz="1800" b="0" i="0" u="none" strike="noStrike" baseline="0">
+                <a:solidFill>
+                  <a:srgbClr val="000000"/>
+                </a:solidFill>
+                <a:latin typeface="Microsoft YaHei UI" panose="020B0503020204020204" pitchFamily="34" charset="-122"/>
+              </a:rPr>
+              <a:t>1.</a:t>
+            </a:r>
+            <a:r>
+              <a:rPr lang="zh-CN" altLang="en-US" sz="1800" b="0" i="0" u="none" strike="noStrike" baseline="0">
+                <a:solidFill>
+                  <a:srgbClr val="000000"/>
+                </a:solidFill>
+                <a:latin typeface="Microsoft YaHei UI" panose="020B0503020204020204" pitchFamily="34" charset="-122"/>
+              </a:rPr>
+              <a:t>室内行进需要准确的当前位置、行进方向、到达目的地的距离以及关于障碍物和周围环境的信息。</a:t>
+            </a:r>
+            <a:endParaRPr lang="en-US" altLang="zh-CN" sz="1800" b="0" i="0" u="none" strike="noStrike" baseline="0">
+              <a:solidFill>
+                <a:srgbClr val="000000"/>
+              </a:solidFill>
+              <a:latin typeface="Microsoft YaHei UI" panose="020B0503020204020204" pitchFamily="34" charset="-122"/>
+            </a:endParaRPr>
+          </a:p>
+          <a:p>
+            <a:pPr>
+              <a:defRPr/>
+            </a:pPr>
+            <a:r>
+              <a:rPr lang="en-US" altLang="zh-CN">
+                <a:solidFill>
+                  <a:srgbClr val="000000"/>
+                </a:solidFill>
+                <a:latin typeface="Microsoft YaHei UI" panose="020B0503020204020204" pitchFamily="34" charset="-122"/>
+              </a:rPr>
+              <a:t>2.</a:t>
+            </a:r>
+            <a:r>
+              <a:rPr lang="zh-CN" altLang="en-US">
+                <a:solidFill>
+                  <a:srgbClr val="000000"/>
+                </a:solidFill>
+                <a:latin typeface="Microsoft YaHei UI" panose="020B0503020204020204" pitchFamily="34" charset="-122"/>
+              </a:rPr>
+              <a:t>视障人士无法很好感受时钟位置一小时差异，采用</a:t>
+            </a:r>
+            <a:r>
+              <a:rPr lang="zh-CN" altLang="en-US" b="0" i="0">
+                <a:effectLst/>
+                <a:latin typeface="-apple-system"/>
+              </a:rPr>
+              <a:t>八个方向的引导模式的配置在方向精度上可能会有显着的改进。</a:t>
+            </a:r>
+            <a:endParaRPr lang="en-US" altLang="zh-CN"/>
+          </a:p>
+        </p:txBody>
+      </p:sp>
+    </p:spTree>
+    <p:extLst>
+      <p:ext uri="{BB962C8B-B14F-4D97-AF65-F5344CB8AC3E}">
+        <p14:creationId xmlns:p14="http://schemas.microsoft.com/office/powerpoint/2010/main" val="646657315"/>
+      </p:ext>
+    </p:extLst>
+  </p:cSld>
+  <p:clrMapOvr>
+    <a:masterClrMapping/>
+  </p:clrMapOvr>
+  <mc:AlternateContent xmlns:mc="http://schemas.openxmlformats.org/markup-compatibility/2006" xmlns:p14="http://schemas.microsoft.com/office/powerpoint/2010/main">
+    <mc:Choice Requires="p14">
+      <p:transition spd="slow" p14:dur="1500" advTm="0">
+        <p:random/>
+      </p:transition>
+    </mc:Choice>
+    <mc:Fallback xmlns="">
+      <p:transition spd="slow" advTm="0">
+        <p:random/>
+      </p:transition>
+    </mc:Fallback>
+  </mc:AlternateContent>
+</p:sld>
+</file>
+
+<file path=ppt/slides/slide12.xml><?xml version="1.0" encoding="utf-8"?>
+<p:sld xmlns:a="http://schemas.openxmlformats.org/drawingml/2006/main" xmlns:r="http://schemas.openxmlformats.org/officeDocument/2006/relationships" xmlns:p="http://schemas.openxmlformats.org/presentationml/2006/main">
+  <p:cSld>
+    <p:spTree>
+      <p:nvGrpSpPr>
+        <p:cNvPr id="1" name=""/>
+        <p:cNvGrpSpPr/>
+        <p:nvPr/>
+      </p:nvGrpSpPr>
+      <p:grpSpPr>
+        <a:xfrm>
+          <a:off x="0" y="0"/>
+          <a:ext cx="0" cy="0"/>
+          <a:chOff x="0" y="0"/>
+          <a:chExt cx="0" cy="0"/>
+        </a:xfrm>
+      </p:grpSpPr>
+      <p:grpSp>
+        <p:nvGrpSpPr>
+          <p:cNvPr id="21" name="组合 20"/>
+          <p:cNvGrpSpPr/>
+          <p:nvPr/>
+        </p:nvGrpSpPr>
+        <p:grpSpPr>
+          <a:xfrm>
+            <a:off x="5270500" y="510493"/>
+            <a:ext cx="7561033" cy="380555"/>
+            <a:chOff x="6997699" y="510493"/>
+            <a:chExt cx="5794625" cy="380555"/>
+          </a:xfrm>
+        </p:grpSpPr>
+        <p:sp>
+          <p:nvSpPr>
+            <p:cNvPr id="22" name="任意多边形: 形状 21"/>
+            <p:cNvSpPr/>
+            <p:nvPr userDrawn="1"/>
+          </p:nvSpPr>
+          <p:spPr>
+            <a:xfrm flipH="1">
+              <a:off x="6997699" y="764493"/>
+              <a:ext cx="5376633" cy="126555"/>
+            </a:xfrm>
+            <a:custGeom>
+              <a:avLst/>
+              <a:gdLst>
+                <a:gd name="connsiteX0" fmla="*/ 7367523 w 7367523"/>
+                <a:gd name="connsiteY0" fmla="*/ 0 h 173416"/>
+                <a:gd name="connsiteX1" fmla="*/ 6374783 w 7367523"/>
+                <a:gd name="connsiteY1" fmla="*/ 0 h 173416"/>
+                <a:gd name="connsiteX2" fmla="*/ 6240349 w 7367523"/>
+                <a:gd name="connsiteY2" fmla="*/ 0 h 173416"/>
+                <a:gd name="connsiteX3" fmla="*/ 5540227 w 7367523"/>
+                <a:gd name="connsiteY3" fmla="*/ 0 h 173416"/>
+                <a:gd name="connsiteX4" fmla="*/ 5247612 w 7367523"/>
+                <a:gd name="connsiteY4" fmla="*/ 0 h 173416"/>
+                <a:gd name="connsiteX5" fmla="*/ 4707193 w 7367523"/>
+                <a:gd name="connsiteY5" fmla="*/ 0 h 173416"/>
+                <a:gd name="connsiteX6" fmla="*/ 4413053 w 7367523"/>
+                <a:gd name="connsiteY6" fmla="*/ 0 h 173416"/>
+                <a:gd name="connsiteX7" fmla="*/ 3865356 w 7367523"/>
+                <a:gd name="connsiteY7" fmla="*/ 0 h 173416"/>
+                <a:gd name="connsiteX8" fmla="*/ 3580019 w 7367523"/>
+                <a:gd name="connsiteY8" fmla="*/ 0 h 173416"/>
+                <a:gd name="connsiteX9" fmla="*/ 2872616 w 7367523"/>
+                <a:gd name="connsiteY9" fmla="*/ 0 h 173416"/>
+                <a:gd name="connsiteX10" fmla="*/ 2738183 w 7367523"/>
+                <a:gd name="connsiteY10" fmla="*/ 0 h 173416"/>
+                <a:gd name="connsiteX11" fmla="*/ 2038060 w 7367523"/>
+                <a:gd name="connsiteY11" fmla="*/ 0 h 173416"/>
+                <a:gd name="connsiteX12" fmla="*/ 1745445 w 7367523"/>
+                <a:gd name="connsiteY12" fmla="*/ 0 h 173416"/>
+                <a:gd name="connsiteX13" fmla="*/ 1205026 w 7367523"/>
+                <a:gd name="connsiteY13" fmla="*/ 0 h 173416"/>
+                <a:gd name="connsiteX14" fmla="*/ 910887 w 7367523"/>
+                <a:gd name="connsiteY14" fmla="*/ 0 h 173416"/>
+                <a:gd name="connsiteX15" fmla="*/ 77853 w 7367523"/>
+                <a:gd name="connsiteY15" fmla="*/ 0 h 173416"/>
+                <a:gd name="connsiteX16" fmla="*/ 0 w 7367523"/>
+                <a:gd name="connsiteY16" fmla="*/ 173416 h 173416"/>
+                <a:gd name="connsiteX17" fmla="*/ 7289670 w 7367523"/>
+                <a:gd name="connsiteY17" fmla="*/ 173416 h 173416"/>
+              </a:gdLst>
+              <a:ahLst/>
+              <a:cxnLst>
+                <a:cxn ang="0">
+                  <a:pos x="connsiteX0" y="connsiteY0"/>
+                </a:cxn>
+                <a:cxn ang="0">
+                  <a:pos x="connsiteX1" y="connsiteY1"/>
+                </a:cxn>
+                <a:cxn ang="0">
+                  <a:pos x="connsiteX2" y="connsiteY2"/>
+                </a:cxn>
+                <a:cxn ang="0">
+                  <a:pos x="connsiteX3" y="connsiteY3"/>
+                </a:cxn>
+                <a:cxn ang="0">
+                  <a:pos x="connsiteX4" y="connsiteY4"/>
+                </a:cxn>
+                <a:cxn ang="0">
+                  <a:pos x="connsiteX5" y="connsiteY5"/>
+                </a:cxn>
+                <a:cxn ang="0">
+                  <a:pos x="connsiteX6" y="connsiteY6"/>
+                </a:cxn>
+                <a:cxn ang="0">
+                  <a:pos x="connsiteX7" y="connsiteY7"/>
+                </a:cxn>
+                <a:cxn ang="0">
+                  <a:pos x="connsiteX8" y="connsiteY8"/>
+                </a:cxn>
+                <a:cxn ang="0">
+                  <a:pos x="connsiteX9" y="connsiteY9"/>
+                </a:cxn>
+                <a:cxn ang="0">
+                  <a:pos x="connsiteX10" y="connsiteY10"/>
+                </a:cxn>
+                <a:cxn ang="0">
+                  <a:pos x="connsiteX11" y="connsiteY11"/>
+                </a:cxn>
+                <a:cxn ang="0">
+                  <a:pos x="connsiteX12" y="connsiteY12"/>
+                </a:cxn>
+                <a:cxn ang="0">
+                  <a:pos x="connsiteX13" y="connsiteY13"/>
+                </a:cxn>
+                <a:cxn ang="0">
+                  <a:pos x="connsiteX14" y="connsiteY14"/>
+                </a:cxn>
+                <a:cxn ang="0">
+                  <a:pos x="connsiteX15" y="connsiteY15"/>
+                </a:cxn>
+                <a:cxn ang="0">
+                  <a:pos x="connsiteX16" y="connsiteY16"/>
+                </a:cxn>
+                <a:cxn ang="0">
+                  <a:pos x="connsiteX17" y="connsiteY17"/>
+                </a:cxn>
+              </a:cxnLst>
+              <a:rect l="l" t="t" r="r" b="b"/>
+              <a:pathLst>
+                <a:path w="7367523" h="173416">
+                  <a:moveTo>
+                    <a:pt x="7367523" y="0"/>
+                  </a:moveTo>
+                  <a:lnTo>
+                    <a:pt x="6374783" y="0"/>
+                  </a:lnTo>
+                  <a:lnTo>
+                    <a:pt x="6240349" y="0"/>
+                  </a:lnTo>
+                  <a:lnTo>
+                    <a:pt x="5540227" y="0"/>
+                  </a:lnTo>
+                  <a:lnTo>
+                    <a:pt x="5247612" y="0"/>
+                  </a:lnTo>
+                  <a:lnTo>
+                    <a:pt x="4707193" y="0"/>
+                  </a:lnTo>
+                  <a:lnTo>
+                    <a:pt x="4413053" y="0"/>
+                  </a:lnTo>
+                  <a:lnTo>
+                    <a:pt x="3865356" y="0"/>
+                  </a:lnTo>
+                  <a:lnTo>
+                    <a:pt x="3580019" y="0"/>
+                  </a:lnTo>
+                  <a:lnTo>
+                    <a:pt x="2872616" y="0"/>
+                  </a:lnTo>
+                  <a:lnTo>
+                    <a:pt x="2738183" y="0"/>
+                  </a:lnTo>
+                  <a:lnTo>
+                    <a:pt x="2038060" y="0"/>
+                  </a:lnTo>
+                  <a:lnTo>
+                    <a:pt x="1745445" y="0"/>
+                  </a:lnTo>
+                  <a:lnTo>
+                    <a:pt x="1205026" y="0"/>
+                  </a:lnTo>
+                  <a:lnTo>
+                    <a:pt x="910887" y="0"/>
+                  </a:lnTo>
+                  <a:lnTo>
+                    <a:pt x="77853" y="0"/>
+                  </a:lnTo>
+                  <a:lnTo>
+                    <a:pt x="0" y="173416"/>
+                  </a:lnTo>
+                  <a:lnTo>
+                    <a:pt x="7289670" y="173416"/>
+                  </a:lnTo>
+                  <a:close/>
+                </a:path>
+              </a:pathLst>
+            </a:custGeom>
+            <a:gradFill flip="none" rotWithShape="0">
+              <a:gsLst>
+                <a:gs pos="0">
+                  <a:srgbClr val="228AF2"/>
+                </a:gs>
+                <a:gs pos="94000">
+                  <a:srgbClr val="7F12B6"/>
+                </a:gs>
+              </a:gsLst>
+              <a:lin ang="2700000" scaled="1"/>
+              <a:tileRect/>
+            </a:gradFill>
+            <a:ln>
+              <a:noFill/>
+            </a:ln>
+          </p:spPr>
+          <p:style>
+            <a:lnRef idx="2">
+              <a:schemeClr val="accent1">
+                <a:shade val="50000"/>
+              </a:schemeClr>
+            </a:lnRef>
+            <a:fillRef idx="1">
+              <a:schemeClr val="accent1"/>
+            </a:fillRef>
+            <a:effectRef idx="0">
+              <a:schemeClr val="accent1"/>
+            </a:effectRef>
+            <a:fontRef idx="minor">
+              <a:schemeClr val="lt1"/>
+            </a:fontRef>
+          </p:style>
+          <p:txBody>
+            <a:bodyPr rot="0" spcFirstLastPara="0" vertOverflow="overflow" horzOverflow="overflow" vert="horz" wrap="square" lIns="91440" tIns="45720" rIns="91440" bIns="45720" numCol="1" spcCol="0" rtlCol="0" fromWordArt="0" anchor="ctr" anchorCtr="0" forceAA="0" compatLnSpc="1">
+              <a:noAutofit/>
+            </a:bodyPr>
+            <a:lstStyle/>
+            <a:p>
+              <a:pPr algn="ctr"/>
+              <a:endParaRPr lang="zh-CN" altLang="en-US"/>
+            </a:p>
+          </p:txBody>
+        </p:sp>
+        <p:sp>
+          <p:nvSpPr>
+            <p:cNvPr id="23" name="任意多边形: 形状 22"/>
+            <p:cNvSpPr/>
+            <p:nvPr userDrawn="1"/>
+          </p:nvSpPr>
+          <p:spPr>
+            <a:xfrm flipH="1">
+              <a:off x="7415691" y="510493"/>
+              <a:ext cx="5376633" cy="126555"/>
+            </a:xfrm>
+            <a:custGeom>
+              <a:avLst/>
+              <a:gdLst>
+                <a:gd name="connsiteX0" fmla="*/ 7367523 w 7367523"/>
+                <a:gd name="connsiteY0" fmla="*/ 0 h 173416"/>
+                <a:gd name="connsiteX1" fmla="*/ 6374783 w 7367523"/>
+                <a:gd name="connsiteY1" fmla="*/ 0 h 173416"/>
+                <a:gd name="connsiteX2" fmla="*/ 6240349 w 7367523"/>
+                <a:gd name="connsiteY2" fmla="*/ 0 h 173416"/>
+                <a:gd name="connsiteX3" fmla="*/ 5540227 w 7367523"/>
+                <a:gd name="connsiteY3" fmla="*/ 0 h 173416"/>
+                <a:gd name="connsiteX4" fmla="*/ 5247612 w 7367523"/>
+                <a:gd name="connsiteY4" fmla="*/ 0 h 173416"/>
+                <a:gd name="connsiteX5" fmla="*/ 4707193 w 7367523"/>
+                <a:gd name="connsiteY5" fmla="*/ 0 h 173416"/>
+                <a:gd name="connsiteX6" fmla="*/ 4413053 w 7367523"/>
+                <a:gd name="connsiteY6" fmla="*/ 0 h 173416"/>
+                <a:gd name="connsiteX7" fmla="*/ 3865356 w 7367523"/>
+                <a:gd name="connsiteY7" fmla="*/ 0 h 173416"/>
+                <a:gd name="connsiteX8" fmla="*/ 3580019 w 7367523"/>
+                <a:gd name="connsiteY8" fmla="*/ 0 h 173416"/>
+                <a:gd name="connsiteX9" fmla="*/ 2872616 w 7367523"/>
+                <a:gd name="connsiteY9" fmla="*/ 0 h 173416"/>
+                <a:gd name="connsiteX10" fmla="*/ 2738183 w 7367523"/>
+                <a:gd name="connsiteY10" fmla="*/ 0 h 173416"/>
+                <a:gd name="connsiteX11" fmla="*/ 2038060 w 7367523"/>
+                <a:gd name="connsiteY11" fmla="*/ 0 h 173416"/>
+                <a:gd name="connsiteX12" fmla="*/ 1745445 w 7367523"/>
+                <a:gd name="connsiteY12" fmla="*/ 0 h 173416"/>
+                <a:gd name="connsiteX13" fmla="*/ 1205026 w 7367523"/>
+                <a:gd name="connsiteY13" fmla="*/ 0 h 173416"/>
+                <a:gd name="connsiteX14" fmla="*/ 910887 w 7367523"/>
+                <a:gd name="connsiteY14" fmla="*/ 0 h 173416"/>
+                <a:gd name="connsiteX15" fmla="*/ 77853 w 7367523"/>
+                <a:gd name="connsiteY15" fmla="*/ 0 h 173416"/>
+                <a:gd name="connsiteX16" fmla="*/ 0 w 7367523"/>
+                <a:gd name="connsiteY16" fmla="*/ 173416 h 173416"/>
+                <a:gd name="connsiteX17" fmla="*/ 7289670 w 7367523"/>
+                <a:gd name="connsiteY17" fmla="*/ 173416 h 173416"/>
+              </a:gdLst>
+              <a:ahLst/>
+              <a:cxnLst>
+                <a:cxn ang="0">
+                  <a:pos x="connsiteX0" y="connsiteY0"/>
+                </a:cxn>
+                <a:cxn ang="0">
+                  <a:pos x="connsiteX1" y="connsiteY1"/>
+                </a:cxn>
+                <a:cxn ang="0">
+                  <a:pos x="connsiteX2" y="connsiteY2"/>
+                </a:cxn>
+                <a:cxn ang="0">
+                  <a:pos x="connsiteX3" y="connsiteY3"/>
+                </a:cxn>
+                <a:cxn ang="0">
+                  <a:pos x="connsiteX4" y="connsiteY4"/>
+                </a:cxn>
+                <a:cxn ang="0">
+                  <a:pos x="connsiteX5" y="connsiteY5"/>
+                </a:cxn>
+                <a:cxn ang="0">
+                  <a:pos x="connsiteX6" y="connsiteY6"/>
+                </a:cxn>
+                <a:cxn ang="0">
+                  <a:pos x="connsiteX7" y="connsiteY7"/>
+                </a:cxn>
+                <a:cxn ang="0">
+                  <a:pos x="connsiteX8" y="connsiteY8"/>
+                </a:cxn>
+                <a:cxn ang="0">
+                  <a:pos x="connsiteX9" y="connsiteY9"/>
+                </a:cxn>
+                <a:cxn ang="0">
+                  <a:pos x="connsiteX10" y="connsiteY10"/>
+                </a:cxn>
+                <a:cxn ang="0">
+                  <a:pos x="connsiteX11" y="connsiteY11"/>
+                </a:cxn>
+                <a:cxn ang="0">
+                  <a:pos x="connsiteX12" y="connsiteY12"/>
+                </a:cxn>
+                <a:cxn ang="0">
+                  <a:pos x="connsiteX13" y="connsiteY13"/>
+                </a:cxn>
+                <a:cxn ang="0">
+                  <a:pos x="connsiteX14" y="connsiteY14"/>
+                </a:cxn>
+                <a:cxn ang="0">
+                  <a:pos x="connsiteX15" y="connsiteY15"/>
+                </a:cxn>
+                <a:cxn ang="0">
+                  <a:pos x="connsiteX16" y="connsiteY16"/>
+                </a:cxn>
+                <a:cxn ang="0">
+                  <a:pos x="connsiteX17" y="connsiteY17"/>
+                </a:cxn>
+              </a:cxnLst>
+              <a:rect l="l" t="t" r="r" b="b"/>
+              <a:pathLst>
+                <a:path w="7367523" h="173416">
+                  <a:moveTo>
+                    <a:pt x="7367523" y="0"/>
+                  </a:moveTo>
+                  <a:lnTo>
+                    <a:pt x="6374783" y="0"/>
+                  </a:lnTo>
+                  <a:lnTo>
+                    <a:pt x="6240349" y="0"/>
+                  </a:lnTo>
+                  <a:lnTo>
+                    <a:pt x="5540227" y="0"/>
+                  </a:lnTo>
+                  <a:lnTo>
+                    <a:pt x="5247612" y="0"/>
+                  </a:lnTo>
+                  <a:lnTo>
+                    <a:pt x="4707193" y="0"/>
+                  </a:lnTo>
+                  <a:lnTo>
+                    <a:pt x="4413053" y="0"/>
+                  </a:lnTo>
+                  <a:lnTo>
+                    <a:pt x="3865356" y="0"/>
+                  </a:lnTo>
+                  <a:lnTo>
+                    <a:pt x="3580019" y="0"/>
+                  </a:lnTo>
+                  <a:lnTo>
+                    <a:pt x="2872616" y="0"/>
+                  </a:lnTo>
+                  <a:lnTo>
+                    <a:pt x="2738183" y="0"/>
+                  </a:lnTo>
+                  <a:lnTo>
+                    <a:pt x="2038060" y="0"/>
+                  </a:lnTo>
+                  <a:lnTo>
+                    <a:pt x="1745445" y="0"/>
+                  </a:lnTo>
+                  <a:lnTo>
+                    <a:pt x="1205026" y="0"/>
+                  </a:lnTo>
+                  <a:lnTo>
+                    <a:pt x="910887" y="0"/>
+                  </a:lnTo>
+                  <a:lnTo>
+                    <a:pt x="77853" y="0"/>
+                  </a:lnTo>
+                  <a:lnTo>
+                    <a:pt x="0" y="173416"/>
+                  </a:lnTo>
+                  <a:lnTo>
+                    <a:pt x="7289670" y="173416"/>
+                  </a:lnTo>
+                  <a:close/>
+                </a:path>
+              </a:pathLst>
+            </a:custGeom>
+            <a:solidFill>
+              <a:schemeClr val="bg2"/>
+            </a:solidFill>
+            <a:ln>
+              <a:noFill/>
+            </a:ln>
+          </p:spPr>
+          <p:style>
+            <a:lnRef idx="2">
+              <a:schemeClr val="accent1">
+                <a:shade val="50000"/>
+              </a:schemeClr>
+            </a:lnRef>
+            <a:fillRef idx="1">
+              <a:schemeClr val="accent1"/>
+            </a:fillRef>
+            <a:effectRef idx="0">
+              <a:schemeClr val="accent1"/>
+            </a:effectRef>
+            <a:fontRef idx="minor">
+              <a:schemeClr val="lt1"/>
+            </a:fontRef>
+          </p:style>
+          <p:txBody>
+            <a:bodyPr rot="0" spcFirstLastPara="0" vertOverflow="overflow" horzOverflow="overflow" vert="horz" wrap="square" lIns="91440" tIns="45720" rIns="91440" bIns="45720" numCol="1" spcCol="0" rtlCol="0" fromWordArt="0" anchor="ctr" anchorCtr="0" forceAA="0" compatLnSpc="1">
+              <a:noAutofit/>
+            </a:bodyPr>
+            <a:lstStyle/>
+            <a:p>
+              <a:pPr algn="ctr"/>
+              <a:endParaRPr lang="zh-CN" altLang="en-US"/>
+            </a:p>
+          </p:txBody>
+        </p:sp>
+      </p:grpSp>
+      <p:sp>
+        <p:nvSpPr>
+          <p:cNvPr id="24" name="任意多边形: 形状 23"/>
+          <p:cNvSpPr/>
+          <p:nvPr/>
+        </p:nvSpPr>
+        <p:spPr>
+          <a:xfrm flipH="1">
+            <a:off x="129621" y="0"/>
+            <a:ext cx="586522" cy="1047087"/>
+          </a:xfrm>
+          <a:custGeom>
+            <a:avLst/>
+            <a:gdLst>
+              <a:gd name="connsiteX0" fmla="*/ 586522 w 586522"/>
+              <a:gd name="connsiteY0" fmla="*/ 0 h 1047087"/>
+              <a:gd name="connsiteX1" fmla="*/ 470079 w 586522"/>
+              <a:gd name="connsiteY1" fmla="*/ 0 h 1047087"/>
+              <a:gd name="connsiteX2" fmla="*/ 0 w 586522"/>
+              <a:gd name="connsiteY2" fmla="*/ 1047087 h 1047087"/>
+              <a:gd name="connsiteX3" fmla="*/ 116443 w 586522"/>
+              <a:gd name="connsiteY3" fmla="*/ 1047087 h 1047087"/>
+            </a:gdLst>
+            <a:ahLst/>
+            <a:cxnLst>
+              <a:cxn ang="0">
+                <a:pos x="connsiteX0" y="connsiteY0"/>
+              </a:cxn>
+              <a:cxn ang="0">
+                <a:pos x="connsiteX1" y="connsiteY1"/>
+              </a:cxn>
+              <a:cxn ang="0">
+                <a:pos x="connsiteX2" y="connsiteY2"/>
+              </a:cxn>
+              <a:cxn ang="0">
+                <a:pos x="connsiteX3" y="connsiteY3"/>
+              </a:cxn>
+            </a:cxnLst>
+            <a:rect l="l" t="t" r="r" b="b"/>
+            <a:pathLst>
+              <a:path w="586522" h="1047087">
+                <a:moveTo>
+                  <a:pt x="586522" y="0"/>
+                </a:moveTo>
+                <a:lnTo>
+                  <a:pt x="470079" y="0"/>
+                </a:lnTo>
+                <a:lnTo>
+                  <a:pt x="0" y="1047087"/>
+                </a:lnTo>
+                <a:lnTo>
+                  <a:pt x="116443" y="1047087"/>
+                </a:lnTo>
+                <a:close/>
+              </a:path>
+            </a:pathLst>
+          </a:custGeom>
+          <a:gradFill flip="none" rotWithShape="0">
+            <a:gsLst>
+              <a:gs pos="0">
+                <a:srgbClr val="53A5F5">
+                  <a:lumMod val="73000"/>
+                  <a:lumOff val="27000"/>
+                </a:srgbClr>
+              </a:gs>
+              <a:gs pos="94000">
+                <a:srgbClr val="9214CF">
+                  <a:lumMod val="73000"/>
+                  <a:lumOff val="27000"/>
+                </a:srgbClr>
+              </a:gs>
+            </a:gsLst>
+            <a:lin ang="2700000" scaled="1"/>
+            <a:tileRect/>
+          </a:gradFill>
+          <a:ln>
+            <a:noFill/>
+          </a:ln>
+        </p:spPr>
+        <p:style>
+          <a:lnRef idx="2">
+            <a:schemeClr val="accent1">
+              <a:shade val="50000"/>
+            </a:schemeClr>
+          </a:lnRef>
+          <a:fillRef idx="1">
+            <a:schemeClr val="accent1"/>
+          </a:fillRef>
+          <a:effectRef idx="0">
+            <a:schemeClr val="accent1"/>
+          </a:effectRef>
+          <a:fontRef idx="minor">
+            <a:schemeClr val="lt1"/>
+          </a:fontRef>
+        </p:style>
+        <p:txBody>
+          <a:bodyPr rot="0" spcFirstLastPara="0" vertOverflow="overflow" horzOverflow="overflow" vert="horz" wrap="square" lIns="91440" tIns="45720" rIns="91440" bIns="45720" numCol="1" spcCol="0" rtlCol="0" fromWordArt="0" anchor="ctr" anchorCtr="0" forceAA="0" compatLnSpc="1">
+            <a:noAutofit/>
+          </a:bodyPr>
+          <a:lstStyle/>
+          <a:p>
+            <a:pPr algn="ctr"/>
+            <a:endParaRPr lang="zh-CN" altLang="en-US"/>
+          </a:p>
+        </p:txBody>
+      </p:sp>
+      <p:sp>
+        <p:nvSpPr>
+          <p:cNvPr id="25" name="任意多边形: 形状 24"/>
+          <p:cNvSpPr/>
+          <p:nvPr/>
+        </p:nvSpPr>
+        <p:spPr>
+          <a:xfrm flipH="1">
+            <a:off x="581108" y="202981"/>
+            <a:ext cx="344503" cy="615023"/>
+          </a:xfrm>
+          <a:custGeom>
+            <a:avLst/>
+            <a:gdLst>
+              <a:gd name="connsiteX0" fmla="*/ 586522 w 586522"/>
+              <a:gd name="connsiteY0" fmla="*/ 0 h 1047087"/>
+              <a:gd name="connsiteX1" fmla="*/ 470079 w 586522"/>
+              <a:gd name="connsiteY1" fmla="*/ 0 h 1047087"/>
+              <a:gd name="connsiteX2" fmla="*/ 0 w 586522"/>
+              <a:gd name="connsiteY2" fmla="*/ 1047087 h 1047087"/>
+              <a:gd name="connsiteX3" fmla="*/ 116443 w 586522"/>
+              <a:gd name="connsiteY3" fmla="*/ 1047087 h 1047087"/>
+            </a:gdLst>
+            <a:ahLst/>
+            <a:cxnLst>
+              <a:cxn ang="0">
+                <a:pos x="connsiteX0" y="connsiteY0"/>
+              </a:cxn>
+              <a:cxn ang="0">
+                <a:pos x="connsiteX1" y="connsiteY1"/>
+              </a:cxn>
+              <a:cxn ang="0">
+                <a:pos x="connsiteX2" y="connsiteY2"/>
+              </a:cxn>
+              <a:cxn ang="0">
+                <a:pos x="connsiteX3" y="connsiteY3"/>
+              </a:cxn>
+            </a:cxnLst>
+            <a:rect l="l" t="t" r="r" b="b"/>
+            <a:pathLst>
+              <a:path w="586522" h="1047087">
+                <a:moveTo>
+                  <a:pt x="586522" y="0"/>
+                </a:moveTo>
+                <a:lnTo>
+                  <a:pt x="470079" y="0"/>
+                </a:lnTo>
+                <a:lnTo>
+                  <a:pt x="0" y="1047087"/>
+                </a:lnTo>
+                <a:lnTo>
+                  <a:pt x="116443" y="1047087"/>
+                </a:lnTo>
+                <a:close/>
+              </a:path>
+            </a:pathLst>
+          </a:custGeom>
+          <a:solidFill>
+            <a:schemeClr val="bg1">
+              <a:lumMod val="95000"/>
+            </a:schemeClr>
+          </a:solidFill>
+          <a:ln>
+            <a:noFill/>
+          </a:ln>
+        </p:spPr>
+        <p:style>
+          <a:lnRef idx="2">
+            <a:schemeClr val="accent1">
+              <a:shade val="50000"/>
+            </a:schemeClr>
+          </a:lnRef>
+          <a:fillRef idx="1">
+            <a:schemeClr val="accent1"/>
+          </a:fillRef>
+          <a:effectRef idx="0">
+            <a:schemeClr val="accent1"/>
+          </a:effectRef>
+          <a:fontRef idx="minor">
+            <a:schemeClr val="lt1"/>
+          </a:fontRef>
+        </p:style>
+        <p:txBody>
+          <a:bodyPr rot="0" spcFirstLastPara="0" vertOverflow="overflow" horzOverflow="overflow" vert="horz" wrap="square" lIns="91440" tIns="45720" rIns="91440" bIns="45720" numCol="1" spcCol="0" rtlCol="0" fromWordArt="0" anchor="ctr" anchorCtr="0" forceAA="0" compatLnSpc="1">
+            <a:noAutofit/>
+          </a:bodyPr>
+          <a:lstStyle/>
+          <a:p>
+            <a:pPr algn="ctr"/>
+            <a:endParaRPr lang="zh-CN" altLang="en-US"/>
+          </a:p>
+        </p:txBody>
+      </p:sp>
+      <p:sp>
+        <p:nvSpPr>
+          <p:cNvPr id="2" name="文本框 1">
+            <a:extLst>
+              <a:ext uri="{FF2B5EF4-FFF2-40B4-BE49-F238E27FC236}">
+                <a16:creationId xmlns:a16="http://schemas.microsoft.com/office/drawing/2014/main" id="{F2A4914D-6F1A-B39C-504F-A70AC426C7FC}"/>
+              </a:ext>
+            </a:extLst>
+          </p:cNvPr>
+          <p:cNvSpPr txBox="1"/>
+          <p:nvPr/>
+        </p:nvSpPr>
+        <p:spPr bwMode="auto">
+          <a:xfrm>
+            <a:off x="322925" y="1121890"/>
+            <a:ext cx="11187757" cy="523220"/>
+          </a:xfrm>
+          <a:prstGeom prst="rect">
+            <a:avLst/>
+          </a:prstGeom>
+          <a:noFill/>
+        </p:spPr>
+        <p:txBody>
+          <a:bodyPr wrap="square">
+            <a:spAutoFit/>
+            <a:scene3d>
+              <a:camera prst="orthographicFront"/>
+              <a:lightRig rig="threePt" dir="t"/>
+            </a:scene3d>
+            <a:sp3d contourW="12700"/>
+          </a:bodyPr>
+          <a:lstStyle/>
+          <a:p>
+            <a:pPr>
+              <a:defRPr/>
+            </a:pPr>
+            <a:r>
+              <a:rPr lang="en-US" altLang="zh-CN" sz="1400" b="1">
+                <a:solidFill>
+                  <a:srgbClr val="7F12B6"/>
+                </a:solidFill>
+                <a:latin typeface="时尚中黑简体" panose="01010104010101010101" pitchFamily="2" charset="-122"/>
+                <a:ea typeface="时尚中黑简体" panose="01010104010101010101" pitchFamily="2" charset="-122"/>
+              </a:rPr>
+              <a:t>Turn Left Turn Right - Delving type and modality of instructions in navigation assistant systems for people with visual impairments         	--IJHCS 2023</a:t>
+            </a:r>
+          </a:p>
+        </p:txBody>
+      </p:sp>
+      <p:sp>
+        <p:nvSpPr>
+          <p:cNvPr id="3" name="文本框 2">
+            <a:extLst>
+              <a:ext uri="{FF2B5EF4-FFF2-40B4-BE49-F238E27FC236}">
+                <a16:creationId xmlns:a16="http://schemas.microsoft.com/office/drawing/2014/main" id="{B0CB32D6-924E-77CE-110F-532DEAA5C1AB}"/>
+              </a:ext>
+            </a:extLst>
+          </p:cNvPr>
+          <p:cNvSpPr txBox="1"/>
+          <p:nvPr/>
+        </p:nvSpPr>
+        <p:spPr>
+          <a:xfrm>
+            <a:off x="322925" y="1719913"/>
+            <a:ext cx="10675471" cy="4618572"/>
+          </a:xfrm>
+          <a:prstGeom prst="rect">
+            <a:avLst/>
+          </a:prstGeom>
+          <a:noFill/>
+        </p:spPr>
+        <p:txBody>
+          <a:bodyPr wrap="square" rtlCol="0">
+            <a:spAutoFit/>
+          </a:bodyPr>
+          <a:lstStyle/>
+          <a:p>
+            <a:pPr>
+              <a:lnSpc>
+                <a:spcPct val="150000"/>
+              </a:lnSpc>
+              <a:defRPr/>
+            </a:pPr>
+            <a:r>
+              <a:rPr lang="en-US" altLang="zh-CN">
+                <a:highlight>
+                  <a:srgbClr val="FFFFFF"/>
+                </a:highlight>
+                <a:latin typeface="-apple-system"/>
+              </a:rPr>
+              <a:t>1.</a:t>
+            </a:r>
+            <a:r>
+              <a:rPr lang="zh-CN" altLang="en-US" b="0" i="0">
+                <a:effectLst/>
+                <a:latin typeface="-apple-system"/>
+              </a:rPr>
+              <a:t>一些研究调查了视力障碍人士对方式的偏好。 这些研究主要依靠调查或访谈来报告他们的发现。</a:t>
+            </a:r>
+            <a:endParaRPr lang="en-US" altLang="zh-CN" b="0" i="0">
+              <a:effectLst/>
+              <a:latin typeface="-apple-system"/>
+            </a:endParaRPr>
+          </a:p>
+          <a:p>
+            <a:pPr>
+              <a:lnSpc>
+                <a:spcPct val="150000"/>
+              </a:lnSpc>
+              <a:defRPr/>
+            </a:pPr>
+            <a:r>
+              <a:rPr lang="en-US" altLang="zh-CN">
+                <a:highlight>
+                  <a:srgbClr val="FFFFFF"/>
+                </a:highlight>
+                <a:latin typeface="-apple-system"/>
+              </a:rPr>
+              <a:t>2.</a:t>
+            </a:r>
+            <a:r>
+              <a:rPr lang="zh-CN" altLang="en-US" b="0" i="0">
+                <a:effectLst/>
+                <a:latin typeface="-apple-system"/>
+              </a:rPr>
+              <a:t>教学模式对完成试验所需的时间或错误没有任何显着影响。</a:t>
+            </a:r>
+            <a:endParaRPr lang="en-US" altLang="zh-CN">
+              <a:latin typeface="-apple-system"/>
+            </a:endParaRPr>
+          </a:p>
+          <a:p>
+            <a:pPr>
+              <a:lnSpc>
+                <a:spcPct val="150000"/>
+              </a:lnSpc>
+              <a:defRPr/>
+            </a:pPr>
+            <a:r>
+              <a:rPr lang="en-US" altLang="zh-CN">
+                <a:highlight>
+                  <a:srgbClr val="FFFFFF"/>
+                </a:highlight>
+                <a:latin typeface="-apple-system"/>
+              </a:rPr>
+              <a:t>3.</a:t>
+            </a:r>
+            <a:r>
+              <a:rPr lang="zh-CN" altLang="en-US" b="0" i="0">
+                <a:effectLst/>
+                <a:latin typeface="-apple-system"/>
+              </a:rPr>
+              <a:t>没有发现证据支持参与者更喜欢描述性指令而不是简短指令。</a:t>
+            </a:r>
+            <a:endParaRPr lang="en-US" altLang="zh-CN" b="0" i="0">
+              <a:effectLst/>
+              <a:latin typeface="-apple-system"/>
+            </a:endParaRPr>
+          </a:p>
+          <a:p>
+            <a:pPr>
+              <a:lnSpc>
+                <a:spcPct val="150000"/>
+              </a:lnSpc>
+              <a:defRPr/>
+            </a:pPr>
+            <a:r>
+              <a:rPr lang="en-US" altLang="zh-CN">
+                <a:highlight>
+                  <a:srgbClr val="FFFFFF"/>
+                </a:highlight>
+                <a:latin typeface="-apple-system"/>
+              </a:rPr>
+              <a:t>4.</a:t>
+            </a:r>
+            <a:r>
+              <a:rPr lang="zh-CN" altLang="en-US" b="0" i="0">
+                <a:effectLst/>
+                <a:latin typeface="-apple-system"/>
+              </a:rPr>
+              <a:t>该研究没有发现证据表明参与者更喜欢在导航过程中接收有关环境和障碍物的详细说明。 很明显，参与者对指导模式有不同的偏好，这凸显了导航辅助系统中定制功能的重要性。 </a:t>
+            </a:r>
+            <a:endParaRPr lang="en-US" altLang="zh-CN">
+              <a:latin typeface="-apple-system"/>
+            </a:endParaRPr>
+          </a:p>
+          <a:p>
+            <a:pPr>
+              <a:lnSpc>
+                <a:spcPct val="150000"/>
+              </a:lnSpc>
+              <a:defRPr/>
+            </a:pPr>
+            <a:r>
+              <a:rPr lang="en-US" altLang="zh-CN">
+                <a:highlight>
+                  <a:srgbClr val="FFFFFF"/>
+                </a:highlight>
+                <a:latin typeface="-apple-system"/>
+              </a:rPr>
+              <a:t>5.</a:t>
+            </a:r>
+            <a:r>
+              <a:rPr lang="zh-CN" altLang="en-US" b="0" i="0">
+                <a:effectLst/>
+                <a:latin typeface="-apple-system"/>
+              </a:rPr>
+              <a:t>仅使用一种指令模式的导航系统可以称为单模式，而使用一种以上指令模式的导航系统可以称为多模式，</a:t>
+            </a:r>
+            <a:endParaRPr lang="en-US" altLang="zh-CN" b="0" i="0">
+              <a:effectLst/>
+              <a:latin typeface="-apple-system"/>
+            </a:endParaRPr>
+          </a:p>
+          <a:p>
+            <a:pPr>
+              <a:lnSpc>
+                <a:spcPct val="150000"/>
+              </a:lnSpc>
+              <a:defRPr/>
+            </a:pPr>
+            <a:r>
+              <a:rPr lang="zh-CN" altLang="en-US" b="0" i="0">
+                <a:effectLst/>
+                <a:latin typeface="-apple-system"/>
+              </a:rPr>
+              <a:t>音频教学模式、振动触觉教学模式和动觉教学模式是三种常见的教学模式 已用于各种辅助导航系统。</a:t>
+            </a:r>
+            <a:endParaRPr lang="en-US" altLang="zh-CN" b="0" i="0">
+              <a:effectLst/>
+              <a:latin typeface="-apple-system"/>
+            </a:endParaRPr>
+          </a:p>
+          <a:p>
+            <a:pPr>
+              <a:lnSpc>
+                <a:spcPct val="150000"/>
+              </a:lnSpc>
+              <a:defRPr/>
+            </a:pPr>
+            <a:r>
+              <a:rPr lang="en-US" altLang="zh-CN" b="0" i="0">
+                <a:effectLst/>
+                <a:latin typeface="-apple-system"/>
+              </a:rPr>
+              <a:t>6.</a:t>
+            </a:r>
+            <a:r>
+              <a:rPr lang="zh-CN" altLang="en-US" b="0" i="0">
+                <a:effectLst/>
+                <a:latin typeface="-apple-system"/>
+              </a:rPr>
+              <a:t>如果输入和输出仅依赖于单一交互模式，那么为视力障碍人士提出的导航系统就不会有效。</a:t>
+            </a:r>
+            <a:endParaRPr lang="en-US" altLang="zh-CN" b="0" i="0">
+              <a:effectLst/>
+              <a:latin typeface="-apple-system"/>
+            </a:endParaRPr>
+          </a:p>
+          <a:p>
+            <a:pPr>
+              <a:lnSpc>
+                <a:spcPct val="150000"/>
+              </a:lnSpc>
+              <a:defRPr/>
+            </a:pPr>
+            <a:r>
+              <a:rPr lang="en-US" altLang="zh-CN">
+                <a:latin typeface="-apple-system"/>
+              </a:rPr>
+              <a:t>7.</a:t>
+            </a:r>
+            <a:r>
+              <a:rPr lang="zh-CN" altLang="en-US" b="0" i="0">
+                <a:effectLst/>
+                <a:latin typeface="-apple-system"/>
+              </a:rPr>
+              <a:t>视觉障碍者更喜欢从导航辅助系统获得什么类型的信息和教学模式？</a:t>
+            </a:r>
+            <a:endParaRPr lang="en-US" altLang="zh-CN" b="0" i="0">
+              <a:effectLst/>
+              <a:latin typeface="-apple-system"/>
+            </a:endParaRPr>
+          </a:p>
+          <a:p>
+            <a:pPr>
+              <a:lnSpc>
+                <a:spcPct val="150000"/>
+              </a:lnSpc>
+              <a:defRPr/>
+            </a:pPr>
+            <a:r>
+              <a:rPr lang="en-US" altLang="zh-CN">
+                <a:latin typeface="-apple-system"/>
+              </a:rPr>
+              <a:t>8.</a:t>
+            </a:r>
+            <a:r>
+              <a:rPr lang="zh-CN" altLang="en-US" b="0" i="0">
+                <a:effectLst/>
+                <a:latin typeface="-apple-system"/>
+              </a:rPr>
+              <a:t>在导航过程中引导用户的首选方法是在用户进入和偏离轨道时发出通知。 尽管如此，当仅提供偏离轨道通知时，性能是最好的。</a:t>
+            </a:r>
+            <a:endParaRPr lang="en-US" altLang="zh-CN" b="0" i="0">
+              <a:effectLst/>
+              <a:latin typeface="-apple-system"/>
+            </a:endParaRPr>
+          </a:p>
+        </p:txBody>
+      </p:sp>
+    </p:spTree>
+    <p:extLst>
+      <p:ext uri="{BB962C8B-B14F-4D97-AF65-F5344CB8AC3E}">
+        <p14:creationId xmlns:p14="http://schemas.microsoft.com/office/powerpoint/2010/main" val="409366673"/>
+      </p:ext>
+    </p:extLst>
+  </p:cSld>
+  <p:clrMapOvr>
+    <a:masterClrMapping/>
+  </p:clrMapOvr>
+  <mc:AlternateContent xmlns:mc="http://schemas.openxmlformats.org/markup-compatibility/2006" xmlns:p14="http://schemas.microsoft.com/office/powerpoint/2010/main">
+    <mc:Choice Requires="p14">
+      <p:transition spd="slow" p14:dur="1500" advTm="0">
+        <p:random/>
+      </p:transition>
+    </mc:Choice>
+    <mc:Fallback xmlns="">
+      <p:transition spd="slow" advTm="0">
+        <p:random/>
+      </p:transition>
+    </mc:Fallback>
+  </mc:AlternateContent>
+</p:sld>
+</file>
+
+<file path=ppt/slides/slide13.xml><?xml version="1.0" encoding="utf-8"?>
+<p:sld xmlns:a="http://schemas.openxmlformats.org/drawingml/2006/main" xmlns:r="http://schemas.openxmlformats.org/officeDocument/2006/relationships" xmlns:p="http://schemas.openxmlformats.org/presentationml/2006/main">
+  <p:cSld>
+    <p:spTree>
+      <p:nvGrpSpPr>
+        <p:cNvPr id="1" name=""/>
+        <p:cNvGrpSpPr/>
+        <p:nvPr/>
+      </p:nvGrpSpPr>
+      <p:grpSpPr>
+        <a:xfrm>
+          <a:off x="0" y="0"/>
+          <a:ext cx="0" cy="0"/>
+          <a:chOff x="0" y="0"/>
+          <a:chExt cx="0" cy="0"/>
+        </a:xfrm>
+      </p:grpSpPr>
+      <p:grpSp>
+        <p:nvGrpSpPr>
+          <p:cNvPr id="21" name="组合 20"/>
+          <p:cNvGrpSpPr/>
+          <p:nvPr/>
+        </p:nvGrpSpPr>
+        <p:grpSpPr>
+          <a:xfrm>
+            <a:off x="5270500" y="510493"/>
+            <a:ext cx="7561033" cy="380555"/>
+            <a:chOff x="6997699" y="510493"/>
+            <a:chExt cx="5794625" cy="380555"/>
+          </a:xfrm>
+        </p:grpSpPr>
+        <p:sp>
+          <p:nvSpPr>
+            <p:cNvPr id="22" name="任意多边形: 形状 21"/>
+            <p:cNvSpPr/>
+            <p:nvPr userDrawn="1"/>
+          </p:nvSpPr>
+          <p:spPr>
+            <a:xfrm flipH="1">
+              <a:off x="6997699" y="764493"/>
+              <a:ext cx="5376633" cy="126555"/>
+            </a:xfrm>
+            <a:custGeom>
+              <a:avLst/>
+              <a:gdLst>
+                <a:gd name="connsiteX0" fmla="*/ 7367523 w 7367523"/>
+                <a:gd name="connsiteY0" fmla="*/ 0 h 173416"/>
+                <a:gd name="connsiteX1" fmla="*/ 6374783 w 7367523"/>
+                <a:gd name="connsiteY1" fmla="*/ 0 h 173416"/>
+                <a:gd name="connsiteX2" fmla="*/ 6240349 w 7367523"/>
+                <a:gd name="connsiteY2" fmla="*/ 0 h 173416"/>
+                <a:gd name="connsiteX3" fmla="*/ 5540227 w 7367523"/>
+                <a:gd name="connsiteY3" fmla="*/ 0 h 173416"/>
+                <a:gd name="connsiteX4" fmla="*/ 5247612 w 7367523"/>
+                <a:gd name="connsiteY4" fmla="*/ 0 h 173416"/>
+                <a:gd name="connsiteX5" fmla="*/ 4707193 w 7367523"/>
+                <a:gd name="connsiteY5" fmla="*/ 0 h 173416"/>
+                <a:gd name="connsiteX6" fmla="*/ 4413053 w 7367523"/>
+                <a:gd name="connsiteY6" fmla="*/ 0 h 173416"/>
+                <a:gd name="connsiteX7" fmla="*/ 3865356 w 7367523"/>
+                <a:gd name="connsiteY7" fmla="*/ 0 h 173416"/>
+                <a:gd name="connsiteX8" fmla="*/ 3580019 w 7367523"/>
+                <a:gd name="connsiteY8" fmla="*/ 0 h 173416"/>
+                <a:gd name="connsiteX9" fmla="*/ 2872616 w 7367523"/>
+                <a:gd name="connsiteY9" fmla="*/ 0 h 173416"/>
+                <a:gd name="connsiteX10" fmla="*/ 2738183 w 7367523"/>
+                <a:gd name="connsiteY10" fmla="*/ 0 h 173416"/>
+                <a:gd name="connsiteX11" fmla="*/ 2038060 w 7367523"/>
+                <a:gd name="connsiteY11" fmla="*/ 0 h 173416"/>
+                <a:gd name="connsiteX12" fmla="*/ 1745445 w 7367523"/>
+                <a:gd name="connsiteY12" fmla="*/ 0 h 173416"/>
+                <a:gd name="connsiteX13" fmla="*/ 1205026 w 7367523"/>
+                <a:gd name="connsiteY13" fmla="*/ 0 h 173416"/>
+                <a:gd name="connsiteX14" fmla="*/ 910887 w 7367523"/>
+                <a:gd name="connsiteY14" fmla="*/ 0 h 173416"/>
+                <a:gd name="connsiteX15" fmla="*/ 77853 w 7367523"/>
+                <a:gd name="connsiteY15" fmla="*/ 0 h 173416"/>
+                <a:gd name="connsiteX16" fmla="*/ 0 w 7367523"/>
+                <a:gd name="connsiteY16" fmla="*/ 173416 h 173416"/>
+                <a:gd name="connsiteX17" fmla="*/ 7289670 w 7367523"/>
+                <a:gd name="connsiteY17" fmla="*/ 173416 h 173416"/>
+              </a:gdLst>
+              <a:ahLst/>
+              <a:cxnLst>
+                <a:cxn ang="0">
+                  <a:pos x="connsiteX0" y="connsiteY0"/>
+                </a:cxn>
+                <a:cxn ang="0">
+                  <a:pos x="connsiteX1" y="connsiteY1"/>
+                </a:cxn>
+                <a:cxn ang="0">
+                  <a:pos x="connsiteX2" y="connsiteY2"/>
+                </a:cxn>
+                <a:cxn ang="0">
+                  <a:pos x="connsiteX3" y="connsiteY3"/>
+                </a:cxn>
+                <a:cxn ang="0">
+                  <a:pos x="connsiteX4" y="connsiteY4"/>
+                </a:cxn>
+                <a:cxn ang="0">
+                  <a:pos x="connsiteX5" y="connsiteY5"/>
+                </a:cxn>
+                <a:cxn ang="0">
+                  <a:pos x="connsiteX6" y="connsiteY6"/>
+                </a:cxn>
+                <a:cxn ang="0">
+                  <a:pos x="connsiteX7" y="connsiteY7"/>
+                </a:cxn>
+                <a:cxn ang="0">
+                  <a:pos x="connsiteX8" y="connsiteY8"/>
+                </a:cxn>
+                <a:cxn ang="0">
+                  <a:pos x="connsiteX9" y="connsiteY9"/>
+                </a:cxn>
+                <a:cxn ang="0">
+                  <a:pos x="connsiteX10" y="connsiteY10"/>
+                </a:cxn>
+                <a:cxn ang="0">
+                  <a:pos x="connsiteX11" y="connsiteY11"/>
+                </a:cxn>
+                <a:cxn ang="0">
+                  <a:pos x="connsiteX12" y="connsiteY12"/>
+                </a:cxn>
+                <a:cxn ang="0">
+                  <a:pos x="connsiteX13" y="connsiteY13"/>
+                </a:cxn>
+                <a:cxn ang="0">
+                  <a:pos x="connsiteX14" y="connsiteY14"/>
+                </a:cxn>
+                <a:cxn ang="0">
+                  <a:pos x="connsiteX15" y="connsiteY15"/>
+                </a:cxn>
+                <a:cxn ang="0">
+                  <a:pos x="connsiteX16" y="connsiteY16"/>
+                </a:cxn>
+                <a:cxn ang="0">
+                  <a:pos x="connsiteX17" y="connsiteY17"/>
+                </a:cxn>
+              </a:cxnLst>
+              <a:rect l="l" t="t" r="r" b="b"/>
+              <a:pathLst>
+                <a:path w="7367523" h="173416">
+                  <a:moveTo>
+                    <a:pt x="7367523" y="0"/>
+                  </a:moveTo>
+                  <a:lnTo>
+                    <a:pt x="6374783" y="0"/>
+                  </a:lnTo>
+                  <a:lnTo>
+                    <a:pt x="6240349" y="0"/>
+                  </a:lnTo>
+                  <a:lnTo>
+                    <a:pt x="5540227" y="0"/>
+                  </a:lnTo>
+                  <a:lnTo>
+                    <a:pt x="5247612" y="0"/>
+                  </a:lnTo>
+                  <a:lnTo>
+                    <a:pt x="4707193" y="0"/>
+                  </a:lnTo>
+                  <a:lnTo>
+                    <a:pt x="4413053" y="0"/>
+                  </a:lnTo>
+                  <a:lnTo>
+                    <a:pt x="3865356" y="0"/>
+                  </a:lnTo>
+                  <a:lnTo>
+                    <a:pt x="3580019" y="0"/>
+                  </a:lnTo>
+                  <a:lnTo>
+                    <a:pt x="2872616" y="0"/>
+                  </a:lnTo>
+                  <a:lnTo>
+                    <a:pt x="2738183" y="0"/>
+                  </a:lnTo>
+                  <a:lnTo>
+                    <a:pt x="2038060" y="0"/>
+                  </a:lnTo>
+                  <a:lnTo>
+                    <a:pt x="1745445" y="0"/>
+                  </a:lnTo>
+                  <a:lnTo>
+                    <a:pt x="1205026" y="0"/>
+                  </a:lnTo>
+                  <a:lnTo>
+                    <a:pt x="910887" y="0"/>
+                  </a:lnTo>
+                  <a:lnTo>
+                    <a:pt x="77853" y="0"/>
+                  </a:lnTo>
+                  <a:lnTo>
+                    <a:pt x="0" y="173416"/>
+                  </a:lnTo>
+                  <a:lnTo>
+                    <a:pt x="7289670" y="173416"/>
+                  </a:lnTo>
+                  <a:close/>
+                </a:path>
+              </a:pathLst>
+            </a:custGeom>
+            <a:gradFill flip="none" rotWithShape="0">
+              <a:gsLst>
+                <a:gs pos="0">
+                  <a:srgbClr val="228AF2"/>
+                </a:gs>
+                <a:gs pos="94000">
+                  <a:srgbClr val="7F12B6"/>
+                </a:gs>
+              </a:gsLst>
+              <a:lin ang="2700000" scaled="1"/>
+              <a:tileRect/>
+            </a:gradFill>
+            <a:ln>
+              <a:noFill/>
+            </a:ln>
+          </p:spPr>
+          <p:style>
+            <a:lnRef idx="2">
+              <a:schemeClr val="accent1">
+                <a:shade val="50000"/>
+              </a:schemeClr>
+            </a:lnRef>
+            <a:fillRef idx="1">
+              <a:schemeClr val="accent1"/>
+            </a:fillRef>
+            <a:effectRef idx="0">
+              <a:schemeClr val="accent1"/>
+            </a:effectRef>
+            <a:fontRef idx="minor">
+              <a:schemeClr val="lt1"/>
+            </a:fontRef>
+          </p:style>
+          <p:txBody>
+            <a:bodyPr rot="0" spcFirstLastPara="0" vertOverflow="overflow" horzOverflow="overflow" vert="horz" wrap="square" lIns="91440" tIns="45720" rIns="91440" bIns="45720" numCol="1" spcCol="0" rtlCol="0" fromWordArt="0" anchor="ctr" anchorCtr="0" forceAA="0" compatLnSpc="1">
+              <a:noAutofit/>
+            </a:bodyPr>
+            <a:lstStyle/>
+            <a:p>
+              <a:pPr algn="ctr"/>
+              <a:endParaRPr lang="zh-CN" altLang="en-US"/>
+            </a:p>
+          </p:txBody>
+        </p:sp>
+        <p:sp>
+          <p:nvSpPr>
+            <p:cNvPr id="23" name="任意多边形: 形状 22"/>
+            <p:cNvSpPr/>
+            <p:nvPr userDrawn="1"/>
+          </p:nvSpPr>
+          <p:spPr>
+            <a:xfrm flipH="1">
+              <a:off x="7415691" y="510493"/>
+              <a:ext cx="5376633" cy="126555"/>
+            </a:xfrm>
+            <a:custGeom>
+              <a:avLst/>
+              <a:gdLst>
+                <a:gd name="connsiteX0" fmla="*/ 7367523 w 7367523"/>
+                <a:gd name="connsiteY0" fmla="*/ 0 h 173416"/>
+                <a:gd name="connsiteX1" fmla="*/ 6374783 w 7367523"/>
+                <a:gd name="connsiteY1" fmla="*/ 0 h 173416"/>
+                <a:gd name="connsiteX2" fmla="*/ 6240349 w 7367523"/>
+                <a:gd name="connsiteY2" fmla="*/ 0 h 173416"/>
+                <a:gd name="connsiteX3" fmla="*/ 5540227 w 7367523"/>
+                <a:gd name="connsiteY3" fmla="*/ 0 h 173416"/>
+                <a:gd name="connsiteX4" fmla="*/ 5247612 w 7367523"/>
+                <a:gd name="connsiteY4" fmla="*/ 0 h 173416"/>
+                <a:gd name="connsiteX5" fmla="*/ 4707193 w 7367523"/>
+                <a:gd name="connsiteY5" fmla="*/ 0 h 173416"/>
+                <a:gd name="connsiteX6" fmla="*/ 4413053 w 7367523"/>
+                <a:gd name="connsiteY6" fmla="*/ 0 h 173416"/>
+                <a:gd name="connsiteX7" fmla="*/ 3865356 w 7367523"/>
+                <a:gd name="connsiteY7" fmla="*/ 0 h 173416"/>
+                <a:gd name="connsiteX8" fmla="*/ 3580019 w 7367523"/>
+                <a:gd name="connsiteY8" fmla="*/ 0 h 173416"/>
+                <a:gd name="connsiteX9" fmla="*/ 2872616 w 7367523"/>
+                <a:gd name="connsiteY9" fmla="*/ 0 h 173416"/>
+                <a:gd name="connsiteX10" fmla="*/ 2738183 w 7367523"/>
+                <a:gd name="connsiteY10" fmla="*/ 0 h 173416"/>
+                <a:gd name="connsiteX11" fmla="*/ 2038060 w 7367523"/>
+                <a:gd name="connsiteY11" fmla="*/ 0 h 173416"/>
+                <a:gd name="connsiteX12" fmla="*/ 1745445 w 7367523"/>
+                <a:gd name="connsiteY12" fmla="*/ 0 h 173416"/>
+                <a:gd name="connsiteX13" fmla="*/ 1205026 w 7367523"/>
+                <a:gd name="connsiteY13" fmla="*/ 0 h 173416"/>
+                <a:gd name="connsiteX14" fmla="*/ 910887 w 7367523"/>
+                <a:gd name="connsiteY14" fmla="*/ 0 h 173416"/>
+                <a:gd name="connsiteX15" fmla="*/ 77853 w 7367523"/>
+                <a:gd name="connsiteY15" fmla="*/ 0 h 173416"/>
+                <a:gd name="connsiteX16" fmla="*/ 0 w 7367523"/>
+                <a:gd name="connsiteY16" fmla="*/ 173416 h 173416"/>
+                <a:gd name="connsiteX17" fmla="*/ 7289670 w 7367523"/>
+                <a:gd name="connsiteY17" fmla="*/ 173416 h 173416"/>
+              </a:gdLst>
+              <a:ahLst/>
+              <a:cxnLst>
+                <a:cxn ang="0">
+                  <a:pos x="connsiteX0" y="connsiteY0"/>
+                </a:cxn>
+                <a:cxn ang="0">
+                  <a:pos x="connsiteX1" y="connsiteY1"/>
+                </a:cxn>
+                <a:cxn ang="0">
+                  <a:pos x="connsiteX2" y="connsiteY2"/>
+                </a:cxn>
+                <a:cxn ang="0">
+                  <a:pos x="connsiteX3" y="connsiteY3"/>
+                </a:cxn>
+                <a:cxn ang="0">
+                  <a:pos x="connsiteX4" y="connsiteY4"/>
+                </a:cxn>
+                <a:cxn ang="0">
+                  <a:pos x="connsiteX5" y="connsiteY5"/>
+                </a:cxn>
+                <a:cxn ang="0">
+                  <a:pos x="connsiteX6" y="connsiteY6"/>
+                </a:cxn>
+                <a:cxn ang="0">
+                  <a:pos x="connsiteX7" y="connsiteY7"/>
+                </a:cxn>
+                <a:cxn ang="0">
+                  <a:pos x="connsiteX8" y="connsiteY8"/>
+                </a:cxn>
+                <a:cxn ang="0">
+                  <a:pos x="connsiteX9" y="connsiteY9"/>
+                </a:cxn>
+                <a:cxn ang="0">
+                  <a:pos x="connsiteX10" y="connsiteY10"/>
+                </a:cxn>
+                <a:cxn ang="0">
+                  <a:pos x="connsiteX11" y="connsiteY11"/>
+                </a:cxn>
+                <a:cxn ang="0">
+                  <a:pos x="connsiteX12" y="connsiteY12"/>
+                </a:cxn>
+                <a:cxn ang="0">
+                  <a:pos x="connsiteX13" y="connsiteY13"/>
+                </a:cxn>
+                <a:cxn ang="0">
+                  <a:pos x="connsiteX14" y="connsiteY14"/>
+                </a:cxn>
+                <a:cxn ang="0">
+                  <a:pos x="connsiteX15" y="connsiteY15"/>
+                </a:cxn>
+                <a:cxn ang="0">
+                  <a:pos x="connsiteX16" y="connsiteY16"/>
+                </a:cxn>
+                <a:cxn ang="0">
+                  <a:pos x="connsiteX17" y="connsiteY17"/>
+                </a:cxn>
+              </a:cxnLst>
+              <a:rect l="l" t="t" r="r" b="b"/>
+              <a:pathLst>
+                <a:path w="7367523" h="173416">
+                  <a:moveTo>
+                    <a:pt x="7367523" y="0"/>
+                  </a:moveTo>
+                  <a:lnTo>
+                    <a:pt x="6374783" y="0"/>
+                  </a:lnTo>
+                  <a:lnTo>
+                    <a:pt x="6240349" y="0"/>
+                  </a:lnTo>
+                  <a:lnTo>
+                    <a:pt x="5540227" y="0"/>
+                  </a:lnTo>
+                  <a:lnTo>
+                    <a:pt x="5247612" y="0"/>
+                  </a:lnTo>
+                  <a:lnTo>
+                    <a:pt x="4707193" y="0"/>
+                  </a:lnTo>
+                  <a:lnTo>
+                    <a:pt x="4413053" y="0"/>
+                  </a:lnTo>
+                  <a:lnTo>
+                    <a:pt x="3865356" y="0"/>
+                  </a:lnTo>
+                  <a:lnTo>
+                    <a:pt x="3580019" y="0"/>
+                  </a:lnTo>
+                  <a:lnTo>
+                    <a:pt x="2872616" y="0"/>
+                  </a:lnTo>
+                  <a:lnTo>
+                    <a:pt x="2738183" y="0"/>
+                  </a:lnTo>
+                  <a:lnTo>
+                    <a:pt x="2038060" y="0"/>
+                  </a:lnTo>
+                  <a:lnTo>
+                    <a:pt x="1745445" y="0"/>
+                  </a:lnTo>
+                  <a:lnTo>
+                    <a:pt x="1205026" y="0"/>
+                  </a:lnTo>
+                  <a:lnTo>
+                    <a:pt x="910887" y="0"/>
+                  </a:lnTo>
+                  <a:lnTo>
+                    <a:pt x="77853" y="0"/>
+                  </a:lnTo>
+                  <a:lnTo>
+                    <a:pt x="0" y="173416"/>
+                  </a:lnTo>
+                  <a:lnTo>
+                    <a:pt x="7289670" y="173416"/>
+                  </a:lnTo>
+                  <a:close/>
+                </a:path>
+              </a:pathLst>
+            </a:custGeom>
+            <a:solidFill>
+              <a:schemeClr val="bg2"/>
+            </a:solidFill>
+            <a:ln>
+              <a:noFill/>
+            </a:ln>
+          </p:spPr>
+          <p:style>
+            <a:lnRef idx="2">
+              <a:schemeClr val="accent1">
+                <a:shade val="50000"/>
+              </a:schemeClr>
+            </a:lnRef>
+            <a:fillRef idx="1">
+              <a:schemeClr val="accent1"/>
+            </a:fillRef>
+            <a:effectRef idx="0">
+              <a:schemeClr val="accent1"/>
+            </a:effectRef>
+            <a:fontRef idx="minor">
+              <a:schemeClr val="lt1"/>
+            </a:fontRef>
+          </p:style>
+          <p:txBody>
+            <a:bodyPr rot="0" spcFirstLastPara="0" vertOverflow="overflow" horzOverflow="overflow" vert="horz" wrap="square" lIns="91440" tIns="45720" rIns="91440" bIns="45720" numCol="1" spcCol="0" rtlCol="0" fromWordArt="0" anchor="ctr" anchorCtr="0" forceAA="0" compatLnSpc="1">
+              <a:noAutofit/>
+            </a:bodyPr>
+            <a:lstStyle/>
+            <a:p>
+              <a:pPr algn="ctr"/>
+              <a:endParaRPr lang="zh-CN" altLang="en-US"/>
+            </a:p>
+          </p:txBody>
+        </p:sp>
+      </p:grpSp>
+      <p:sp>
+        <p:nvSpPr>
+          <p:cNvPr id="24" name="任意多边形: 形状 23"/>
+          <p:cNvSpPr/>
+          <p:nvPr/>
+        </p:nvSpPr>
+        <p:spPr>
+          <a:xfrm flipH="1">
+            <a:off x="129621" y="0"/>
+            <a:ext cx="586522" cy="1047087"/>
+          </a:xfrm>
+          <a:custGeom>
+            <a:avLst/>
+            <a:gdLst>
+              <a:gd name="connsiteX0" fmla="*/ 586522 w 586522"/>
+              <a:gd name="connsiteY0" fmla="*/ 0 h 1047087"/>
+              <a:gd name="connsiteX1" fmla="*/ 470079 w 586522"/>
+              <a:gd name="connsiteY1" fmla="*/ 0 h 1047087"/>
+              <a:gd name="connsiteX2" fmla="*/ 0 w 586522"/>
+              <a:gd name="connsiteY2" fmla="*/ 1047087 h 1047087"/>
+              <a:gd name="connsiteX3" fmla="*/ 116443 w 586522"/>
+              <a:gd name="connsiteY3" fmla="*/ 1047087 h 1047087"/>
+            </a:gdLst>
+            <a:ahLst/>
+            <a:cxnLst>
+              <a:cxn ang="0">
+                <a:pos x="connsiteX0" y="connsiteY0"/>
+              </a:cxn>
+              <a:cxn ang="0">
+                <a:pos x="connsiteX1" y="connsiteY1"/>
+              </a:cxn>
+              <a:cxn ang="0">
+                <a:pos x="connsiteX2" y="connsiteY2"/>
+              </a:cxn>
+              <a:cxn ang="0">
+                <a:pos x="connsiteX3" y="connsiteY3"/>
+              </a:cxn>
+            </a:cxnLst>
+            <a:rect l="l" t="t" r="r" b="b"/>
+            <a:pathLst>
+              <a:path w="586522" h="1047087">
+                <a:moveTo>
+                  <a:pt x="586522" y="0"/>
+                </a:moveTo>
+                <a:lnTo>
+                  <a:pt x="470079" y="0"/>
+                </a:lnTo>
+                <a:lnTo>
+                  <a:pt x="0" y="1047087"/>
+                </a:lnTo>
+                <a:lnTo>
+                  <a:pt x="116443" y="1047087"/>
+                </a:lnTo>
+                <a:close/>
+              </a:path>
+            </a:pathLst>
+          </a:custGeom>
+          <a:gradFill flip="none" rotWithShape="0">
+            <a:gsLst>
+              <a:gs pos="0">
+                <a:srgbClr val="53A5F5">
+                  <a:lumMod val="73000"/>
+                  <a:lumOff val="27000"/>
+                </a:srgbClr>
+              </a:gs>
+              <a:gs pos="94000">
+                <a:srgbClr val="9214CF">
+                  <a:lumMod val="73000"/>
+                  <a:lumOff val="27000"/>
+                </a:srgbClr>
+              </a:gs>
+            </a:gsLst>
+            <a:lin ang="2700000" scaled="1"/>
+            <a:tileRect/>
+          </a:gradFill>
+          <a:ln>
+            <a:noFill/>
+          </a:ln>
+        </p:spPr>
+        <p:style>
+          <a:lnRef idx="2">
+            <a:schemeClr val="accent1">
+              <a:shade val="50000"/>
+            </a:schemeClr>
+          </a:lnRef>
+          <a:fillRef idx="1">
+            <a:schemeClr val="accent1"/>
+          </a:fillRef>
+          <a:effectRef idx="0">
+            <a:schemeClr val="accent1"/>
+          </a:effectRef>
+          <a:fontRef idx="minor">
+            <a:schemeClr val="lt1"/>
+          </a:fontRef>
+        </p:style>
+        <p:txBody>
+          <a:bodyPr rot="0" spcFirstLastPara="0" vertOverflow="overflow" horzOverflow="overflow" vert="horz" wrap="square" lIns="91440" tIns="45720" rIns="91440" bIns="45720" numCol="1" spcCol="0" rtlCol="0" fromWordArt="0" anchor="ctr" anchorCtr="0" forceAA="0" compatLnSpc="1">
+            <a:noAutofit/>
+          </a:bodyPr>
+          <a:lstStyle/>
+          <a:p>
+            <a:pPr algn="ctr"/>
+            <a:endParaRPr lang="zh-CN" altLang="en-US"/>
+          </a:p>
+        </p:txBody>
+      </p:sp>
+      <p:sp>
+        <p:nvSpPr>
+          <p:cNvPr id="25" name="任意多边形: 形状 24"/>
+          <p:cNvSpPr/>
+          <p:nvPr/>
+        </p:nvSpPr>
+        <p:spPr>
+          <a:xfrm flipH="1">
+            <a:off x="581108" y="202981"/>
+            <a:ext cx="344503" cy="615023"/>
+          </a:xfrm>
+          <a:custGeom>
+            <a:avLst/>
+            <a:gdLst>
+              <a:gd name="connsiteX0" fmla="*/ 586522 w 586522"/>
+              <a:gd name="connsiteY0" fmla="*/ 0 h 1047087"/>
+              <a:gd name="connsiteX1" fmla="*/ 470079 w 586522"/>
+              <a:gd name="connsiteY1" fmla="*/ 0 h 1047087"/>
+              <a:gd name="connsiteX2" fmla="*/ 0 w 586522"/>
+              <a:gd name="connsiteY2" fmla="*/ 1047087 h 1047087"/>
+              <a:gd name="connsiteX3" fmla="*/ 116443 w 586522"/>
+              <a:gd name="connsiteY3" fmla="*/ 1047087 h 1047087"/>
+            </a:gdLst>
+            <a:ahLst/>
+            <a:cxnLst>
+              <a:cxn ang="0">
+                <a:pos x="connsiteX0" y="connsiteY0"/>
+              </a:cxn>
+              <a:cxn ang="0">
+                <a:pos x="connsiteX1" y="connsiteY1"/>
+              </a:cxn>
+              <a:cxn ang="0">
+                <a:pos x="connsiteX2" y="connsiteY2"/>
+              </a:cxn>
+              <a:cxn ang="0">
+                <a:pos x="connsiteX3" y="connsiteY3"/>
+              </a:cxn>
+            </a:cxnLst>
+            <a:rect l="l" t="t" r="r" b="b"/>
+            <a:pathLst>
+              <a:path w="586522" h="1047087">
+                <a:moveTo>
+                  <a:pt x="586522" y="0"/>
+                </a:moveTo>
+                <a:lnTo>
+                  <a:pt x="470079" y="0"/>
+                </a:lnTo>
+                <a:lnTo>
+                  <a:pt x="0" y="1047087"/>
+                </a:lnTo>
+                <a:lnTo>
+                  <a:pt x="116443" y="1047087"/>
+                </a:lnTo>
+                <a:close/>
+              </a:path>
+            </a:pathLst>
+          </a:custGeom>
+          <a:solidFill>
+            <a:schemeClr val="bg1">
+              <a:lumMod val="95000"/>
+            </a:schemeClr>
+          </a:solidFill>
+          <a:ln>
+            <a:noFill/>
+          </a:ln>
+        </p:spPr>
+        <p:style>
+          <a:lnRef idx="2">
+            <a:schemeClr val="accent1">
+              <a:shade val="50000"/>
+            </a:schemeClr>
+          </a:lnRef>
+          <a:fillRef idx="1">
+            <a:schemeClr val="accent1"/>
+          </a:fillRef>
+          <a:effectRef idx="0">
+            <a:schemeClr val="accent1"/>
+          </a:effectRef>
+          <a:fontRef idx="minor">
+            <a:schemeClr val="lt1"/>
+          </a:fontRef>
+        </p:style>
+        <p:txBody>
+          <a:bodyPr rot="0" spcFirstLastPara="0" vertOverflow="overflow" horzOverflow="overflow" vert="horz" wrap="square" lIns="91440" tIns="45720" rIns="91440" bIns="45720" numCol="1" spcCol="0" rtlCol="0" fromWordArt="0" anchor="ctr" anchorCtr="0" forceAA="0" compatLnSpc="1">
+            <a:noAutofit/>
+          </a:bodyPr>
+          <a:lstStyle/>
+          <a:p>
+            <a:pPr algn="ctr"/>
+            <a:endParaRPr lang="zh-CN" altLang="en-US"/>
+          </a:p>
+        </p:txBody>
+      </p:sp>
+      <p:sp>
+        <p:nvSpPr>
+          <p:cNvPr id="3" name="文本框 2">
+            <a:extLst>
+              <a:ext uri="{FF2B5EF4-FFF2-40B4-BE49-F238E27FC236}">
+                <a16:creationId xmlns:a16="http://schemas.microsoft.com/office/drawing/2014/main" id="{B0CB32D6-924E-77CE-110F-532DEAA5C1AB}"/>
+              </a:ext>
+            </a:extLst>
+          </p:cNvPr>
+          <p:cNvSpPr txBox="1"/>
+          <p:nvPr/>
+        </p:nvSpPr>
+        <p:spPr>
+          <a:xfrm>
+            <a:off x="290652" y="1047087"/>
+            <a:ext cx="10675471" cy="6281848"/>
+          </a:xfrm>
+          <a:prstGeom prst="rect">
+            <a:avLst/>
+          </a:prstGeom>
+          <a:noFill/>
+        </p:spPr>
+        <p:txBody>
+          <a:bodyPr wrap="square" rtlCol="0">
+            <a:spAutoFit/>
+          </a:bodyPr>
+          <a:lstStyle/>
+          <a:p>
+            <a:pPr>
+              <a:lnSpc>
+                <a:spcPct val="150000"/>
+              </a:lnSpc>
+              <a:defRPr/>
+            </a:pPr>
+            <a:r>
+              <a:rPr lang="en-US" altLang="zh-CN" b="0" i="0">
+                <a:effectLst/>
+                <a:highlight>
+                  <a:srgbClr val="FFFFFF"/>
+                </a:highlight>
+                <a:latin typeface="-apple-system"/>
+              </a:rPr>
+              <a:t>9.</a:t>
+            </a:r>
+            <a:r>
+              <a:rPr lang="zh-CN" altLang="en-US" b="0" i="0">
+                <a:effectLst/>
+                <a:latin typeface="-apple-system"/>
+              </a:rPr>
+              <a:t>参与者还被要求传达他们接收该信息的首选方法。 结果表明，通过音频提示和振动的多模态输出是最受欢迎的。</a:t>
+            </a:r>
+            <a:endParaRPr lang="en-US" altLang="zh-CN" b="0" i="0">
+              <a:effectLst/>
+              <a:latin typeface="-apple-system"/>
+            </a:endParaRPr>
+          </a:p>
+          <a:p>
+            <a:pPr>
+              <a:lnSpc>
+                <a:spcPct val="150000"/>
+              </a:lnSpc>
+              <a:defRPr/>
+            </a:pPr>
+            <a:r>
+              <a:rPr lang="en-US" altLang="zh-CN">
+                <a:latin typeface="-apple-system"/>
+              </a:rPr>
+              <a:t>10.</a:t>
+            </a:r>
+            <a:r>
+              <a:rPr lang="zh-CN" altLang="en-US">
+                <a:latin typeface="-apple-system"/>
+              </a:rPr>
+              <a:t>实验对象非视力障碍人士对研究结果的可靠性大大降低。</a:t>
+            </a:r>
+            <a:endParaRPr lang="en-US" altLang="zh-CN">
+              <a:latin typeface="-apple-system"/>
+            </a:endParaRPr>
+          </a:p>
+          <a:p>
+            <a:pPr>
+              <a:lnSpc>
+                <a:spcPct val="150000"/>
+              </a:lnSpc>
+              <a:defRPr/>
+            </a:pPr>
+            <a:r>
+              <a:rPr lang="en-US" altLang="zh-CN" b="0" i="0">
+                <a:effectLst/>
+                <a:latin typeface="-apple-system"/>
+              </a:rPr>
+              <a:t>11.</a:t>
+            </a:r>
+            <a:r>
+              <a:rPr lang="zh-CN" altLang="en-US" b="0" i="0">
+                <a:effectLst/>
+                <a:latin typeface="-apple-system"/>
+              </a:rPr>
+              <a:t>许多用户更喜欢在导航时更多地了解环境， 因此，他们更喜欢导航助手提供更详细的说明。</a:t>
+            </a:r>
+            <a:endParaRPr lang="en-US" altLang="zh-CN" b="0" i="0">
+              <a:effectLst/>
+              <a:latin typeface="-apple-system"/>
+            </a:endParaRPr>
+          </a:p>
+          <a:p>
+            <a:pPr>
+              <a:lnSpc>
+                <a:spcPct val="150000"/>
+              </a:lnSpc>
+              <a:defRPr/>
+            </a:pPr>
+            <a:r>
+              <a:rPr lang="en-US" altLang="zh-CN">
+                <a:latin typeface="-apple-system"/>
+              </a:rPr>
+              <a:t>12.</a:t>
+            </a:r>
+            <a:r>
+              <a:rPr lang="zh-CN" altLang="en-US" b="0" i="0">
+                <a:effectLst/>
+                <a:latin typeface="-apple-system"/>
+              </a:rPr>
+              <a:t>在使用统计检验之前，使用夏皮罗</a:t>
+            </a:r>
+            <a:r>
+              <a:rPr lang="en-US" altLang="zh-CN" b="0" i="0">
+                <a:effectLst/>
+                <a:latin typeface="-apple-system"/>
+              </a:rPr>
+              <a:t>-</a:t>
+            </a:r>
+            <a:r>
+              <a:rPr lang="zh-CN" altLang="en-US" b="0" i="0">
+                <a:effectLst/>
+                <a:latin typeface="-apple-system"/>
+              </a:rPr>
+              <a:t>威尔克检验评估正态性假设。 单因素方差分析用于检查组间差异，如果只有两组，则采用 </a:t>
+            </a:r>
+            <a:r>
+              <a:rPr lang="en-US" altLang="zh-CN" b="0" i="0">
+                <a:effectLst/>
+                <a:latin typeface="-apple-system"/>
+              </a:rPr>
+              <a:t>t </a:t>
+            </a:r>
+            <a:r>
+              <a:rPr lang="zh-CN" altLang="en-US" b="0" i="0">
+                <a:effectLst/>
+                <a:latin typeface="-apple-system"/>
+              </a:rPr>
+              <a:t>检验。</a:t>
+            </a:r>
+            <a:endParaRPr lang="en-US" altLang="zh-CN">
+              <a:latin typeface="-apple-system"/>
+            </a:endParaRPr>
+          </a:p>
+          <a:p>
+            <a:pPr>
+              <a:lnSpc>
+                <a:spcPct val="150000"/>
+              </a:lnSpc>
+              <a:defRPr/>
+            </a:pPr>
+            <a:r>
+              <a:rPr lang="en-US" altLang="zh-CN" b="0" i="0">
+                <a:effectLst/>
+                <a:latin typeface="-apple-system"/>
+              </a:rPr>
+              <a:t>13.</a:t>
+            </a:r>
+            <a:r>
+              <a:rPr lang="zh-CN" altLang="en-US" b="0" i="0">
+                <a:effectLst/>
+                <a:latin typeface="-apple-system"/>
+              </a:rPr>
+              <a:t>调查采用李克特五点量表（数值范围为强烈不同意、不同意、中立、同意和强烈同意）。</a:t>
+            </a:r>
+            <a:endParaRPr lang="en-US" altLang="zh-CN" b="0" i="0">
+              <a:effectLst/>
+              <a:latin typeface="-apple-system"/>
+            </a:endParaRPr>
+          </a:p>
+          <a:p>
+            <a:pPr>
+              <a:lnSpc>
+                <a:spcPct val="150000"/>
+              </a:lnSpc>
+              <a:defRPr/>
+            </a:pPr>
+            <a:r>
+              <a:rPr lang="en-US" altLang="zh-CN">
+                <a:latin typeface="-apple-system"/>
+              </a:rPr>
+              <a:t>14.</a:t>
+            </a:r>
+            <a:r>
+              <a:rPr lang="zh-CN" altLang="en-US" b="0" i="0">
+                <a:effectLst/>
+                <a:latin typeface="-apple-system"/>
+              </a:rPr>
+              <a:t>用户体验数据是通过访谈收集的。 访谈问题是开放式问题，旨在了解参与者对教学类型和模式的选择以及其选择背后的原因。 使用分类划分方法对收集的数据进行定性分析。</a:t>
+            </a:r>
+            <a:endParaRPr lang="en-US" altLang="zh-CN" b="0" i="0">
+              <a:effectLst/>
+              <a:latin typeface="-apple-system"/>
+            </a:endParaRPr>
+          </a:p>
+          <a:p>
+            <a:pPr>
+              <a:lnSpc>
+                <a:spcPct val="150000"/>
+              </a:lnSpc>
+              <a:defRPr/>
+            </a:pPr>
+            <a:r>
+              <a:rPr lang="en-US" altLang="zh-CN">
+                <a:latin typeface="-apple-system"/>
+              </a:rPr>
+              <a:t>15.</a:t>
+            </a:r>
+            <a:r>
+              <a:rPr lang="zh-CN" altLang="en-US">
+                <a:latin typeface="-apple-system"/>
+              </a:rPr>
+              <a:t>进行实验时，需要有控制者</a:t>
+            </a:r>
+            <a:r>
+              <a:rPr lang="zh-CN" altLang="en-US" b="0" i="0">
+                <a:effectLst/>
+                <a:latin typeface="-apple-system"/>
+              </a:rPr>
+              <a:t>提供振动并监控参与者是否在正轨上，观察者记录参与者完成每次实验所花费的时间，跟踪错误数量和请求帮助的时间，并在试验期间进行额外的观察， 访谈者负责同意书和调查，验证参与者在每次试验后回答了问题，然后再进入下一个轨道。</a:t>
+            </a:r>
+            <a:endParaRPr lang="en-US" altLang="zh-CN" b="0" i="0">
+              <a:effectLst/>
+              <a:latin typeface="-apple-system"/>
+            </a:endParaRPr>
+          </a:p>
+          <a:p>
+            <a:pPr>
+              <a:lnSpc>
+                <a:spcPct val="150000"/>
+              </a:lnSpc>
+              <a:defRPr/>
+            </a:pPr>
+            <a:r>
+              <a:rPr lang="en-US" altLang="zh-CN">
+                <a:latin typeface="-apple-system"/>
+              </a:rPr>
+              <a:t>16.</a:t>
+            </a:r>
+            <a:r>
+              <a:rPr lang="zh-CN" altLang="en-US" b="0" i="0">
+                <a:effectLst/>
+                <a:latin typeface="-apple-system"/>
+              </a:rPr>
+              <a:t>有关多模式导航指令的定性数据表明，一些参与者重视振动，这使他们能够更快地移动。 一半的参与者提到他们喜欢通过智能手表使用振动。</a:t>
+            </a:r>
+            <a:endParaRPr lang="en-US" altLang="zh-CN" b="0" i="0">
+              <a:effectLst/>
+              <a:latin typeface="-apple-system"/>
+            </a:endParaRPr>
+          </a:p>
+          <a:p>
+            <a:pPr>
+              <a:lnSpc>
+                <a:spcPct val="150000"/>
+              </a:lnSpc>
+              <a:defRPr/>
+            </a:pPr>
+            <a:endParaRPr lang="en-US" altLang="zh-CN" b="0" i="0">
+              <a:effectLst/>
+              <a:latin typeface="-apple-system"/>
+            </a:endParaRPr>
+          </a:p>
+        </p:txBody>
+      </p:sp>
+    </p:spTree>
+    <p:extLst>
+      <p:ext uri="{BB962C8B-B14F-4D97-AF65-F5344CB8AC3E}">
+        <p14:creationId xmlns:p14="http://schemas.microsoft.com/office/powerpoint/2010/main" val="2674761758"/>
+      </p:ext>
+    </p:extLst>
+  </p:cSld>
+  <p:clrMapOvr>
+    <a:masterClrMapping/>
+  </p:clrMapOvr>
+  <mc:AlternateContent xmlns:mc="http://schemas.openxmlformats.org/markup-compatibility/2006" xmlns:p14="http://schemas.microsoft.com/office/powerpoint/2010/main">
+    <mc:Choice Requires="p14">
+      <p:transition spd="slow" p14:dur="1500" advTm="0">
+        <p:random/>
+      </p:transition>
+    </mc:Choice>
+    <mc:Fallback xmlns="">
+      <p:transition spd="slow" advTm="0">
+        <p:random/>
+      </p:transition>
+    </mc:Fallback>
+  </mc:AlternateContent>
+</p:sld>
+</file>
+
+<file path=ppt/slides/slide14.xml><?xml version="1.0" encoding="utf-8"?>
+<p:sld xmlns:a="http://schemas.openxmlformats.org/drawingml/2006/main" xmlns:r="http://schemas.openxmlformats.org/officeDocument/2006/relationships" xmlns:p="http://schemas.openxmlformats.org/presentationml/2006/main">
+  <p:cSld>
+    <p:spTree>
+      <p:nvGrpSpPr>
+        <p:cNvPr id="1" name=""/>
+        <p:cNvGrpSpPr/>
+        <p:nvPr/>
+      </p:nvGrpSpPr>
+      <p:grpSpPr>
+        <a:xfrm>
+          <a:off x="0" y="0"/>
+          <a:ext cx="0" cy="0"/>
+          <a:chOff x="0" y="0"/>
+          <a:chExt cx="0" cy="0"/>
+        </a:xfrm>
+      </p:grpSpPr>
+      <p:grpSp>
+        <p:nvGrpSpPr>
+          <p:cNvPr id="21" name="组合 20"/>
+          <p:cNvGrpSpPr/>
+          <p:nvPr/>
+        </p:nvGrpSpPr>
+        <p:grpSpPr>
+          <a:xfrm>
+            <a:off x="5270500" y="510493"/>
+            <a:ext cx="7561033" cy="380555"/>
+            <a:chOff x="6997699" y="510493"/>
+            <a:chExt cx="5794625" cy="380555"/>
+          </a:xfrm>
+        </p:grpSpPr>
+        <p:sp>
+          <p:nvSpPr>
+            <p:cNvPr id="22" name="任意多边形: 形状 21"/>
+            <p:cNvSpPr/>
+            <p:nvPr userDrawn="1"/>
+          </p:nvSpPr>
+          <p:spPr>
+            <a:xfrm flipH="1">
+              <a:off x="6997699" y="764493"/>
+              <a:ext cx="5376633" cy="126555"/>
+            </a:xfrm>
+            <a:custGeom>
+              <a:avLst/>
+              <a:gdLst>
+                <a:gd name="connsiteX0" fmla="*/ 7367523 w 7367523"/>
+                <a:gd name="connsiteY0" fmla="*/ 0 h 173416"/>
+                <a:gd name="connsiteX1" fmla="*/ 6374783 w 7367523"/>
+                <a:gd name="connsiteY1" fmla="*/ 0 h 173416"/>
+                <a:gd name="connsiteX2" fmla="*/ 6240349 w 7367523"/>
+                <a:gd name="connsiteY2" fmla="*/ 0 h 173416"/>
+                <a:gd name="connsiteX3" fmla="*/ 5540227 w 7367523"/>
+                <a:gd name="connsiteY3" fmla="*/ 0 h 173416"/>
+                <a:gd name="connsiteX4" fmla="*/ 5247612 w 7367523"/>
+                <a:gd name="connsiteY4" fmla="*/ 0 h 173416"/>
+                <a:gd name="connsiteX5" fmla="*/ 4707193 w 7367523"/>
+                <a:gd name="connsiteY5" fmla="*/ 0 h 173416"/>
+                <a:gd name="connsiteX6" fmla="*/ 4413053 w 7367523"/>
+                <a:gd name="connsiteY6" fmla="*/ 0 h 173416"/>
+                <a:gd name="connsiteX7" fmla="*/ 3865356 w 7367523"/>
+                <a:gd name="connsiteY7" fmla="*/ 0 h 173416"/>
+                <a:gd name="connsiteX8" fmla="*/ 3580019 w 7367523"/>
+                <a:gd name="connsiteY8" fmla="*/ 0 h 173416"/>
+                <a:gd name="connsiteX9" fmla="*/ 2872616 w 7367523"/>
+                <a:gd name="connsiteY9" fmla="*/ 0 h 173416"/>
+                <a:gd name="connsiteX10" fmla="*/ 2738183 w 7367523"/>
+                <a:gd name="connsiteY10" fmla="*/ 0 h 173416"/>
+                <a:gd name="connsiteX11" fmla="*/ 2038060 w 7367523"/>
+                <a:gd name="connsiteY11" fmla="*/ 0 h 173416"/>
+                <a:gd name="connsiteX12" fmla="*/ 1745445 w 7367523"/>
+                <a:gd name="connsiteY12" fmla="*/ 0 h 173416"/>
+                <a:gd name="connsiteX13" fmla="*/ 1205026 w 7367523"/>
+                <a:gd name="connsiteY13" fmla="*/ 0 h 173416"/>
+                <a:gd name="connsiteX14" fmla="*/ 910887 w 7367523"/>
+                <a:gd name="connsiteY14" fmla="*/ 0 h 173416"/>
+                <a:gd name="connsiteX15" fmla="*/ 77853 w 7367523"/>
+                <a:gd name="connsiteY15" fmla="*/ 0 h 173416"/>
+                <a:gd name="connsiteX16" fmla="*/ 0 w 7367523"/>
+                <a:gd name="connsiteY16" fmla="*/ 173416 h 173416"/>
+                <a:gd name="connsiteX17" fmla="*/ 7289670 w 7367523"/>
+                <a:gd name="connsiteY17" fmla="*/ 173416 h 173416"/>
+              </a:gdLst>
+              <a:ahLst/>
+              <a:cxnLst>
+                <a:cxn ang="0">
+                  <a:pos x="connsiteX0" y="connsiteY0"/>
+                </a:cxn>
+                <a:cxn ang="0">
+                  <a:pos x="connsiteX1" y="connsiteY1"/>
+                </a:cxn>
+                <a:cxn ang="0">
+                  <a:pos x="connsiteX2" y="connsiteY2"/>
+                </a:cxn>
+                <a:cxn ang="0">
+                  <a:pos x="connsiteX3" y="connsiteY3"/>
+                </a:cxn>
+                <a:cxn ang="0">
+                  <a:pos x="connsiteX4" y="connsiteY4"/>
+                </a:cxn>
+                <a:cxn ang="0">
+                  <a:pos x="connsiteX5" y="connsiteY5"/>
+                </a:cxn>
+                <a:cxn ang="0">
+                  <a:pos x="connsiteX6" y="connsiteY6"/>
+                </a:cxn>
+                <a:cxn ang="0">
+                  <a:pos x="connsiteX7" y="connsiteY7"/>
+                </a:cxn>
+                <a:cxn ang="0">
+                  <a:pos x="connsiteX8" y="connsiteY8"/>
+                </a:cxn>
+                <a:cxn ang="0">
+                  <a:pos x="connsiteX9" y="connsiteY9"/>
+                </a:cxn>
+                <a:cxn ang="0">
+                  <a:pos x="connsiteX10" y="connsiteY10"/>
+                </a:cxn>
+                <a:cxn ang="0">
+                  <a:pos x="connsiteX11" y="connsiteY11"/>
+                </a:cxn>
+                <a:cxn ang="0">
+                  <a:pos x="connsiteX12" y="connsiteY12"/>
+                </a:cxn>
+                <a:cxn ang="0">
+                  <a:pos x="connsiteX13" y="connsiteY13"/>
+                </a:cxn>
+                <a:cxn ang="0">
+                  <a:pos x="connsiteX14" y="connsiteY14"/>
+                </a:cxn>
+                <a:cxn ang="0">
+                  <a:pos x="connsiteX15" y="connsiteY15"/>
+                </a:cxn>
+                <a:cxn ang="0">
+                  <a:pos x="connsiteX16" y="connsiteY16"/>
+                </a:cxn>
+                <a:cxn ang="0">
+                  <a:pos x="connsiteX17" y="connsiteY17"/>
+                </a:cxn>
+              </a:cxnLst>
+              <a:rect l="l" t="t" r="r" b="b"/>
+              <a:pathLst>
+                <a:path w="7367523" h="173416">
+                  <a:moveTo>
+                    <a:pt x="7367523" y="0"/>
+                  </a:moveTo>
+                  <a:lnTo>
+                    <a:pt x="6374783" y="0"/>
+                  </a:lnTo>
+                  <a:lnTo>
+                    <a:pt x="6240349" y="0"/>
+                  </a:lnTo>
+                  <a:lnTo>
+                    <a:pt x="5540227" y="0"/>
+                  </a:lnTo>
+                  <a:lnTo>
+                    <a:pt x="5247612" y="0"/>
+                  </a:lnTo>
+                  <a:lnTo>
+                    <a:pt x="4707193" y="0"/>
+                  </a:lnTo>
+                  <a:lnTo>
+                    <a:pt x="4413053" y="0"/>
+                  </a:lnTo>
+                  <a:lnTo>
+                    <a:pt x="3865356" y="0"/>
+                  </a:lnTo>
+                  <a:lnTo>
+                    <a:pt x="3580019" y="0"/>
+                  </a:lnTo>
+                  <a:lnTo>
+                    <a:pt x="2872616" y="0"/>
+                  </a:lnTo>
+                  <a:lnTo>
+                    <a:pt x="2738183" y="0"/>
+                  </a:lnTo>
+                  <a:lnTo>
+                    <a:pt x="2038060" y="0"/>
+                  </a:lnTo>
+                  <a:lnTo>
+                    <a:pt x="1745445" y="0"/>
+                  </a:lnTo>
+                  <a:lnTo>
+                    <a:pt x="1205026" y="0"/>
+                  </a:lnTo>
+                  <a:lnTo>
+                    <a:pt x="910887" y="0"/>
+                  </a:lnTo>
+                  <a:lnTo>
+                    <a:pt x="77853" y="0"/>
+                  </a:lnTo>
+                  <a:lnTo>
+                    <a:pt x="0" y="173416"/>
+                  </a:lnTo>
+                  <a:lnTo>
+                    <a:pt x="7289670" y="173416"/>
+                  </a:lnTo>
+                  <a:close/>
+                </a:path>
+              </a:pathLst>
+            </a:custGeom>
+            <a:gradFill flip="none" rotWithShape="0">
+              <a:gsLst>
+                <a:gs pos="0">
+                  <a:srgbClr val="228AF2"/>
+                </a:gs>
+                <a:gs pos="94000">
+                  <a:srgbClr val="7F12B6"/>
+                </a:gs>
+              </a:gsLst>
+              <a:lin ang="2700000" scaled="1"/>
+              <a:tileRect/>
+            </a:gradFill>
+            <a:ln>
+              <a:noFill/>
+            </a:ln>
+          </p:spPr>
+          <p:style>
+            <a:lnRef idx="2">
+              <a:schemeClr val="accent1">
+                <a:shade val="50000"/>
+              </a:schemeClr>
+            </a:lnRef>
+            <a:fillRef idx="1">
+              <a:schemeClr val="accent1"/>
+            </a:fillRef>
+            <a:effectRef idx="0">
+              <a:schemeClr val="accent1"/>
+            </a:effectRef>
+            <a:fontRef idx="minor">
+              <a:schemeClr val="lt1"/>
+            </a:fontRef>
+          </p:style>
+          <p:txBody>
+            <a:bodyPr rot="0" spcFirstLastPara="0" vertOverflow="overflow" horzOverflow="overflow" vert="horz" wrap="square" lIns="91440" tIns="45720" rIns="91440" bIns="45720" numCol="1" spcCol="0" rtlCol="0" fromWordArt="0" anchor="ctr" anchorCtr="0" forceAA="0" compatLnSpc="1">
+              <a:noAutofit/>
+            </a:bodyPr>
+            <a:lstStyle/>
+            <a:p>
+              <a:pPr algn="ctr"/>
+              <a:endParaRPr lang="zh-CN" altLang="en-US"/>
+            </a:p>
+          </p:txBody>
+        </p:sp>
+        <p:sp>
+          <p:nvSpPr>
+            <p:cNvPr id="23" name="任意多边形: 形状 22"/>
+            <p:cNvSpPr/>
+            <p:nvPr userDrawn="1"/>
+          </p:nvSpPr>
+          <p:spPr>
+            <a:xfrm flipH="1">
+              <a:off x="7415691" y="510493"/>
+              <a:ext cx="5376633" cy="126555"/>
+            </a:xfrm>
+            <a:custGeom>
+              <a:avLst/>
+              <a:gdLst>
+                <a:gd name="connsiteX0" fmla="*/ 7367523 w 7367523"/>
+                <a:gd name="connsiteY0" fmla="*/ 0 h 173416"/>
+                <a:gd name="connsiteX1" fmla="*/ 6374783 w 7367523"/>
+                <a:gd name="connsiteY1" fmla="*/ 0 h 173416"/>
+                <a:gd name="connsiteX2" fmla="*/ 6240349 w 7367523"/>
+                <a:gd name="connsiteY2" fmla="*/ 0 h 173416"/>
+                <a:gd name="connsiteX3" fmla="*/ 5540227 w 7367523"/>
+                <a:gd name="connsiteY3" fmla="*/ 0 h 173416"/>
+                <a:gd name="connsiteX4" fmla="*/ 5247612 w 7367523"/>
+                <a:gd name="connsiteY4" fmla="*/ 0 h 173416"/>
+                <a:gd name="connsiteX5" fmla="*/ 4707193 w 7367523"/>
+                <a:gd name="connsiteY5" fmla="*/ 0 h 173416"/>
+                <a:gd name="connsiteX6" fmla="*/ 4413053 w 7367523"/>
+                <a:gd name="connsiteY6" fmla="*/ 0 h 173416"/>
+                <a:gd name="connsiteX7" fmla="*/ 3865356 w 7367523"/>
+                <a:gd name="connsiteY7" fmla="*/ 0 h 173416"/>
+                <a:gd name="connsiteX8" fmla="*/ 3580019 w 7367523"/>
+                <a:gd name="connsiteY8" fmla="*/ 0 h 173416"/>
+                <a:gd name="connsiteX9" fmla="*/ 2872616 w 7367523"/>
+                <a:gd name="connsiteY9" fmla="*/ 0 h 173416"/>
+                <a:gd name="connsiteX10" fmla="*/ 2738183 w 7367523"/>
+                <a:gd name="connsiteY10" fmla="*/ 0 h 173416"/>
+                <a:gd name="connsiteX11" fmla="*/ 2038060 w 7367523"/>
+                <a:gd name="connsiteY11" fmla="*/ 0 h 173416"/>
+                <a:gd name="connsiteX12" fmla="*/ 1745445 w 7367523"/>
+                <a:gd name="connsiteY12" fmla="*/ 0 h 173416"/>
+                <a:gd name="connsiteX13" fmla="*/ 1205026 w 7367523"/>
+                <a:gd name="connsiteY13" fmla="*/ 0 h 173416"/>
+                <a:gd name="connsiteX14" fmla="*/ 910887 w 7367523"/>
+                <a:gd name="connsiteY14" fmla="*/ 0 h 173416"/>
+                <a:gd name="connsiteX15" fmla="*/ 77853 w 7367523"/>
+                <a:gd name="connsiteY15" fmla="*/ 0 h 173416"/>
+                <a:gd name="connsiteX16" fmla="*/ 0 w 7367523"/>
+                <a:gd name="connsiteY16" fmla="*/ 173416 h 173416"/>
+                <a:gd name="connsiteX17" fmla="*/ 7289670 w 7367523"/>
+                <a:gd name="connsiteY17" fmla="*/ 173416 h 173416"/>
+              </a:gdLst>
+              <a:ahLst/>
+              <a:cxnLst>
+                <a:cxn ang="0">
+                  <a:pos x="connsiteX0" y="connsiteY0"/>
+                </a:cxn>
+                <a:cxn ang="0">
+                  <a:pos x="connsiteX1" y="connsiteY1"/>
+                </a:cxn>
+                <a:cxn ang="0">
+                  <a:pos x="connsiteX2" y="connsiteY2"/>
+                </a:cxn>
+                <a:cxn ang="0">
+                  <a:pos x="connsiteX3" y="connsiteY3"/>
+                </a:cxn>
+                <a:cxn ang="0">
+                  <a:pos x="connsiteX4" y="connsiteY4"/>
+                </a:cxn>
+                <a:cxn ang="0">
+                  <a:pos x="connsiteX5" y="connsiteY5"/>
+                </a:cxn>
+                <a:cxn ang="0">
+                  <a:pos x="connsiteX6" y="connsiteY6"/>
+                </a:cxn>
+                <a:cxn ang="0">
+                  <a:pos x="connsiteX7" y="connsiteY7"/>
+                </a:cxn>
+                <a:cxn ang="0">
+                  <a:pos x="connsiteX8" y="connsiteY8"/>
+                </a:cxn>
+                <a:cxn ang="0">
+                  <a:pos x="connsiteX9" y="connsiteY9"/>
+                </a:cxn>
+                <a:cxn ang="0">
+                  <a:pos x="connsiteX10" y="connsiteY10"/>
+                </a:cxn>
+                <a:cxn ang="0">
+                  <a:pos x="connsiteX11" y="connsiteY11"/>
+                </a:cxn>
+                <a:cxn ang="0">
+                  <a:pos x="connsiteX12" y="connsiteY12"/>
+                </a:cxn>
+                <a:cxn ang="0">
+                  <a:pos x="connsiteX13" y="connsiteY13"/>
+                </a:cxn>
+                <a:cxn ang="0">
+                  <a:pos x="connsiteX14" y="connsiteY14"/>
+                </a:cxn>
+                <a:cxn ang="0">
+                  <a:pos x="connsiteX15" y="connsiteY15"/>
+                </a:cxn>
+                <a:cxn ang="0">
+                  <a:pos x="connsiteX16" y="connsiteY16"/>
+                </a:cxn>
+                <a:cxn ang="0">
+                  <a:pos x="connsiteX17" y="connsiteY17"/>
+                </a:cxn>
+              </a:cxnLst>
+              <a:rect l="l" t="t" r="r" b="b"/>
+              <a:pathLst>
+                <a:path w="7367523" h="173416">
+                  <a:moveTo>
+                    <a:pt x="7367523" y="0"/>
+                  </a:moveTo>
+                  <a:lnTo>
+                    <a:pt x="6374783" y="0"/>
+                  </a:lnTo>
+                  <a:lnTo>
+                    <a:pt x="6240349" y="0"/>
+                  </a:lnTo>
+                  <a:lnTo>
+                    <a:pt x="5540227" y="0"/>
+                  </a:lnTo>
+                  <a:lnTo>
+                    <a:pt x="5247612" y="0"/>
+                  </a:lnTo>
+                  <a:lnTo>
+                    <a:pt x="4707193" y="0"/>
+                  </a:lnTo>
+                  <a:lnTo>
+                    <a:pt x="4413053" y="0"/>
+                  </a:lnTo>
+                  <a:lnTo>
+                    <a:pt x="3865356" y="0"/>
+                  </a:lnTo>
+                  <a:lnTo>
+                    <a:pt x="3580019" y="0"/>
+                  </a:lnTo>
+                  <a:lnTo>
+                    <a:pt x="2872616" y="0"/>
+                  </a:lnTo>
+                  <a:lnTo>
+                    <a:pt x="2738183" y="0"/>
+                  </a:lnTo>
+                  <a:lnTo>
+                    <a:pt x="2038060" y="0"/>
+                  </a:lnTo>
+                  <a:lnTo>
+                    <a:pt x="1745445" y="0"/>
+                  </a:lnTo>
+                  <a:lnTo>
+                    <a:pt x="1205026" y="0"/>
+                  </a:lnTo>
+                  <a:lnTo>
+                    <a:pt x="910887" y="0"/>
+                  </a:lnTo>
+                  <a:lnTo>
+                    <a:pt x="77853" y="0"/>
+                  </a:lnTo>
+                  <a:lnTo>
+                    <a:pt x="0" y="173416"/>
+                  </a:lnTo>
+                  <a:lnTo>
+                    <a:pt x="7289670" y="173416"/>
+                  </a:lnTo>
+                  <a:close/>
+                </a:path>
+              </a:pathLst>
+            </a:custGeom>
+            <a:solidFill>
+              <a:schemeClr val="bg2"/>
+            </a:solidFill>
+            <a:ln>
+              <a:noFill/>
+            </a:ln>
+          </p:spPr>
+          <p:style>
+            <a:lnRef idx="2">
+              <a:schemeClr val="accent1">
+                <a:shade val="50000"/>
+              </a:schemeClr>
+            </a:lnRef>
+            <a:fillRef idx="1">
+              <a:schemeClr val="accent1"/>
+            </a:fillRef>
+            <a:effectRef idx="0">
+              <a:schemeClr val="accent1"/>
+            </a:effectRef>
+            <a:fontRef idx="minor">
+              <a:schemeClr val="lt1"/>
+            </a:fontRef>
+          </p:style>
+          <p:txBody>
+            <a:bodyPr rot="0" spcFirstLastPara="0" vertOverflow="overflow" horzOverflow="overflow" vert="horz" wrap="square" lIns="91440" tIns="45720" rIns="91440" bIns="45720" numCol="1" spcCol="0" rtlCol="0" fromWordArt="0" anchor="ctr" anchorCtr="0" forceAA="0" compatLnSpc="1">
+              <a:noAutofit/>
+            </a:bodyPr>
+            <a:lstStyle/>
+            <a:p>
+              <a:pPr algn="ctr"/>
+              <a:endParaRPr lang="zh-CN" altLang="en-US"/>
+            </a:p>
+          </p:txBody>
+        </p:sp>
+      </p:grpSp>
+      <p:sp>
+        <p:nvSpPr>
+          <p:cNvPr id="24" name="任意多边形: 形状 23"/>
+          <p:cNvSpPr/>
+          <p:nvPr/>
+        </p:nvSpPr>
+        <p:spPr>
+          <a:xfrm flipH="1">
+            <a:off x="129621" y="0"/>
+            <a:ext cx="586522" cy="1047087"/>
+          </a:xfrm>
+          <a:custGeom>
+            <a:avLst/>
+            <a:gdLst>
+              <a:gd name="connsiteX0" fmla="*/ 586522 w 586522"/>
+              <a:gd name="connsiteY0" fmla="*/ 0 h 1047087"/>
+              <a:gd name="connsiteX1" fmla="*/ 470079 w 586522"/>
+              <a:gd name="connsiteY1" fmla="*/ 0 h 1047087"/>
+              <a:gd name="connsiteX2" fmla="*/ 0 w 586522"/>
+              <a:gd name="connsiteY2" fmla="*/ 1047087 h 1047087"/>
+              <a:gd name="connsiteX3" fmla="*/ 116443 w 586522"/>
+              <a:gd name="connsiteY3" fmla="*/ 1047087 h 1047087"/>
+            </a:gdLst>
+            <a:ahLst/>
+            <a:cxnLst>
+              <a:cxn ang="0">
+                <a:pos x="connsiteX0" y="connsiteY0"/>
+              </a:cxn>
+              <a:cxn ang="0">
+                <a:pos x="connsiteX1" y="connsiteY1"/>
+              </a:cxn>
+              <a:cxn ang="0">
+                <a:pos x="connsiteX2" y="connsiteY2"/>
+              </a:cxn>
+              <a:cxn ang="0">
+                <a:pos x="connsiteX3" y="connsiteY3"/>
+              </a:cxn>
+            </a:cxnLst>
+            <a:rect l="l" t="t" r="r" b="b"/>
+            <a:pathLst>
+              <a:path w="586522" h="1047087">
+                <a:moveTo>
+                  <a:pt x="586522" y="0"/>
+                </a:moveTo>
+                <a:lnTo>
+                  <a:pt x="470079" y="0"/>
+                </a:lnTo>
+                <a:lnTo>
+                  <a:pt x="0" y="1047087"/>
+                </a:lnTo>
+                <a:lnTo>
+                  <a:pt x="116443" y="1047087"/>
+                </a:lnTo>
+                <a:close/>
+              </a:path>
+            </a:pathLst>
+          </a:custGeom>
+          <a:gradFill flip="none" rotWithShape="0">
+            <a:gsLst>
+              <a:gs pos="0">
+                <a:srgbClr val="53A5F5">
+                  <a:lumMod val="73000"/>
+                  <a:lumOff val="27000"/>
+                </a:srgbClr>
+              </a:gs>
+              <a:gs pos="94000">
+                <a:srgbClr val="9214CF">
+                  <a:lumMod val="73000"/>
+                  <a:lumOff val="27000"/>
+                </a:srgbClr>
+              </a:gs>
+            </a:gsLst>
+            <a:lin ang="2700000" scaled="1"/>
+            <a:tileRect/>
+          </a:gradFill>
+          <a:ln>
+            <a:noFill/>
+          </a:ln>
+        </p:spPr>
+        <p:style>
+          <a:lnRef idx="2">
+            <a:schemeClr val="accent1">
+              <a:shade val="50000"/>
+            </a:schemeClr>
+          </a:lnRef>
+          <a:fillRef idx="1">
+            <a:schemeClr val="accent1"/>
+          </a:fillRef>
+          <a:effectRef idx="0">
+            <a:schemeClr val="accent1"/>
+          </a:effectRef>
+          <a:fontRef idx="minor">
+            <a:schemeClr val="lt1"/>
+          </a:fontRef>
+        </p:style>
+        <p:txBody>
+          <a:bodyPr rot="0" spcFirstLastPara="0" vertOverflow="overflow" horzOverflow="overflow" vert="horz" wrap="square" lIns="91440" tIns="45720" rIns="91440" bIns="45720" numCol="1" spcCol="0" rtlCol="0" fromWordArt="0" anchor="ctr" anchorCtr="0" forceAA="0" compatLnSpc="1">
+            <a:noAutofit/>
+          </a:bodyPr>
+          <a:lstStyle/>
+          <a:p>
+            <a:pPr algn="ctr"/>
+            <a:endParaRPr lang="zh-CN" altLang="en-US"/>
+          </a:p>
+        </p:txBody>
+      </p:sp>
+      <p:sp>
+        <p:nvSpPr>
+          <p:cNvPr id="25" name="任意多边形: 形状 24"/>
+          <p:cNvSpPr/>
+          <p:nvPr/>
+        </p:nvSpPr>
+        <p:spPr>
+          <a:xfrm flipH="1">
+            <a:off x="581108" y="202981"/>
+            <a:ext cx="344503" cy="615023"/>
+          </a:xfrm>
+          <a:custGeom>
+            <a:avLst/>
+            <a:gdLst>
+              <a:gd name="connsiteX0" fmla="*/ 586522 w 586522"/>
+              <a:gd name="connsiteY0" fmla="*/ 0 h 1047087"/>
+              <a:gd name="connsiteX1" fmla="*/ 470079 w 586522"/>
+              <a:gd name="connsiteY1" fmla="*/ 0 h 1047087"/>
+              <a:gd name="connsiteX2" fmla="*/ 0 w 586522"/>
+              <a:gd name="connsiteY2" fmla="*/ 1047087 h 1047087"/>
+              <a:gd name="connsiteX3" fmla="*/ 116443 w 586522"/>
+              <a:gd name="connsiteY3" fmla="*/ 1047087 h 1047087"/>
+            </a:gdLst>
+            <a:ahLst/>
+            <a:cxnLst>
+              <a:cxn ang="0">
+                <a:pos x="connsiteX0" y="connsiteY0"/>
+              </a:cxn>
+              <a:cxn ang="0">
+                <a:pos x="connsiteX1" y="connsiteY1"/>
+              </a:cxn>
+              <a:cxn ang="0">
+                <a:pos x="connsiteX2" y="connsiteY2"/>
+              </a:cxn>
+              <a:cxn ang="0">
+                <a:pos x="connsiteX3" y="connsiteY3"/>
+              </a:cxn>
+            </a:cxnLst>
+            <a:rect l="l" t="t" r="r" b="b"/>
+            <a:pathLst>
+              <a:path w="586522" h="1047087">
+                <a:moveTo>
+                  <a:pt x="586522" y="0"/>
+                </a:moveTo>
+                <a:lnTo>
+                  <a:pt x="470079" y="0"/>
+                </a:lnTo>
+                <a:lnTo>
+                  <a:pt x="0" y="1047087"/>
+                </a:lnTo>
+                <a:lnTo>
+                  <a:pt x="116443" y="1047087"/>
+                </a:lnTo>
+                <a:close/>
+              </a:path>
+            </a:pathLst>
+          </a:custGeom>
+          <a:solidFill>
+            <a:schemeClr val="bg1">
+              <a:lumMod val="95000"/>
+            </a:schemeClr>
+          </a:solidFill>
+          <a:ln>
+            <a:noFill/>
+          </a:ln>
+        </p:spPr>
+        <p:style>
+          <a:lnRef idx="2">
+            <a:schemeClr val="accent1">
+              <a:shade val="50000"/>
+            </a:schemeClr>
+          </a:lnRef>
+          <a:fillRef idx="1">
+            <a:schemeClr val="accent1"/>
+          </a:fillRef>
+          <a:effectRef idx="0">
+            <a:schemeClr val="accent1"/>
+          </a:effectRef>
+          <a:fontRef idx="minor">
+            <a:schemeClr val="lt1"/>
+          </a:fontRef>
+        </p:style>
+        <p:txBody>
+          <a:bodyPr rot="0" spcFirstLastPara="0" vertOverflow="overflow" horzOverflow="overflow" vert="horz" wrap="square" lIns="91440" tIns="45720" rIns="91440" bIns="45720" numCol="1" spcCol="0" rtlCol="0" fromWordArt="0" anchor="ctr" anchorCtr="0" forceAA="0" compatLnSpc="1">
+            <a:noAutofit/>
+          </a:bodyPr>
+          <a:lstStyle/>
+          <a:p>
+            <a:pPr algn="ctr"/>
+            <a:endParaRPr lang="zh-CN" altLang="en-US"/>
+          </a:p>
+        </p:txBody>
+      </p:sp>
+      <p:sp>
+        <p:nvSpPr>
+          <p:cNvPr id="2" name="文本框 1">
+            <a:extLst>
+              <a:ext uri="{FF2B5EF4-FFF2-40B4-BE49-F238E27FC236}">
+                <a16:creationId xmlns:a16="http://schemas.microsoft.com/office/drawing/2014/main" id="{F2A4914D-6F1A-B39C-504F-A70AC426C7FC}"/>
+              </a:ext>
+            </a:extLst>
+          </p:cNvPr>
+          <p:cNvSpPr txBox="1"/>
+          <p:nvPr/>
+        </p:nvSpPr>
+        <p:spPr bwMode="auto">
+          <a:xfrm>
+            <a:off x="322925" y="1121890"/>
+            <a:ext cx="11187757" cy="307777"/>
+          </a:xfrm>
+          <a:prstGeom prst="rect">
+            <a:avLst/>
+          </a:prstGeom>
+          <a:noFill/>
+        </p:spPr>
+        <p:txBody>
+          <a:bodyPr wrap="square">
+            <a:spAutoFit/>
+            <a:scene3d>
+              <a:camera prst="orthographicFront"/>
+              <a:lightRig rig="threePt" dir="t"/>
+            </a:scene3d>
+            <a:sp3d contourW="12700"/>
+          </a:bodyPr>
+          <a:lstStyle/>
+          <a:p>
+            <a:pPr>
+              <a:defRPr/>
+            </a:pPr>
+            <a:r>
+              <a:rPr lang="en-US" altLang="zh-CN" sz="1400" b="1">
+                <a:solidFill>
+                  <a:srgbClr val="7F12B6"/>
+                </a:solidFill>
+                <a:latin typeface="时尚中黑简体" panose="01010104010101010101" pitchFamily="2" charset="-122"/>
+                <a:ea typeface="时尚中黑简体" panose="01010104010101010101" pitchFamily="2" charset="-122"/>
+              </a:rPr>
+              <a:t>Tools and Technologies for Blind and Visually Impaired Navigation Support: A Review		--IETE Technical Review 2022</a:t>
+            </a:r>
+          </a:p>
+        </p:txBody>
+      </p:sp>
+      <p:sp>
+        <p:nvSpPr>
+          <p:cNvPr id="4" name="文本框 3">
+            <a:extLst>
+              <a:ext uri="{FF2B5EF4-FFF2-40B4-BE49-F238E27FC236}">
+                <a16:creationId xmlns:a16="http://schemas.microsoft.com/office/drawing/2014/main" id="{2D44835F-431E-6B89-A3BA-435E847F1483}"/>
+              </a:ext>
+            </a:extLst>
+          </p:cNvPr>
+          <p:cNvSpPr txBox="1"/>
+          <p:nvPr/>
+        </p:nvSpPr>
+        <p:spPr bwMode="auto">
+          <a:xfrm>
+            <a:off x="422882" y="1660509"/>
+            <a:ext cx="10675471" cy="2031325"/>
+          </a:xfrm>
+          <a:prstGeom prst="rect">
+            <a:avLst/>
+          </a:prstGeom>
+          <a:noFill/>
+        </p:spPr>
+        <p:txBody>
+          <a:bodyPr wrap="square">
+            <a:spAutoFit/>
+            <a:scene3d>
+              <a:camera prst="orthographicFront"/>
+              <a:lightRig rig="threePt" dir="t"/>
+            </a:scene3d>
+            <a:sp3d contourW="12700"/>
+          </a:bodyPr>
+          <a:lstStyle/>
+          <a:p>
+            <a:pPr>
+              <a:defRPr/>
+            </a:pPr>
+            <a:r>
+              <a:rPr lang="en-US" altLang="zh-CN" sz="1800" b="0" i="0" u="none" strike="noStrike" baseline="0">
+                <a:solidFill>
+                  <a:srgbClr val="000000"/>
+                </a:solidFill>
+                <a:latin typeface="Microsoft YaHei UI" panose="020B0503020204020204" pitchFamily="34" charset="-122"/>
+              </a:rPr>
+              <a:t>1.</a:t>
+            </a:r>
+            <a:r>
+              <a:rPr lang="zh-CN" altLang="en-US" b="0" i="0">
+                <a:effectLst/>
+                <a:latin typeface="-apple-system"/>
+              </a:rPr>
+              <a:t>有许多针对盲人和视障人士的导航系统，但只有少数可以提供动态交互和对变化的适应性，而且这些系统都不能在室内和室外无缝工作。 此外，即使有一个系统可以在所有情况下正常工作，但它往往很复杂，并且不关心盲人的需求，从易用性、简单界面到不太复杂。</a:t>
+            </a:r>
+            <a:endParaRPr lang="en-US" altLang="zh-CN" b="0" i="0">
+              <a:effectLst/>
+              <a:latin typeface="-apple-system"/>
+            </a:endParaRPr>
+          </a:p>
+          <a:p>
+            <a:pPr>
+              <a:defRPr/>
+            </a:pPr>
+            <a:r>
+              <a:rPr lang="en-US" altLang="zh-CN">
+                <a:solidFill>
+                  <a:srgbClr val="000000"/>
+                </a:solidFill>
+                <a:latin typeface="Microsoft YaHei UI" panose="020B0503020204020204" pitchFamily="34" charset="-122"/>
+              </a:rPr>
+              <a:t>2.</a:t>
+            </a:r>
+            <a:r>
+              <a:rPr lang="zh-CN" altLang="en-US">
+                <a:solidFill>
+                  <a:srgbClr val="000000"/>
+                </a:solidFill>
+                <a:latin typeface="Microsoft YaHei UI" panose="020B0503020204020204" pitchFamily="34" charset="-122"/>
+              </a:rPr>
+              <a:t>帮助盲人和视障人士设计导航系统的建议：</a:t>
+            </a:r>
+            <a:r>
+              <a:rPr lang="zh-CN" altLang="en-US" b="0" i="0">
+                <a:effectLst/>
+                <a:latin typeface="-apple-system"/>
+              </a:rPr>
+              <a:t>适当选择实时物体检测方法；反馈机制有多种选择；减少大量的学习时间；携带和使用的舒适性；用户获取的信息量；避免社交尴尬问题；个人和私人数据的适当管理和安全。</a:t>
+            </a:r>
+            <a:endParaRPr lang="en-US" altLang="zh-CN" b="0" i="0">
+              <a:effectLst/>
+              <a:latin typeface="-apple-system"/>
+            </a:endParaRPr>
+          </a:p>
+          <a:p>
+            <a:pPr>
+              <a:defRPr/>
+            </a:pPr>
+            <a:r>
+              <a:rPr lang="en-US" altLang="zh-CN">
+                <a:latin typeface="-apple-system"/>
+              </a:rPr>
+              <a:t>3.</a:t>
+            </a:r>
+            <a:r>
+              <a:rPr lang="zh-CN" altLang="en-US">
+                <a:latin typeface="-apple-system"/>
+              </a:rPr>
+              <a:t>制定合适的安全极限宽度。太小会频繁调整用户方向，导致低平滑度和低效率；太大会导致偏离方向。</a:t>
+            </a:r>
+            <a:endParaRPr lang="en-US" altLang="zh-CN"/>
+          </a:p>
+        </p:txBody>
+      </p:sp>
+    </p:spTree>
+    <p:extLst>
+      <p:ext uri="{BB962C8B-B14F-4D97-AF65-F5344CB8AC3E}">
+        <p14:creationId xmlns:p14="http://schemas.microsoft.com/office/powerpoint/2010/main" val="2017724378"/>
       </p:ext>
     </p:extLst>
   </p:cSld>
@@ -2949,7 +7969,7 @@
               <a:defRPr/>
             </a:pPr>
             <a:r>
-              <a:rPr lang="en-US" altLang="zh-CN" sz="1400" b="1" dirty="0">
+              <a:rPr lang="en-US" altLang="zh-CN" sz="1400" b="1">
                 <a:solidFill>
                   <a:srgbClr val="7F12B6"/>
                 </a:solidFill>
@@ -2999,7 +8019,7 @@
               <a:defRPr/>
             </a:pPr>
             <a:r>
-              <a:rPr lang="zh-CN" altLang="en-US" b="0" i="0" dirty="0">
+              <a:rPr lang="zh-CN" altLang="en-US" b="0" i="0">
                 <a:effectLst/>
                 <a:highlight>
                   <a:srgbClr val="FFFFFF"/>
@@ -3008,7 +8028,7 @@
               </a:rPr>
               <a:t>振动的主要参数是强度（振幅）、频率、信号（波形）持续时间、节奏和空间位置。</a:t>
             </a:r>
-            <a:endParaRPr lang="en-US" altLang="zh-CN" b="0" i="0" dirty="0">
+            <a:endParaRPr lang="en-US" altLang="zh-CN" b="0" i="0">
               <a:effectLst/>
               <a:highlight>
                 <a:srgbClr val="FFFFFF"/>
@@ -3022,18 +8042,18 @@
               <a:defRPr/>
             </a:pPr>
             <a:r>
-              <a:rPr lang="zh-CN" altLang="en-US" dirty="0"/>
+              <a:rPr lang="zh-CN" altLang="en-US"/>
               <a:t>强度是指信号幅度的平方。频率是指振动的速率，用赫兹（</a:t>
             </a:r>
             <a:r>
-              <a:rPr lang="en-US" altLang="zh-CN" dirty="0"/>
+              <a:rPr lang="en-US" altLang="zh-CN"/>
               <a:t>Hz</a:t>
             </a:r>
             <a:r>
-              <a:rPr lang="zh-CN" altLang="en-US" dirty="0"/>
+              <a:rPr lang="zh-CN" altLang="en-US"/>
               <a:t>）表示。</a:t>
             </a:r>
-            <a:endParaRPr lang="en-US" altLang="zh-CN" dirty="0"/>
+            <a:endParaRPr lang="en-US" altLang="zh-CN"/>
           </a:p>
           <a:p>
             <a:pPr marL="342900" indent="-342900">
@@ -3041,7 +8061,7 @@
               <a:defRPr/>
             </a:pPr>
             <a:r>
-              <a:rPr lang="zh-CN" altLang="en-US" b="0" i="0" dirty="0">
+              <a:rPr lang="zh-CN" altLang="en-US" b="0" i="0">
                 <a:effectLst/>
                 <a:highlight>
                   <a:srgbClr val="FFFFFF"/>
@@ -3051,7 +8071,7 @@
               <a:t>幅度和频率是自变量。 有两个幅度水平：大振幅（</a:t>
             </a:r>
             <a:r>
-              <a:rPr lang="en-US" altLang="zh-CN" b="0" i="0" dirty="0">
+              <a:rPr lang="en-US" altLang="zh-CN" b="0" i="0">
                 <a:effectLst/>
                 <a:highlight>
                   <a:srgbClr val="FFFFFF"/>
@@ -3061,7 +8081,7 @@
               <a:t>A1 = 4.1</a:t>
             </a:r>
             <a:r>
-              <a:rPr lang="zh-CN" altLang="en-US" b="0" i="0" dirty="0">
+              <a:rPr lang="zh-CN" altLang="en-US" b="0" i="0">
                 <a:effectLst/>
                 <a:highlight>
                   <a:srgbClr val="FFFFFF"/>
@@ -3071,7 +8091,7 @@
               <a:t>）和小振幅（</a:t>
             </a:r>
             <a:r>
-              <a:rPr lang="en-US" altLang="zh-CN" b="0" i="0" dirty="0">
+              <a:rPr lang="en-US" altLang="zh-CN" b="0" i="0">
                 <a:effectLst/>
                 <a:highlight>
                   <a:srgbClr val="FFFFFF"/>
@@ -3081,7 +8101,7 @@
               <a:t>A2 = 1.0</a:t>
             </a:r>
             <a:r>
-              <a:rPr lang="zh-CN" altLang="en-US" b="0" i="0" dirty="0">
+              <a:rPr lang="zh-CN" altLang="en-US" b="0" i="0">
                 <a:effectLst/>
                 <a:highlight>
                   <a:srgbClr val="FFFFFF"/>
@@ -3091,7 +8111,7 @@
               <a:t>）。 频率分为三个级别：高频（</a:t>
             </a:r>
             <a:r>
-              <a:rPr lang="en-US" altLang="zh-CN" b="0" i="0" dirty="0">
+              <a:rPr lang="en-US" altLang="zh-CN" b="0" i="0">
                 <a:effectLst/>
                 <a:highlight>
                   <a:srgbClr val="FFFFFF"/>
@@ -3101,7 +8121,7 @@
               <a:t>F1 = 349 Hz</a:t>
             </a:r>
             <a:r>
-              <a:rPr lang="zh-CN" altLang="en-US" b="0" i="0" dirty="0">
+              <a:rPr lang="zh-CN" altLang="en-US" b="0" i="0">
                 <a:effectLst/>
                 <a:highlight>
                   <a:srgbClr val="FFFFFF"/>
@@ -3111,7 +8131,7 @@
               <a:t>）（控制器提供的最高可用频率）、中频（</a:t>
             </a:r>
             <a:r>
-              <a:rPr lang="en-US" altLang="zh-CN" b="0" i="0" dirty="0">
+              <a:rPr lang="en-US" altLang="zh-CN" b="0" i="0">
                 <a:effectLst/>
                 <a:highlight>
                   <a:srgbClr val="FFFFFF"/>
@@ -3121,7 +8141,7 @@
               <a:t>F2 = 200 Hz</a:t>
             </a:r>
             <a:r>
-              <a:rPr lang="zh-CN" altLang="en-US" b="0" i="0" dirty="0">
+              <a:rPr lang="zh-CN" altLang="en-US" b="0" i="0">
                 <a:effectLst/>
                 <a:highlight>
                   <a:srgbClr val="FFFFFF"/>
@@ -3131,7 +8151,7 @@
               <a:t>）和低频（</a:t>
             </a:r>
             <a:r>
-              <a:rPr lang="en-US" altLang="zh-CN" b="0" i="0" dirty="0">
+              <a:rPr lang="en-US" altLang="zh-CN" b="0" i="0">
                 <a:effectLst/>
                 <a:highlight>
                   <a:srgbClr val="FFFFFF"/>
@@ -3141,7 +8161,7 @@
               <a:t>F3 = 50 Hz</a:t>
             </a:r>
             <a:r>
-              <a:rPr lang="zh-CN" altLang="en-US" b="0" i="0" dirty="0">
+              <a:rPr lang="zh-CN" altLang="en-US" b="0" i="0">
                 <a:effectLst/>
                 <a:highlight>
                   <a:srgbClr val="FFFFFF"/>
@@ -3150,7 +8170,7 @@
               </a:rPr>
               <a:t>）。</a:t>
             </a:r>
-            <a:endParaRPr lang="en-US" altLang="zh-CN" b="0" i="0" dirty="0">
+            <a:endParaRPr lang="en-US" altLang="zh-CN" b="0" i="0">
               <a:effectLst/>
               <a:highlight>
                 <a:srgbClr val="FFFFFF"/>
@@ -3162,7 +8182,7 @@
             <a:pPr>
               <a:defRPr/>
             </a:pPr>
-            <a:endParaRPr lang="en-US" altLang="zh-CN" b="0" i="0" dirty="0">
+            <a:endParaRPr lang="en-US" altLang="zh-CN" b="0" i="0">
               <a:effectLst/>
               <a:highlight>
                 <a:srgbClr val="FFFFFF"/>
@@ -3175,7 +8195,7 @@
               <a:defRPr/>
             </a:pPr>
             <a:r>
-              <a:rPr lang="en-US" altLang="zh-CN" b="0" i="0" dirty="0">
+              <a:rPr lang="en-US" altLang="zh-CN" b="0" i="0">
                 <a:effectLst/>
                 <a:highlight>
                   <a:srgbClr val="FFFFFF"/>
@@ -3185,7 +8205,7 @@
               <a:t> 	</a:t>
             </a:r>
             <a:r>
-              <a:rPr lang="zh-CN" altLang="en-US" b="0" i="0" dirty="0">
+              <a:rPr lang="zh-CN" altLang="en-US" b="0" i="0">
                 <a:effectLst/>
                 <a:highlight>
                   <a:srgbClr val="FFFFFF"/>
@@ -3194,7 +8214,7 @@
               </a:rPr>
               <a:t>频率对任务完成时间有显着影响。 参与者中频的完成时间明显短于高频，而高频的完成时间也明显短于低频。</a:t>
             </a:r>
-            <a:endParaRPr lang="en-US" altLang="zh-CN" b="0" i="0" dirty="0">
+            <a:endParaRPr lang="en-US" altLang="zh-CN" b="0" i="0">
               <a:effectLst/>
               <a:highlight>
                 <a:srgbClr val="FFFFFF"/>
@@ -3207,7 +8227,7 @@
               <a:defRPr/>
             </a:pPr>
             <a:r>
-              <a:rPr lang="en-US" altLang="zh-CN" dirty="0">
+              <a:rPr lang="en-US" altLang="zh-CN">
                 <a:highlight>
                   <a:srgbClr val="FFFFFF"/>
                 </a:highlight>
@@ -3216,7 +8236,7 @@
               <a:t>	</a:t>
             </a:r>
             <a:r>
-              <a:rPr lang="zh-CN" altLang="en-US" b="0" i="0" dirty="0">
+              <a:rPr lang="zh-CN" altLang="en-US" b="0" i="0">
                 <a:effectLst/>
                 <a:highlight>
                   <a:srgbClr val="FFFFFF"/>
@@ -3225,7 +8245,7 @@
               </a:rPr>
               <a:t>振幅对任务完成时间有显着影响。 参与者在大振幅中的完成时间明显短于小振幅。 </a:t>
             </a:r>
-            <a:endParaRPr lang="en-US" altLang="zh-CN" b="0" i="0" dirty="0">
+            <a:endParaRPr lang="en-US" altLang="zh-CN" b="0" i="0">
               <a:effectLst/>
               <a:highlight>
                 <a:srgbClr val="FFFFFF"/>
@@ -3238,7 +8258,7 @@
               <a:defRPr/>
             </a:pPr>
             <a:r>
-              <a:rPr lang="en-US" altLang="zh-CN" dirty="0">
+              <a:rPr lang="en-US" altLang="zh-CN">
                 <a:highlight>
                   <a:srgbClr val="FFFFFF"/>
                 </a:highlight>
@@ -3247,7 +8267,7 @@
               <a:t>	</a:t>
             </a:r>
             <a:r>
-              <a:rPr lang="zh-CN" altLang="en-US" b="0" i="0" dirty="0">
+              <a:rPr lang="zh-CN" altLang="en-US" b="0" i="0">
                 <a:effectLst/>
                 <a:highlight>
                   <a:srgbClr val="FFFFFF"/>
@@ -3256,7 +8276,7 @@
               </a:rPr>
               <a:t>频率和振幅之间存在显着的交互作用。在所有频率水平上，随着幅度的增加，任务完成时间减少。 但低频的下降幅度远大于中高频。 </a:t>
             </a:r>
-            <a:endParaRPr lang="en-US" altLang="zh-CN" b="0" i="0" dirty="0">
+            <a:endParaRPr lang="en-US" altLang="zh-CN" b="0" i="0">
               <a:effectLst/>
               <a:highlight>
                 <a:srgbClr val="FFFFFF"/>
@@ -3268,7 +8288,7 @@
             <a:pPr>
               <a:defRPr/>
             </a:pPr>
-            <a:endParaRPr lang="en-US" altLang="zh-CN" dirty="0">
+            <a:endParaRPr lang="en-US" altLang="zh-CN">
               <a:highlight>
                 <a:srgbClr val="FFFFFF"/>
               </a:highlight>
@@ -3280,7 +8300,7 @@
               <a:defRPr/>
             </a:pPr>
             <a:r>
-              <a:rPr lang="en-US" altLang="zh-CN" dirty="0">
+              <a:rPr lang="en-US" altLang="zh-CN">
                 <a:highlight>
                   <a:srgbClr val="FFFFFF"/>
                 </a:highlight>
@@ -3289,7 +8309,7 @@
               <a:t>	</a:t>
             </a:r>
             <a:r>
-              <a:rPr lang="zh-CN" altLang="en-US" b="0" i="0" dirty="0">
+              <a:rPr lang="zh-CN" altLang="en-US" b="0" i="0">
                 <a:effectLst/>
                 <a:highlight>
                   <a:srgbClr val="FFFFFF"/>
@@ -3298,7 +8318,7 @@
               </a:rPr>
               <a:t>频率对烦恼程度有显着影响。 参与者在低频的烦恼水平明显低于中频和高频。</a:t>
             </a:r>
-            <a:endParaRPr lang="en-US" altLang="zh-CN" b="0" i="0" dirty="0">
+            <a:endParaRPr lang="en-US" altLang="zh-CN" b="0" i="0">
               <a:effectLst/>
               <a:highlight>
                 <a:srgbClr val="FFFFFF"/>
@@ -3311,11 +8331,11 @@
               <a:defRPr/>
             </a:pPr>
             <a:r>
-              <a:rPr lang="en-US" altLang="zh-CN" dirty="0"/>
+              <a:rPr lang="en-US" altLang="zh-CN"/>
               <a:t>	</a:t>
             </a:r>
             <a:r>
-              <a:rPr lang="zh-CN" altLang="en-US" b="0" i="0" dirty="0">
+              <a:rPr lang="zh-CN" altLang="en-US" b="0" i="0">
                 <a:effectLst/>
                 <a:highlight>
                   <a:srgbClr val="FFFFFF"/>
@@ -3324,7 +8344,7 @@
               </a:rPr>
               <a:t>振幅对烦恼程度有显着影响。 参与者在小振幅中的烦恼水平显着低于大振幅。 </a:t>
             </a:r>
-            <a:endParaRPr lang="en-US" altLang="zh-CN" b="0" i="0" dirty="0">
+            <a:endParaRPr lang="en-US" altLang="zh-CN" b="0" i="0">
               <a:effectLst/>
               <a:highlight>
                 <a:srgbClr val="FFFFFF"/>
@@ -3337,7 +8357,7 @@
               <a:defRPr/>
             </a:pPr>
             <a:r>
-              <a:rPr lang="en-US" altLang="zh-CN" dirty="0">
+              <a:rPr lang="en-US" altLang="zh-CN">
                 <a:highlight>
                   <a:srgbClr val="FFFFFF"/>
                 </a:highlight>
@@ -3346,7 +8366,7 @@
               <a:t>	</a:t>
             </a:r>
             <a:r>
-              <a:rPr lang="zh-CN" altLang="en-US" b="0" i="0" dirty="0">
+              <a:rPr lang="zh-CN" altLang="en-US" b="0" i="0">
                 <a:effectLst/>
                 <a:highlight>
                   <a:srgbClr val="FFFFFF"/>
@@ -3355,7 +8375,7 @@
               </a:rPr>
               <a:t>频率和振幅之间存在显着的交互作用。在所有频率水平上，用户的烦恼程度随着幅度的增加而增加。 然而，随着频率水平的增加，增长率也增加。 换句话说，高频时增幅最大，低频时增幅最小。</a:t>
             </a:r>
-            <a:endParaRPr lang="en-US" altLang="zh-CN" b="0" i="0" dirty="0">
+            <a:endParaRPr lang="en-US" altLang="zh-CN" b="0" i="0">
               <a:effectLst/>
               <a:highlight>
                 <a:srgbClr val="FFFFFF"/>
@@ -3367,7 +8387,7 @@
             <a:pPr>
               <a:defRPr/>
             </a:pPr>
-            <a:endParaRPr lang="en-US" altLang="zh-CN" dirty="0">
+            <a:endParaRPr lang="en-US" altLang="zh-CN">
               <a:highlight>
                 <a:srgbClr val="FFFFFF"/>
               </a:highlight>
@@ -3379,7 +8399,7 @@
               <a:defRPr/>
             </a:pPr>
             <a:r>
-              <a:rPr lang="en-US" altLang="zh-CN" dirty="0">
+              <a:rPr lang="en-US" altLang="zh-CN">
                 <a:highlight>
                   <a:srgbClr val="FFFFFF"/>
                 </a:highlight>
@@ -3388,7 +8408,7 @@
               <a:t>4. </a:t>
             </a:r>
             <a:r>
-              <a:rPr lang="zh-CN" altLang="en-US" b="0" i="0" dirty="0">
+              <a:rPr lang="zh-CN" altLang="en-US" b="0" i="0">
                 <a:effectLst/>
                 <a:highlight>
                   <a:srgbClr val="FFFFFF"/>
@@ -3398,7 +8418,7 @@
               <a:t> 由于触觉显示器的持续时间很短（短于 </a:t>
             </a:r>
             <a:r>
-              <a:rPr lang="en-US" altLang="zh-CN" b="0" i="0" dirty="0">
+              <a:rPr lang="en-US" altLang="zh-CN" b="0" i="0">
                 <a:effectLst/>
                 <a:highlight>
                   <a:srgbClr val="FFFFFF"/>
@@ -3408,7 +8428,7 @@
               <a:t>2 </a:t>
             </a:r>
             <a:r>
-              <a:rPr lang="zh-CN" altLang="en-US" b="0" i="0" dirty="0">
+              <a:rPr lang="zh-CN" altLang="en-US" b="0" i="0">
                 <a:effectLst/>
                 <a:highlight>
                   <a:srgbClr val="FFFFFF"/>
@@ -3417,13 +8437,13 @@
               </a:rPr>
               <a:t>秒），因此无论幅度水平如何，用户可能都不会感到烦恼。 </a:t>
             </a:r>
-            <a:endParaRPr lang="en-US" altLang="zh-CN" dirty="0"/>
+            <a:endParaRPr lang="en-US" altLang="zh-CN"/>
           </a:p>
           <a:p>
             <a:pPr>
               <a:defRPr/>
             </a:pPr>
-            <a:endParaRPr lang="en-US" altLang="zh-CN" dirty="0"/>
+            <a:endParaRPr lang="en-US" altLang="zh-CN"/>
           </a:p>
         </p:txBody>
       </p:sp>
@@ -4135,7 +9155,7 @@
               <a:defRPr/>
             </a:pPr>
             <a:r>
-              <a:rPr lang="en-US" altLang="zh-CN" sz="1400" b="1" dirty="0" err="1">
+              <a:rPr lang="en-US" altLang="zh-CN" sz="1400" b="1" err="1">
                 <a:solidFill>
                   <a:srgbClr val="7F12B6"/>
                 </a:solidFill>
@@ -4145,7 +9165,7 @@
               <a:t>PocketNavigator</a:t>
             </a:r>
             <a:r>
-              <a:rPr lang="en-US" altLang="zh-CN" sz="1400" b="1" dirty="0">
+              <a:rPr lang="en-US" altLang="zh-CN" sz="1400" b="1">
                 <a:solidFill>
                   <a:srgbClr val="7F12B6"/>
                 </a:solidFill>
@@ -4195,7 +9215,7 @@
               <a:defRPr/>
             </a:pPr>
             <a:r>
-              <a:rPr lang="zh-CN" altLang="en-US" b="0" i="0" dirty="0">
+              <a:rPr lang="zh-CN" altLang="en-US" b="0" i="0">
                 <a:effectLst/>
                 <a:highlight>
                   <a:srgbClr val="FFFFFF"/>
@@ -4205,7 +9225,7 @@
               <a:t>手机的振动警报来提供导航支持。两种主要的解决方案：指魔杖和第六感。指魔杖</a:t>
             </a:r>
             <a:r>
-              <a:rPr lang="en-US" altLang="zh-CN" b="0" i="0" dirty="0">
+              <a:rPr lang="en-US" altLang="zh-CN" b="0" i="0">
                 <a:effectLst/>
                 <a:highlight>
                   <a:srgbClr val="FFFFFF"/>
@@ -4215,7 +9235,7 @@
               <a:t>——</a:t>
             </a:r>
             <a:r>
-              <a:rPr lang="zh-CN" altLang="en-US" b="0" i="0" dirty="0">
+              <a:rPr lang="zh-CN" altLang="en-US" b="0" i="0">
                 <a:effectLst/>
                 <a:highlight>
                   <a:srgbClr val="FFFFFF"/>
@@ -4225,7 +9245,7 @@
               <a:t>用户扫描空间信息； 指向方向上实体（例如航路点）的存在通过振动来指示。第六感</a:t>
             </a:r>
             <a:r>
-              <a:rPr lang="en-US" altLang="zh-CN" b="0" i="0" dirty="0">
+              <a:rPr lang="en-US" altLang="zh-CN" b="0" i="0">
                 <a:effectLst/>
                 <a:highlight>
                   <a:srgbClr val="FFFFFF"/>
@@ -4235,7 +9255,7 @@
               <a:t>——</a:t>
             </a:r>
             <a:r>
-              <a:rPr lang="zh-CN" altLang="en-US" b="0" i="0" dirty="0">
+              <a:rPr lang="zh-CN" altLang="en-US" b="0" i="0">
                 <a:effectLst/>
                 <a:highlight>
                   <a:srgbClr val="FFFFFF"/>
@@ -4244,7 +9264,7 @@
               </a:rPr>
               <a:t>空间实体的方向，例如路径点，被编码在振动反馈本身中，例如 通过对不同的方向使用不同的编码。</a:t>
             </a:r>
-            <a:endParaRPr lang="en-US" altLang="zh-CN" b="0" i="0" dirty="0">
+            <a:endParaRPr lang="en-US" altLang="zh-CN" b="0" i="0">
               <a:effectLst/>
               <a:highlight>
                 <a:srgbClr val="FFFFFF"/>
@@ -4258,7 +9278,7 @@
               <a:defRPr/>
             </a:pPr>
             <a:r>
-              <a:rPr lang="zh-CN" altLang="en-US" b="0" i="0" dirty="0">
+              <a:rPr lang="zh-CN" altLang="en-US" b="0" i="0">
                 <a:effectLst/>
                 <a:highlight>
                   <a:srgbClr val="FFFFFF"/>
@@ -4267,7 +9287,7 @@
               </a:rPr>
               <a:t>子文章：</a:t>
             </a:r>
-            <a:endParaRPr lang="en-US" altLang="zh-CN" b="0" i="0" dirty="0">
+            <a:endParaRPr lang="en-US" altLang="zh-CN" b="0" i="0">
               <a:effectLst/>
               <a:highlight>
                 <a:srgbClr val="FFFFFF"/>
@@ -4280,7 +9300,7 @@
               <a:defRPr/>
             </a:pPr>
             <a:r>
-              <a:rPr lang="en-US" altLang="zh-CN" dirty="0">
+              <a:rPr lang="en-US" altLang="zh-CN">
                 <a:highlight>
                   <a:srgbClr val="FFFFFF"/>
                 </a:highlight>
@@ -4289,7 +9309,7 @@
               <a:t>	</a:t>
             </a:r>
             <a:r>
-              <a:rPr lang="en-US" altLang="zh-CN" b="0" i="0" dirty="0" err="1">
+              <a:rPr lang="en-US" altLang="zh-CN" b="0" i="0" err="1">
                 <a:effectLst/>
                 <a:highlight>
                   <a:srgbClr val="FFFFFF"/>
@@ -4299,7 +9319,7 @@
               <a:t>PocketNavigator</a:t>
             </a:r>
             <a:r>
-              <a:rPr lang="en-US" altLang="zh-CN" b="0" i="0" dirty="0">
+              <a:rPr lang="en-US" altLang="zh-CN" b="0" i="0">
                 <a:effectLst/>
                 <a:highlight>
                   <a:srgbClr val="FFFFFF"/>
@@ -4309,7 +9329,7 @@
               <a:t>: Vibro-Tactile Waypoint Navigation for Everyday Mobile Devices             --</a:t>
             </a:r>
             <a:r>
-              <a:rPr lang="en-US" altLang="zh-CN" b="0" i="0" dirty="0" err="1">
+              <a:rPr lang="en-US" altLang="zh-CN" b="0" i="0" err="1">
                 <a:effectLst/>
                 <a:highlight>
                   <a:srgbClr val="FFFFFF"/>
@@ -4319,7 +9339,7 @@
               <a:t>MobileHCI</a:t>
             </a:r>
             <a:r>
-              <a:rPr lang="en-US" altLang="zh-CN" b="0" i="0" dirty="0">
+              <a:rPr lang="en-US" altLang="zh-CN" b="0" i="0">
                 <a:effectLst/>
                 <a:highlight>
                   <a:srgbClr val="FFFFFF"/>
@@ -4334,7 +9354,7 @@
               <a:defRPr/>
             </a:pPr>
             <a:r>
-              <a:rPr lang="en-US" altLang="zh-CN" dirty="0">
+              <a:rPr lang="en-US" altLang="zh-CN">
                 <a:highlight>
                   <a:srgbClr val="FFFFFF"/>
                 </a:highlight>
@@ -4342,7 +9362,7 @@
               </a:rPr>
               <a:t>	6th Senses for Everyone! The Value of Multimodal Feedback in Handheld Navigation Aids  --ICMI 2011</a:t>
             </a:r>
-            <a:endParaRPr lang="en-US" altLang="zh-CN" b="0" i="0" dirty="0">
+            <a:endParaRPr lang="en-US" altLang="zh-CN" b="0" i="0">
               <a:effectLst/>
               <a:highlight>
                 <a:srgbClr val="FFFFFF"/>
@@ -4354,7 +9374,7 @@
             <a:pPr>
               <a:defRPr/>
             </a:pPr>
-            <a:endParaRPr lang="en-US" altLang="zh-CN" dirty="0"/>
+            <a:endParaRPr lang="en-US" altLang="zh-CN"/>
           </a:p>
         </p:txBody>
       </p:sp>
@@ -5066,7 +10086,7 @@
               <a:defRPr/>
             </a:pPr>
             <a:r>
-              <a:rPr lang="en-US" altLang="zh-CN" sz="1400" b="1" dirty="0">
+              <a:rPr lang="en-US" altLang="zh-CN" sz="1400" b="1">
                 <a:solidFill>
                   <a:srgbClr val="7F12B6"/>
                 </a:solidFill>
@@ -5786,7 +10806,7 @@
               <a:defRPr/>
             </a:pPr>
             <a:r>
-              <a:rPr lang="en-US" altLang="zh-CN" sz="1400" b="1" dirty="0" err="1">
+              <a:rPr lang="en-US" altLang="zh-CN" sz="1400" b="1" err="1">
                 <a:solidFill>
                   <a:srgbClr val="7F12B6"/>
                 </a:solidFill>
@@ -5794,16 +10814,6 @@
                 <a:ea typeface="时尚中黑简体" panose="01010104010101010101" pitchFamily="2" charset="-122"/>
               </a:rPr>
               <a:t>LineChaser</a:t>
-            </a:r>
-            <a:r>
-              <a:rPr lang="en-US" altLang="zh-CN" sz="1400" b="1" dirty="0">
-                <a:solidFill>
-                  <a:srgbClr val="7F12B6"/>
-                </a:solidFill>
-                <a:latin typeface="时尚中黑简体" panose="01010104010101010101" pitchFamily="2" charset="-122"/>
-                <a:ea typeface="时尚中黑简体" panose="01010104010101010101" pitchFamily="2" charset="-122"/>
-              </a:rPr>
-              <a:t>: A Smartphone-Based Navigation System for Blind People to Stand in Lines                    --</a:t>
             </a:r>
             <a:r>
               <a:rPr lang="en-US" altLang="zh-CN" sz="1400" b="1">
@@ -5813,15 +10823,8 @@
                 <a:latin typeface="时尚中黑简体" panose="01010104010101010101" pitchFamily="2" charset="-122"/>
                 <a:ea typeface="时尚中黑简体" panose="01010104010101010101" pitchFamily="2" charset="-122"/>
               </a:rPr>
-              <a:t>CHI 2021</a:t>
-            </a:r>
-            <a:endParaRPr lang="en-US" altLang="zh-CN" sz="1400" b="1" dirty="0">
-              <a:solidFill>
-                <a:srgbClr val="7F12B6"/>
-              </a:solidFill>
-              <a:latin typeface="时尚中黑简体" panose="01010104010101010101" pitchFamily="2" charset="-122"/>
-              <a:ea typeface="时尚中黑简体" panose="01010104010101010101" pitchFamily="2" charset="-122"/>
-            </a:endParaRPr>
+              <a:t>: A Smartphone-Based Navigation System for Blind People to Stand in Lines                    --CHI 2021</a:t>
+            </a:r>
           </a:p>
         </p:txBody>
       </p:sp>
@@ -6533,7 +11536,7 @@
               <a:defRPr/>
             </a:pPr>
             <a:r>
-              <a:rPr lang="en-US" altLang="zh-CN" sz="1400" b="1" dirty="0">
+              <a:rPr lang="en-US" altLang="zh-CN" sz="1400" b="1">
                 <a:solidFill>
                   <a:srgbClr val="7F12B6"/>
                 </a:solidFill>
@@ -6584,7 +11587,7 @@
               <a:defRPr/>
             </a:pPr>
             <a:r>
-              <a:rPr lang="zh-CN" altLang="en-US" b="0" i="0" dirty="0">
+              <a:rPr lang="zh-CN" altLang="en-US" b="0" i="0">
                 <a:effectLst/>
                 <a:highlight>
                   <a:srgbClr val="FFFFFF"/>
@@ -6593,7 +11596,7 @@
               </a:rPr>
               <a:t>视障人士跟随道路的指引系统：为了支持路径跟踪任务，引导系统应该提供路径规划和导航反馈。 路径规划的目标是建立一个安全有效的路径从一个地方到另一个地方。</a:t>
             </a:r>
-            <a:endParaRPr lang="en-US" altLang="zh-CN" b="0" i="0" dirty="0">
+            <a:endParaRPr lang="en-US" altLang="zh-CN" b="0" i="0">
               <a:effectLst/>
               <a:highlight>
                 <a:srgbClr val="FFFFFF"/>
@@ -6608,7 +11611,7 @@
               <a:defRPr/>
             </a:pPr>
             <a:r>
-              <a:rPr lang="zh-CN" altLang="en-US" b="0" i="0" dirty="0">
+              <a:rPr lang="zh-CN" altLang="en-US" b="0" i="0">
                 <a:effectLst/>
                 <a:highlight>
                   <a:srgbClr val="FFFFFF"/>
@@ -6618,7 +11621,7 @@
               <a:t>在振动与方向的关系中，有间接映射和直接映射。 对于间接映射，研究人员使用振动模式来指示方向。 例如，</a:t>
             </a:r>
             <a:r>
-              <a:rPr lang="en-US" altLang="zh-CN" b="0" i="0" dirty="0" err="1">
+              <a:rPr lang="en-US" altLang="zh-CN" b="0" i="0" err="1">
                 <a:effectLst/>
                 <a:highlight>
                   <a:srgbClr val="FFFFFF"/>
@@ -6628,7 +11631,7 @@
               <a:t>PocketNavigator</a:t>
             </a:r>
             <a:r>
-              <a:rPr lang="zh-CN" altLang="en-US" b="0" i="0" dirty="0">
+              <a:rPr lang="zh-CN" altLang="en-US" b="0" i="0">
                 <a:effectLst/>
                 <a:highlight>
                   <a:srgbClr val="FFFFFF"/>
@@ -6638,7 +11641,7 @@
               <a:t>使用两个短脉冲来指示前进。 直接映射是指振动位置与目标方向之间存在直接的空间映射关系。 例如，在</a:t>
             </a:r>
             <a:r>
-              <a:rPr lang="en-US" altLang="zh-CN" b="0" i="0" dirty="0" err="1">
+              <a:rPr lang="en-US" altLang="zh-CN" b="0" i="0" err="1">
                 <a:effectLst/>
                 <a:highlight>
                   <a:srgbClr val="FFFFFF"/>
@@ -6648,7 +11651,7 @@
               <a:t>ActiveBelt</a:t>
             </a:r>
             <a:r>
-              <a:rPr lang="zh-CN" altLang="en-US" b="0" i="0" dirty="0">
+              <a:rPr lang="zh-CN" altLang="en-US" b="0" i="0">
                 <a:effectLst/>
                 <a:highlight>
                   <a:srgbClr val="FFFFFF"/>
@@ -6658,7 +11661,7 @@
               <a:t>上均匀分布着</a:t>
             </a:r>
             <a:r>
-              <a:rPr lang="en-US" altLang="zh-CN" b="0" i="0" dirty="0">
+              <a:rPr lang="en-US" altLang="zh-CN" b="0" i="0">
                 <a:effectLst/>
                 <a:highlight>
                   <a:srgbClr val="FFFFFF"/>
@@ -6668,7 +11671,7 @@
               <a:t>8</a:t>
             </a:r>
             <a:r>
-              <a:rPr lang="zh-CN" altLang="en-US" b="0" i="0" dirty="0">
+              <a:rPr lang="zh-CN" altLang="en-US" b="0" i="0">
                 <a:effectLst/>
                 <a:highlight>
                   <a:srgbClr val="FFFFFF"/>
@@ -6678,7 +11681,7 @@
               <a:t>台振动电机，可以以</a:t>
             </a:r>
             <a:r>
-              <a:rPr lang="en-US" altLang="zh-CN" b="0" i="0" dirty="0">
+              <a:rPr lang="en-US" altLang="zh-CN" b="0" i="0">
                 <a:effectLst/>
                 <a:highlight>
                   <a:srgbClr val="FFFFFF"/>
@@ -6688,7 +11691,7 @@
               <a:t>45°</a:t>
             </a:r>
             <a:r>
-              <a:rPr lang="zh-CN" altLang="en-US" b="0" i="0" dirty="0">
+              <a:rPr lang="zh-CN" altLang="en-US" b="0" i="0">
                 <a:effectLst/>
                 <a:highlight>
                   <a:srgbClr val="FFFFFF"/>
@@ -6697,7 +11700,7 @@
               </a:rPr>
               <a:t>为单位指示方向。</a:t>
             </a:r>
-            <a:endParaRPr lang="en-US" altLang="zh-CN" b="0" i="0" dirty="0">
+            <a:endParaRPr lang="en-US" altLang="zh-CN" b="0" i="0">
               <a:effectLst/>
               <a:highlight>
                 <a:srgbClr val="FFFFFF"/>
@@ -6712,7 +11715,7 @@
               <a:defRPr/>
             </a:pPr>
             <a:r>
-              <a:rPr lang="zh-CN" altLang="en-US" b="0" i="0" dirty="0">
+              <a:rPr lang="zh-CN" altLang="en-US" b="0" i="0">
                 <a:effectLst/>
                 <a:highlight>
                   <a:srgbClr val="FFFFFF"/>
@@ -6722,7 +11725,7 @@
               <a:t>使用触觉罗盘时，被试能够以</a:t>
             </a:r>
             <a:r>
-              <a:rPr lang="en-US" altLang="zh-CN" b="0" i="0" dirty="0">
+              <a:rPr lang="en-US" altLang="zh-CN" b="0" i="0">
                 <a:effectLst/>
                 <a:highlight>
                   <a:srgbClr val="FFFFFF"/>
@@ -6732,7 +11735,7 @@
               <a:t>3.03°</a:t>
             </a:r>
             <a:r>
-              <a:rPr lang="zh-CN" altLang="en-US" b="0" i="0" dirty="0">
+              <a:rPr lang="zh-CN" altLang="en-US" b="0" i="0">
                 <a:effectLst/>
                 <a:highlight>
                   <a:srgbClr val="FFFFFF"/>
@@ -6742,7 +11745,7 @@
               <a:t>的平均偏差到达目标方向，并能在</a:t>
             </a:r>
             <a:r>
-              <a:rPr lang="en-US" altLang="zh-CN" b="0" i="0" dirty="0">
+              <a:rPr lang="en-US" altLang="zh-CN" b="0" i="0">
                 <a:effectLst/>
                 <a:highlight>
                   <a:srgbClr val="FFFFFF"/>
@@ -6752,7 +11755,7 @@
               <a:t>60cm</a:t>
             </a:r>
             <a:r>
-              <a:rPr lang="zh-CN" altLang="en-US" b="0" i="0" dirty="0">
+              <a:rPr lang="zh-CN" altLang="en-US" b="0" i="0">
                 <a:effectLst/>
                 <a:highlight>
                   <a:srgbClr val="FFFFFF"/>
@@ -6761,7 +11764,7 @@
               </a:rPr>
               <a:t>宽的路径上平稳地导航。</a:t>
             </a:r>
-            <a:endParaRPr lang="en-US" altLang="zh-CN" b="0" i="0" dirty="0">
+            <a:endParaRPr lang="en-US" altLang="zh-CN" b="0" i="0">
               <a:effectLst/>
               <a:highlight>
                 <a:srgbClr val="FFFFFF"/>
@@ -6776,7 +11779,7 @@
               <a:defRPr/>
             </a:pPr>
             <a:r>
-              <a:rPr lang="en-US" altLang="zh-CN" b="0" i="0" dirty="0">
+              <a:rPr lang="en-US" altLang="zh-CN" b="0" i="0">
                 <a:effectLst/>
                 <a:highlight>
                   <a:srgbClr val="FFFFFF"/>
@@ -6795,7 +11798,7 @@
               </a:rPr>
               <a:t>音频反馈可以帮助参与者更准确地遵循路径。 然而，当参与者遭受由触觉针和音频不一致的线索引起的困惑时，他们更愿意使用触觉反馈。</a:t>
             </a:r>
-            <a:endParaRPr lang="en-US" altLang="zh-CN" b="0" i="0" dirty="0">
+            <a:endParaRPr lang="en-US" altLang="zh-CN" b="0" i="0">
               <a:effectLst/>
               <a:highlight>
                 <a:srgbClr val="FFFFFF"/>
@@ -6807,7 +11810,7 @@
             <a:pPr>
               <a:defRPr/>
             </a:pPr>
-            <a:endParaRPr lang="en-US" altLang="zh-CN" dirty="0"/>
+            <a:endParaRPr lang="en-US" altLang="zh-CN"/>
           </a:p>
         </p:txBody>
       </p:sp>
@@ -7519,44 +12522,44 @@
               <a:defRPr/>
             </a:pPr>
             <a:r>
-              <a:rPr lang="en-US" altLang="zh-CN" sz="1400" b="1" dirty="0" err="1">
+              <a:rPr lang="en-US" altLang="zh-CN" sz="1400" b="1" err="1">
                 <a:solidFill>
                   <a:srgbClr val="7F12B6"/>
                 </a:solidFill>
                 <a:latin typeface="时尚中黑简体" panose="01010104010101010101" pitchFamily="2" charset="-122"/>
                 <a:ea typeface="时尚中黑简体" panose="01010104010101010101" pitchFamily="2" charset="-122"/>
               </a:rPr>
-              <a:t>DesignandEvaluation</a:t>
-            </a:r>
-            <a:r>
-              <a:rPr lang="en-US" altLang="zh-CN" sz="1400" b="1" dirty="0">
+              <a:t>StripeMaps</a:t>
+            </a:r>
+            <a:r>
+              <a:rPr lang="en-US" altLang="zh-CN" sz="1400" b="1">
                 <a:solidFill>
                   <a:srgbClr val="7F12B6"/>
                 </a:solidFill>
                 <a:latin typeface="时尚中黑简体" panose="01010104010101010101" pitchFamily="2" charset="-122"/>
                 <a:ea typeface="时尚中黑简体" panose="01010104010101010101" pitchFamily="2" charset="-122"/>
               </a:rPr>
-              <a:t> </a:t>
-            </a:r>
-            <a:r>
-              <a:rPr lang="en-US" altLang="zh-CN" sz="1400" b="1" dirty="0" err="1">
+              <a:t>: Improving Map-based Pedestrian Navigation for Smartwatches  --</a:t>
+            </a:r>
+            <a:r>
+              <a:rPr lang="en-US" altLang="zh-CN" sz="1400" b="1" err="1">
                 <a:solidFill>
                   <a:srgbClr val="7F12B6"/>
                 </a:solidFill>
                 <a:latin typeface="时尚中黑简体" panose="01010104010101010101" pitchFamily="2" charset="-122"/>
                 <a:ea typeface="时尚中黑简体" panose="01010104010101010101" pitchFamily="2" charset="-122"/>
               </a:rPr>
-              <a:t>ofEncodedHaptic</a:t>
-            </a:r>
-            <a:r>
-              <a:rPr lang="en-US" altLang="zh-CN" sz="1400" b="1" dirty="0">
+              <a:t>MobileHCI</a:t>
+            </a:r>
+            <a:r>
+              <a:rPr lang="en-US" altLang="zh-CN" sz="1400" b="1">
                 <a:solidFill>
                   <a:srgbClr val="7F12B6"/>
                 </a:solidFill>
                 <a:latin typeface="时尚中黑简体" panose="01010104010101010101" pitchFamily="2" charset="-122"/>
                 <a:ea typeface="时尚中黑简体" panose="01010104010101010101" pitchFamily="2" charset="-122"/>
               </a:rPr>
-              <a:t> Pulses for Smartwatches   --Mobile Information Systems 2019</a:t>
+              <a:t> '15</a:t>
             </a:r>
           </a:p>
         </p:txBody>
@@ -7576,7 +12579,7 @@
         <p:spPr bwMode="auto">
           <a:xfrm>
             <a:off x="422882" y="1660509"/>
-            <a:ext cx="10675471" cy="2585323"/>
+            <a:ext cx="10675471" cy="369332"/>
           </a:xfrm>
           <a:prstGeom prst="rect">
             <a:avLst/>
@@ -7594,243 +12597,2115 @@
           </a:bodyPr>
           <a:lstStyle/>
           <a:p>
-            <a:pPr marL="342900" indent="-342900">
-              <a:buFont typeface="+mj-lt"/>
-              <a:buAutoNum type="arabicPeriod"/>
+            <a:pPr>
               <a:defRPr/>
             </a:pPr>
             <a:r>
-              <a:rPr lang="zh-CN" altLang="en-US" b="0" i="0" dirty="0">
+              <a:rPr lang="en-US" altLang="zh-CN" b="0" i="0" err="1">
                 <a:effectLst/>
                 <a:highlight>
                   <a:srgbClr val="FFFFFF"/>
                 </a:highlight>
                 <a:latin typeface="-apple-system"/>
               </a:rPr>
-              <a:t>视障人士跟随道路的指引系统：为了支持路径跟踪任务，引导系统应该提供路径规划和导航反馈。 路径规划的目标是建立一个安全有效的路径从一个地方到另一个地方。</a:t>
-            </a:r>
-            <a:endParaRPr lang="en-US" altLang="zh-CN" b="0" i="0" dirty="0">
-              <a:effectLst/>
+              <a:t>StripeMaps</a:t>
+            </a:r>
+            <a:r>
+              <a:rPr lang="zh-CN" altLang="en-US" b="0" i="0">
+                <a:effectLst/>
+                <a:highlight>
+                  <a:srgbClr val="FFFFFF"/>
+                </a:highlight>
+                <a:latin typeface="-apple-system"/>
+              </a:rPr>
+              <a:t>，这是一个适应移动网页设计技术的线性化系统，用于在智能手表的小屏幕上显示地图。 </a:t>
+            </a:r>
+            <a:endParaRPr lang="en-US" altLang="zh-CN"/>
+          </a:p>
+        </p:txBody>
+      </p:sp>
+      <p:sp>
+        <p:nvSpPr>
+          <p:cNvPr id="3" name="文本框 2">
+            <a:extLst>
+              <a:ext uri="{FF2B5EF4-FFF2-40B4-BE49-F238E27FC236}">
+                <a16:creationId xmlns:a16="http://schemas.microsoft.com/office/drawing/2014/main" id="{B0CB32D6-924E-77CE-110F-532DEAA5C1AB}"/>
+              </a:ext>
+            </a:extLst>
+          </p:cNvPr>
+          <p:cNvSpPr txBox="1"/>
+          <p:nvPr/>
+        </p:nvSpPr>
+        <p:spPr>
+          <a:xfrm>
+            <a:off x="422882" y="2485016"/>
+            <a:ext cx="6612619" cy="2541080"/>
+          </a:xfrm>
+          <a:prstGeom prst="rect">
+            <a:avLst/>
+          </a:prstGeom>
+          <a:noFill/>
+        </p:spPr>
+        <p:txBody>
+          <a:bodyPr wrap="square" rtlCol="0">
+            <a:spAutoFit/>
+          </a:bodyPr>
+          <a:lstStyle/>
+          <a:p>
+            <a:pPr>
+              <a:lnSpc>
+                <a:spcPct val="150000"/>
+              </a:lnSpc>
+              <a:defRPr/>
+            </a:pPr>
+            <a:r>
+              <a:rPr lang="zh-CN" altLang="en-US">
+                <a:highlight>
+                  <a:srgbClr val="FFFFFF"/>
+                </a:highlight>
+                <a:latin typeface="-apple-system"/>
+              </a:rPr>
+              <a:t>提出了一种名为</a:t>
+            </a:r>
+            <a:r>
+              <a:rPr lang="en-US" altLang="zh-CN" err="1">
+                <a:highlight>
+                  <a:srgbClr val="FFFFFF"/>
+                </a:highlight>
+                <a:latin typeface="-apple-system"/>
+              </a:rPr>
+              <a:t>StripeMaps</a:t>
+            </a:r>
+            <a:r>
+              <a:rPr lang="zh-CN" altLang="en-US">
+                <a:highlight>
+                  <a:srgbClr val="FFFFFF"/>
+                </a:highlight>
+                <a:latin typeface="-apple-system"/>
+              </a:rPr>
+              <a:t>的系统，用于在智能手表上显示地图。</a:t>
+            </a:r>
+            <a:r>
+              <a:rPr lang="en-US" altLang="zh-CN" err="1">
+                <a:highlight>
+                  <a:srgbClr val="FFFFFF"/>
+                </a:highlight>
+                <a:latin typeface="-apple-system"/>
+              </a:rPr>
+              <a:t>StripeMaps</a:t>
+            </a:r>
+            <a:r>
+              <a:rPr lang="zh-CN" altLang="en-US">
+                <a:highlight>
+                  <a:srgbClr val="FFFFFF"/>
+                </a:highlight>
+                <a:latin typeface="-apple-system"/>
+              </a:rPr>
+              <a:t>通过将传统的二维地图转换为一维</a:t>
+            </a:r>
+            <a:r>
+              <a:rPr lang="en-US" altLang="zh-CN">
+                <a:highlight>
+                  <a:srgbClr val="FFFFFF"/>
+                </a:highlight>
+                <a:latin typeface="-apple-system"/>
+              </a:rPr>
+              <a:t>“</a:t>
+            </a:r>
+            <a:r>
+              <a:rPr lang="zh-CN" altLang="en-US">
+                <a:highlight>
+                  <a:srgbClr val="FFFFFF"/>
+                </a:highlight>
+                <a:latin typeface="-apple-system"/>
+              </a:rPr>
+              <a:t>条纹</a:t>
+            </a:r>
+            <a:r>
+              <a:rPr lang="en-US" altLang="zh-CN">
+                <a:highlight>
+                  <a:srgbClr val="FFFFFF"/>
+                </a:highlight>
+                <a:latin typeface="-apple-system"/>
+              </a:rPr>
+              <a:t>”</a:t>
+            </a:r>
+            <a:r>
+              <a:rPr lang="zh-CN" altLang="en-US">
+                <a:highlight>
+                  <a:srgbClr val="FFFFFF"/>
+                </a:highlight>
+                <a:latin typeface="-apple-system"/>
+              </a:rPr>
+              <a:t>以适应小屏幕的限制，来提高步行导航的使用体验。随后通过用户研究表明，</a:t>
+            </a:r>
+            <a:r>
+              <a:rPr lang="en-US" altLang="zh-CN" err="1">
+                <a:highlight>
+                  <a:srgbClr val="FFFFFF"/>
+                </a:highlight>
+                <a:latin typeface="-apple-system"/>
+              </a:rPr>
+              <a:t>StripeMaps</a:t>
+            </a:r>
+            <a:r>
+              <a:rPr lang="zh-CN" altLang="en-US">
+                <a:highlight>
+                  <a:srgbClr val="FFFFFF"/>
+                </a:highlight>
+                <a:latin typeface="-apple-system"/>
+              </a:rPr>
+              <a:t>的强化设计可以优于传统的智能手机地图和转向引导。</a:t>
+            </a:r>
+            <a:r>
+              <a:rPr lang="en-US" altLang="zh-CN">
+                <a:highlight>
+                  <a:srgbClr val="FFFFFF"/>
+                </a:highlight>
+                <a:latin typeface="-apple-system"/>
+              </a:rPr>
+              <a:t> </a:t>
+            </a:r>
+            <a:r>
+              <a:rPr lang="zh-CN" altLang="en-US">
+                <a:highlight>
+                  <a:srgbClr val="FFFFFF"/>
+                </a:highlight>
+                <a:latin typeface="-apple-system"/>
+              </a:rPr>
+              <a:t>除了介绍</a:t>
+            </a:r>
+            <a:r>
+              <a:rPr lang="en-US" altLang="zh-CN" err="1">
+                <a:highlight>
+                  <a:srgbClr val="FFFFFF"/>
+                </a:highlight>
+                <a:latin typeface="-apple-system"/>
+              </a:rPr>
+              <a:t>StripeMaps</a:t>
+            </a:r>
+            <a:r>
+              <a:rPr lang="zh-CN" altLang="en-US">
+                <a:highlight>
+                  <a:srgbClr val="FFFFFF"/>
+                </a:highlight>
+                <a:latin typeface="-apple-system"/>
+              </a:rPr>
+              <a:t>之外，本文还比较了不同步行智能手表导航方法的优缺点。</a:t>
+            </a:r>
+          </a:p>
+        </p:txBody>
+      </p:sp>
+      <p:pic>
+        <p:nvPicPr>
+          <p:cNvPr id="6" name="图片 5">
+            <a:extLst>
+              <a:ext uri="{FF2B5EF4-FFF2-40B4-BE49-F238E27FC236}">
+                <a16:creationId xmlns:a16="http://schemas.microsoft.com/office/drawing/2014/main" id="{727382C1-473C-8C40-0F30-466DB75430DA}"/>
+              </a:ext>
+            </a:extLst>
+          </p:cNvPr>
+          <p:cNvPicPr>
+            <a:picLocks noChangeAspect="1"/>
+          </p:cNvPicPr>
+          <p:nvPr/>
+        </p:nvPicPr>
+        <p:blipFill>
+          <a:blip r:embed="rId3"/>
+          <a:stretch>
+            <a:fillRect/>
+          </a:stretch>
+        </p:blipFill>
+        <p:spPr>
+          <a:xfrm>
+            <a:off x="8451525" y="2485016"/>
+            <a:ext cx="2646828" cy="3357499"/>
+          </a:xfrm>
+          <a:prstGeom prst="rect">
+            <a:avLst/>
+          </a:prstGeom>
+        </p:spPr>
+      </p:pic>
+    </p:spTree>
+    <p:extLst>
+      <p:ext uri="{BB962C8B-B14F-4D97-AF65-F5344CB8AC3E}">
+        <p14:creationId xmlns:p14="http://schemas.microsoft.com/office/powerpoint/2010/main" val="4132362298"/>
+      </p:ext>
+    </p:extLst>
+  </p:cSld>
+  <p:clrMapOvr>
+    <a:masterClrMapping/>
+  </p:clrMapOvr>
+  <mc:AlternateContent xmlns:mc="http://schemas.openxmlformats.org/markup-compatibility/2006" xmlns:p14="http://schemas.microsoft.com/office/powerpoint/2010/main">
+    <mc:Choice Requires="p14">
+      <p:transition spd="slow" p14:dur="1500" advTm="0">
+        <p:random/>
+      </p:transition>
+    </mc:Choice>
+    <mc:Fallback xmlns="">
+      <p:transition spd="slow" advTm="0">
+        <p:random/>
+      </p:transition>
+    </mc:Fallback>
+  </mc:AlternateContent>
+</p:sld>
+</file>
+
+<file path=ppt/slides/slide8.xml><?xml version="1.0" encoding="utf-8"?>
+<p:sld xmlns:a="http://schemas.openxmlformats.org/drawingml/2006/main" xmlns:r="http://schemas.openxmlformats.org/officeDocument/2006/relationships" xmlns:p="http://schemas.openxmlformats.org/presentationml/2006/main">
+  <p:cSld>
+    <p:spTree>
+      <p:nvGrpSpPr>
+        <p:cNvPr id="1" name=""/>
+        <p:cNvGrpSpPr/>
+        <p:nvPr/>
+      </p:nvGrpSpPr>
+      <p:grpSpPr>
+        <a:xfrm>
+          <a:off x="0" y="0"/>
+          <a:ext cx="0" cy="0"/>
+          <a:chOff x="0" y="0"/>
+          <a:chExt cx="0" cy="0"/>
+        </a:xfrm>
+      </p:grpSpPr>
+      <p:grpSp>
+        <p:nvGrpSpPr>
+          <p:cNvPr id="21" name="组合 20"/>
+          <p:cNvGrpSpPr/>
+          <p:nvPr/>
+        </p:nvGrpSpPr>
+        <p:grpSpPr>
+          <a:xfrm>
+            <a:off x="5270500" y="510493"/>
+            <a:ext cx="7561033" cy="380555"/>
+            <a:chOff x="6997699" y="510493"/>
+            <a:chExt cx="5794625" cy="380555"/>
+          </a:xfrm>
+        </p:grpSpPr>
+        <p:sp>
+          <p:nvSpPr>
+            <p:cNvPr id="22" name="任意多边形: 形状 21"/>
+            <p:cNvSpPr/>
+            <p:nvPr userDrawn="1"/>
+          </p:nvSpPr>
+          <p:spPr>
+            <a:xfrm flipH="1">
+              <a:off x="6997699" y="764493"/>
+              <a:ext cx="5376633" cy="126555"/>
+            </a:xfrm>
+            <a:custGeom>
+              <a:avLst/>
+              <a:gdLst>
+                <a:gd name="connsiteX0" fmla="*/ 7367523 w 7367523"/>
+                <a:gd name="connsiteY0" fmla="*/ 0 h 173416"/>
+                <a:gd name="connsiteX1" fmla="*/ 6374783 w 7367523"/>
+                <a:gd name="connsiteY1" fmla="*/ 0 h 173416"/>
+                <a:gd name="connsiteX2" fmla="*/ 6240349 w 7367523"/>
+                <a:gd name="connsiteY2" fmla="*/ 0 h 173416"/>
+                <a:gd name="connsiteX3" fmla="*/ 5540227 w 7367523"/>
+                <a:gd name="connsiteY3" fmla="*/ 0 h 173416"/>
+                <a:gd name="connsiteX4" fmla="*/ 5247612 w 7367523"/>
+                <a:gd name="connsiteY4" fmla="*/ 0 h 173416"/>
+                <a:gd name="connsiteX5" fmla="*/ 4707193 w 7367523"/>
+                <a:gd name="connsiteY5" fmla="*/ 0 h 173416"/>
+                <a:gd name="connsiteX6" fmla="*/ 4413053 w 7367523"/>
+                <a:gd name="connsiteY6" fmla="*/ 0 h 173416"/>
+                <a:gd name="connsiteX7" fmla="*/ 3865356 w 7367523"/>
+                <a:gd name="connsiteY7" fmla="*/ 0 h 173416"/>
+                <a:gd name="connsiteX8" fmla="*/ 3580019 w 7367523"/>
+                <a:gd name="connsiteY8" fmla="*/ 0 h 173416"/>
+                <a:gd name="connsiteX9" fmla="*/ 2872616 w 7367523"/>
+                <a:gd name="connsiteY9" fmla="*/ 0 h 173416"/>
+                <a:gd name="connsiteX10" fmla="*/ 2738183 w 7367523"/>
+                <a:gd name="connsiteY10" fmla="*/ 0 h 173416"/>
+                <a:gd name="connsiteX11" fmla="*/ 2038060 w 7367523"/>
+                <a:gd name="connsiteY11" fmla="*/ 0 h 173416"/>
+                <a:gd name="connsiteX12" fmla="*/ 1745445 w 7367523"/>
+                <a:gd name="connsiteY12" fmla="*/ 0 h 173416"/>
+                <a:gd name="connsiteX13" fmla="*/ 1205026 w 7367523"/>
+                <a:gd name="connsiteY13" fmla="*/ 0 h 173416"/>
+                <a:gd name="connsiteX14" fmla="*/ 910887 w 7367523"/>
+                <a:gd name="connsiteY14" fmla="*/ 0 h 173416"/>
+                <a:gd name="connsiteX15" fmla="*/ 77853 w 7367523"/>
+                <a:gd name="connsiteY15" fmla="*/ 0 h 173416"/>
+                <a:gd name="connsiteX16" fmla="*/ 0 w 7367523"/>
+                <a:gd name="connsiteY16" fmla="*/ 173416 h 173416"/>
+                <a:gd name="connsiteX17" fmla="*/ 7289670 w 7367523"/>
+                <a:gd name="connsiteY17" fmla="*/ 173416 h 173416"/>
+              </a:gdLst>
+              <a:ahLst/>
+              <a:cxnLst>
+                <a:cxn ang="0">
+                  <a:pos x="connsiteX0" y="connsiteY0"/>
+                </a:cxn>
+                <a:cxn ang="0">
+                  <a:pos x="connsiteX1" y="connsiteY1"/>
+                </a:cxn>
+                <a:cxn ang="0">
+                  <a:pos x="connsiteX2" y="connsiteY2"/>
+                </a:cxn>
+                <a:cxn ang="0">
+                  <a:pos x="connsiteX3" y="connsiteY3"/>
+                </a:cxn>
+                <a:cxn ang="0">
+                  <a:pos x="connsiteX4" y="connsiteY4"/>
+                </a:cxn>
+                <a:cxn ang="0">
+                  <a:pos x="connsiteX5" y="connsiteY5"/>
+                </a:cxn>
+                <a:cxn ang="0">
+                  <a:pos x="connsiteX6" y="connsiteY6"/>
+                </a:cxn>
+                <a:cxn ang="0">
+                  <a:pos x="connsiteX7" y="connsiteY7"/>
+                </a:cxn>
+                <a:cxn ang="0">
+                  <a:pos x="connsiteX8" y="connsiteY8"/>
+                </a:cxn>
+                <a:cxn ang="0">
+                  <a:pos x="connsiteX9" y="connsiteY9"/>
+                </a:cxn>
+                <a:cxn ang="0">
+                  <a:pos x="connsiteX10" y="connsiteY10"/>
+                </a:cxn>
+                <a:cxn ang="0">
+                  <a:pos x="connsiteX11" y="connsiteY11"/>
+                </a:cxn>
+                <a:cxn ang="0">
+                  <a:pos x="connsiteX12" y="connsiteY12"/>
+                </a:cxn>
+                <a:cxn ang="0">
+                  <a:pos x="connsiteX13" y="connsiteY13"/>
+                </a:cxn>
+                <a:cxn ang="0">
+                  <a:pos x="connsiteX14" y="connsiteY14"/>
+                </a:cxn>
+                <a:cxn ang="0">
+                  <a:pos x="connsiteX15" y="connsiteY15"/>
+                </a:cxn>
+                <a:cxn ang="0">
+                  <a:pos x="connsiteX16" y="connsiteY16"/>
+                </a:cxn>
+                <a:cxn ang="0">
+                  <a:pos x="connsiteX17" y="connsiteY17"/>
+                </a:cxn>
+              </a:cxnLst>
+              <a:rect l="l" t="t" r="r" b="b"/>
+              <a:pathLst>
+                <a:path w="7367523" h="173416">
+                  <a:moveTo>
+                    <a:pt x="7367523" y="0"/>
+                  </a:moveTo>
+                  <a:lnTo>
+                    <a:pt x="6374783" y="0"/>
+                  </a:lnTo>
+                  <a:lnTo>
+                    <a:pt x="6240349" y="0"/>
+                  </a:lnTo>
+                  <a:lnTo>
+                    <a:pt x="5540227" y="0"/>
+                  </a:lnTo>
+                  <a:lnTo>
+                    <a:pt x="5247612" y="0"/>
+                  </a:lnTo>
+                  <a:lnTo>
+                    <a:pt x="4707193" y="0"/>
+                  </a:lnTo>
+                  <a:lnTo>
+                    <a:pt x="4413053" y="0"/>
+                  </a:lnTo>
+                  <a:lnTo>
+                    <a:pt x="3865356" y="0"/>
+                  </a:lnTo>
+                  <a:lnTo>
+                    <a:pt x="3580019" y="0"/>
+                  </a:lnTo>
+                  <a:lnTo>
+                    <a:pt x="2872616" y="0"/>
+                  </a:lnTo>
+                  <a:lnTo>
+                    <a:pt x="2738183" y="0"/>
+                  </a:lnTo>
+                  <a:lnTo>
+                    <a:pt x="2038060" y="0"/>
+                  </a:lnTo>
+                  <a:lnTo>
+                    <a:pt x="1745445" y="0"/>
+                  </a:lnTo>
+                  <a:lnTo>
+                    <a:pt x="1205026" y="0"/>
+                  </a:lnTo>
+                  <a:lnTo>
+                    <a:pt x="910887" y="0"/>
+                  </a:lnTo>
+                  <a:lnTo>
+                    <a:pt x="77853" y="0"/>
+                  </a:lnTo>
+                  <a:lnTo>
+                    <a:pt x="0" y="173416"/>
+                  </a:lnTo>
+                  <a:lnTo>
+                    <a:pt x="7289670" y="173416"/>
+                  </a:lnTo>
+                  <a:close/>
+                </a:path>
+              </a:pathLst>
+            </a:custGeom>
+            <a:gradFill flip="none" rotWithShape="0">
+              <a:gsLst>
+                <a:gs pos="0">
+                  <a:srgbClr val="228AF2"/>
+                </a:gs>
+                <a:gs pos="94000">
+                  <a:srgbClr val="7F12B6"/>
+                </a:gs>
+              </a:gsLst>
+              <a:lin ang="2700000" scaled="1"/>
+              <a:tileRect/>
+            </a:gradFill>
+            <a:ln>
+              <a:noFill/>
+            </a:ln>
+          </p:spPr>
+          <p:style>
+            <a:lnRef idx="2">
+              <a:schemeClr val="accent1">
+                <a:shade val="50000"/>
+              </a:schemeClr>
+            </a:lnRef>
+            <a:fillRef idx="1">
+              <a:schemeClr val="accent1"/>
+            </a:fillRef>
+            <a:effectRef idx="0">
+              <a:schemeClr val="accent1"/>
+            </a:effectRef>
+            <a:fontRef idx="minor">
+              <a:schemeClr val="lt1"/>
+            </a:fontRef>
+          </p:style>
+          <p:txBody>
+            <a:bodyPr rot="0" spcFirstLastPara="0" vertOverflow="overflow" horzOverflow="overflow" vert="horz" wrap="square" lIns="91440" tIns="45720" rIns="91440" bIns="45720" numCol="1" spcCol="0" rtlCol="0" fromWordArt="0" anchor="ctr" anchorCtr="0" forceAA="0" compatLnSpc="1">
+              <a:noAutofit/>
+            </a:bodyPr>
+            <a:lstStyle/>
+            <a:p>
+              <a:pPr algn="ctr"/>
+              <a:endParaRPr lang="zh-CN" altLang="en-US"/>
+            </a:p>
+          </p:txBody>
+        </p:sp>
+        <p:sp>
+          <p:nvSpPr>
+            <p:cNvPr id="23" name="任意多边形: 形状 22"/>
+            <p:cNvSpPr/>
+            <p:nvPr userDrawn="1"/>
+          </p:nvSpPr>
+          <p:spPr>
+            <a:xfrm flipH="1">
+              <a:off x="7415691" y="510493"/>
+              <a:ext cx="5376633" cy="126555"/>
+            </a:xfrm>
+            <a:custGeom>
+              <a:avLst/>
+              <a:gdLst>
+                <a:gd name="connsiteX0" fmla="*/ 7367523 w 7367523"/>
+                <a:gd name="connsiteY0" fmla="*/ 0 h 173416"/>
+                <a:gd name="connsiteX1" fmla="*/ 6374783 w 7367523"/>
+                <a:gd name="connsiteY1" fmla="*/ 0 h 173416"/>
+                <a:gd name="connsiteX2" fmla="*/ 6240349 w 7367523"/>
+                <a:gd name="connsiteY2" fmla="*/ 0 h 173416"/>
+                <a:gd name="connsiteX3" fmla="*/ 5540227 w 7367523"/>
+                <a:gd name="connsiteY3" fmla="*/ 0 h 173416"/>
+                <a:gd name="connsiteX4" fmla="*/ 5247612 w 7367523"/>
+                <a:gd name="connsiteY4" fmla="*/ 0 h 173416"/>
+                <a:gd name="connsiteX5" fmla="*/ 4707193 w 7367523"/>
+                <a:gd name="connsiteY5" fmla="*/ 0 h 173416"/>
+                <a:gd name="connsiteX6" fmla="*/ 4413053 w 7367523"/>
+                <a:gd name="connsiteY6" fmla="*/ 0 h 173416"/>
+                <a:gd name="connsiteX7" fmla="*/ 3865356 w 7367523"/>
+                <a:gd name="connsiteY7" fmla="*/ 0 h 173416"/>
+                <a:gd name="connsiteX8" fmla="*/ 3580019 w 7367523"/>
+                <a:gd name="connsiteY8" fmla="*/ 0 h 173416"/>
+                <a:gd name="connsiteX9" fmla="*/ 2872616 w 7367523"/>
+                <a:gd name="connsiteY9" fmla="*/ 0 h 173416"/>
+                <a:gd name="connsiteX10" fmla="*/ 2738183 w 7367523"/>
+                <a:gd name="connsiteY10" fmla="*/ 0 h 173416"/>
+                <a:gd name="connsiteX11" fmla="*/ 2038060 w 7367523"/>
+                <a:gd name="connsiteY11" fmla="*/ 0 h 173416"/>
+                <a:gd name="connsiteX12" fmla="*/ 1745445 w 7367523"/>
+                <a:gd name="connsiteY12" fmla="*/ 0 h 173416"/>
+                <a:gd name="connsiteX13" fmla="*/ 1205026 w 7367523"/>
+                <a:gd name="connsiteY13" fmla="*/ 0 h 173416"/>
+                <a:gd name="connsiteX14" fmla="*/ 910887 w 7367523"/>
+                <a:gd name="connsiteY14" fmla="*/ 0 h 173416"/>
+                <a:gd name="connsiteX15" fmla="*/ 77853 w 7367523"/>
+                <a:gd name="connsiteY15" fmla="*/ 0 h 173416"/>
+                <a:gd name="connsiteX16" fmla="*/ 0 w 7367523"/>
+                <a:gd name="connsiteY16" fmla="*/ 173416 h 173416"/>
+                <a:gd name="connsiteX17" fmla="*/ 7289670 w 7367523"/>
+                <a:gd name="connsiteY17" fmla="*/ 173416 h 173416"/>
+              </a:gdLst>
+              <a:ahLst/>
+              <a:cxnLst>
+                <a:cxn ang="0">
+                  <a:pos x="connsiteX0" y="connsiteY0"/>
+                </a:cxn>
+                <a:cxn ang="0">
+                  <a:pos x="connsiteX1" y="connsiteY1"/>
+                </a:cxn>
+                <a:cxn ang="0">
+                  <a:pos x="connsiteX2" y="connsiteY2"/>
+                </a:cxn>
+                <a:cxn ang="0">
+                  <a:pos x="connsiteX3" y="connsiteY3"/>
+                </a:cxn>
+                <a:cxn ang="0">
+                  <a:pos x="connsiteX4" y="connsiteY4"/>
+                </a:cxn>
+                <a:cxn ang="0">
+                  <a:pos x="connsiteX5" y="connsiteY5"/>
+                </a:cxn>
+                <a:cxn ang="0">
+                  <a:pos x="connsiteX6" y="connsiteY6"/>
+                </a:cxn>
+                <a:cxn ang="0">
+                  <a:pos x="connsiteX7" y="connsiteY7"/>
+                </a:cxn>
+                <a:cxn ang="0">
+                  <a:pos x="connsiteX8" y="connsiteY8"/>
+                </a:cxn>
+                <a:cxn ang="0">
+                  <a:pos x="connsiteX9" y="connsiteY9"/>
+                </a:cxn>
+                <a:cxn ang="0">
+                  <a:pos x="connsiteX10" y="connsiteY10"/>
+                </a:cxn>
+                <a:cxn ang="0">
+                  <a:pos x="connsiteX11" y="connsiteY11"/>
+                </a:cxn>
+                <a:cxn ang="0">
+                  <a:pos x="connsiteX12" y="connsiteY12"/>
+                </a:cxn>
+                <a:cxn ang="0">
+                  <a:pos x="connsiteX13" y="connsiteY13"/>
+                </a:cxn>
+                <a:cxn ang="0">
+                  <a:pos x="connsiteX14" y="connsiteY14"/>
+                </a:cxn>
+                <a:cxn ang="0">
+                  <a:pos x="connsiteX15" y="connsiteY15"/>
+                </a:cxn>
+                <a:cxn ang="0">
+                  <a:pos x="connsiteX16" y="connsiteY16"/>
+                </a:cxn>
+                <a:cxn ang="0">
+                  <a:pos x="connsiteX17" y="connsiteY17"/>
+                </a:cxn>
+              </a:cxnLst>
+              <a:rect l="l" t="t" r="r" b="b"/>
+              <a:pathLst>
+                <a:path w="7367523" h="173416">
+                  <a:moveTo>
+                    <a:pt x="7367523" y="0"/>
+                  </a:moveTo>
+                  <a:lnTo>
+                    <a:pt x="6374783" y="0"/>
+                  </a:lnTo>
+                  <a:lnTo>
+                    <a:pt x="6240349" y="0"/>
+                  </a:lnTo>
+                  <a:lnTo>
+                    <a:pt x="5540227" y="0"/>
+                  </a:lnTo>
+                  <a:lnTo>
+                    <a:pt x="5247612" y="0"/>
+                  </a:lnTo>
+                  <a:lnTo>
+                    <a:pt x="4707193" y="0"/>
+                  </a:lnTo>
+                  <a:lnTo>
+                    <a:pt x="4413053" y="0"/>
+                  </a:lnTo>
+                  <a:lnTo>
+                    <a:pt x="3865356" y="0"/>
+                  </a:lnTo>
+                  <a:lnTo>
+                    <a:pt x="3580019" y="0"/>
+                  </a:lnTo>
+                  <a:lnTo>
+                    <a:pt x="2872616" y="0"/>
+                  </a:lnTo>
+                  <a:lnTo>
+                    <a:pt x="2738183" y="0"/>
+                  </a:lnTo>
+                  <a:lnTo>
+                    <a:pt x="2038060" y="0"/>
+                  </a:lnTo>
+                  <a:lnTo>
+                    <a:pt x="1745445" y="0"/>
+                  </a:lnTo>
+                  <a:lnTo>
+                    <a:pt x="1205026" y="0"/>
+                  </a:lnTo>
+                  <a:lnTo>
+                    <a:pt x="910887" y="0"/>
+                  </a:lnTo>
+                  <a:lnTo>
+                    <a:pt x="77853" y="0"/>
+                  </a:lnTo>
+                  <a:lnTo>
+                    <a:pt x="0" y="173416"/>
+                  </a:lnTo>
+                  <a:lnTo>
+                    <a:pt x="7289670" y="173416"/>
+                  </a:lnTo>
+                  <a:close/>
+                </a:path>
+              </a:pathLst>
+            </a:custGeom>
+            <a:solidFill>
+              <a:schemeClr val="bg2"/>
+            </a:solidFill>
+            <a:ln>
+              <a:noFill/>
+            </a:ln>
+          </p:spPr>
+          <p:style>
+            <a:lnRef idx="2">
+              <a:schemeClr val="accent1">
+                <a:shade val="50000"/>
+              </a:schemeClr>
+            </a:lnRef>
+            <a:fillRef idx="1">
+              <a:schemeClr val="accent1"/>
+            </a:fillRef>
+            <a:effectRef idx="0">
+              <a:schemeClr val="accent1"/>
+            </a:effectRef>
+            <a:fontRef idx="minor">
+              <a:schemeClr val="lt1"/>
+            </a:fontRef>
+          </p:style>
+          <p:txBody>
+            <a:bodyPr rot="0" spcFirstLastPara="0" vertOverflow="overflow" horzOverflow="overflow" vert="horz" wrap="square" lIns="91440" tIns="45720" rIns="91440" bIns="45720" numCol="1" spcCol="0" rtlCol="0" fromWordArt="0" anchor="ctr" anchorCtr="0" forceAA="0" compatLnSpc="1">
+              <a:noAutofit/>
+            </a:bodyPr>
+            <a:lstStyle/>
+            <a:p>
+              <a:pPr algn="ctr"/>
+              <a:endParaRPr lang="zh-CN" altLang="en-US"/>
+            </a:p>
+          </p:txBody>
+        </p:sp>
+      </p:grpSp>
+      <p:sp>
+        <p:nvSpPr>
+          <p:cNvPr id="24" name="任意多边形: 形状 23"/>
+          <p:cNvSpPr/>
+          <p:nvPr/>
+        </p:nvSpPr>
+        <p:spPr>
+          <a:xfrm flipH="1">
+            <a:off x="129621" y="0"/>
+            <a:ext cx="586522" cy="1047087"/>
+          </a:xfrm>
+          <a:custGeom>
+            <a:avLst/>
+            <a:gdLst>
+              <a:gd name="connsiteX0" fmla="*/ 586522 w 586522"/>
+              <a:gd name="connsiteY0" fmla="*/ 0 h 1047087"/>
+              <a:gd name="connsiteX1" fmla="*/ 470079 w 586522"/>
+              <a:gd name="connsiteY1" fmla="*/ 0 h 1047087"/>
+              <a:gd name="connsiteX2" fmla="*/ 0 w 586522"/>
+              <a:gd name="connsiteY2" fmla="*/ 1047087 h 1047087"/>
+              <a:gd name="connsiteX3" fmla="*/ 116443 w 586522"/>
+              <a:gd name="connsiteY3" fmla="*/ 1047087 h 1047087"/>
+            </a:gdLst>
+            <a:ahLst/>
+            <a:cxnLst>
+              <a:cxn ang="0">
+                <a:pos x="connsiteX0" y="connsiteY0"/>
+              </a:cxn>
+              <a:cxn ang="0">
+                <a:pos x="connsiteX1" y="connsiteY1"/>
+              </a:cxn>
+              <a:cxn ang="0">
+                <a:pos x="connsiteX2" y="connsiteY2"/>
+              </a:cxn>
+              <a:cxn ang="0">
+                <a:pos x="connsiteX3" y="connsiteY3"/>
+              </a:cxn>
+            </a:cxnLst>
+            <a:rect l="l" t="t" r="r" b="b"/>
+            <a:pathLst>
+              <a:path w="586522" h="1047087">
+                <a:moveTo>
+                  <a:pt x="586522" y="0"/>
+                </a:moveTo>
+                <a:lnTo>
+                  <a:pt x="470079" y="0"/>
+                </a:lnTo>
+                <a:lnTo>
+                  <a:pt x="0" y="1047087"/>
+                </a:lnTo>
+                <a:lnTo>
+                  <a:pt x="116443" y="1047087"/>
+                </a:lnTo>
+                <a:close/>
+              </a:path>
+            </a:pathLst>
+          </a:custGeom>
+          <a:gradFill flip="none" rotWithShape="0">
+            <a:gsLst>
+              <a:gs pos="0">
+                <a:srgbClr val="53A5F5">
+                  <a:lumMod val="73000"/>
+                  <a:lumOff val="27000"/>
+                </a:srgbClr>
+              </a:gs>
+              <a:gs pos="94000">
+                <a:srgbClr val="9214CF">
+                  <a:lumMod val="73000"/>
+                  <a:lumOff val="27000"/>
+                </a:srgbClr>
+              </a:gs>
+            </a:gsLst>
+            <a:lin ang="2700000" scaled="1"/>
+            <a:tileRect/>
+          </a:gradFill>
+          <a:ln>
+            <a:noFill/>
+          </a:ln>
+        </p:spPr>
+        <p:style>
+          <a:lnRef idx="2">
+            <a:schemeClr val="accent1">
+              <a:shade val="50000"/>
+            </a:schemeClr>
+          </a:lnRef>
+          <a:fillRef idx="1">
+            <a:schemeClr val="accent1"/>
+          </a:fillRef>
+          <a:effectRef idx="0">
+            <a:schemeClr val="accent1"/>
+          </a:effectRef>
+          <a:fontRef idx="minor">
+            <a:schemeClr val="lt1"/>
+          </a:fontRef>
+        </p:style>
+        <p:txBody>
+          <a:bodyPr rot="0" spcFirstLastPara="0" vertOverflow="overflow" horzOverflow="overflow" vert="horz" wrap="square" lIns="91440" tIns="45720" rIns="91440" bIns="45720" numCol="1" spcCol="0" rtlCol="0" fromWordArt="0" anchor="ctr" anchorCtr="0" forceAA="0" compatLnSpc="1">
+            <a:noAutofit/>
+          </a:bodyPr>
+          <a:lstStyle/>
+          <a:p>
+            <a:pPr algn="ctr"/>
+            <a:endParaRPr lang="zh-CN" altLang="en-US"/>
+          </a:p>
+        </p:txBody>
+      </p:sp>
+      <p:sp>
+        <p:nvSpPr>
+          <p:cNvPr id="25" name="任意多边形: 形状 24"/>
+          <p:cNvSpPr/>
+          <p:nvPr/>
+        </p:nvSpPr>
+        <p:spPr>
+          <a:xfrm flipH="1">
+            <a:off x="581108" y="202981"/>
+            <a:ext cx="344503" cy="615023"/>
+          </a:xfrm>
+          <a:custGeom>
+            <a:avLst/>
+            <a:gdLst>
+              <a:gd name="connsiteX0" fmla="*/ 586522 w 586522"/>
+              <a:gd name="connsiteY0" fmla="*/ 0 h 1047087"/>
+              <a:gd name="connsiteX1" fmla="*/ 470079 w 586522"/>
+              <a:gd name="connsiteY1" fmla="*/ 0 h 1047087"/>
+              <a:gd name="connsiteX2" fmla="*/ 0 w 586522"/>
+              <a:gd name="connsiteY2" fmla="*/ 1047087 h 1047087"/>
+              <a:gd name="connsiteX3" fmla="*/ 116443 w 586522"/>
+              <a:gd name="connsiteY3" fmla="*/ 1047087 h 1047087"/>
+            </a:gdLst>
+            <a:ahLst/>
+            <a:cxnLst>
+              <a:cxn ang="0">
+                <a:pos x="connsiteX0" y="connsiteY0"/>
+              </a:cxn>
+              <a:cxn ang="0">
+                <a:pos x="connsiteX1" y="connsiteY1"/>
+              </a:cxn>
+              <a:cxn ang="0">
+                <a:pos x="connsiteX2" y="connsiteY2"/>
+              </a:cxn>
+              <a:cxn ang="0">
+                <a:pos x="connsiteX3" y="connsiteY3"/>
+              </a:cxn>
+            </a:cxnLst>
+            <a:rect l="l" t="t" r="r" b="b"/>
+            <a:pathLst>
+              <a:path w="586522" h="1047087">
+                <a:moveTo>
+                  <a:pt x="586522" y="0"/>
+                </a:moveTo>
+                <a:lnTo>
+                  <a:pt x="470079" y="0"/>
+                </a:lnTo>
+                <a:lnTo>
+                  <a:pt x="0" y="1047087"/>
+                </a:lnTo>
+                <a:lnTo>
+                  <a:pt x="116443" y="1047087"/>
+                </a:lnTo>
+                <a:close/>
+              </a:path>
+            </a:pathLst>
+          </a:custGeom>
+          <a:solidFill>
+            <a:schemeClr val="bg1">
+              <a:lumMod val="95000"/>
+            </a:schemeClr>
+          </a:solidFill>
+          <a:ln>
+            <a:noFill/>
+          </a:ln>
+        </p:spPr>
+        <p:style>
+          <a:lnRef idx="2">
+            <a:schemeClr val="accent1">
+              <a:shade val="50000"/>
+            </a:schemeClr>
+          </a:lnRef>
+          <a:fillRef idx="1">
+            <a:schemeClr val="accent1"/>
+          </a:fillRef>
+          <a:effectRef idx="0">
+            <a:schemeClr val="accent1"/>
+          </a:effectRef>
+          <a:fontRef idx="minor">
+            <a:schemeClr val="lt1"/>
+          </a:fontRef>
+        </p:style>
+        <p:txBody>
+          <a:bodyPr rot="0" spcFirstLastPara="0" vertOverflow="overflow" horzOverflow="overflow" vert="horz" wrap="square" lIns="91440" tIns="45720" rIns="91440" bIns="45720" numCol="1" spcCol="0" rtlCol="0" fromWordArt="0" anchor="ctr" anchorCtr="0" forceAA="0" compatLnSpc="1">
+            <a:noAutofit/>
+          </a:bodyPr>
+          <a:lstStyle/>
+          <a:p>
+            <a:pPr algn="ctr"/>
+            <a:endParaRPr lang="zh-CN" altLang="en-US"/>
+          </a:p>
+        </p:txBody>
+      </p:sp>
+      <p:sp>
+        <p:nvSpPr>
+          <p:cNvPr id="2" name="文本框 1">
+            <a:extLst>
+              <a:ext uri="{FF2B5EF4-FFF2-40B4-BE49-F238E27FC236}">
+                <a16:creationId xmlns:a16="http://schemas.microsoft.com/office/drawing/2014/main" id="{F2A4914D-6F1A-B39C-504F-A70AC426C7FC}"/>
+              </a:ext>
+            </a:extLst>
+          </p:cNvPr>
+          <p:cNvSpPr txBox="1"/>
+          <p:nvPr/>
+        </p:nvSpPr>
+        <p:spPr bwMode="auto">
+          <a:xfrm>
+            <a:off x="322925" y="1121890"/>
+            <a:ext cx="11187757" cy="523220"/>
+          </a:xfrm>
+          <a:prstGeom prst="rect">
+            <a:avLst/>
+          </a:prstGeom>
+          <a:noFill/>
+        </p:spPr>
+        <p:txBody>
+          <a:bodyPr wrap="square">
+            <a:spAutoFit/>
+            <a:scene3d>
+              <a:camera prst="orthographicFront"/>
+              <a:lightRig rig="threePt" dir="t"/>
+            </a:scene3d>
+            <a:sp3d contourW="12700"/>
+          </a:bodyPr>
+          <a:lstStyle/>
+          <a:p>
+            <a:pPr>
+              <a:defRPr/>
+            </a:pPr>
+            <a:r>
+              <a:rPr lang="en-US" altLang="zh-CN" sz="1400" b="1">
+                <a:solidFill>
+                  <a:srgbClr val="7F12B6"/>
+                </a:solidFill>
+                <a:latin typeface="时尚中黑简体" panose="01010104010101010101" pitchFamily="2" charset="-122"/>
+                <a:ea typeface="时尚中黑简体" panose="01010104010101010101" pitchFamily="2" charset="-122"/>
+              </a:rPr>
+              <a:t>Applying user-centred design for smartwatch-based pedestrian navigation system  </a:t>
+            </a:r>
+          </a:p>
+          <a:p>
+            <a:pPr>
+              <a:defRPr/>
+            </a:pPr>
+            <a:r>
+              <a:rPr lang="en-US" altLang="zh-CN" sz="1400" b="1">
+                <a:solidFill>
+                  <a:srgbClr val="7F12B6"/>
+                </a:solidFill>
+                <a:latin typeface="时尚中黑简体" panose="01010104010101010101" pitchFamily="2" charset="-122"/>
+                <a:ea typeface="时尚中黑简体" panose="01010104010101010101" pitchFamily="2" charset="-122"/>
+              </a:rPr>
+              <a:t>--JOURNAL OF LOCATION BASED SERVICES 2019</a:t>
+            </a:r>
+          </a:p>
+        </p:txBody>
+      </p:sp>
+      <p:sp>
+        <p:nvSpPr>
+          <p:cNvPr id="4" name="文本框 3">
+            <a:extLst>
+              <a:ext uri="{FF2B5EF4-FFF2-40B4-BE49-F238E27FC236}">
+                <a16:creationId xmlns:a16="http://schemas.microsoft.com/office/drawing/2014/main" id="{2D44835F-431E-6B89-A3BA-435E847F1483}"/>
+              </a:ext>
+            </a:extLst>
+          </p:cNvPr>
+          <p:cNvSpPr txBox="1"/>
+          <p:nvPr/>
+        </p:nvSpPr>
+        <p:spPr bwMode="auto">
+          <a:xfrm>
+            <a:off x="422882" y="1660509"/>
+            <a:ext cx="10675471" cy="369332"/>
+          </a:xfrm>
+          <a:prstGeom prst="rect">
+            <a:avLst/>
+          </a:prstGeom>
+          <a:noFill/>
+        </p:spPr>
+        <p:txBody>
+          <a:bodyPr wrap="square">
+            <a:spAutoFit/>
+            <a:scene3d>
+              <a:camera prst="orthographicFront"/>
+              <a:lightRig rig="threePt" dir="t"/>
+            </a:scene3d>
+            <a:sp3d contourW="12700"/>
+          </a:bodyPr>
+          <a:lstStyle/>
+          <a:p>
+            <a:pPr>
+              <a:defRPr/>
+            </a:pPr>
+            <a:r>
+              <a:rPr lang="zh-CN" altLang="en-US" b="0" i="0">
+                <a:effectLst/>
+                <a:highlight>
+                  <a:srgbClr val="FFFFFF"/>
+                </a:highlight>
+                <a:latin typeface="-apple-system"/>
+              </a:rPr>
+              <a:t>基于地标的智能手表行人导航系统</a:t>
+            </a:r>
+            <a:endParaRPr lang="en-US" altLang="zh-CN"/>
+          </a:p>
+        </p:txBody>
+      </p:sp>
+      <p:sp>
+        <p:nvSpPr>
+          <p:cNvPr id="3" name="文本框 2">
+            <a:extLst>
+              <a:ext uri="{FF2B5EF4-FFF2-40B4-BE49-F238E27FC236}">
+                <a16:creationId xmlns:a16="http://schemas.microsoft.com/office/drawing/2014/main" id="{B0CB32D6-924E-77CE-110F-532DEAA5C1AB}"/>
+              </a:ext>
+            </a:extLst>
+          </p:cNvPr>
+          <p:cNvSpPr txBox="1"/>
+          <p:nvPr/>
+        </p:nvSpPr>
+        <p:spPr>
+          <a:xfrm>
+            <a:off x="422882" y="2485016"/>
+            <a:ext cx="6612619" cy="2541080"/>
+          </a:xfrm>
+          <a:prstGeom prst="rect">
+            <a:avLst/>
+          </a:prstGeom>
+          <a:noFill/>
+        </p:spPr>
+        <p:txBody>
+          <a:bodyPr wrap="square" rtlCol="0">
+            <a:spAutoFit/>
+          </a:bodyPr>
+          <a:lstStyle/>
+          <a:p>
+            <a:pPr>
+              <a:lnSpc>
+                <a:spcPct val="150000"/>
+              </a:lnSpc>
+              <a:defRPr/>
+            </a:pPr>
+            <a:r>
+              <a:rPr lang="zh-CN" altLang="en-US">
+                <a:highlight>
+                  <a:srgbClr val="FFFFFF"/>
+                </a:highlight>
+                <a:latin typeface="-apple-system"/>
+              </a:rPr>
+              <a:t>关于运用基于用户中心设计策略实现智能手表人行导航系统的文章。它介绍了如何利用用户中心设计策略开发基于智能手表的人行导航系统。作者还提出了在设计过程中需要注意的方面，例如表盘上的大小限制和手表交互限制等。通过两次现场实验进行测试和改进的方式，开发了最终的用户界面。文中介绍了地图视图和方向视图的设计，以及在决策点之前使用震动的加强功能等。</a:t>
+            </a:r>
+          </a:p>
+        </p:txBody>
+      </p:sp>
+      <p:pic>
+        <p:nvPicPr>
+          <p:cNvPr id="7" name="图片 6">
+            <a:extLst>
+              <a:ext uri="{FF2B5EF4-FFF2-40B4-BE49-F238E27FC236}">
+                <a16:creationId xmlns:a16="http://schemas.microsoft.com/office/drawing/2014/main" id="{685CEF5B-8D24-F66D-C4CE-E07E3877342B}"/>
+              </a:ext>
+            </a:extLst>
+          </p:cNvPr>
+          <p:cNvPicPr>
+            <a:picLocks noChangeAspect="1"/>
+          </p:cNvPicPr>
+          <p:nvPr/>
+        </p:nvPicPr>
+        <p:blipFill>
+          <a:blip r:embed="rId3"/>
+          <a:stretch>
+            <a:fillRect/>
+          </a:stretch>
+        </p:blipFill>
+        <p:spPr>
+          <a:xfrm>
+            <a:off x="7733731" y="2485016"/>
+            <a:ext cx="3364622" cy="2393943"/>
+          </a:xfrm>
+          <a:prstGeom prst="rect">
+            <a:avLst/>
+          </a:prstGeom>
+        </p:spPr>
+      </p:pic>
+    </p:spTree>
+    <p:extLst>
+      <p:ext uri="{BB962C8B-B14F-4D97-AF65-F5344CB8AC3E}">
+        <p14:creationId xmlns:p14="http://schemas.microsoft.com/office/powerpoint/2010/main" val="2240616843"/>
+      </p:ext>
+    </p:extLst>
+  </p:cSld>
+  <p:clrMapOvr>
+    <a:masterClrMapping/>
+  </p:clrMapOvr>
+  <mc:AlternateContent xmlns:mc="http://schemas.openxmlformats.org/markup-compatibility/2006" xmlns:p14="http://schemas.microsoft.com/office/powerpoint/2010/main">
+    <mc:Choice Requires="p14">
+      <p:transition spd="slow" p14:dur="1500" advTm="0">
+        <p:random/>
+      </p:transition>
+    </mc:Choice>
+    <mc:Fallback xmlns="">
+      <p:transition spd="slow" advTm="0">
+        <p:random/>
+      </p:transition>
+    </mc:Fallback>
+  </mc:AlternateContent>
+</p:sld>
+</file>
+
+<file path=ppt/slides/slide9.xml><?xml version="1.0" encoding="utf-8"?>
+<p:sld xmlns:a="http://schemas.openxmlformats.org/drawingml/2006/main" xmlns:r="http://schemas.openxmlformats.org/officeDocument/2006/relationships" xmlns:p="http://schemas.openxmlformats.org/presentationml/2006/main">
+  <p:cSld>
+    <p:spTree>
+      <p:nvGrpSpPr>
+        <p:cNvPr id="1" name=""/>
+        <p:cNvGrpSpPr/>
+        <p:nvPr/>
+      </p:nvGrpSpPr>
+      <p:grpSpPr>
+        <a:xfrm>
+          <a:off x="0" y="0"/>
+          <a:ext cx="0" cy="0"/>
+          <a:chOff x="0" y="0"/>
+          <a:chExt cx="0" cy="0"/>
+        </a:xfrm>
+      </p:grpSpPr>
+      <p:grpSp>
+        <p:nvGrpSpPr>
+          <p:cNvPr id="21" name="组合 20"/>
+          <p:cNvGrpSpPr/>
+          <p:nvPr/>
+        </p:nvGrpSpPr>
+        <p:grpSpPr>
+          <a:xfrm>
+            <a:off x="5270500" y="510493"/>
+            <a:ext cx="7561033" cy="380555"/>
+            <a:chOff x="6997699" y="510493"/>
+            <a:chExt cx="5794625" cy="380555"/>
+          </a:xfrm>
+        </p:grpSpPr>
+        <p:sp>
+          <p:nvSpPr>
+            <p:cNvPr id="22" name="任意多边形: 形状 21"/>
+            <p:cNvSpPr/>
+            <p:nvPr userDrawn="1"/>
+          </p:nvSpPr>
+          <p:spPr>
+            <a:xfrm flipH="1">
+              <a:off x="6997699" y="764493"/>
+              <a:ext cx="5376633" cy="126555"/>
+            </a:xfrm>
+            <a:custGeom>
+              <a:avLst/>
+              <a:gdLst>
+                <a:gd name="connsiteX0" fmla="*/ 7367523 w 7367523"/>
+                <a:gd name="connsiteY0" fmla="*/ 0 h 173416"/>
+                <a:gd name="connsiteX1" fmla="*/ 6374783 w 7367523"/>
+                <a:gd name="connsiteY1" fmla="*/ 0 h 173416"/>
+                <a:gd name="connsiteX2" fmla="*/ 6240349 w 7367523"/>
+                <a:gd name="connsiteY2" fmla="*/ 0 h 173416"/>
+                <a:gd name="connsiteX3" fmla="*/ 5540227 w 7367523"/>
+                <a:gd name="connsiteY3" fmla="*/ 0 h 173416"/>
+                <a:gd name="connsiteX4" fmla="*/ 5247612 w 7367523"/>
+                <a:gd name="connsiteY4" fmla="*/ 0 h 173416"/>
+                <a:gd name="connsiteX5" fmla="*/ 4707193 w 7367523"/>
+                <a:gd name="connsiteY5" fmla="*/ 0 h 173416"/>
+                <a:gd name="connsiteX6" fmla="*/ 4413053 w 7367523"/>
+                <a:gd name="connsiteY6" fmla="*/ 0 h 173416"/>
+                <a:gd name="connsiteX7" fmla="*/ 3865356 w 7367523"/>
+                <a:gd name="connsiteY7" fmla="*/ 0 h 173416"/>
+                <a:gd name="connsiteX8" fmla="*/ 3580019 w 7367523"/>
+                <a:gd name="connsiteY8" fmla="*/ 0 h 173416"/>
+                <a:gd name="connsiteX9" fmla="*/ 2872616 w 7367523"/>
+                <a:gd name="connsiteY9" fmla="*/ 0 h 173416"/>
+                <a:gd name="connsiteX10" fmla="*/ 2738183 w 7367523"/>
+                <a:gd name="connsiteY10" fmla="*/ 0 h 173416"/>
+                <a:gd name="connsiteX11" fmla="*/ 2038060 w 7367523"/>
+                <a:gd name="connsiteY11" fmla="*/ 0 h 173416"/>
+                <a:gd name="connsiteX12" fmla="*/ 1745445 w 7367523"/>
+                <a:gd name="connsiteY12" fmla="*/ 0 h 173416"/>
+                <a:gd name="connsiteX13" fmla="*/ 1205026 w 7367523"/>
+                <a:gd name="connsiteY13" fmla="*/ 0 h 173416"/>
+                <a:gd name="connsiteX14" fmla="*/ 910887 w 7367523"/>
+                <a:gd name="connsiteY14" fmla="*/ 0 h 173416"/>
+                <a:gd name="connsiteX15" fmla="*/ 77853 w 7367523"/>
+                <a:gd name="connsiteY15" fmla="*/ 0 h 173416"/>
+                <a:gd name="connsiteX16" fmla="*/ 0 w 7367523"/>
+                <a:gd name="connsiteY16" fmla="*/ 173416 h 173416"/>
+                <a:gd name="connsiteX17" fmla="*/ 7289670 w 7367523"/>
+                <a:gd name="connsiteY17" fmla="*/ 173416 h 173416"/>
+              </a:gdLst>
+              <a:ahLst/>
+              <a:cxnLst>
+                <a:cxn ang="0">
+                  <a:pos x="connsiteX0" y="connsiteY0"/>
+                </a:cxn>
+                <a:cxn ang="0">
+                  <a:pos x="connsiteX1" y="connsiteY1"/>
+                </a:cxn>
+                <a:cxn ang="0">
+                  <a:pos x="connsiteX2" y="connsiteY2"/>
+                </a:cxn>
+                <a:cxn ang="0">
+                  <a:pos x="connsiteX3" y="connsiteY3"/>
+                </a:cxn>
+                <a:cxn ang="0">
+                  <a:pos x="connsiteX4" y="connsiteY4"/>
+                </a:cxn>
+                <a:cxn ang="0">
+                  <a:pos x="connsiteX5" y="connsiteY5"/>
+                </a:cxn>
+                <a:cxn ang="0">
+                  <a:pos x="connsiteX6" y="connsiteY6"/>
+                </a:cxn>
+                <a:cxn ang="0">
+                  <a:pos x="connsiteX7" y="connsiteY7"/>
+                </a:cxn>
+                <a:cxn ang="0">
+                  <a:pos x="connsiteX8" y="connsiteY8"/>
+                </a:cxn>
+                <a:cxn ang="0">
+                  <a:pos x="connsiteX9" y="connsiteY9"/>
+                </a:cxn>
+                <a:cxn ang="0">
+                  <a:pos x="connsiteX10" y="connsiteY10"/>
+                </a:cxn>
+                <a:cxn ang="0">
+                  <a:pos x="connsiteX11" y="connsiteY11"/>
+                </a:cxn>
+                <a:cxn ang="0">
+                  <a:pos x="connsiteX12" y="connsiteY12"/>
+                </a:cxn>
+                <a:cxn ang="0">
+                  <a:pos x="connsiteX13" y="connsiteY13"/>
+                </a:cxn>
+                <a:cxn ang="0">
+                  <a:pos x="connsiteX14" y="connsiteY14"/>
+                </a:cxn>
+                <a:cxn ang="0">
+                  <a:pos x="connsiteX15" y="connsiteY15"/>
+                </a:cxn>
+                <a:cxn ang="0">
+                  <a:pos x="connsiteX16" y="connsiteY16"/>
+                </a:cxn>
+                <a:cxn ang="0">
+                  <a:pos x="connsiteX17" y="connsiteY17"/>
+                </a:cxn>
+              </a:cxnLst>
+              <a:rect l="l" t="t" r="r" b="b"/>
+              <a:pathLst>
+                <a:path w="7367523" h="173416">
+                  <a:moveTo>
+                    <a:pt x="7367523" y="0"/>
+                  </a:moveTo>
+                  <a:lnTo>
+                    <a:pt x="6374783" y="0"/>
+                  </a:lnTo>
+                  <a:lnTo>
+                    <a:pt x="6240349" y="0"/>
+                  </a:lnTo>
+                  <a:lnTo>
+                    <a:pt x="5540227" y="0"/>
+                  </a:lnTo>
+                  <a:lnTo>
+                    <a:pt x="5247612" y="0"/>
+                  </a:lnTo>
+                  <a:lnTo>
+                    <a:pt x="4707193" y="0"/>
+                  </a:lnTo>
+                  <a:lnTo>
+                    <a:pt x="4413053" y="0"/>
+                  </a:lnTo>
+                  <a:lnTo>
+                    <a:pt x="3865356" y="0"/>
+                  </a:lnTo>
+                  <a:lnTo>
+                    <a:pt x="3580019" y="0"/>
+                  </a:lnTo>
+                  <a:lnTo>
+                    <a:pt x="2872616" y="0"/>
+                  </a:lnTo>
+                  <a:lnTo>
+                    <a:pt x="2738183" y="0"/>
+                  </a:lnTo>
+                  <a:lnTo>
+                    <a:pt x="2038060" y="0"/>
+                  </a:lnTo>
+                  <a:lnTo>
+                    <a:pt x="1745445" y="0"/>
+                  </a:lnTo>
+                  <a:lnTo>
+                    <a:pt x="1205026" y="0"/>
+                  </a:lnTo>
+                  <a:lnTo>
+                    <a:pt x="910887" y="0"/>
+                  </a:lnTo>
+                  <a:lnTo>
+                    <a:pt x="77853" y="0"/>
+                  </a:lnTo>
+                  <a:lnTo>
+                    <a:pt x="0" y="173416"/>
+                  </a:lnTo>
+                  <a:lnTo>
+                    <a:pt x="7289670" y="173416"/>
+                  </a:lnTo>
+                  <a:close/>
+                </a:path>
+              </a:pathLst>
+            </a:custGeom>
+            <a:gradFill flip="none" rotWithShape="0">
+              <a:gsLst>
+                <a:gs pos="0">
+                  <a:srgbClr val="228AF2"/>
+                </a:gs>
+                <a:gs pos="94000">
+                  <a:srgbClr val="7F12B6"/>
+                </a:gs>
+              </a:gsLst>
+              <a:lin ang="2700000" scaled="1"/>
+              <a:tileRect/>
+            </a:gradFill>
+            <a:ln>
+              <a:noFill/>
+            </a:ln>
+          </p:spPr>
+          <p:style>
+            <a:lnRef idx="2">
+              <a:schemeClr val="accent1">
+                <a:shade val="50000"/>
+              </a:schemeClr>
+            </a:lnRef>
+            <a:fillRef idx="1">
+              <a:schemeClr val="accent1"/>
+            </a:fillRef>
+            <a:effectRef idx="0">
+              <a:schemeClr val="accent1"/>
+            </a:effectRef>
+            <a:fontRef idx="minor">
+              <a:schemeClr val="lt1"/>
+            </a:fontRef>
+          </p:style>
+          <p:txBody>
+            <a:bodyPr rot="0" spcFirstLastPara="0" vertOverflow="overflow" horzOverflow="overflow" vert="horz" wrap="square" lIns="91440" tIns="45720" rIns="91440" bIns="45720" numCol="1" spcCol="0" rtlCol="0" fromWordArt="0" anchor="ctr" anchorCtr="0" forceAA="0" compatLnSpc="1">
+              <a:noAutofit/>
+            </a:bodyPr>
+            <a:lstStyle/>
+            <a:p>
+              <a:pPr algn="ctr"/>
+              <a:endParaRPr lang="zh-CN" altLang="en-US"/>
+            </a:p>
+          </p:txBody>
+        </p:sp>
+        <p:sp>
+          <p:nvSpPr>
+            <p:cNvPr id="23" name="任意多边形: 形状 22"/>
+            <p:cNvSpPr/>
+            <p:nvPr userDrawn="1"/>
+          </p:nvSpPr>
+          <p:spPr>
+            <a:xfrm flipH="1">
+              <a:off x="7415691" y="510493"/>
+              <a:ext cx="5376633" cy="126555"/>
+            </a:xfrm>
+            <a:custGeom>
+              <a:avLst/>
+              <a:gdLst>
+                <a:gd name="connsiteX0" fmla="*/ 7367523 w 7367523"/>
+                <a:gd name="connsiteY0" fmla="*/ 0 h 173416"/>
+                <a:gd name="connsiteX1" fmla="*/ 6374783 w 7367523"/>
+                <a:gd name="connsiteY1" fmla="*/ 0 h 173416"/>
+                <a:gd name="connsiteX2" fmla="*/ 6240349 w 7367523"/>
+                <a:gd name="connsiteY2" fmla="*/ 0 h 173416"/>
+                <a:gd name="connsiteX3" fmla="*/ 5540227 w 7367523"/>
+                <a:gd name="connsiteY3" fmla="*/ 0 h 173416"/>
+                <a:gd name="connsiteX4" fmla="*/ 5247612 w 7367523"/>
+                <a:gd name="connsiteY4" fmla="*/ 0 h 173416"/>
+                <a:gd name="connsiteX5" fmla="*/ 4707193 w 7367523"/>
+                <a:gd name="connsiteY5" fmla="*/ 0 h 173416"/>
+                <a:gd name="connsiteX6" fmla="*/ 4413053 w 7367523"/>
+                <a:gd name="connsiteY6" fmla="*/ 0 h 173416"/>
+                <a:gd name="connsiteX7" fmla="*/ 3865356 w 7367523"/>
+                <a:gd name="connsiteY7" fmla="*/ 0 h 173416"/>
+                <a:gd name="connsiteX8" fmla="*/ 3580019 w 7367523"/>
+                <a:gd name="connsiteY8" fmla="*/ 0 h 173416"/>
+                <a:gd name="connsiteX9" fmla="*/ 2872616 w 7367523"/>
+                <a:gd name="connsiteY9" fmla="*/ 0 h 173416"/>
+                <a:gd name="connsiteX10" fmla="*/ 2738183 w 7367523"/>
+                <a:gd name="connsiteY10" fmla="*/ 0 h 173416"/>
+                <a:gd name="connsiteX11" fmla="*/ 2038060 w 7367523"/>
+                <a:gd name="connsiteY11" fmla="*/ 0 h 173416"/>
+                <a:gd name="connsiteX12" fmla="*/ 1745445 w 7367523"/>
+                <a:gd name="connsiteY12" fmla="*/ 0 h 173416"/>
+                <a:gd name="connsiteX13" fmla="*/ 1205026 w 7367523"/>
+                <a:gd name="connsiteY13" fmla="*/ 0 h 173416"/>
+                <a:gd name="connsiteX14" fmla="*/ 910887 w 7367523"/>
+                <a:gd name="connsiteY14" fmla="*/ 0 h 173416"/>
+                <a:gd name="connsiteX15" fmla="*/ 77853 w 7367523"/>
+                <a:gd name="connsiteY15" fmla="*/ 0 h 173416"/>
+                <a:gd name="connsiteX16" fmla="*/ 0 w 7367523"/>
+                <a:gd name="connsiteY16" fmla="*/ 173416 h 173416"/>
+                <a:gd name="connsiteX17" fmla="*/ 7289670 w 7367523"/>
+                <a:gd name="connsiteY17" fmla="*/ 173416 h 173416"/>
+              </a:gdLst>
+              <a:ahLst/>
+              <a:cxnLst>
+                <a:cxn ang="0">
+                  <a:pos x="connsiteX0" y="connsiteY0"/>
+                </a:cxn>
+                <a:cxn ang="0">
+                  <a:pos x="connsiteX1" y="connsiteY1"/>
+                </a:cxn>
+                <a:cxn ang="0">
+                  <a:pos x="connsiteX2" y="connsiteY2"/>
+                </a:cxn>
+                <a:cxn ang="0">
+                  <a:pos x="connsiteX3" y="connsiteY3"/>
+                </a:cxn>
+                <a:cxn ang="0">
+                  <a:pos x="connsiteX4" y="connsiteY4"/>
+                </a:cxn>
+                <a:cxn ang="0">
+                  <a:pos x="connsiteX5" y="connsiteY5"/>
+                </a:cxn>
+                <a:cxn ang="0">
+                  <a:pos x="connsiteX6" y="connsiteY6"/>
+                </a:cxn>
+                <a:cxn ang="0">
+                  <a:pos x="connsiteX7" y="connsiteY7"/>
+                </a:cxn>
+                <a:cxn ang="0">
+                  <a:pos x="connsiteX8" y="connsiteY8"/>
+                </a:cxn>
+                <a:cxn ang="0">
+                  <a:pos x="connsiteX9" y="connsiteY9"/>
+                </a:cxn>
+                <a:cxn ang="0">
+                  <a:pos x="connsiteX10" y="connsiteY10"/>
+                </a:cxn>
+                <a:cxn ang="0">
+                  <a:pos x="connsiteX11" y="connsiteY11"/>
+                </a:cxn>
+                <a:cxn ang="0">
+                  <a:pos x="connsiteX12" y="connsiteY12"/>
+                </a:cxn>
+                <a:cxn ang="0">
+                  <a:pos x="connsiteX13" y="connsiteY13"/>
+                </a:cxn>
+                <a:cxn ang="0">
+                  <a:pos x="connsiteX14" y="connsiteY14"/>
+                </a:cxn>
+                <a:cxn ang="0">
+                  <a:pos x="connsiteX15" y="connsiteY15"/>
+                </a:cxn>
+                <a:cxn ang="0">
+                  <a:pos x="connsiteX16" y="connsiteY16"/>
+                </a:cxn>
+                <a:cxn ang="0">
+                  <a:pos x="connsiteX17" y="connsiteY17"/>
+                </a:cxn>
+              </a:cxnLst>
+              <a:rect l="l" t="t" r="r" b="b"/>
+              <a:pathLst>
+                <a:path w="7367523" h="173416">
+                  <a:moveTo>
+                    <a:pt x="7367523" y="0"/>
+                  </a:moveTo>
+                  <a:lnTo>
+                    <a:pt x="6374783" y="0"/>
+                  </a:lnTo>
+                  <a:lnTo>
+                    <a:pt x="6240349" y="0"/>
+                  </a:lnTo>
+                  <a:lnTo>
+                    <a:pt x="5540227" y="0"/>
+                  </a:lnTo>
+                  <a:lnTo>
+                    <a:pt x="5247612" y="0"/>
+                  </a:lnTo>
+                  <a:lnTo>
+                    <a:pt x="4707193" y="0"/>
+                  </a:lnTo>
+                  <a:lnTo>
+                    <a:pt x="4413053" y="0"/>
+                  </a:lnTo>
+                  <a:lnTo>
+                    <a:pt x="3865356" y="0"/>
+                  </a:lnTo>
+                  <a:lnTo>
+                    <a:pt x="3580019" y="0"/>
+                  </a:lnTo>
+                  <a:lnTo>
+                    <a:pt x="2872616" y="0"/>
+                  </a:lnTo>
+                  <a:lnTo>
+                    <a:pt x="2738183" y="0"/>
+                  </a:lnTo>
+                  <a:lnTo>
+                    <a:pt x="2038060" y="0"/>
+                  </a:lnTo>
+                  <a:lnTo>
+                    <a:pt x="1745445" y="0"/>
+                  </a:lnTo>
+                  <a:lnTo>
+                    <a:pt x="1205026" y="0"/>
+                  </a:lnTo>
+                  <a:lnTo>
+                    <a:pt x="910887" y="0"/>
+                  </a:lnTo>
+                  <a:lnTo>
+                    <a:pt x="77853" y="0"/>
+                  </a:lnTo>
+                  <a:lnTo>
+                    <a:pt x="0" y="173416"/>
+                  </a:lnTo>
+                  <a:lnTo>
+                    <a:pt x="7289670" y="173416"/>
+                  </a:lnTo>
+                  <a:close/>
+                </a:path>
+              </a:pathLst>
+            </a:custGeom>
+            <a:solidFill>
+              <a:schemeClr val="bg2"/>
+            </a:solidFill>
+            <a:ln>
+              <a:noFill/>
+            </a:ln>
+          </p:spPr>
+          <p:style>
+            <a:lnRef idx="2">
+              <a:schemeClr val="accent1">
+                <a:shade val="50000"/>
+              </a:schemeClr>
+            </a:lnRef>
+            <a:fillRef idx="1">
+              <a:schemeClr val="accent1"/>
+            </a:fillRef>
+            <a:effectRef idx="0">
+              <a:schemeClr val="accent1"/>
+            </a:effectRef>
+            <a:fontRef idx="minor">
+              <a:schemeClr val="lt1"/>
+            </a:fontRef>
+          </p:style>
+          <p:txBody>
+            <a:bodyPr rot="0" spcFirstLastPara="0" vertOverflow="overflow" horzOverflow="overflow" vert="horz" wrap="square" lIns="91440" tIns="45720" rIns="91440" bIns="45720" numCol="1" spcCol="0" rtlCol="0" fromWordArt="0" anchor="ctr" anchorCtr="0" forceAA="0" compatLnSpc="1">
+              <a:noAutofit/>
+            </a:bodyPr>
+            <a:lstStyle/>
+            <a:p>
+              <a:pPr algn="ctr"/>
+              <a:endParaRPr lang="zh-CN" altLang="en-US"/>
+            </a:p>
+          </p:txBody>
+        </p:sp>
+      </p:grpSp>
+      <p:sp>
+        <p:nvSpPr>
+          <p:cNvPr id="24" name="任意多边形: 形状 23"/>
+          <p:cNvSpPr/>
+          <p:nvPr/>
+        </p:nvSpPr>
+        <p:spPr>
+          <a:xfrm flipH="1">
+            <a:off x="129621" y="0"/>
+            <a:ext cx="586522" cy="1047087"/>
+          </a:xfrm>
+          <a:custGeom>
+            <a:avLst/>
+            <a:gdLst>
+              <a:gd name="connsiteX0" fmla="*/ 586522 w 586522"/>
+              <a:gd name="connsiteY0" fmla="*/ 0 h 1047087"/>
+              <a:gd name="connsiteX1" fmla="*/ 470079 w 586522"/>
+              <a:gd name="connsiteY1" fmla="*/ 0 h 1047087"/>
+              <a:gd name="connsiteX2" fmla="*/ 0 w 586522"/>
+              <a:gd name="connsiteY2" fmla="*/ 1047087 h 1047087"/>
+              <a:gd name="connsiteX3" fmla="*/ 116443 w 586522"/>
+              <a:gd name="connsiteY3" fmla="*/ 1047087 h 1047087"/>
+            </a:gdLst>
+            <a:ahLst/>
+            <a:cxnLst>
+              <a:cxn ang="0">
+                <a:pos x="connsiteX0" y="connsiteY0"/>
+              </a:cxn>
+              <a:cxn ang="0">
+                <a:pos x="connsiteX1" y="connsiteY1"/>
+              </a:cxn>
+              <a:cxn ang="0">
+                <a:pos x="connsiteX2" y="connsiteY2"/>
+              </a:cxn>
+              <a:cxn ang="0">
+                <a:pos x="connsiteX3" y="connsiteY3"/>
+              </a:cxn>
+            </a:cxnLst>
+            <a:rect l="l" t="t" r="r" b="b"/>
+            <a:pathLst>
+              <a:path w="586522" h="1047087">
+                <a:moveTo>
+                  <a:pt x="586522" y="0"/>
+                </a:moveTo>
+                <a:lnTo>
+                  <a:pt x="470079" y="0"/>
+                </a:lnTo>
+                <a:lnTo>
+                  <a:pt x="0" y="1047087"/>
+                </a:lnTo>
+                <a:lnTo>
+                  <a:pt x="116443" y="1047087"/>
+                </a:lnTo>
+                <a:close/>
+              </a:path>
+            </a:pathLst>
+          </a:custGeom>
+          <a:gradFill flip="none" rotWithShape="0">
+            <a:gsLst>
+              <a:gs pos="0">
+                <a:srgbClr val="53A5F5">
+                  <a:lumMod val="73000"/>
+                  <a:lumOff val="27000"/>
+                </a:srgbClr>
+              </a:gs>
+              <a:gs pos="94000">
+                <a:srgbClr val="9214CF">
+                  <a:lumMod val="73000"/>
+                  <a:lumOff val="27000"/>
+                </a:srgbClr>
+              </a:gs>
+            </a:gsLst>
+            <a:lin ang="2700000" scaled="1"/>
+            <a:tileRect/>
+          </a:gradFill>
+          <a:ln>
+            <a:noFill/>
+          </a:ln>
+        </p:spPr>
+        <p:style>
+          <a:lnRef idx="2">
+            <a:schemeClr val="accent1">
+              <a:shade val="50000"/>
+            </a:schemeClr>
+          </a:lnRef>
+          <a:fillRef idx="1">
+            <a:schemeClr val="accent1"/>
+          </a:fillRef>
+          <a:effectRef idx="0">
+            <a:schemeClr val="accent1"/>
+          </a:effectRef>
+          <a:fontRef idx="minor">
+            <a:schemeClr val="lt1"/>
+          </a:fontRef>
+        </p:style>
+        <p:txBody>
+          <a:bodyPr rot="0" spcFirstLastPara="0" vertOverflow="overflow" horzOverflow="overflow" vert="horz" wrap="square" lIns="91440" tIns="45720" rIns="91440" bIns="45720" numCol="1" spcCol="0" rtlCol="0" fromWordArt="0" anchor="ctr" anchorCtr="0" forceAA="0" compatLnSpc="1">
+            <a:noAutofit/>
+          </a:bodyPr>
+          <a:lstStyle/>
+          <a:p>
+            <a:pPr algn="ctr"/>
+            <a:endParaRPr lang="zh-CN" altLang="en-US"/>
+          </a:p>
+        </p:txBody>
+      </p:sp>
+      <p:sp>
+        <p:nvSpPr>
+          <p:cNvPr id="25" name="任意多边形: 形状 24"/>
+          <p:cNvSpPr/>
+          <p:nvPr/>
+        </p:nvSpPr>
+        <p:spPr>
+          <a:xfrm flipH="1">
+            <a:off x="581108" y="202981"/>
+            <a:ext cx="344503" cy="615023"/>
+          </a:xfrm>
+          <a:custGeom>
+            <a:avLst/>
+            <a:gdLst>
+              <a:gd name="connsiteX0" fmla="*/ 586522 w 586522"/>
+              <a:gd name="connsiteY0" fmla="*/ 0 h 1047087"/>
+              <a:gd name="connsiteX1" fmla="*/ 470079 w 586522"/>
+              <a:gd name="connsiteY1" fmla="*/ 0 h 1047087"/>
+              <a:gd name="connsiteX2" fmla="*/ 0 w 586522"/>
+              <a:gd name="connsiteY2" fmla="*/ 1047087 h 1047087"/>
+              <a:gd name="connsiteX3" fmla="*/ 116443 w 586522"/>
+              <a:gd name="connsiteY3" fmla="*/ 1047087 h 1047087"/>
+            </a:gdLst>
+            <a:ahLst/>
+            <a:cxnLst>
+              <a:cxn ang="0">
+                <a:pos x="connsiteX0" y="connsiteY0"/>
+              </a:cxn>
+              <a:cxn ang="0">
+                <a:pos x="connsiteX1" y="connsiteY1"/>
+              </a:cxn>
+              <a:cxn ang="0">
+                <a:pos x="connsiteX2" y="connsiteY2"/>
+              </a:cxn>
+              <a:cxn ang="0">
+                <a:pos x="connsiteX3" y="connsiteY3"/>
+              </a:cxn>
+            </a:cxnLst>
+            <a:rect l="l" t="t" r="r" b="b"/>
+            <a:pathLst>
+              <a:path w="586522" h="1047087">
+                <a:moveTo>
+                  <a:pt x="586522" y="0"/>
+                </a:moveTo>
+                <a:lnTo>
+                  <a:pt x="470079" y="0"/>
+                </a:lnTo>
+                <a:lnTo>
+                  <a:pt x="0" y="1047087"/>
+                </a:lnTo>
+                <a:lnTo>
+                  <a:pt x="116443" y="1047087"/>
+                </a:lnTo>
+                <a:close/>
+              </a:path>
+            </a:pathLst>
+          </a:custGeom>
+          <a:solidFill>
+            <a:schemeClr val="bg1">
+              <a:lumMod val="95000"/>
+            </a:schemeClr>
+          </a:solidFill>
+          <a:ln>
+            <a:noFill/>
+          </a:ln>
+        </p:spPr>
+        <p:style>
+          <a:lnRef idx="2">
+            <a:schemeClr val="accent1">
+              <a:shade val="50000"/>
+            </a:schemeClr>
+          </a:lnRef>
+          <a:fillRef idx="1">
+            <a:schemeClr val="accent1"/>
+          </a:fillRef>
+          <a:effectRef idx="0">
+            <a:schemeClr val="accent1"/>
+          </a:effectRef>
+          <a:fontRef idx="minor">
+            <a:schemeClr val="lt1"/>
+          </a:fontRef>
+        </p:style>
+        <p:txBody>
+          <a:bodyPr rot="0" spcFirstLastPara="0" vertOverflow="overflow" horzOverflow="overflow" vert="horz" wrap="square" lIns="91440" tIns="45720" rIns="91440" bIns="45720" numCol="1" spcCol="0" rtlCol="0" fromWordArt="0" anchor="ctr" anchorCtr="0" forceAA="0" compatLnSpc="1">
+            <a:noAutofit/>
+          </a:bodyPr>
+          <a:lstStyle/>
+          <a:p>
+            <a:pPr algn="ctr"/>
+            <a:endParaRPr lang="zh-CN" altLang="en-US"/>
+          </a:p>
+        </p:txBody>
+      </p:sp>
+      <p:sp>
+        <p:nvSpPr>
+          <p:cNvPr id="2" name="文本框 1">
+            <a:extLst>
+              <a:ext uri="{FF2B5EF4-FFF2-40B4-BE49-F238E27FC236}">
+                <a16:creationId xmlns:a16="http://schemas.microsoft.com/office/drawing/2014/main" id="{F2A4914D-6F1A-B39C-504F-A70AC426C7FC}"/>
+              </a:ext>
+            </a:extLst>
+          </p:cNvPr>
+          <p:cNvSpPr txBox="1"/>
+          <p:nvPr/>
+        </p:nvSpPr>
+        <p:spPr bwMode="auto">
+          <a:xfrm>
+            <a:off x="322925" y="1121890"/>
+            <a:ext cx="11187757" cy="307777"/>
+          </a:xfrm>
+          <a:prstGeom prst="rect">
+            <a:avLst/>
+          </a:prstGeom>
+          <a:noFill/>
+        </p:spPr>
+        <p:txBody>
+          <a:bodyPr wrap="square">
+            <a:spAutoFit/>
+            <a:scene3d>
+              <a:camera prst="orthographicFront"/>
+              <a:lightRig rig="threePt" dir="t"/>
+            </a:scene3d>
+            <a:sp3d contourW="12700"/>
+          </a:bodyPr>
+          <a:lstStyle/>
+          <a:p>
+            <a:pPr>
+              <a:defRPr/>
+            </a:pPr>
+            <a:r>
+              <a:rPr lang="en-US" altLang="zh-CN" sz="1400" b="1">
+                <a:solidFill>
+                  <a:srgbClr val="7F12B6"/>
+                </a:solidFill>
+                <a:latin typeface="时尚中黑简体" panose="01010104010101010101" pitchFamily="2" charset="-122"/>
+                <a:ea typeface="时尚中黑简体" panose="01010104010101010101" pitchFamily="2" charset="-122"/>
+              </a:rPr>
+              <a:t>Autonomous Navigation through the City for the Blind 		--ASSETS’10</a:t>
+            </a:r>
+          </a:p>
+        </p:txBody>
+      </p:sp>
+      <p:sp>
+        <p:nvSpPr>
+          <p:cNvPr id="4" name="文本框 3">
+            <a:extLst>
+              <a:ext uri="{FF2B5EF4-FFF2-40B4-BE49-F238E27FC236}">
+                <a16:creationId xmlns:a16="http://schemas.microsoft.com/office/drawing/2014/main" id="{2D44835F-431E-6B89-A3BA-435E847F1483}"/>
+              </a:ext>
+            </a:extLst>
+          </p:cNvPr>
+          <p:cNvSpPr txBox="1"/>
+          <p:nvPr/>
+        </p:nvSpPr>
+        <p:spPr bwMode="auto">
+          <a:xfrm>
+            <a:off x="422882" y="1660509"/>
+            <a:ext cx="10675471" cy="1200329"/>
+          </a:xfrm>
+          <a:prstGeom prst="rect">
+            <a:avLst/>
+          </a:prstGeom>
+          <a:noFill/>
+        </p:spPr>
+        <p:txBody>
+          <a:bodyPr wrap="square">
+            <a:spAutoFit/>
+            <a:scene3d>
+              <a:camera prst="orthographicFront"/>
+              <a:lightRig rig="threePt" dir="t"/>
+            </a:scene3d>
+            <a:sp3d contourW="12700"/>
+          </a:bodyPr>
+          <a:lstStyle/>
+          <a:p>
+            <a:pPr>
+              <a:defRPr/>
+            </a:pPr>
+            <a:r>
+              <a:rPr lang="zh-CN" altLang="en-US" sz="1800" b="0" i="0" u="none" strike="noStrike" baseline="0">
+                <a:solidFill>
+                  <a:srgbClr val="000000"/>
+                </a:solidFill>
+                <a:latin typeface="Microsoft YaHei UI" panose="020B0503020204020204" pitchFamily="34" charset="-122"/>
+              </a:rPr>
+              <a:t>针对视障人士的易于操作的声音</a:t>
+            </a:r>
+            <a:r>
+              <a:rPr lang="en-US" altLang="zh-CN" sz="1800" b="0" i="0" u="none" strike="noStrike" baseline="0">
+                <a:solidFill>
+                  <a:srgbClr val="000000"/>
+                </a:solidFill>
+                <a:latin typeface="Microsoft YaHei UI" panose="020B0503020204020204" pitchFamily="34" charset="-122"/>
+              </a:rPr>
+              <a:t>GPS</a:t>
+            </a:r>
+            <a:r>
+              <a:rPr lang="zh-CN" altLang="en-US" sz="1800" b="0" i="0" u="none" strike="noStrike" baseline="0">
+                <a:solidFill>
+                  <a:srgbClr val="000000"/>
+                </a:solidFill>
+                <a:latin typeface="Microsoft YaHei UI" panose="020B0503020204020204" pitchFamily="34" charset="-122"/>
+              </a:rPr>
+              <a:t>软件程序对他们在开放空间中自主导航方面的研究成果，结果表明使用基于声音的</a:t>
+            </a:r>
+            <a:r>
+              <a:rPr lang="en-US" altLang="zh-CN" sz="1800" b="0" i="0" u="none" strike="noStrike" baseline="0">
+                <a:solidFill>
+                  <a:srgbClr val="000000"/>
+                </a:solidFill>
+                <a:latin typeface="Microsoft YaHei UI" panose="020B0503020204020204" pitchFamily="34" charset="-122"/>
+              </a:rPr>
+              <a:t>GPS</a:t>
+            </a:r>
+            <a:r>
+              <a:rPr lang="zh-CN" altLang="en-US" sz="1800" b="0" i="0" u="none" strike="noStrike" baseline="0">
+                <a:solidFill>
+                  <a:srgbClr val="000000"/>
+                </a:solidFill>
+                <a:latin typeface="Microsoft YaHei UI" panose="020B0503020204020204" pitchFamily="34" charset="-122"/>
+              </a:rPr>
+              <a:t>软件让盲人能够不需要先前对环境有任何了解</a:t>
+            </a:r>
+            <a:r>
+              <a:rPr lang="en-US" altLang="zh-CN" sz="1800" b="0" i="0" u="none" strike="noStrike" baseline="0">
+                <a:solidFill>
+                  <a:srgbClr val="000000"/>
+                </a:solidFill>
+                <a:latin typeface="Microsoft YaHei UI" panose="020B0503020204020204" pitchFamily="34" charset="-122"/>
+              </a:rPr>
+              <a:t> </a:t>
+            </a:r>
+            <a:r>
+              <a:rPr lang="zh-CN" altLang="en-US" sz="1800" b="0" i="0" u="none" strike="noStrike" baseline="0">
+                <a:solidFill>
+                  <a:srgbClr val="000000"/>
+                </a:solidFill>
+                <a:latin typeface="Microsoft YaHei UI" panose="020B0503020204020204" pitchFamily="34" charset="-122"/>
+              </a:rPr>
+              <a:t>，就能到达各种目的地，有利于不熟悉环境的盲人自主导航，刺激盲人运用不同的方向感和移动技能，最终为通常只在其他人的陪伴下导航城市空间的用户提供帮助。</a:t>
+            </a:r>
+            <a:endParaRPr lang="en-US" altLang="zh-CN"/>
+          </a:p>
+        </p:txBody>
+      </p:sp>
+      <p:sp>
+        <p:nvSpPr>
+          <p:cNvPr id="3" name="文本框 2">
+            <a:extLst>
+              <a:ext uri="{FF2B5EF4-FFF2-40B4-BE49-F238E27FC236}">
+                <a16:creationId xmlns:a16="http://schemas.microsoft.com/office/drawing/2014/main" id="{B0CB32D6-924E-77CE-110F-532DEAA5C1AB}"/>
+              </a:ext>
+            </a:extLst>
+          </p:cNvPr>
+          <p:cNvSpPr txBox="1"/>
+          <p:nvPr/>
+        </p:nvSpPr>
+        <p:spPr>
+          <a:xfrm>
+            <a:off x="581108" y="3091680"/>
+            <a:ext cx="6612619" cy="1710084"/>
+          </a:xfrm>
+          <a:prstGeom prst="rect">
+            <a:avLst/>
+          </a:prstGeom>
+          <a:noFill/>
+        </p:spPr>
+        <p:txBody>
+          <a:bodyPr wrap="square" rtlCol="0">
+            <a:spAutoFit/>
+          </a:bodyPr>
+          <a:lstStyle/>
+          <a:p>
+            <a:pPr>
+              <a:lnSpc>
+                <a:spcPct val="150000"/>
+              </a:lnSpc>
+              <a:defRPr/>
+            </a:pPr>
+            <a:r>
+              <a:rPr lang="zh-CN" altLang="en-US" b="0" i="0">
+                <a:effectLst/>
+                <a:latin typeface="-apple-system"/>
+              </a:rPr>
+              <a:t>使用时钟系统通知用户到达目的地的具体方向。假设用户面对的是</a:t>
+            </a:r>
+            <a:r>
+              <a:rPr lang="en-US" altLang="zh-CN" b="0" i="0">
+                <a:effectLst/>
+                <a:latin typeface="-apple-system"/>
+              </a:rPr>
+              <a:t>12</a:t>
+            </a:r>
+            <a:r>
+              <a:rPr lang="zh-CN" altLang="en-US" b="0" i="0">
+                <a:effectLst/>
+                <a:latin typeface="-apple-system"/>
+              </a:rPr>
+              <a:t>：</a:t>
+            </a:r>
+            <a:r>
+              <a:rPr lang="en-US" altLang="zh-CN" b="0" i="0">
+                <a:effectLst/>
+                <a:latin typeface="-apple-system"/>
+              </a:rPr>
+              <a:t>00</a:t>
+            </a:r>
+            <a:r>
+              <a:rPr lang="zh-CN" altLang="en-US" b="0" i="0">
+                <a:effectLst/>
+                <a:latin typeface="-apple-system"/>
+              </a:rPr>
+              <a:t>，如果我们想让用户向右移动，我们会说“</a:t>
+            </a:r>
+            <a:r>
+              <a:rPr lang="en-US" altLang="zh-CN" b="0" i="0">
+                <a:effectLst/>
+                <a:latin typeface="-apple-system"/>
+              </a:rPr>
+              <a:t>Go to 3</a:t>
+            </a:r>
+            <a:r>
+              <a:rPr lang="zh-CN" altLang="en-US" b="0" i="0">
+                <a:effectLst/>
+                <a:latin typeface="-apple-system"/>
+              </a:rPr>
+              <a:t>：</a:t>
+            </a:r>
+            <a:r>
+              <a:rPr lang="en-US" altLang="zh-CN" b="0" i="0">
+                <a:effectLst/>
+                <a:latin typeface="-apple-system"/>
+              </a:rPr>
+              <a:t>00”</a:t>
+            </a:r>
+            <a:r>
+              <a:rPr lang="zh-CN" altLang="en-US" b="0" i="0">
+                <a:effectLst/>
+                <a:latin typeface="-apple-system"/>
+              </a:rPr>
+              <a:t>；如果要向左移动，我们会告诉用户“</a:t>
+            </a:r>
+            <a:r>
+              <a:rPr lang="en-US" altLang="zh-CN" b="0" i="0">
+                <a:effectLst/>
+                <a:latin typeface="-apple-system"/>
+              </a:rPr>
+              <a:t>Go to 9</a:t>
+            </a:r>
+            <a:r>
+              <a:rPr lang="zh-CN" altLang="en-US" b="0" i="0">
+                <a:effectLst/>
+                <a:latin typeface="-apple-system"/>
+              </a:rPr>
+              <a:t>：</a:t>
+            </a:r>
+            <a:r>
+              <a:rPr lang="en-US" altLang="zh-CN" b="0" i="0">
+                <a:effectLst/>
+                <a:latin typeface="-apple-system"/>
+              </a:rPr>
+              <a:t>00”</a:t>
+            </a:r>
+            <a:r>
+              <a:rPr lang="zh-CN" altLang="en-US" b="0" i="0">
+                <a:effectLst/>
+                <a:latin typeface="-apple-system"/>
+              </a:rPr>
+              <a:t>；如果要向后移动，我们会说“</a:t>
+            </a:r>
+            <a:r>
+              <a:rPr lang="en-US" altLang="zh-CN" b="0" i="0">
+                <a:effectLst/>
+                <a:latin typeface="-apple-system"/>
+              </a:rPr>
+              <a:t>Go to 6</a:t>
+            </a:r>
+            <a:r>
+              <a:rPr lang="zh-CN" altLang="en-US" b="0" i="0">
+                <a:effectLst/>
+                <a:latin typeface="-apple-system"/>
+              </a:rPr>
+              <a:t>：</a:t>
+            </a:r>
+            <a:r>
+              <a:rPr lang="en-US" altLang="zh-CN" b="0" i="0">
+                <a:effectLst/>
+                <a:latin typeface="-apple-system"/>
+              </a:rPr>
+              <a:t>00”</a:t>
+            </a:r>
+            <a:r>
+              <a:rPr lang="zh-CN" altLang="en-US" b="0" i="0">
+                <a:effectLst/>
+                <a:latin typeface="-apple-system"/>
+              </a:rPr>
+              <a:t>。</a:t>
+            </a:r>
+            <a:endParaRPr lang="zh-CN" altLang="en-US">
               <a:highlight>
                 <a:srgbClr val="FFFFFF"/>
               </a:highlight>
               <a:latin typeface="-apple-system"/>
             </a:endParaRPr>
           </a:p>
-          <a:p>
-            <a:pPr marL="342900" indent="-342900">
-              <a:buFont typeface="+mj-lt"/>
-              <a:buAutoNum type="arabicPeriod"/>
-              <a:defRPr/>
-            </a:pPr>
-            <a:r>
-              <a:rPr lang="zh-CN" altLang="en-US" b="0" i="0" dirty="0">
-                <a:effectLst/>
-                <a:highlight>
-                  <a:srgbClr val="FFFFFF"/>
-                </a:highlight>
-                <a:latin typeface="-apple-system"/>
-              </a:rPr>
-              <a:t>在振动与方向的关系中，有间接映射和直接映射。 对于间接映射，研究人员使用振动模式来指示方向。 例如，</a:t>
-            </a:r>
-            <a:r>
-              <a:rPr lang="en-US" altLang="zh-CN" b="0" i="0" dirty="0" err="1">
-                <a:effectLst/>
-                <a:highlight>
-                  <a:srgbClr val="FFFFFF"/>
-                </a:highlight>
-                <a:latin typeface="-apple-system"/>
-              </a:rPr>
-              <a:t>PocketNavigator</a:t>
-            </a:r>
-            <a:r>
-              <a:rPr lang="zh-CN" altLang="en-US" b="0" i="0" dirty="0">
-                <a:effectLst/>
-                <a:highlight>
-                  <a:srgbClr val="FFFFFF"/>
-                </a:highlight>
-                <a:latin typeface="-apple-system"/>
-              </a:rPr>
-              <a:t>使用两个短脉冲来指示前进。 直接映射是指振动位置与目标方向之间存在直接的空间映射关系。 例如，在</a:t>
-            </a:r>
-            <a:r>
-              <a:rPr lang="en-US" altLang="zh-CN" b="0" i="0" dirty="0" err="1">
-                <a:effectLst/>
-                <a:highlight>
-                  <a:srgbClr val="FFFFFF"/>
-                </a:highlight>
-                <a:latin typeface="-apple-system"/>
-              </a:rPr>
-              <a:t>ActiveBelt</a:t>
-            </a:r>
-            <a:r>
-              <a:rPr lang="zh-CN" altLang="en-US" b="0" i="0" dirty="0">
-                <a:effectLst/>
-                <a:highlight>
-                  <a:srgbClr val="FFFFFF"/>
-                </a:highlight>
-                <a:latin typeface="-apple-system"/>
-              </a:rPr>
-              <a:t>上均匀分布着</a:t>
-            </a:r>
-            <a:r>
-              <a:rPr lang="en-US" altLang="zh-CN" b="0" i="0" dirty="0">
-                <a:effectLst/>
-                <a:highlight>
-                  <a:srgbClr val="FFFFFF"/>
-                </a:highlight>
-                <a:latin typeface="-apple-system"/>
-              </a:rPr>
-              <a:t>8</a:t>
-            </a:r>
-            <a:r>
-              <a:rPr lang="zh-CN" altLang="en-US" b="0" i="0" dirty="0">
-                <a:effectLst/>
-                <a:highlight>
-                  <a:srgbClr val="FFFFFF"/>
-                </a:highlight>
-                <a:latin typeface="-apple-system"/>
-              </a:rPr>
-              <a:t>台振动电机，可以以</a:t>
-            </a:r>
-            <a:r>
-              <a:rPr lang="en-US" altLang="zh-CN" b="0" i="0" dirty="0">
-                <a:effectLst/>
-                <a:highlight>
-                  <a:srgbClr val="FFFFFF"/>
-                </a:highlight>
-                <a:latin typeface="-apple-system"/>
-              </a:rPr>
-              <a:t>45°</a:t>
-            </a:r>
-            <a:r>
-              <a:rPr lang="zh-CN" altLang="en-US" b="0" i="0" dirty="0">
-                <a:effectLst/>
-                <a:highlight>
-                  <a:srgbClr val="FFFFFF"/>
-                </a:highlight>
-                <a:latin typeface="-apple-system"/>
-              </a:rPr>
-              <a:t>为单位指示方向。</a:t>
-            </a:r>
-            <a:endParaRPr lang="en-US" altLang="zh-CN" b="0" i="0" dirty="0">
-              <a:effectLst/>
-              <a:highlight>
-                <a:srgbClr val="FFFFFF"/>
-              </a:highlight>
-              <a:latin typeface="-apple-system"/>
-            </a:endParaRPr>
-          </a:p>
-          <a:p>
-            <a:pPr marL="342900" indent="-342900">
-              <a:buFont typeface="+mj-lt"/>
-              <a:buAutoNum type="arabicPeriod"/>
-              <a:defRPr/>
-            </a:pPr>
-            <a:r>
-              <a:rPr lang="zh-CN" altLang="en-US" b="0" i="0" dirty="0">
-                <a:effectLst/>
-                <a:highlight>
-                  <a:srgbClr val="FFFFFF"/>
-                </a:highlight>
-                <a:latin typeface="-apple-system"/>
-              </a:rPr>
-              <a:t>使用触觉罗盘时，被试能够以</a:t>
-            </a:r>
-            <a:r>
-              <a:rPr lang="en-US" altLang="zh-CN" b="0" i="0" dirty="0">
-                <a:effectLst/>
-                <a:highlight>
-                  <a:srgbClr val="FFFFFF"/>
-                </a:highlight>
-                <a:latin typeface="-apple-system"/>
-              </a:rPr>
-              <a:t>3.03°</a:t>
-            </a:r>
-            <a:r>
-              <a:rPr lang="zh-CN" altLang="en-US" b="0" i="0" dirty="0">
-                <a:effectLst/>
-                <a:highlight>
-                  <a:srgbClr val="FFFFFF"/>
-                </a:highlight>
-                <a:latin typeface="-apple-system"/>
-              </a:rPr>
-              <a:t>的平均偏差到达目标方向，并能在</a:t>
-            </a:r>
-            <a:r>
-              <a:rPr lang="en-US" altLang="zh-CN" b="0" i="0" dirty="0">
-                <a:effectLst/>
-                <a:highlight>
-                  <a:srgbClr val="FFFFFF"/>
-                </a:highlight>
-                <a:latin typeface="-apple-system"/>
-              </a:rPr>
-              <a:t>60cm</a:t>
-            </a:r>
-            <a:r>
-              <a:rPr lang="zh-CN" altLang="en-US" b="0" i="0" dirty="0">
-                <a:effectLst/>
-                <a:highlight>
-                  <a:srgbClr val="FFFFFF"/>
-                </a:highlight>
-                <a:latin typeface="-apple-system"/>
-              </a:rPr>
-              <a:t>宽的路径上平稳地导航。</a:t>
-            </a:r>
-            <a:endParaRPr lang="en-US" altLang="zh-CN" b="0" i="0" dirty="0">
-              <a:effectLst/>
-              <a:highlight>
-                <a:srgbClr val="FFFFFF"/>
-              </a:highlight>
-              <a:latin typeface="-apple-system"/>
-            </a:endParaRPr>
-          </a:p>
-          <a:p>
-            <a:pPr marL="342900" indent="-342900">
-              <a:buFont typeface="+mj-lt"/>
-              <a:buAutoNum type="arabicPeriod"/>
-              <a:defRPr/>
-            </a:pPr>
-            <a:r>
-              <a:rPr lang="en-US" altLang="zh-CN" b="0" i="0" dirty="0">
-                <a:effectLst/>
-                <a:highlight>
-                  <a:srgbClr val="FFFFFF"/>
-                </a:highlight>
-                <a:latin typeface="-apple-system"/>
-              </a:rPr>
-              <a:t>Tactus+</a:t>
-            </a:r>
-            <a:r>
-              <a:rPr lang="zh-CN" altLang="en-US" b="0" i="0" dirty="0">
-                <a:effectLst/>
-                <a:highlight>
-                  <a:srgbClr val="FFFFFF"/>
-                </a:highlight>
-                <a:latin typeface="-apple-system"/>
-              </a:rPr>
-              <a:t>音频反馈可以帮助参与者更准确地遵循路径。 然而，当参与者遭受由触觉针和音频不一致的线索引起的困惑时，他们更愿意使用触觉反馈。</a:t>
-            </a:r>
-            <a:endParaRPr lang="en-US" altLang="zh-CN" b="0" i="0" dirty="0">
-              <a:effectLst/>
-              <a:highlight>
-                <a:srgbClr val="FFFFFF"/>
-              </a:highlight>
-              <a:latin typeface="-apple-system"/>
-            </a:endParaRPr>
-          </a:p>
-          <a:p>
-            <a:pPr>
-              <a:defRPr/>
-            </a:pPr>
-            <a:endParaRPr lang="en-US" altLang="zh-CN" dirty="0"/>
-          </a:p>
         </p:txBody>
       </p:sp>
+      <p:pic>
+        <p:nvPicPr>
+          <p:cNvPr id="6" name="图片 5">
+            <a:extLst>
+              <a:ext uri="{FF2B5EF4-FFF2-40B4-BE49-F238E27FC236}">
+                <a16:creationId xmlns:a16="http://schemas.microsoft.com/office/drawing/2014/main" id="{6E2D37FB-9F9B-0ADB-69FC-52D24EAA8849}"/>
+              </a:ext>
+            </a:extLst>
+          </p:cNvPr>
+          <p:cNvPicPr>
+            <a:picLocks noChangeAspect="1"/>
+          </p:cNvPicPr>
+          <p:nvPr/>
+        </p:nvPicPr>
+        <p:blipFill>
+          <a:blip r:embed="rId3"/>
+          <a:stretch>
+            <a:fillRect/>
+          </a:stretch>
+        </p:blipFill>
+        <p:spPr>
+          <a:xfrm>
+            <a:off x="8199912" y="2860838"/>
+            <a:ext cx="2247619" cy="1742857"/>
+          </a:xfrm>
+          <a:prstGeom prst="rect">
+            <a:avLst/>
+          </a:prstGeom>
+        </p:spPr>
+      </p:pic>
     </p:spTree>
     <p:extLst>
       <p:ext uri="{BB962C8B-B14F-4D97-AF65-F5344CB8AC3E}">
-        <p14:creationId xmlns:p14="http://schemas.microsoft.com/office/powerpoint/2010/main" val="4132362298"/>
+        <p14:creationId xmlns:p14="http://schemas.microsoft.com/office/powerpoint/2010/main" val="3696797196"/>
       </p:ext>
     </p:extLst>
   </p:cSld>

--- a/记录.pptx
+++ b/记录.pptx
@@ -5,7 +5,7 @@
     <p:sldMasterId id="2147483648" r:id="rId1"/>
   </p:sldMasterIdLst>
   <p:notesMasterIdLst>
-    <p:notesMasterId r:id="rId16"/>
+    <p:notesMasterId r:id="rId17"/>
   </p:notesMasterIdLst>
   <p:sldIdLst>
     <p:sldId id="357" r:id="rId2"/>
@@ -22,11 +22,12 @@
     <p:sldId id="365" r:id="rId13"/>
     <p:sldId id="369" r:id="rId14"/>
     <p:sldId id="370" r:id="rId15"/>
+    <p:sldId id="371" r:id="rId16"/>
   </p:sldIdLst>
   <p:sldSz cx="12192000" cy="6858000"/>
   <p:notesSz cx="6858000" cy="9144000"/>
   <p:custDataLst>
-    <p:tags r:id="rId17"/>
+    <p:tags r:id="rId18"/>
   </p:custDataLst>
   <p:defaultTextStyle>
     <a:defPPr>
@@ -221,7 +222,7 @@
           <a:p>
             <a:fld id="{5D13BBE5-0BEA-4494-9BEF-C8C2F48C9E2D}" type="datetimeFigureOut">
               <a:rPr lang="zh-CN" altLang="en-US" smtClean="0"/>
-              <a:t>2024/10/10</a:t>
+              <a:t>2024/10/16</a:t>
             </a:fld>
             <a:endParaRPr lang="zh-CN" altLang="en-US"/>
           </a:p>
@@ -978,6 +979,114 @@
     <p:extLst>
       <p:ext uri="{BB962C8B-B14F-4D97-AF65-F5344CB8AC3E}">
         <p14:creationId xmlns:p14="http://schemas.microsoft.com/office/powerpoint/2010/main" val="175315910"/>
+      </p:ext>
+    </p:extLst>
+  </p:cSld>
+  <p:clrMapOvr>
+    <a:masterClrMapping/>
+  </p:clrMapOvr>
+</p:notes>
+</file>
+
+<file path=ppt/notesSlides/notesSlide15.xml><?xml version="1.0" encoding="utf-8"?>
+<p:notes xmlns:a="http://schemas.openxmlformats.org/drawingml/2006/main" xmlns:r="http://schemas.openxmlformats.org/officeDocument/2006/relationships" xmlns:p="http://schemas.openxmlformats.org/presentationml/2006/main">
+  <p:cSld>
+    <p:spTree>
+      <p:nvGrpSpPr>
+        <p:cNvPr id="1" name="">
+          <a:extLst>
+            <a:ext uri="{FF2B5EF4-FFF2-40B4-BE49-F238E27FC236}">
+              <a16:creationId xmlns:a16="http://schemas.microsoft.com/office/drawing/2014/main" id="{ABDDED45-CF2D-B0E9-839C-AE054B66A29C}"/>
+            </a:ext>
+          </a:extLst>
+        </p:cNvPr>
+        <p:cNvGrpSpPr/>
+        <p:nvPr/>
+      </p:nvGrpSpPr>
+      <p:grpSpPr>
+        <a:xfrm>
+          <a:off x="0" y="0"/>
+          <a:ext cx="0" cy="0"/>
+          <a:chOff x="0" y="0"/>
+          <a:chExt cx="0" cy="0"/>
+        </a:xfrm>
+      </p:grpSpPr>
+      <p:sp>
+        <p:nvSpPr>
+          <p:cNvPr id="2" name="幻灯片图像占位符 1">
+            <a:extLst>
+              <a:ext uri="{FF2B5EF4-FFF2-40B4-BE49-F238E27FC236}">
+                <a16:creationId xmlns:a16="http://schemas.microsoft.com/office/drawing/2014/main" id="{506DFB9F-6905-AB2E-B0BE-CC4B23F55C00}"/>
+              </a:ext>
+            </a:extLst>
+          </p:cNvPr>
+          <p:cNvSpPr>
+            <a:spLocks noGrp="1" noRot="1" noChangeAspect="1"/>
+          </p:cNvSpPr>
+          <p:nvPr>
+            <p:ph type="sldImg"/>
+          </p:nvPr>
+        </p:nvSpPr>
+        <p:spPr/>
+      </p:sp>
+      <p:sp>
+        <p:nvSpPr>
+          <p:cNvPr id="3" name="备注占位符 2">
+            <a:extLst>
+              <a:ext uri="{FF2B5EF4-FFF2-40B4-BE49-F238E27FC236}">
+                <a16:creationId xmlns:a16="http://schemas.microsoft.com/office/drawing/2014/main" id="{FE957A2F-C824-2507-9C67-1A0FA174126E}"/>
+              </a:ext>
+            </a:extLst>
+          </p:cNvPr>
+          <p:cNvSpPr>
+            <a:spLocks noGrp="1"/>
+          </p:cNvSpPr>
+          <p:nvPr>
+            <p:ph type="body" idx="1"/>
+          </p:nvPr>
+        </p:nvSpPr>
+        <p:spPr/>
+        <p:txBody>
+          <a:bodyPr/>
+          <a:lstStyle/>
+          <a:p>
+            <a:endParaRPr lang="zh-CN" altLang="en-US"/>
+          </a:p>
+        </p:txBody>
+      </p:sp>
+      <p:sp>
+        <p:nvSpPr>
+          <p:cNvPr id="4" name="灯片编号占位符 3">
+            <a:extLst>
+              <a:ext uri="{FF2B5EF4-FFF2-40B4-BE49-F238E27FC236}">
+                <a16:creationId xmlns:a16="http://schemas.microsoft.com/office/drawing/2014/main" id="{B9359A1C-5553-9DF4-F9FD-375E3DB818BE}"/>
+              </a:ext>
+            </a:extLst>
+          </p:cNvPr>
+          <p:cNvSpPr>
+            <a:spLocks noGrp="1"/>
+          </p:cNvSpPr>
+          <p:nvPr>
+            <p:ph type="sldNum" sz="quarter" idx="5"/>
+          </p:nvPr>
+        </p:nvSpPr>
+        <p:spPr/>
+        <p:txBody>
+          <a:bodyPr/>
+          <a:lstStyle/>
+          <a:p>
+            <a:fld id="{F1CB8912-F0BA-4AD8-8415-DA1F26BCB09F}" type="slidenum">
+              <a:rPr lang="zh-CN" altLang="en-US" smtClean="0"/>
+              <a:t>15</a:t>
+            </a:fld>
+            <a:endParaRPr lang="zh-CN" altLang="en-US"/>
+          </a:p>
+        </p:txBody>
+      </p:sp>
+    </p:spTree>
+    <p:extLst>
+      <p:ext uri="{BB962C8B-B14F-4D97-AF65-F5344CB8AC3E}">
+        <p14:creationId xmlns:p14="http://schemas.microsoft.com/office/powerpoint/2010/main" val="2595451641"/>
       </p:ext>
     </p:extLst>
   </p:cSld>
@@ -7286,6 +7395,862 @@
 </p:sld>
 </file>
 
+<file path=ppt/slides/slide15.xml><?xml version="1.0" encoding="utf-8"?>
+<p:sld xmlns:a="http://schemas.openxmlformats.org/drawingml/2006/main" xmlns:r="http://schemas.openxmlformats.org/officeDocument/2006/relationships" xmlns:p="http://schemas.openxmlformats.org/presentationml/2006/main">
+  <p:cSld>
+    <p:spTree>
+      <p:nvGrpSpPr>
+        <p:cNvPr id="1" name="">
+          <a:extLst>
+            <a:ext uri="{FF2B5EF4-FFF2-40B4-BE49-F238E27FC236}">
+              <a16:creationId xmlns:a16="http://schemas.microsoft.com/office/drawing/2014/main" id="{72E5F298-1A11-DF0C-545E-31AF266E884C}"/>
+            </a:ext>
+          </a:extLst>
+        </p:cNvPr>
+        <p:cNvGrpSpPr/>
+        <p:nvPr/>
+      </p:nvGrpSpPr>
+      <p:grpSpPr>
+        <a:xfrm>
+          <a:off x="0" y="0"/>
+          <a:ext cx="0" cy="0"/>
+          <a:chOff x="0" y="0"/>
+          <a:chExt cx="0" cy="0"/>
+        </a:xfrm>
+      </p:grpSpPr>
+      <p:grpSp>
+        <p:nvGrpSpPr>
+          <p:cNvPr id="21" name="组合 20">
+            <a:extLst>
+              <a:ext uri="{FF2B5EF4-FFF2-40B4-BE49-F238E27FC236}">
+                <a16:creationId xmlns:a16="http://schemas.microsoft.com/office/drawing/2014/main" id="{948707A0-6EEC-06D1-DB55-3AF639C3A93D}"/>
+              </a:ext>
+            </a:extLst>
+          </p:cNvPr>
+          <p:cNvGrpSpPr/>
+          <p:nvPr/>
+        </p:nvGrpSpPr>
+        <p:grpSpPr>
+          <a:xfrm>
+            <a:off x="5270500" y="510493"/>
+            <a:ext cx="7561033" cy="380555"/>
+            <a:chOff x="6997699" y="510493"/>
+            <a:chExt cx="5794625" cy="380555"/>
+          </a:xfrm>
+        </p:grpSpPr>
+        <p:sp>
+          <p:nvSpPr>
+            <p:cNvPr id="22" name="任意多边形: 形状 21">
+              <a:extLst>
+                <a:ext uri="{FF2B5EF4-FFF2-40B4-BE49-F238E27FC236}">
+                  <a16:creationId xmlns:a16="http://schemas.microsoft.com/office/drawing/2014/main" id="{04430098-12E1-EFDF-E7C2-5FD8AD9B4D18}"/>
+                </a:ext>
+              </a:extLst>
+            </p:cNvPr>
+            <p:cNvSpPr/>
+            <p:nvPr userDrawn="1"/>
+          </p:nvSpPr>
+          <p:spPr>
+            <a:xfrm flipH="1">
+              <a:off x="6997699" y="764493"/>
+              <a:ext cx="5376633" cy="126555"/>
+            </a:xfrm>
+            <a:custGeom>
+              <a:avLst/>
+              <a:gdLst>
+                <a:gd name="connsiteX0" fmla="*/ 7367523 w 7367523"/>
+                <a:gd name="connsiteY0" fmla="*/ 0 h 173416"/>
+                <a:gd name="connsiteX1" fmla="*/ 6374783 w 7367523"/>
+                <a:gd name="connsiteY1" fmla="*/ 0 h 173416"/>
+                <a:gd name="connsiteX2" fmla="*/ 6240349 w 7367523"/>
+                <a:gd name="connsiteY2" fmla="*/ 0 h 173416"/>
+                <a:gd name="connsiteX3" fmla="*/ 5540227 w 7367523"/>
+                <a:gd name="connsiteY3" fmla="*/ 0 h 173416"/>
+                <a:gd name="connsiteX4" fmla="*/ 5247612 w 7367523"/>
+                <a:gd name="connsiteY4" fmla="*/ 0 h 173416"/>
+                <a:gd name="connsiteX5" fmla="*/ 4707193 w 7367523"/>
+                <a:gd name="connsiteY5" fmla="*/ 0 h 173416"/>
+                <a:gd name="connsiteX6" fmla="*/ 4413053 w 7367523"/>
+                <a:gd name="connsiteY6" fmla="*/ 0 h 173416"/>
+                <a:gd name="connsiteX7" fmla="*/ 3865356 w 7367523"/>
+                <a:gd name="connsiteY7" fmla="*/ 0 h 173416"/>
+                <a:gd name="connsiteX8" fmla="*/ 3580019 w 7367523"/>
+                <a:gd name="connsiteY8" fmla="*/ 0 h 173416"/>
+                <a:gd name="connsiteX9" fmla="*/ 2872616 w 7367523"/>
+                <a:gd name="connsiteY9" fmla="*/ 0 h 173416"/>
+                <a:gd name="connsiteX10" fmla="*/ 2738183 w 7367523"/>
+                <a:gd name="connsiteY10" fmla="*/ 0 h 173416"/>
+                <a:gd name="connsiteX11" fmla="*/ 2038060 w 7367523"/>
+                <a:gd name="connsiteY11" fmla="*/ 0 h 173416"/>
+                <a:gd name="connsiteX12" fmla="*/ 1745445 w 7367523"/>
+                <a:gd name="connsiteY12" fmla="*/ 0 h 173416"/>
+                <a:gd name="connsiteX13" fmla="*/ 1205026 w 7367523"/>
+                <a:gd name="connsiteY13" fmla="*/ 0 h 173416"/>
+                <a:gd name="connsiteX14" fmla="*/ 910887 w 7367523"/>
+                <a:gd name="connsiteY14" fmla="*/ 0 h 173416"/>
+                <a:gd name="connsiteX15" fmla="*/ 77853 w 7367523"/>
+                <a:gd name="connsiteY15" fmla="*/ 0 h 173416"/>
+                <a:gd name="connsiteX16" fmla="*/ 0 w 7367523"/>
+                <a:gd name="connsiteY16" fmla="*/ 173416 h 173416"/>
+                <a:gd name="connsiteX17" fmla="*/ 7289670 w 7367523"/>
+                <a:gd name="connsiteY17" fmla="*/ 173416 h 173416"/>
+              </a:gdLst>
+              <a:ahLst/>
+              <a:cxnLst>
+                <a:cxn ang="0">
+                  <a:pos x="connsiteX0" y="connsiteY0"/>
+                </a:cxn>
+                <a:cxn ang="0">
+                  <a:pos x="connsiteX1" y="connsiteY1"/>
+                </a:cxn>
+                <a:cxn ang="0">
+                  <a:pos x="connsiteX2" y="connsiteY2"/>
+                </a:cxn>
+                <a:cxn ang="0">
+                  <a:pos x="connsiteX3" y="connsiteY3"/>
+                </a:cxn>
+                <a:cxn ang="0">
+                  <a:pos x="connsiteX4" y="connsiteY4"/>
+                </a:cxn>
+                <a:cxn ang="0">
+                  <a:pos x="connsiteX5" y="connsiteY5"/>
+                </a:cxn>
+                <a:cxn ang="0">
+                  <a:pos x="connsiteX6" y="connsiteY6"/>
+                </a:cxn>
+                <a:cxn ang="0">
+                  <a:pos x="connsiteX7" y="connsiteY7"/>
+                </a:cxn>
+                <a:cxn ang="0">
+                  <a:pos x="connsiteX8" y="connsiteY8"/>
+                </a:cxn>
+                <a:cxn ang="0">
+                  <a:pos x="connsiteX9" y="connsiteY9"/>
+                </a:cxn>
+                <a:cxn ang="0">
+                  <a:pos x="connsiteX10" y="connsiteY10"/>
+                </a:cxn>
+                <a:cxn ang="0">
+                  <a:pos x="connsiteX11" y="connsiteY11"/>
+                </a:cxn>
+                <a:cxn ang="0">
+                  <a:pos x="connsiteX12" y="connsiteY12"/>
+                </a:cxn>
+                <a:cxn ang="0">
+                  <a:pos x="connsiteX13" y="connsiteY13"/>
+                </a:cxn>
+                <a:cxn ang="0">
+                  <a:pos x="connsiteX14" y="connsiteY14"/>
+                </a:cxn>
+                <a:cxn ang="0">
+                  <a:pos x="connsiteX15" y="connsiteY15"/>
+                </a:cxn>
+                <a:cxn ang="0">
+                  <a:pos x="connsiteX16" y="connsiteY16"/>
+                </a:cxn>
+                <a:cxn ang="0">
+                  <a:pos x="connsiteX17" y="connsiteY17"/>
+                </a:cxn>
+              </a:cxnLst>
+              <a:rect l="l" t="t" r="r" b="b"/>
+              <a:pathLst>
+                <a:path w="7367523" h="173416">
+                  <a:moveTo>
+                    <a:pt x="7367523" y="0"/>
+                  </a:moveTo>
+                  <a:lnTo>
+                    <a:pt x="6374783" y="0"/>
+                  </a:lnTo>
+                  <a:lnTo>
+                    <a:pt x="6240349" y="0"/>
+                  </a:lnTo>
+                  <a:lnTo>
+                    <a:pt x="5540227" y="0"/>
+                  </a:lnTo>
+                  <a:lnTo>
+                    <a:pt x="5247612" y="0"/>
+                  </a:lnTo>
+                  <a:lnTo>
+                    <a:pt x="4707193" y="0"/>
+                  </a:lnTo>
+                  <a:lnTo>
+                    <a:pt x="4413053" y="0"/>
+                  </a:lnTo>
+                  <a:lnTo>
+                    <a:pt x="3865356" y="0"/>
+                  </a:lnTo>
+                  <a:lnTo>
+                    <a:pt x="3580019" y="0"/>
+                  </a:lnTo>
+                  <a:lnTo>
+                    <a:pt x="2872616" y="0"/>
+                  </a:lnTo>
+                  <a:lnTo>
+                    <a:pt x="2738183" y="0"/>
+                  </a:lnTo>
+                  <a:lnTo>
+                    <a:pt x="2038060" y="0"/>
+                  </a:lnTo>
+                  <a:lnTo>
+                    <a:pt x="1745445" y="0"/>
+                  </a:lnTo>
+                  <a:lnTo>
+                    <a:pt x="1205026" y="0"/>
+                  </a:lnTo>
+                  <a:lnTo>
+                    <a:pt x="910887" y="0"/>
+                  </a:lnTo>
+                  <a:lnTo>
+                    <a:pt x="77853" y="0"/>
+                  </a:lnTo>
+                  <a:lnTo>
+                    <a:pt x="0" y="173416"/>
+                  </a:lnTo>
+                  <a:lnTo>
+                    <a:pt x="7289670" y="173416"/>
+                  </a:lnTo>
+                  <a:close/>
+                </a:path>
+              </a:pathLst>
+            </a:custGeom>
+            <a:gradFill flip="none" rotWithShape="0">
+              <a:gsLst>
+                <a:gs pos="0">
+                  <a:srgbClr val="228AF2"/>
+                </a:gs>
+                <a:gs pos="94000">
+                  <a:srgbClr val="7F12B6"/>
+                </a:gs>
+              </a:gsLst>
+              <a:lin ang="2700000" scaled="1"/>
+              <a:tileRect/>
+            </a:gradFill>
+            <a:ln>
+              <a:noFill/>
+            </a:ln>
+          </p:spPr>
+          <p:style>
+            <a:lnRef idx="2">
+              <a:schemeClr val="accent1">
+                <a:shade val="50000"/>
+              </a:schemeClr>
+            </a:lnRef>
+            <a:fillRef idx="1">
+              <a:schemeClr val="accent1"/>
+            </a:fillRef>
+            <a:effectRef idx="0">
+              <a:schemeClr val="accent1"/>
+            </a:effectRef>
+            <a:fontRef idx="minor">
+              <a:schemeClr val="lt1"/>
+            </a:fontRef>
+          </p:style>
+          <p:txBody>
+            <a:bodyPr rot="0" spcFirstLastPara="0" vertOverflow="overflow" horzOverflow="overflow" vert="horz" wrap="square" lIns="91440" tIns="45720" rIns="91440" bIns="45720" numCol="1" spcCol="0" rtlCol="0" fromWordArt="0" anchor="ctr" anchorCtr="0" forceAA="0" compatLnSpc="1">
+              <a:noAutofit/>
+            </a:bodyPr>
+            <a:lstStyle/>
+            <a:p>
+              <a:pPr algn="ctr"/>
+              <a:endParaRPr lang="zh-CN" altLang="en-US"/>
+            </a:p>
+          </p:txBody>
+        </p:sp>
+        <p:sp>
+          <p:nvSpPr>
+            <p:cNvPr id="23" name="任意多边形: 形状 22">
+              <a:extLst>
+                <a:ext uri="{FF2B5EF4-FFF2-40B4-BE49-F238E27FC236}">
+                  <a16:creationId xmlns:a16="http://schemas.microsoft.com/office/drawing/2014/main" id="{4A37E74B-B90F-E68F-6BFC-E5D82C5A7A97}"/>
+                </a:ext>
+              </a:extLst>
+            </p:cNvPr>
+            <p:cNvSpPr/>
+            <p:nvPr userDrawn="1"/>
+          </p:nvSpPr>
+          <p:spPr>
+            <a:xfrm flipH="1">
+              <a:off x="7415691" y="510493"/>
+              <a:ext cx="5376633" cy="126555"/>
+            </a:xfrm>
+            <a:custGeom>
+              <a:avLst/>
+              <a:gdLst>
+                <a:gd name="connsiteX0" fmla="*/ 7367523 w 7367523"/>
+                <a:gd name="connsiteY0" fmla="*/ 0 h 173416"/>
+                <a:gd name="connsiteX1" fmla="*/ 6374783 w 7367523"/>
+                <a:gd name="connsiteY1" fmla="*/ 0 h 173416"/>
+                <a:gd name="connsiteX2" fmla="*/ 6240349 w 7367523"/>
+                <a:gd name="connsiteY2" fmla="*/ 0 h 173416"/>
+                <a:gd name="connsiteX3" fmla="*/ 5540227 w 7367523"/>
+                <a:gd name="connsiteY3" fmla="*/ 0 h 173416"/>
+                <a:gd name="connsiteX4" fmla="*/ 5247612 w 7367523"/>
+                <a:gd name="connsiteY4" fmla="*/ 0 h 173416"/>
+                <a:gd name="connsiteX5" fmla="*/ 4707193 w 7367523"/>
+                <a:gd name="connsiteY5" fmla="*/ 0 h 173416"/>
+                <a:gd name="connsiteX6" fmla="*/ 4413053 w 7367523"/>
+                <a:gd name="connsiteY6" fmla="*/ 0 h 173416"/>
+                <a:gd name="connsiteX7" fmla="*/ 3865356 w 7367523"/>
+                <a:gd name="connsiteY7" fmla="*/ 0 h 173416"/>
+                <a:gd name="connsiteX8" fmla="*/ 3580019 w 7367523"/>
+                <a:gd name="connsiteY8" fmla="*/ 0 h 173416"/>
+                <a:gd name="connsiteX9" fmla="*/ 2872616 w 7367523"/>
+                <a:gd name="connsiteY9" fmla="*/ 0 h 173416"/>
+                <a:gd name="connsiteX10" fmla="*/ 2738183 w 7367523"/>
+                <a:gd name="connsiteY10" fmla="*/ 0 h 173416"/>
+                <a:gd name="connsiteX11" fmla="*/ 2038060 w 7367523"/>
+                <a:gd name="connsiteY11" fmla="*/ 0 h 173416"/>
+                <a:gd name="connsiteX12" fmla="*/ 1745445 w 7367523"/>
+                <a:gd name="connsiteY12" fmla="*/ 0 h 173416"/>
+                <a:gd name="connsiteX13" fmla="*/ 1205026 w 7367523"/>
+                <a:gd name="connsiteY13" fmla="*/ 0 h 173416"/>
+                <a:gd name="connsiteX14" fmla="*/ 910887 w 7367523"/>
+                <a:gd name="connsiteY14" fmla="*/ 0 h 173416"/>
+                <a:gd name="connsiteX15" fmla="*/ 77853 w 7367523"/>
+                <a:gd name="connsiteY15" fmla="*/ 0 h 173416"/>
+                <a:gd name="connsiteX16" fmla="*/ 0 w 7367523"/>
+                <a:gd name="connsiteY16" fmla="*/ 173416 h 173416"/>
+                <a:gd name="connsiteX17" fmla="*/ 7289670 w 7367523"/>
+                <a:gd name="connsiteY17" fmla="*/ 173416 h 173416"/>
+              </a:gdLst>
+              <a:ahLst/>
+              <a:cxnLst>
+                <a:cxn ang="0">
+                  <a:pos x="connsiteX0" y="connsiteY0"/>
+                </a:cxn>
+                <a:cxn ang="0">
+                  <a:pos x="connsiteX1" y="connsiteY1"/>
+                </a:cxn>
+                <a:cxn ang="0">
+                  <a:pos x="connsiteX2" y="connsiteY2"/>
+                </a:cxn>
+                <a:cxn ang="0">
+                  <a:pos x="connsiteX3" y="connsiteY3"/>
+                </a:cxn>
+                <a:cxn ang="0">
+                  <a:pos x="connsiteX4" y="connsiteY4"/>
+                </a:cxn>
+                <a:cxn ang="0">
+                  <a:pos x="connsiteX5" y="connsiteY5"/>
+                </a:cxn>
+                <a:cxn ang="0">
+                  <a:pos x="connsiteX6" y="connsiteY6"/>
+                </a:cxn>
+                <a:cxn ang="0">
+                  <a:pos x="connsiteX7" y="connsiteY7"/>
+                </a:cxn>
+                <a:cxn ang="0">
+                  <a:pos x="connsiteX8" y="connsiteY8"/>
+                </a:cxn>
+                <a:cxn ang="0">
+                  <a:pos x="connsiteX9" y="connsiteY9"/>
+                </a:cxn>
+                <a:cxn ang="0">
+                  <a:pos x="connsiteX10" y="connsiteY10"/>
+                </a:cxn>
+                <a:cxn ang="0">
+                  <a:pos x="connsiteX11" y="connsiteY11"/>
+                </a:cxn>
+                <a:cxn ang="0">
+                  <a:pos x="connsiteX12" y="connsiteY12"/>
+                </a:cxn>
+                <a:cxn ang="0">
+                  <a:pos x="connsiteX13" y="connsiteY13"/>
+                </a:cxn>
+                <a:cxn ang="0">
+                  <a:pos x="connsiteX14" y="connsiteY14"/>
+                </a:cxn>
+                <a:cxn ang="0">
+                  <a:pos x="connsiteX15" y="connsiteY15"/>
+                </a:cxn>
+                <a:cxn ang="0">
+                  <a:pos x="connsiteX16" y="connsiteY16"/>
+                </a:cxn>
+                <a:cxn ang="0">
+                  <a:pos x="connsiteX17" y="connsiteY17"/>
+                </a:cxn>
+              </a:cxnLst>
+              <a:rect l="l" t="t" r="r" b="b"/>
+              <a:pathLst>
+                <a:path w="7367523" h="173416">
+                  <a:moveTo>
+                    <a:pt x="7367523" y="0"/>
+                  </a:moveTo>
+                  <a:lnTo>
+                    <a:pt x="6374783" y="0"/>
+                  </a:lnTo>
+                  <a:lnTo>
+                    <a:pt x="6240349" y="0"/>
+                  </a:lnTo>
+                  <a:lnTo>
+                    <a:pt x="5540227" y="0"/>
+                  </a:lnTo>
+                  <a:lnTo>
+                    <a:pt x="5247612" y="0"/>
+                  </a:lnTo>
+                  <a:lnTo>
+                    <a:pt x="4707193" y="0"/>
+                  </a:lnTo>
+                  <a:lnTo>
+                    <a:pt x="4413053" y="0"/>
+                  </a:lnTo>
+                  <a:lnTo>
+                    <a:pt x="3865356" y="0"/>
+                  </a:lnTo>
+                  <a:lnTo>
+                    <a:pt x="3580019" y="0"/>
+                  </a:lnTo>
+                  <a:lnTo>
+                    <a:pt x="2872616" y="0"/>
+                  </a:lnTo>
+                  <a:lnTo>
+                    <a:pt x="2738183" y="0"/>
+                  </a:lnTo>
+                  <a:lnTo>
+                    <a:pt x="2038060" y="0"/>
+                  </a:lnTo>
+                  <a:lnTo>
+                    <a:pt x="1745445" y="0"/>
+                  </a:lnTo>
+                  <a:lnTo>
+                    <a:pt x="1205026" y="0"/>
+                  </a:lnTo>
+                  <a:lnTo>
+                    <a:pt x="910887" y="0"/>
+                  </a:lnTo>
+                  <a:lnTo>
+                    <a:pt x="77853" y="0"/>
+                  </a:lnTo>
+                  <a:lnTo>
+                    <a:pt x="0" y="173416"/>
+                  </a:lnTo>
+                  <a:lnTo>
+                    <a:pt x="7289670" y="173416"/>
+                  </a:lnTo>
+                  <a:close/>
+                </a:path>
+              </a:pathLst>
+            </a:custGeom>
+            <a:solidFill>
+              <a:schemeClr val="bg2"/>
+            </a:solidFill>
+            <a:ln>
+              <a:noFill/>
+            </a:ln>
+          </p:spPr>
+          <p:style>
+            <a:lnRef idx="2">
+              <a:schemeClr val="accent1">
+                <a:shade val="50000"/>
+              </a:schemeClr>
+            </a:lnRef>
+            <a:fillRef idx="1">
+              <a:schemeClr val="accent1"/>
+            </a:fillRef>
+            <a:effectRef idx="0">
+              <a:schemeClr val="accent1"/>
+            </a:effectRef>
+            <a:fontRef idx="minor">
+              <a:schemeClr val="lt1"/>
+            </a:fontRef>
+          </p:style>
+          <p:txBody>
+            <a:bodyPr rot="0" spcFirstLastPara="0" vertOverflow="overflow" horzOverflow="overflow" vert="horz" wrap="square" lIns="91440" tIns="45720" rIns="91440" bIns="45720" numCol="1" spcCol="0" rtlCol="0" fromWordArt="0" anchor="ctr" anchorCtr="0" forceAA="0" compatLnSpc="1">
+              <a:noAutofit/>
+            </a:bodyPr>
+            <a:lstStyle/>
+            <a:p>
+              <a:pPr algn="ctr"/>
+              <a:endParaRPr lang="zh-CN" altLang="en-US"/>
+            </a:p>
+          </p:txBody>
+        </p:sp>
+      </p:grpSp>
+      <p:sp>
+        <p:nvSpPr>
+          <p:cNvPr id="24" name="任意多边形: 形状 23">
+            <a:extLst>
+              <a:ext uri="{FF2B5EF4-FFF2-40B4-BE49-F238E27FC236}">
+                <a16:creationId xmlns:a16="http://schemas.microsoft.com/office/drawing/2014/main" id="{5C7ECB90-E34A-3ADF-04DA-1022C89F642E}"/>
+              </a:ext>
+            </a:extLst>
+          </p:cNvPr>
+          <p:cNvSpPr/>
+          <p:nvPr/>
+        </p:nvSpPr>
+        <p:spPr>
+          <a:xfrm flipH="1">
+            <a:off x="129621" y="0"/>
+            <a:ext cx="586522" cy="1047087"/>
+          </a:xfrm>
+          <a:custGeom>
+            <a:avLst/>
+            <a:gdLst>
+              <a:gd name="connsiteX0" fmla="*/ 586522 w 586522"/>
+              <a:gd name="connsiteY0" fmla="*/ 0 h 1047087"/>
+              <a:gd name="connsiteX1" fmla="*/ 470079 w 586522"/>
+              <a:gd name="connsiteY1" fmla="*/ 0 h 1047087"/>
+              <a:gd name="connsiteX2" fmla="*/ 0 w 586522"/>
+              <a:gd name="connsiteY2" fmla="*/ 1047087 h 1047087"/>
+              <a:gd name="connsiteX3" fmla="*/ 116443 w 586522"/>
+              <a:gd name="connsiteY3" fmla="*/ 1047087 h 1047087"/>
+            </a:gdLst>
+            <a:ahLst/>
+            <a:cxnLst>
+              <a:cxn ang="0">
+                <a:pos x="connsiteX0" y="connsiteY0"/>
+              </a:cxn>
+              <a:cxn ang="0">
+                <a:pos x="connsiteX1" y="connsiteY1"/>
+              </a:cxn>
+              <a:cxn ang="0">
+                <a:pos x="connsiteX2" y="connsiteY2"/>
+              </a:cxn>
+              <a:cxn ang="0">
+                <a:pos x="connsiteX3" y="connsiteY3"/>
+              </a:cxn>
+            </a:cxnLst>
+            <a:rect l="l" t="t" r="r" b="b"/>
+            <a:pathLst>
+              <a:path w="586522" h="1047087">
+                <a:moveTo>
+                  <a:pt x="586522" y="0"/>
+                </a:moveTo>
+                <a:lnTo>
+                  <a:pt x="470079" y="0"/>
+                </a:lnTo>
+                <a:lnTo>
+                  <a:pt x="0" y="1047087"/>
+                </a:lnTo>
+                <a:lnTo>
+                  <a:pt x="116443" y="1047087"/>
+                </a:lnTo>
+                <a:close/>
+              </a:path>
+            </a:pathLst>
+          </a:custGeom>
+          <a:gradFill flip="none" rotWithShape="0">
+            <a:gsLst>
+              <a:gs pos="0">
+                <a:srgbClr val="53A5F5">
+                  <a:lumMod val="73000"/>
+                  <a:lumOff val="27000"/>
+                </a:srgbClr>
+              </a:gs>
+              <a:gs pos="94000">
+                <a:srgbClr val="9214CF">
+                  <a:lumMod val="73000"/>
+                  <a:lumOff val="27000"/>
+                </a:srgbClr>
+              </a:gs>
+            </a:gsLst>
+            <a:lin ang="2700000" scaled="1"/>
+            <a:tileRect/>
+          </a:gradFill>
+          <a:ln>
+            <a:noFill/>
+          </a:ln>
+        </p:spPr>
+        <p:style>
+          <a:lnRef idx="2">
+            <a:schemeClr val="accent1">
+              <a:shade val="50000"/>
+            </a:schemeClr>
+          </a:lnRef>
+          <a:fillRef idx="1">
+            <a:schemeClr val="accent1"/>
+          </a:fillRef>
+          <a:effectRef idx="0">
+            <a:schemeClr val="accent1"/>
+          </a:effectRef>
+          <a:fontRef idx="minor">
+            <a:schemeClr val="lt1"/>
+          </a:fontRef>
+        </p:style>
+        <p:txBody>
+          <a:bodyPr rot="0" spcFirstLastPara="0" vertOverflow="overflow" horzOverflow="overflow" vert="horz" wrap="square" lIns="91440" tIns="45720" rIns="91440" bIns="45720" numCol="1" spcCol="0" rtlCol="0" fromWordArt="0" anchor="ctr" anchorCtr="0" forceAA="0" compatLnSpc="1">
+            <a:noAutofit/>
+          </a:bodyPr>
+          <a:lstStyle/>
+          <a:p>
+            <a:pPr algn="ctr"/>
+            <a:endParaRPr lang="zh-CN" altLang="en-US"/>
+          </a:p>
+        </p:txBody>
+      </p:sp>
+      <p:sp>
+        <p:nvSpPr>
+          <p:cNvPr id="25" name="任意多边形: 形状 24">
+            <a:extLst>
+              <a:ext uri="{FF2B5EF4-FFF2-40B4-BE49-F238E27FC236}">
+                <a16:creationId xmlns:a16="http://schemas.microsoft.com/office/drawing/2014/main" id="{D369FE35-1AA0-72EF-2ED2-3C27BD429ED7}"/>
+              </a:ext>
+            </a:extLst>
+          </p:cNvPr>
+          <p:cNvSpPr/>
+          <p:nvPr/>
+        </p:nvSpPr>
+        <p:spPr>
+          <a:xfrm flipH="1">
+            <a:off x="581108" y="202981"/>
+            <a:ext cx="344503" cy="615023"/>
+          </a:xfrm>
+          <a:custGeom>
+            <a:avLst/>
+            <a:gdLst>
+              <a:gd name="connsiteX0" fmla="*/ 586522 w 586522"/>
+              <a:gd name="connsiteY0" fmla="*/ 0 h 1047087"/>
+              <a:gd name="connsiteX1" fmla="*/ 470079 w 586522"/>
+              <a:gd name="connsiteY1" fmla="*/ 0 h 1047087"/>
+              <a:gd name="connsiteX2" fmla="*/ 0 w 586522"/>
+              <a:gd name="connsiteY2" fmla="*/ 1047087 h 1047087"/>
+              <a:gd name="connsiteX3" fmla="*/ 116443 w 586522"/>
+              <a:gd name="connsiteY3" fmla="*/ 1047087 h 1047087"/>
+            </a:gdLst>
+            <a:ahLst/>
+            <a:cxnLst>
+              <a:cxn ang="0">
+                <a:pos x="connsiteX0" y="connsiteY0"/>
+              </a:cxn>
+              <a:cxn ang="0">
+                <a:pos x="connsiteX1" y="connsiteY1"/>
+              </a:cxn>
+              <a:cxn ang="0">
+                <a:pos x="connsiteX2" y="connsiteY2"/>
+              </a:cxn>
+              <a:cxn ang="0">
+                <a:pos x="connsiteX3" y="connsiteY3"/>
+              </a:cxn>
+            </a:cxnLst>
+            <a:rect l="l" t="t" r="r" b="b"/>
+            <a:pathLst>
+              <a:path w="586522" h="1047087">
+                <a:moveTo>
+                  <a:pt x="586522" y="0"/>
+                </a:moveTo>
+                <a:lnTo>
+                  <a:pt x="470079" y="0"/>
+                </a:lnTo>
+                <a:lnTo>
+                  <a:pt x="0" y="1047087"/>
+                </a:lnTo>
+                <a:lnTo>
+                  <a:pt x="116443" y="1047087"/>
+                </a:lnTo>
+                <a:close/>
+              </a:path>
+            </a:pathLst>
+          </a:custGeom>
+          <a:solidFill>
+            <a:schemeClr val="bg1">
+              <a:lumMod val="95000"/>
+            </a:schemeClr>
+          </a:solidFill>
+          <a:ln>
+            <a:noFill/>
+          </a:ln>
+        </p:spPr>
+        <p:style>
+          <a:lnRef idx="2">
+            <a:schemeClr val="accent1">
+              <a:shade val="50000"/>
+            </a:schemeClr>
+          </a:lnRef>
+          <a:fillRef idx="1">
+            <a:schemeClr val="accent1"/>
+          </a:fillRef>
+          <a:effectRef idx="0">
+            <a:schemeClr val="accent1"/>
+          </a:effectRef>
+          <a:fontRef idx="minor">
+            <a:schemeClr val="lt1"/>
+          </a:fontRef>
+        </p:style>
+        <p:txBody>
+          <a:bodyPr rot="0" spcFirstLastPara="0" vertOverflow="overflow" horzOverflow="overflow" vert="horz" wrap="square" lIns="91440" tIns="45720" rIns="91440" bIns="45720" numCol="1" spcCol="0" rtlCol="0" fromWordArt="0" anchor="ctr" anchorCtr="0" forceAA="0" compatLnSpc="1">
+            <a:noAutofit/>
+          </a:bodyPr>
+          <a:lstStyle/>
+          <a:p>
+            <a:pPr algn="ctr"/>
+            <a:endParaRPr lang="zh-CN" altLang="en-US"/>
+          </a:p>
+        </p:txBody>
+      </p:sp>
+      <p:sp>
+        <p:nvSpPr>
+          <p:cNvPr id="2" name="文本框 1">
+            <a:extLst>
+              <a:ext uri="{FF2B5EF4-FFF2-40B4-BE49-F238E27FC236}">
+                <a16:creationId xmlns:a16="http://schemas.microsoft.com/office/drawing/2014/main" id="{7B964ED1-F8C5-F872-27D5-5A497F7D7B60}"/>
+              </a:ext>
+            </a:extLst>
+          </p:cNvPr>
+          <p:cNvSpPr txBox="1"/>
+          <p:nvPr/>
+        </p:nvSpPr>
+        <p:spPr bwMode="auto">
+          <a:xfrm>
+            <a:off x="322925" y="1121890"/>
+            <a:ext cx="11187757" cy="307777"/>
+          </a:xfrm>
+          <a:prstGeom prst="rect">
+            <a:avLst/>
+          </a:prstGeom>
+          <a:noFill/>
+        </p:spPr>
+        <p:txBody>
+          <a:bodyPr wrap="square">
+            <a:spAutoFit/>
+            <a:scene3d>
+              <a:camera prst="orthographicFront"/>
+              <a:lightRig rig="threePt" dir="t"/>
+            </a:scene3d>
+            <a:sp3d contourW="12700"/>
+          </a:bodyPr>
+          <a:lstStyle/>
+          <a:p>
+            <a:pPr>
+              <a:defRPr/>
+            </a:pPr>
+            <a:r>
+              <a:rPr lang="en-US" altLang="zh-CN" sz="1400" b="1">
+                <a:solidFill>
+                  <a:srgbClr val="7F12B6"/>
+                </a:solidFill>
+                <a:latin typeface="时尚中黑简体" panose="01010104010101010101" pitchFamily="2" charset="-122"/>
+                <a:ea typeface="时尚中黑简体" panose="01010104010101010101" pitchFamily="2" charset="-122"/>
+              </a:rPr>
+              <a:t>NaviRadar: A Tactile Information Display for Pedestrian Navigation		--UIST’11</a:t>
+            </a:r>
+          </a:p>
+        </p:txBody>
+      </p:sp>
+      <p:sp>
+        <p:nvSpPr>
+          <p:cNvPr id="4" name="文本框 3">
+            <a:extLst>
+              <a:ext uri="{FF2B5EF4-FFF2-40B4-BE49-F238E27FC236}">
+                <a16:creationId xmlns:a16="http://schemas.microsoft.com/office/drawing/2014/main" id="{09DECF16-899C-ED68-ACBA-22FC359C338D}"/>
+              </a:ext>
+            </a:extLst>
+          </p:cNvPr>
+          <p:cNvSpPr txBox="1"/>
+          <p:nvPr/>
+        </p:nvSpPr>
+        <p:spPr bwMode="auto">
+          <a:xfrm>
+            <a:off x="422882" y="1660509"/>
+            <a:ext cx="10675471" cy="1754326"/>
+          </a:xfrm>
+          <a:prstGeom prst="rect">
+            <a:avLst/>
+          </a:prstGeom>
+          <a:noFill/>
+        </p:spPr>
+        <p:txBody>
+          <a:bodyPr wrap="square">
+            <a:spAutoFit/>
+            <a:scene3d>
+              <a:camera prst="orthographicFront"/>
+              <a:lightRig rig="threePt" dir="t"/>
+            </a:scene3d>
+            <a:sp3d contourW="12700"/>
+          </a:bodyPr>
+          <a:lstStyle/>
+          <a:p>
+            <a:pPr marL="342900" indent="-342900">
+              <a:buAutoNum type="arabicPeriod"/>
+              <a:defRPr/>
+            </a:pPr>
+            <a:r>
+              <a:rPr lang="zh-CN" altLang="en-US" b="0" i="0">
+                <a:effectLst/>
+                <a:latin typeface="-apple-system"/>
+              </a:rPr>
+              <a:t>可以改变一系列不同的参数，例如频率、幅度（强度）、持续时间、时间和节奏，以创建不同的触觉模式。 通过多个振动器，可以操纵更多参数，例如振动位置 、运动或速度 。</a:t>
+            </a:r>
+            <a:endParaRPr lang="en-US" altLang="zh-CN" b="0" i="0">
+              <a:effectLst/>
+              <a:latin typeface="-apple-system"/>
+            </a:endParaRPr>
+          </a:p>
+          <a:p>
+            <a:pPr marL="342900" indent="-342900">
+              <a:buAutoNum type="arabicPeriod"/>
+              <a:defRPr/>
+            </a:pPr>
+            <a:r>
+              <a:rPr lang="zh-CN" altLang="en-US"/>
+              <a:t>我们得出的结论是，改变振动的持续时间、强度、节奏和粗糙度是很好的选择，应该在我们的研究中进行测试。</a:t>
+            </a:r>
+            <a:endParaRPr lang="en-US" altLang="zh-CN"/>
+          </a:p>
+          <a:p>
+            <a:pPr marL="342900" indent="-342900">
+              <a:buAutoNum type="arabicPeriod"/>
+              <a:defRPr/>
+            </a:pPr>
+            <a:r>
+              <a:rPr lang="zh-CN" altLang="en-US" b="0" i="0">
+                <a:effectLst/>
+                <a:latin typeface="-apple-system"/>
+              </a:rPr>
+              <a:t>我们决定始终使用短（</a:t>
+            </a:r>
+            <a:r>
+              <a:rPr lang="en-US" altLang="zh-CN" b="0" i="0">
+                <a:effectLst/>
+                <a:latin typeface="-apple-system"/>
+              </a:rPr>
+              <a:t>50 </a:t>
+            </a:r>
+            <a:r>
+              <a:rPr lang="zh-CN" altLang="en-US" b="0" i="0">
+                <a:effectLst/>
+                <a:latin typeface="-apple-system"/>
+              </a:rPr>
+              <a:t>毫秒）且强烈的振动来传达当前方向，因为这是最简单且易于感知的触觉。</a:t>
+            </a:r>
+            <a:endParaRPr lang="en-US" altLang="zh-CN" b="0" i="0">
+              <a:effectLst/>
+              <a:latin typeface="-apple-system"/>
+            </a:endParaRPr>
+          </a:p>
+          <a:p>
+            <a:pPr marL="342900" indent="-342900">
+              <a:buAutoNum type="arabicPeriod"/>
+              <a:defRPr/>
+            </a:pPr>
+            <a:endParaRPr lang="en-US" altLang="zh-CN"/>
+          </a:p>
+        </p:txBody>
+      </p:sp>
+    </p:spTree>
+    <p:extLst>
+      <p:ext uri="{BB962C8B-B14F-4D97-AF65-F5344CB8AC3E}">
+        <p14:creationId xmlns:p14="http://schemas.microsoft.com/office/powerpoint/2010/main" val="4264879474"/>
+      </p:ext>
+    </p:extLst>
+  </p:cSld>
+  <p:clrMapOvr>
+    <a:masterClrMapping/>
+  </p:clrMapOvr>
+  <mc:AlternateContent xmlns:mc="http://schemas.openxmlformats.org/markup-compatibility/2006" xmlns:p14="http://schemas.microsoft.com/office/powerpoint/2010/main">
+    <mc:Choice Requires="p14">
+      <p:transition spd="slow" p14:dur="1500" advTm="0">
+        <p:random/>
+      </p:transition>
+    </mc:Choice>
+    <mc:Fallback xmlns="">
+      <p:transition spd="slow" advTm="0">
+        <p:random/>
+      </p:transition>
+    </mc:Fallback>
+  </mc:AlternateContent>
+</p:sld>
+</file>
+
 <file path=ppt/slides/slide2.xml><?xml version="1.0" encoding="utf-8"?>
 <p:sld xmlns:a="http://schemas.openxmlformats.org/drawingml/2006/main" xmlns:r="http://schemas.openxmlformats.org/officeDocument/2006/relationships" xmlns:p="http://schemas.openxmlformats.org/presentationml/2006/main">
   <p:cSld>
